--- a/ppt/arm/Cache_and_data_coherency_V02.pptx
+++ b/ppt/arm/Cache_and_data_coherency_V02.pptx
@@ -15063,6 +15063,524 @@
           </a:p>
         </p:txBody>
       </p:sp>
+      <p:sp>
+        <p:nvSpPr>
+          <p:cNvPr id="24" name="矩形 23">
+            <a:extLst>
+              <a:ext uri="{FF2B5EF4-FFF2-40B4-BE49-F238E27FC236}">
+                <a16:creationId xmlns:a16="http://schemas.microsoft.com/office/drawing/2014/main" id="{FFC37B5E-2231-4538-8886-AF17CA5C93B1}"/>
+              </a:ext>
+            </a:extLst>
+          </p:cNvPr>
+          <p:cNvSpPr/>
+          <p:nvPr/>
+        </p:nvSpPr>
+        <p:spPr>
+          <a:xfrm>
+            <a:off x="7736657" y="1899076"/>
+            <a:ext cx="3304673" cy="3059848"/>
+          </a:xfrm>
+          <a:prstGeom prst="rect">
+            <a:avLst/>
+          </a:prstGeom>
+          <a:solidFill>
+            <a:srgbClr val="3C3C3B"/>
+          </a:solidFill>
+          <a:ln>
+            <a:noFill/>
+          </a:ln>
+        </p:spPr>
+        <p:style>
+          <a:lnRef idx="2">
+            <a:schemeClr val="accent1">
+              <a:shade val="50000"/>
+            </a:schemeClr>
+          </a:lnRef>
+          <a:fillRef idx="1">
+            <a:schemeClr val="accent1"/>
+          </a:fillRef>
+          <a:effectRef idx="0">
+            <a:schemeClr val="accent1"/>
+          </a:effectRef>
+          <a:fontRef idx="minor">
+            <a:schemeClr val="lt1"/>
+          </a:fontRef>
+        </p:style>
+        <p:txBody>
+          <a:bodyPr rtlCol="0" anchor="t"/>
+          <a:lstStyle/>
+          <a:p>
+            <a:pPr algn="ctr"/>
+            <a:r>
+              <a:rPr lang="en-US" altLang="zh-CN" sz="1600" b="1" dirty="0">
+                <a:solidFill>
+                  <a:schemeClr val="bg1"/>
+                </a:solidFill>
+                <a:latin typeface="Gill Sans MT" panose="020B0502020104020203" pitchFamily="34" charset="0"/>
+              </a:rPr>
+              <a:t>Bootloader</a:t>
+            </a:r>
+            <a:endParaRPr lang="zh-CN" altLang="en-US" sz="1600" b="1" dirty="0">
+              <a:solidFill>
+                <a:schemeClr val="bg1"/>
+              </a:solidFill>
+              <a:latin typeface="Gill Sans MT" panose="020B0502020104020203" pitchFamily="34" charset="0"/>
+            </a:endParaRPr>
+          </a:p>
+        </p:txBody>
+      </p:sp>
+      <p:sp>
+        <p:nvSpPr>
+          <p:cNvPr id="25" name="Rectangle 6">
+            <a:extLst>
+              <a:ext uri="{FF2B5EF4-FFF2-40B4-BE49-F238E27FC236}">
+                <a16:creationId xmlns:a16="http://schemas.microsoft.com/office/drawing/2014/main" id="{407DDBE9-6E02-4511-BF84-A8E6A3FA15FB}"/>
+              </a:ext>
+            </a:extLst>
+          </p:cNvPr>
+          <p:cNvSpPr/>
+          <p:nvPr/>
+        </p:nvSpPr>
+        <p:spPr>
+          <a:xfrm>
+            <a:off x="8041204" y="2328495"/>
+            <a:ext cx="2695578" cy="186105"/>
+          </a:xfrm>
+          <a:prstGeom prst="rect">
+            <a:avLst/>
+          </a:prstGeom>
+          <a:solidFill>
+            <a:schemeClr val="accent4"/>
+          </a:solidFill>
+          <a:ln>
+            <a:noFill/>
+          </a:ln>
+          <a:effectLst/>
+        </p:spPr>
+        <p:style>
+          <a:lnRef idx="1">
+            <a:schemeClr val="accent2"/>
+          </a:lnRef>
+          <a:fillRef idx="2">
+            <a:schemeClr val="accent2"/>
+          </a:fillRef>
+          <a:effectRef idx="1">
+            <a:schemeClr val="accent2"/>
+          </a:effectRef>
+          <a:fontRef idx="minor">
+            <a:schemeClr val="dk1"/>
+          </a:fontRef>
+        </p:style>
+        <p:txBody>
+          <a:bodyPr rtlCol="0" anchor="ctr"/>
+          <a:lstStyle/>
+          <a:p>
+            <a:pPr algn="ctr"/>
+            <a:r>
+              <a:rPr lang="en-GB" sz="1400" dirty="0">
+                <a:solidFill>
+                  <a:schemeClr val="bg1"/>
+                </a:solidFill>
+                <a:latin typeface="Gill Sans MT" panose="020B0502020104020203" pitchFamily="34" charset="0"/>
+              </a:rPr>
+              <a:t>SoC ROM Bootloader</a:t>
+            </a:r>
+          </a:p>
+        </p:txBody>
+      </p:sp>
+      <p:sp>
+        <p:nvSpPr>
+          <p:cNvPr id="26" name="Rectangle 6">
+            <a:extLst>
+              <a:ext uri="{FF2B5EF4-FFF2-40B4-BE49-F238E27FC236}">
+                <a16:creationId xmlns:a16="http://schemas.microsoft.com/office/drawing/2014/main" id="{6FB29DA3-B1AB-4C4C-BDD1-7102CAF2EC64}"/>
+              </a:ext>
+            </a:extLst>
+          </p:cNvPr>
+          <p:cNvSpPr/>
+          <p:nvPr/>
+        </p:nvSpPr>
+        <p:spPr>
+          <a:xfrm>
+            <a:off x="8041204" y="3343752"/>
+            <a:ext cx="2695578" cy="432048"/>
+          </a:xfrm>
+          <a:prstGeom prst="rect">
+            <a:avLst/>
+          </a:prstGeom>
+          <a:solidFill>
+            <a:schemeClr val="accent4"/>
+          </a:solidFill>
+          <a:ln>
+            <a:noFill/>
+          </a:ln>
+          <a:effectLst/>
+        </p:spPr>
+        <p:style>
+          <a:lnRef idx="1">
+            <a:schemeClr val="accent2"/>
+          </a:lnRef>
+          <a:fillRef idx="2">
+            <a:schemeClr val="accent2"/>
+          </a:fillRef>
+          <a:effectRef idx="1">
+            <a:schemeClr val="accent2"/>
+          </a:effectRef>
+          <a:fontRef idx="minor">
+            <a:schemeClr val="dk1"/>
+          </a:fontRef>
+        </p:style>
+        <p:txBody>
+          <a:bodyPr rtlCol="0" anchor="ctr"/>
+          <a:lstStyle/>
+          <a:p>
+            <a:pPr algn="ctr"/>
+            <a:r>
+              <a:rPr lang="en-GB" sz="1400" dirty="0">
+                <a:solidFill>
+                  <a:schemeClr val="bg1"/>
+                </a:solidFill>
+                <a:latin typeface="Gill Sans MT" panose="020B0502020104020203" pitchFamily="34" charset="0"/>
+              </a:rPr>
+              <a:t>First Stage Bootloader</a:t>
+            </a:r>
+          </a:p>
+        </p:txBody>
+      </p:sp>
+      <p:sp>
+        <p:nvSpPr>
+          <p:cNvPr id="27" name="Rectangle 6">
+            <a:extLst>
+              <a:ext uri="{FF2B5EF4-FFF2-40B4-BE49-F238E27FC236}">
+                <a16:creationId xmlns:a16="http://schemas.microsoft.com/office/drawing/2014/main" id="{21607300-8BC3-48EB-A3F0-FBDB47E709E2}"/>
+              </a:ext>
+            </a:extLst>
+          </p:cNvPr>
+          <p:cNvSpPr/>
+          <p:nvPr/>
+        </p:nvSpPr>
+        <p:spPr>
+          <a:xfrm>
+            <a:off x="8023846" y="4359009"/>
+            <a:ext cx="2695578" cy="432048"/>
+          </a:xfrm>
+          <a:prstGeom prst="rect">
+            <a:avLst/>
+          </a:prstGeom>
+          <a:solidFill>
+            <a:schemeClr val="accent4"/>
+          </a:solidFill>
+          <a:ln>
+            <a:noFill/>
+          </a:ln>
+          <a:effectLst/>
+        </p:spPr>
+        <p:style>
+          <a:lnRef idx="1">
+            <a:schemeClr val="accent2"/>
+          </a:lnRef>
+          <a:fillRef idx="2">
+            <a:schemeClr val="accent2"/>
+          </a:fillRef>
+          <a:effectRef idx="1">
+            <a:schemeClr val="accent2"/>
+          </a:effectRef>
+          <a:fontRef idx="minor">
+            <a:schemeClr val="dk1"/>
+          </a:fontRef>
+        </p:style>
+        <p:txBody>
+          <a:bodyPr rtlCol="0" anchor="ctr"/>
+          <a:lstStyle/>
+          <a:p>
+            <a:pPr algn="ctr"/>
+            <a:r>
+              <a:rPr lang="en-GB" sz="1400" dirty="0">
+                <a:solidFill>
+                  <a:schemeClr val="bg1"/>
+                </a:solidFill>
+                <a:latin typeface="Gill Sans MT" panose="020B0502020104020203" pitchFamily="34" charset="0"/>
+              </a:rPr>
+              <a:t>Second Stage Bootloader</a:t>
+            </a:r>
+          </a:p>
+        </p:txBody>
+      </p:sp>
+      <p:sp>
+        <p:nvSpPr>
+          <p:cNvPr id="28" name="Down Arrow 50">
+            <a:extLst>
+              <a:ext uri="{FF2B5EF4-FFF2-40B4-BE49-F238E27FC236}">
+                <a16:creationId xmlns:a16="http://schemas.microsoft.com/office/drawing/2014/main" id="{65F5C763-C77A-4C97-8473-B6E2AFCA1F83}"/>
+              </a:ext>
+            </a:extLst>
+          </p:cNvPr>
+          <p:cNvSpPr/>
+          <p:nvPr/>
+        </p:nvSpPr>
+        <p:spPr>
+          <a:xfrm rot="3062798">
+            <a:off x="9355581" y="2740606"/>
+            <a:ext cx="531651" cy="582427"/>
+          </a:xfrm>
+          <a:prstGeom prst="downArrow">
+            <a:avLst/>
+          </a:prstGeom>
+          <a:solidFill>
+            <a:schemeClr val="accent1"/>
+          </a:solidFill>
+          <a:ln>
+            <a:noFill/>
+          </a:ln>
+          <a:effectLst/>
+        </p:spPr>
+        <p:style>
+          <a:lnRef idx="1">
+            <a:schemeClr val="accent2"/>
+          </a:lnRef>
+          <a:fillRef idx="2">
+            <a:schemeClr val="accent2"/>
+          </a:fillRef>
+          <a:effectRef idx="1">
+            <a:schemeClr val="accent2"/>
+          </a:effectRef>
+          <a:fontRef idx="minor">
+            <a:schemeClr val="dk1"/>
+          </a:fontRef>
+        </p:style>
+        <p:txBody>
+          <a:bodyPr rtlCol="0" anchor="t"/>
+          <a:lstStyle/>
+          <a:p>
+            <a:pPr algn="ctr"/>
+            <a:endParaRPr lang="en-GB" sz="1400" dirty="0">
+              <a:solidFill>
+                <a:schemeClr val="tx1"/>
+              </a:solidFill>
+              <a:latin typeface="Gill Sans MT" panose="020B0502020104020203" pitchFamily="34" charset="0"/>
+            </a:endParaRPr>
+          </a:p>
+        </p:txBody>
+      </p:sp>
+      <p:sp>
+        <p:nvSpPr>
+          <p:cNvPr id="29" name="Down Arrow 50">
+            <a:extLst>
+              <a:ext uri="{FF2B5EF4-FFF2-40B4-BE49-F238E27FC236}">
+                <a16:creationId xmlns:a16="http://schemas.microsoft.com/office/drawing/2014/main" id="{25050C27-83F1-4CD4-9A75-BF134AAA75C6}"/>
+              </a:ext>
+            </a:extLst>
+          </p:cNvPr>
+          <p:cNvSpPr/>
+          <p:nvPr/>
+        </p:nvSpPr>
+        <p:spPr>
+          <a:xfrm>
+            <a:off x="9102123" y="3855709"/>
+            <a:ext cx="531651" cy="432048"/>
+          </a:xfrm>
+          <a:prstGeom prst="downArrow">
+            <a:avLst/>
+          </a:prstGeom>
+          <a:solidFill>
+            <a:schemeClr val="accent1"/>
+          </a:solidFill>
+          <a:ln>
+            <a:noFill/>
+          </a:ln>
+          <a:effectLst/>
+        </p:spPr>
+        <p:style>
+          <a:lnRef idx="1">
+            <a:schemeClr val="accent2"/>
+          </a:lnRef>
+          <a:fillRef idx="2">
+            <a:schemeClr val="accent2"/>
+          </a:fillRef>
+          <a:effectRef idx="1">
+            <a:schemeClr val="accent2"/>
+          </a:effectRef>
+          <a:fontRef idx="minor">
+            <a:schemeClr val="dk1"/>
+          </a:fontRef>
+        </p:style>
+        <p:txBody>
+          <a:bodyPr rtlCol="0" anchor="t"/>
+          <a:lstStyle/>
+          <a:p>
+            <a:pPr algn="ctr"/>
+            <a:endParaRPr lang="en-GB" sz="1400" dirty="0">
+              <a:solidFill>
+                <a:schemeClr val="tx1"/>
+              </a:solidFill>
+              <a:latin typeface="Gill Sans MT" panose="020B0502020104020203" pitchFamily="34" charset="0"/>
+            </a:endParaRPr>
+          </a:p>
+        </p:txBody>
+      </p:sp>
+      <p:sp>
+        <p:nvSpPr>
+          <p:cNvPr id="30" name="Rectangle 6">
+            <a:extLst>
+              <a:ext uri="{FF2B5EF4-FFF2-40B4-BE49-F238E27FC236}">
+                <a16:creationId xmlns:a16="http://schemas.microsoft.com/office/drawing/2014/main" id="{A3A8DF56-B934-4F53-B89B-040360C80F65}"/>
+              </a:ext>
+            </a:extLst>
+          </p:cNvPr>
+          <p:cNvSpPr/>
+          <p:nvPr/>
+        </p:nvSpPr>
+        <p:spPr>
+          <a:xfrm>
+            <a:off x="8041204" y="2513337"/>
+            <a:ext cx="1186617" cy="186105"/>
+          </a:xfrm>
+          <a:prstGeom prst="rect">
+            <a:avLst/>
+          </a:prstGeom>
+          <a:solidFill>
+            <a:srgbClr val="C00000"/>
+          </a:solidFill>
+          <a:ln>
+            <a:noFill/>
+          </a:ln>
+          <a:effectLst/>
+        </p:spPr>
+        <p:style>
+          <a:lnRef idx="1">
+            <a:schemeClr val="accent2"/>
+          </a:lnRef>
+          <a:fillRef idx="2">
+            <a:schemeClr val="accent2"/>
+          </a:fillRef>
+          <a:effectRef idx="1">
+            <a:schemeClr val="accent2"/>
+          </a:effectRef>
+          <a:fontRef idx="minor">
+            <a:schemeClr val="dk1"/>
+          </a:fontRef>
+        </p:style>
+        <p:txBody>
+          <a:bodyPr rtlCol="0" anchor="ctr"/>
+          <a:lstStyle/>
+          <a:p>
+            <a:pPr algn="ctr"/>
+            <a:r>
+              <a:rPr lang="en-GB" sz="1100" dirty="0">
+                <a:solidFill>
+                  <a:schemeClr val="bg1"/>
+                </a:solidFill>
+                <a:latin typeface="Gill Sans MT" panose="020B0502020104020203" pitchFamily="34" charset="0"/>
+              </a:rPr>
+              <a:t>Secure ROM </a:t>
+            </a:r>
+          </a:p>
+        </p:txBody>
+      </p:sp>
+      <p:sp>
+        <p:nvSpPr>
+          <p:cNvPr id="31" name="Rectangle 6">
+            <a:extLst>
+              <a:ext uri="{FF2B5EF4-FFF2-40B4-BE49-F238E27FC236}">
+                <a16:creationId xmlns:a16="http://schemas.microsoft.com/office/drawing/2014/main" id="{EB9531BD-1B84-43BA-B201-0803F344EEE8}"/>
+              </a:ext>
+            </a:extLst>
+          </p:cNvPr>
+          <p:cNvSpPr/>
+          <p:nvPr/>
+        </p:nvSpPr>
+        <p:spPr>
+          <a:xfrm>
+            <a:off x="9550165" y="2519819"/>
+            <a:ext cx="1186617" cy="186105"/>
+          </a:xfrm>
+          <a:prstGeom prst="rect">
+            <a:avLst/>
+          </a:prstGeom>
+          <a:solidFill>
+            <a:srgbClr val="C00000"/>
+          </a:solidFill>
+          <a:ln>
+            <a:noFill/>
+          </a:ln>
+          <a:effectLst/>
+        </p:spPr>
+        <p:style>
+          <a:lnRef idx="1">
+            <a:schemeClr val="accent2"/>
+          </a:lnRef>
+          <a:fillRef idx="2">
+            <a:schemeClr val="accent2"/>
+          </a:fillRef>
+          <a:effectRef idx="1">
+            <a:schemeClr val="accent2"/>
+          </a:effectRef>
+          <a:fontRef idx="minor">
+            <a:schemeClr val="dk1"/>
+          </a:fontRef>
+        </p:style>
+        <p:txBody>
+          <a:bodyPr rtlCol="0" anchor="ctr"/>
+          <a:lstStyle/>
+          <a:p>
+            <a:pPr algn="ctr"/>
+            <a:r>
+              <a:rPr lang="en-GB" sz="1100" dirty="0">
+                <a:solidFill>
+                  <a:schemeClr val="bg1"/>
+                </a:solidFill>
+                <a:latin typeface="Gill Sans MT" panose="020B0502020104020203" pitchFamily="34" charset="0"/>
+              </a:rPr>
+              <a:t>Public ROM </a:t>
+            </a:r>
+          </a:p>
+        </p:txBody>
+      </p:sp>
+      <p:cxnSp>
+        <p:nvCxnSpPr>
+          <p:cNvPr id="3" name="直接箭头连接符 2">
+            <a:extLst>
+              <a:ext uri="{FF2B5EF4-FFF2-40B4-BE49-F238E27FC236}">
+                <a16:creationId xmlns:a16="http://schemas.microsoft.com/office/drawing/2014/main" id="{5BD1CB68-07F2-440B-9BA8-25908AAFC4D1}"/>
+              </a:ext>
+            </a:extLst>
+          </p:cNvPr>
+          <p:cNvCxnSpPr>
+            <a:cxnSpLocks/>
+            <a:endCxn id="31" idx="1"/>
+          </p:cNvCxnSpPr>
+          <p:nvPr/>
+        </p:nvCxnSpPr>
+        <p:spPr>
+          <a:xfrm>
+            <a:off x="9227820" y="2612872"/>
+            <a:ext cx="322345" cy="0"/>
+          </a:xfrm>
+          <a:prstGeom prst="straightConnector1">
+            <a:avLst/>
+          </a:prstGeom>
+          <a:ln w="28575">
+            <a:solidFill>
+              <a:srgbClr val="C00000"/>
+            </a:solidFill>
+            <a:tailEnd type="triangle"/>
+          </a:ln>
+        </p:spPr>
+        <p:style>
+          <a:lnRef idx="1">
+            <a:schemeClr val="accent1"/>
+          </a:lnRef>
+          <a:fillRef idx="0">
+            <a:schemeClr val="accent1"/>
+          </a:fillRef>
+          <a:effectRef idx="0">
+            <a:schemeClr val="accent1"/>
+          </a:effectRef>
+          <a:fontRef idx="minor">
+            <a:schemeClr val="tx1"/>
+          </a:fontRef>
+        </p:style>
+      </p:cxnSp>
     </p:spTree>
     <p:extLst>
       <p:ext uri="{BB962C8B-B14F-4D97-AF65-F5344CB8AC3E}">

--- a/ppt/arm/Cache_and_data_coherency_V02.pptx
+++ b/ppt/arm/Cache_and_data_coherency_V02.pptx
@@ -5,7 +5,7 @@
     <p:sldMasterId id="2147483664" r:id="rId1"/>
   </p:sldMasterIdLst>
   <p:notesMasterIdLst>
-    <p:notesMasterId r:id="rId31"/>
+    <p:notesMasterId r:id="rId32"/>
   </p:notesMasterIdLst>
   <p:sldIdLst>
     <p:sldId id="325" r:id="rId2"/>
@@ -14,29 +14,30 @@
     <p:sldId id="378" r:id="rId5"/>
     <p:sldId id="398" r:id="rId6"/>
     <p:sldId id="396" r:id="rId7"/>
-    <p:sldId id="397" r:id="rId8"/>
-    <p:sldId id="399" r:id="rId9"/>
-    <p:sldId id="400" r:id="rId10"/>
-    <p:sldId id="401" r:id="rId11"/>
-    <p:sldId id="402" r:id="rId12"/>
-    <p:sldId id="313" r:id="rId13"/>
-    <p:sldId id="385" r:id="rId14"/>
-    <p:sldId id="380" r:id="rId15"/>
-    <p:sldId id="379" r:id="rId16"/>
-    <p:sldId id="381" r:id="rId17"/>
-    <p:sldId id="382" r:id="rId18"/>
-    <p:sldId id="370" r:id="rId19"/>
-    <p:sldId id="384" r:id="rId20"/>
-    <p:sldId id="392" r:id="rId21"/>
-    <p:sldId id="371" r:id="rId22"/>
-    <p:sldId id="383" r:id="rId23"/>
-    <p:sldId id="387" r:id="rId24"/>
-    <p:sldId id="389" r:id="rId25"/>
-    <p:sldId id="390" r:id="rId26"/>
-    <p:sldId id="391" r:id="rId27"/>
-    <p:sldId id="393" r:id="rId28"/>
-    <p:sldId id="394" r:id="rId29"/>
-    <p:sldId id="268" r:id="rId30"/>
+    <p:sldId id="403" r:id="rId8"/>
+    <p:sldId id="397" r:id="rId9"/>
+    <p:sldId id="399" r:id="rId10"/>
+    <p:sldId id="400" r:id="rId11"/>
+    <p:sldId id="401" r:id="rId12"/>
+    <p:sldId id="402" r:id="rId13"/>
+    <p:sldId id="313" r:id="rId14"/>
+    <p:sldId id="385" r:id="rId15"/>
+    <p:sldId id="380" r:id="rId16"/>
+    <p:sldId id="379" r:id="rId17"/>
+    <p:sldId id="381" r:id="rId18"/>
+    <p:sldId id="382" r:id="rId19"/>
+    <p:sldId id="370" r:id="rId20"/>
+    <p:sldId id="384" r:id="rId21"/>
+    <p:sldId id="392" r:id="rId22"/>
+    <p:sldId id="371" r:id="rId23"/>
+    <p:sldId id="383" r:id="rId24"/>
+    <p:sldId id="387" r:id="rId25"/>
+    <p:sldId id="389" r:id="rId26"/>
+    <p:sldId id="390" r:id="rId27"/>
+    <p:sldId id="391" r:id="rId28"/>
+    <p:sldId id="393" r:id="rId29"/>
+    <p:sldId id="394" r:id="rId30"/>
+    <p:sldId id="268" r:id="rId31"/>
   </p:sldIdLst>
   <p:sldSz cx="12192000" cy="6858000"/>
   <p:notesSz cx="6858000" cy="9144000"/>
@@ -237,7 +238,7 @@
           <a:p>
             <a:fld id="{3138861F-2501-4E3F-925D-A003753D4EC1}" type="datetimeFigureOut">
               <a:rPr lang="zh-CN" altLang="en-US" smtClean="0"/>
-              <a:t>2022/5/20</a:t>
+              <a:t>2022/6/3</a:t>
             </a:fld>
             <a:endParaRPr lang="zh-CN" altLang="en-US"/>
           </a:p>
@@ -575,7 +576,7 @@
               <a:pPr>
                 <a:defRPr/>
               </a:pPr>
-              <a:t>12</a:t>
+              <a:t>13</a:t>
             </a:fld>
             <a:endParaRPr lang="en-US" altLang="en-US"/>
           </a:p>
@@ -9515,6 +9516,3797 @@
 </file>
 
 <file path=ppt/slides/slide10.xml><?xml version="1.0" encoding="utf-8"?>
+<p:sld xmlns:a="http://schemas.openxmlformats.org/drawingml/2006/main" xmlns:r="http://schemas.openxmlformats.org/officeDocument/2006/relationships" xmlns:p="http://schemas.openxmlformats.org/presentationml/2006/main">
+  <p:cSld>
+    <p:spTree>
+      <p:nvGrpSpPr>
+        <p:cNvPr id="1" name=""/>
+        <p:cNvGrpSpPr/>
+        <p:nvPr/>
+      </p:nvGrpSpPr>
+      <p:grpSpPr>
+        <a:xfrm>
+          <a:off x="0" y="0"/>
+          <a:ext cx="0" cy="0"/>
+          <a:chOff x="0" y="0"/>
+          <a:chExt cx="0" cy="0"/>
+        </a:xfrm>
+      </p:grpSpPr>
+      <p:sp>
+        <p:nvSpPr>
+          <p:cNvPr id="116" name="矩形 115">
+            <a:extLst>
+              <a:ext uri="{FF2B5EF4-FFF2-40B4-BE49-F238E27FC236}">
+                <a16:creationId xmlns:a16="http://schemas.microsoft.com/office/drawing/2014/main" id="{D44290CA-AB40-4DAC-94DD-21CFB039868C}"/>
+              </a:ext>
+            </a:extLst>
+          </p:cNvPr>
+          <p:cNvSpPr/>
+          <p:nvPr/>
+        </p:nvSpPr>
+        <p:spPr>
+          <a:xfrm>
+            <a:off x="6564041" y="5018653"/>
+            <a:ext cx="4820570" cy="1139215"/>
+          </a:xfrm>
+          <a:prstGeom prst="rect">
+            <a:avLst/>
+          </a:prstGeom>
+          <a:solidFill>
+            <a:srgbClr val="DADADA"/>
+          </a:solidFill>
+          <a:ln>
+            <a:solidFill>
+              <a:srgbClr val="DADADA"/>
+            </a:solidFill>
+          </a:ln>
+        </p:spPr>
+        <p:style>
+          <a:lnRef idx="2">
+            <a:schemeClr val="accent1">
+              <a:shade val="50000"/>
+            </a:schemeClr>
+          </a:lnRef>
+          <a:fillRef idx="1">
+            <a:schemeClr val="accent1"/>
+          </a:fillRef>
+          <a:effectRef idx="0">
+            <a:schemeClr val="accent1"/>
+          </a:effectRef>
+          <a:fontRef idx="minor">
+            <a:schemeClr val="lt1"/>
+          </a:fontRef>
+        </p:style>
+        <p:txBody>
+          <a:bodyPr rtlCol="0" anchor="b"/>
+          <a:lstStyle/>
+          <a:p>
+            <a:pPr algn="ctr"/>
+            <a:r>
+              <a:rPr lang="en-US" altLang="zh-CN" sz="1400" dirty="0">
+                <a:solidFill>
+                  <a:srgbClr val="3C3C3B"/>
+                </a:solidFill>
+                <a:latin typeface="Gill Sans MT" panose="020B0502020104020203" pitchFamily="34" charset="0"/>
+              </a:rPr>
+              <a:t>TTBRx_EL1</a:t>
+            </a:r>
+            <a:endParaRPr lang="zh-CN" altLang="en-US" sz="1400" dirty="0">
+              <a:solidFill>
+                <a:srgbClr val="3C3C3B"/>
+              </a:solidFill>
+              <a:latin typeface="Gill Sans MT" panose="020B0502020104020203" pitchFamily="34" charset="0"/>
+            </a:endParaRPr>
+          </a:p>
+        </p:txBody>
+      </p:sp>
+      <p:sp>
+        <p:nvSpPr>
+          <p:cNvPr id="74" name="矩形 73">
+            <a:extLst>
+              <a:ext uri="{FF2B5EF4-FFF2-40B4-BE49-F238E27FC236}">
+                <a16:creationId xmlns:a16="http://schemas.microsoft.com/office/drawing/2014/main" id="{705A7BDA-F10C-4A4F-8983-F4EB70785923}"/>
+              </a:ext>
+            </a:extLst>
+          </p:cNvPr>
+          <p:cNvSpPr/>
+          <p:nvPr/>
+        </p:nvSpPr>
+        <p:spPr>
+          <a:xfrm>
+            <a:off x="1443267" y="634122"/>
+            <a:ext cx="4820572" cy="3413989"/>
+          </a:xfrm>
+          <a:prstGeom prst="rect">
+            <a:avLst/>
+          </a:prstGeom>
+          <a:solidFill>
+            <a:srgbClr val="DADADA"/>
+          </a:solidFill>
+          <a:ln>
+            <a:solidFill>
+              <a:srgbClr val="DADADA"/>
+            </a:solidFill>
+          </a:ln>
+        </p:spPr>
+        <p:style>
+          <a:lnRef idx="2">
+            <a:schemeClr val="accent1">
+              <a:shade val="50000"/>
+            </a:schemeClr>
+          </a:lnRef>
+          <a:fillRef idx="1">
+            <a:schemeClr val="accent1"/>
+          </a:fillRef>
+          <a:effectRef idx="0">
+            <a:schemeClr val="accent1"/>
+          </a:effectRef>
+          <a:fontRef idx="minor">
+            <a:schemeClr val="lt1"/>
+          </a:fontRef>
+        </p:style>
+        <p:txBody>
+          <a:bodyPr rtlCol="0" anchor="b"/>
+          <a:lstStyle/>
+          <a:p>
+            <a:pPr algn="ctr"/>
+            <a:r>
+              <a:rPr lang="en-US" altLang="zh-CN" sz="1400" dirty="0">
+                <a:solidFill>
+                  <a:srgbClr val="3C3C3B"/>
+                </a:solidFill>
+                <a:latin typeface="Gill Sans MT" panose="020B0502020104020203" pitchFamily="34" charset="0"/>
+              </a:rPr>
+              <a:t>Process Perspective</a:t>
+            </a:r>
+            <a:endParaRPr lang="zh-CN" altLang="en-US" sz="1400" dirty="0">
+              <a:solidFill>
+                <a:srgbClr val="3C3C3B"/>
+              </a:solidFill>
+              <a:latin typeface="Gill Sans MT" panose="020B0502020104020203" pitchFamily="34" charset="0"/>
+            </a:endParaRPr>
+          </a:p>
+        </p:txBody>
+      </p:sp>
+      <p:sp>
+        <p:nvSpPr>
+          <p:cNvPr id="84" name="矩形 83">
+            <a:extLst>
+              <a:ext uri="{FF2B5EF4-FFF2-40B4-BE49-F238E27FC236}">
+                <a16:creationId xmlns:a16="http://schemas.microsoft.com/office/drawing/2014/main" id="{45EBF538-E6BD-4B08-AB10-84AB39460CE3}"/>
+              </a:ext>
+            </a:extLst>
+          </p:cNvPr>
+          <p:cNvSpPr/>
+          <p:nvPr/>
+        </p:nvSpPr>
+        <p:spPr>
+          <a:xfrm>
+            <a:off x="6963422" y="5282748"/>
+            <a:ext cx="1228078" cy="482329"/>
+          </a:xfrm>
+          <a:prstGeom prst="rect">
+            <a:avLst/>
+          </a:prstGeom>
+          <a:solidFill>
+            <a:srgbClr val="7030A0"/>
+          </a:solidFill>
+          <a:ln>
+            <a:noFill/>
+          </a:ln>
+        </p:spPr>
+        <p:style>
+          <a:lnRef idx="2">
+            <a:schemeClr val="accent1">
+              <a:shade val="50000"/>
+            </a:schemeClr>
+          </a:lnRef>
+          <a:fillRef idx="1">
+            <a:schemeClr val="accent1"/>
+          </a:fillRef>
+          <a:effectRef idx="0">
+            <a:schemeClr val="accent1"/>
+          </a:effectRef>
+          <a:fontRef idx="minor">
+            <a:schemeClr val="lt1"/>
+          </a:fontRef>
+        </p:style>
+        <p:txBody>
+          <a:bodyPr rtlCol="0" anchor="ctr"/>
+          <a:lstStyle/>
+          <a:p>
+            <a:pPr algn="ctr"/>
+            <a:r>
+              <a:rPr lang="en-US" altLang="zh-CN" sz="1600" dirty="0">
+                <a:solidFill>
+                  <a:schemeClr val="bg1"/>
+                </a:solidFill>
+                <a:latin typeface="Gill Sans MT" panose="020B0502020104020203" pitchFamily="34" charset="0"/>
+              </a:rPr>
+              <a:t>ASID</a:t>
+            </a:r>
+            <a:endParaRPr lang="zh-CN" altLang="en-US" sz="1600" dirty="0">
+              <a:solidFill>
+                <a:schemeClr val="bg1"/>
+              </a:solidFill>
+              <a:latin typeface="Gill Sans MT" panose="020B0502020104020203" pitchFamily="34" charset="0"/>
+            </a:endParaRPr>
+          </a:p>
+        </p:txBody>
+      </p:sp>
+      <p:sp>
+        <p:nvSpPr>
+          <p:cNvPr id="91" name="矩形 90">
+            <a:extLst>
+              <a:ext uri="{FF2B5EF4-FFF2-40B4-BE49-F238E27FC236}">
+                <a16:creationId xmlns:a16="http://schemas.microsoft.com/office/drawing/2014/main" id="{73A63802-B3F7-43CC-AA2E-2269E41D8107}"/>
+              </a:ext>
+            </a:extLst>
+          </p:cNvPr>
+          <p:cNvSpPr/>
+          <p:nvPr/>
+        </p:nvSpPr>
+        <p:spPr>
+          <a:xfrm>
+            <a:off x="11129643" y="2754994"/>
+            <a:ext cx="1621447" cy="526188"/>
+          </a:xfrm>
+          <a:prstGeom prst="rect">
+            <a:avLst/>
+          </a:prstGeom>
+          <a:solidFill>
+            <a:srgbClr val="3C3C3B"/>
+          </a:solidFill>
+          <a:ln>
+            <a:noFill/>
+          </a:ln>
+        </p:spPr>
+        <p:style>
+          <a:lnRef idx="2">
+            <a:schemeClr val="accent1">
+              <a:shade val="50000"/>
+            </a:schemeClr>
+          </a:lnRef>
+          <a:fillRef idx="1">
+            <a:schemeClr val="accent1"/>
+          </a:fillRef>
+          <a:effectRef idx="0">
+            <a:schemeClr val="accent1"/>
+          </a:effectRef>
+          <a:fontRef idx="minor">
+            <a:schemeClr val="lt1"/>
+          </a:fontRef>
+        </p:style>
+        <p:txBody>
+          <a:bodyPr rtlCol="0" anchor="ctr"/>
+          <a:lstStyle/>
+          <a:p>
+            <a:pPr algn="ctr"/>
+            <a:r>
+              <a:rPr lang="en-US" altLang="zh-CN" sz="1600" dirty="0">
+                <a:solidFill>
+                  <a:schemeClr val="bg1"/>
+                </a:solidFill>
+                <a:latin typeface="Gill Sans MT" panose="020B0502020104020203" pitchFamily="34" charset="0"/>
+              </a:rPr>
+              <a:t>Peripheral</a:t>
+            </a:r>
+            <a:endParaRPr lang="zh-CN" altLang="en-US" sz="1600" dirty="0">
+              <a:solidFill>
+                <a:schemeClr val="bg1"/>
+              </a:solidFill>
+              <a:latin typeface="Gill Sans MT" panose="020B0502020104020203" pitchFamily="34" charset="0"/>
+            </a:endParaRPr>
+          </a:p>
+        </p:txBody>
+      </p:sp>
+      <p:sp>
+        <p:nvSpPr>
+          <p:cNvPr id="92" name="矩形 91">
+            <a:extLst>
+              <a:ext uri="{FF2B5EF4-FFF2-40B4-BE49-F238E27FC236}">
+                <a16:creationId xmlns:a16="http://schemas.microsoft.com/office/drawing/2014/main" id="{6AA4DF23-E6DC-46C4-A05A-77E8F4868FB6}"/>
+              </a:ext>
+            </a:extLst>
+          </p:cNvPr>
+          <p:cNvSpPr/>
+          <p:nvPr/>
+        </p:nvSpPr>
+        <p:spPr>
+          <a:xfrm>
+            <a:off x="8191500" y="5282748"/>
+            <a:ext cx="3009900" cy="482329"/>
+          </a:xfrm>
+          <a:prstGeom prst="rect">
+            <a:avLst/>
+          </a:prstGeom>
+          <a:solidFill>
+            <a:srgbClr val="00698A"/>
+          </a:solidFill>
+          <a:ln>
+            <a:noFill/>
+          </a:ln>
+        </p:spPr>
+        <p:style>
+          <a:lnRef idx="2">
+            <a:schemeClr val="accent1">
+              <a:shade val="50000"/>
+            </a:schemeClr>
+          </a:lnRef>
+          <a:fillRef idx="1">
+            <a:schemeClr val="accent1"/>
+          </a:fillRef>
+          <a:effectRef idx="0">
+            <a:schemeClr val="accent1"/>
+          </a:effectRef>
+          <a:fontRef idx="minor">
+            <a:schemeClr val="lt1"/>
+          </a:fontRef>
+        </p:style>
+        <p:txBody>
+          <a:bodyPr rtlCol="0" anchor="ctr"/>
+          <a:lstStyle/>
+          <a:p>
+            <a:pPr algn="ctr"/>
+            <a:r>
+              <a:rPr lang="en-US" altLang="zh-CN" sz="1600" dirty="0">
+                <a:solidFill>
+                  <a:schemeClr val="bg1"/>
+                </a:solidFill>
+                <a:latin typeface="Gill Sans MT" panose="020B0502020104020203" pitchFamily="34" charset="0"/>
+              </a:rPr>
+              <a:t>Page table base address</a:t>
+            </a:r>
+            <a:endParaRPr lang="zh-CN" altLang="en-US" sz="1600" dirty="0">
+              <a:solidFill>
+                <a:schemeClr val="bg1"/>
+              </a:solidFill>
+              <a:latin typeface="Gill Sans MT" panose="020B0502020104020203" pitchFamily="34" charset="0"/>
+            </a:endParaRPr>
+          </a:p>
+        </p:txBody>
+      </p:sp>
+      <p:cxnSp>
+        <p:nvCxnSpPr>
+          <p:cNvPr id="93" name="直接箭头连接符 92">
+            <a:extLst>
+              <a:ext uri="{FF2B5EF4-FFF2-40B4-BE49-F238E27FC236}">
+                <a16:creationId xmlns:a16="http://schemas.microsoft.com/office/drawing/2014/main" id="{75CEFFC1-3C39-4634-8B75-C1C0970CD2B6}"/>
+              </a:ext>
+            </a:extLst>
+          </p:cNvPr>
+          <p:cNvCxnSpPr>
+            <a:cxnSpLocks/>
+          </p:cNvCxnSpPr>
+          <p:nvPr/>
+        </p:nvCxnSpPr>
+        <p:spPr>
+          <a:xfrm>
+            <a:off x="8884062" y="3435074"/>
+            <a:ext cx="0" cy="966599"/>
+          </a:xfrm>
+          <a:prstGeom prst="straightConnector1">
+            <a:avLst/>
+          </a:prstGeom>
+          <a:ln>
+            <a:solidFill>
+              <a:srgbClr val="3C3C3B"/>
+            </a:solidFill>
+            <a:headEnd type="triangle"/>
+            <a:tailEnd type="triangle"/>
+          </a:ln>
+        </p:spPr>
+        <p:style>
+          <a:lnRef idx="1">
+            <a:schemeClr val="accent1"/>
+          </a:lnRef>
+          <a:fillRef idx="0">
+            <a:schemeClr val="accent1"/>
+          </a:fillRef>
+          <a:effectRef idx="0">
+            <a:schemeClr val="accent1"/>
+          </a:effectRef>
+          <a:fontRef idx="minor">
+            <a:schemeClr val="tx1"/>
+          </a:fontRef>
+        </p:style>
+      </p:cxnSp>
+      <p:sp>
+        <p:nvSpPr>
+          <p:cNvPr id="97" name="文本框 96">
+            <a:extLst>
+              <a:ext uri="{FF2B5EF4-FFF2-40B4-BE49-F238E27FC236}">
+                <a16:creationId xmlns:a16="http://schemas.microsoft.com/office/drawing/2014/main" id="{5F1DEA95-69BB-40A9-A1A7-8276675BC290}"/>
+              </a:ext>
+            </a:extLst>
+          </p:cNvPr>
+          <p:cNvSpPr txBox="1"/>
+          <p:nvPr/>
+        </p:nvSpPr>
+        <p:spPr>
+          <a:xfrm>
+            <a:off x="9787638" y="3771112"/>
+            <a:ext cx="811421" cy="276999"/>
+          </a:xfrm>
+          <a:prstGeom prst="rect">
+            <a:avLst/>
+          </a:prstGeom>
+          <a:noFill/>
+        </p:spPr>
+        <p:txBody>
+          <a:bodyPr wrap="square">
+            <a:spAutoFit/>
+          </a:bodyPr>
+          <a:lstStyle/>
+          <a:p>
+            <a:pPr algn="ctr"/>
+            <a:r>
+              <a:rPr lang="en-US" altLang="zh-CN" sz="1200" dirty="0">
+                <a:solidFill>
+                  <a:srgbClr val="3C3C3B"/>
+                </a:solidFill>
+                <a:latin typeface="Gill Sans MT" panose="020B0502020104020203" pitchFamily="34" charset="0"/>
+              </a:rPr>
+              <a:t>Clean</a:t>
+            </a:r>
+            <a:endParaRPr lang="zh-CN" altLang="en-US" sz="1200" dirty="0">
+              <a:solidFill>
+                <a:srgbClr val="3C3C3B"/>
+              </a:solidFill>
+              <a:latin typeface="Gill Sans MT" panose="020B0502020104020203" pitchFamily="34" charset="0"/>
+            </a:endParaRPr>
+          </a:p>
+        </p:txBody>
+      </p:sp>
+      <p:sp>
+        <p:nvSpPr>
+          <p:cNvPr id="98" name="文本框 97">
+            <a:extLst>
+              <a:ext uri="{FF2B5EF4-FFF2-40B4-BE49-F238E27FC236}">
+                <a16:creationId xmlns:a16="http://schemas.microsoft.com/office/drawing/2014/main" id="{0EAC4DE1-4F32-4C2D-93E3-FA39ED416298}"/>
+              </a:ext>
+            </a:extLst>
+          </p:cNvPr>
+          <p:cNvSpPr txBox="1"/>
+          <p:nvPr/>
+        </p:nvSpPr>
+        <p:spPr>
+          <a:xfrm>
+            <a:off x="10694541" y="1996027"/>
+            <a:ext cx="1742224" cy="307777"/>
+          </a:xfrm>
+          <a:prstGeom prst="rect">
+            <a:avLst/>
+          </a:prstGeom>
+          <a:noFill/>
+        </p:spPr>
+        <p:txBody>
+          <a:bodyPr wrap="square">
+            <a:spAutoFit/>
+          </a:bodyPr>
+          <a:lstStyle/>
+          <a:p>
+            <a:pPr algn="ctr"/>
+            <a:r>
+              <a:rPr lang="en-US" altLang="zh-CN" sz="1400" dirty="0">
+                <a:solidFill>
+                  <a:srgbClr val="3C3C3B"/>
+                </a:solidFill>
+                <a:latin typeface="Gill Sans MT" panose="020B0502020104020203" pitchFamily="34" charset="0"/>
+              </a:rPr>
+              <a:t>Got new data</a:t>
+            </a:r>
+            <a:endParaRPr lang="zh-CN" altLang="en-US" sz="1400" dirty="0">
+              <a:solidFill>
+                <a:srgbClr val="3C3C3B"/>
+              </a:solidFill>
+              <a:latin typeface="Gill Sans MT" panose="020B0502020104020203" pitchFamily="34" charset="0"/>
+            </a:endParaRPr>
+          </a:p>
+        </p:txBody>
+      </p:sp>
+      <p:sp>
+        <p:nvSpPr>
+          <p:cNvPr id="99" name="矩形 98">
+            <a:extLst>
+              <a:ext uri="{FF2B5EF4-FFF2-40B4-BE49-F238E27FC236}">
+                <a16:creationId xmlns:a16="http://schemas.microsoft.com/office/drawing/2014/main" id="{A0AF6C08-5538-45E8-9ACE-F78C528B9F43}"/>
+              </a:ext>
+            </a:extLst>
+          </p:cNvPr>
+          <p:cNvSpPr/>
+          <p:nvPr/>
+        </p:nvSpPr>
+        <p:spPr>
+          <a:xfrm>
+            <a:off x="10514027" y="4394810"/>
+            <a:ext cx="221801" cy="475466"/>
+          </a:xfrm>
+          <a:prstGeom prst="rect">
+            <a:avLst/>
+          </a:prstGeom>
+          <a:solidFill>
+            <a:srgbClr val="C00000"/>
+          </a:solidFill>
+          <a:ln>
+            <a:noFill/>
+          </a:ln>
+        </p:spPr>
+        <p:style>
+          <a:lnRef idx="2">
+            <a:schemeClr val="accent1">
+              <a:shade val="50000"/>
+            </a:schemeClr>
+          </a:lnRef>
+          <a:fillRef idx="1">
+            <a:schemeClr val="accent1"/>
+          </a:fillRef>
+          <a:effectRef idx="0">
+            <a:schemeClr val="accent1"/>
+          </a:effectRef>
+          <a:fontRef idx="minor">
+            <a:schemeClr val="lt1"/>
+          </a:fontRef>
+        </p:style>
+        <p:txBody>
+          <a:bodyPr rtlCol="0" anchor="ctr"/>
+          <a:lstStyle/>
+          <a:p>
+            <a:pPr algn="ctr"/>
+            <a:endParaRPr lang="zh-CN" altLang="en-US" sz="1600" dirty="0">
+              <a:solidFill>
+                <a:schemeClr val="bg1"/>
+              </a:solidFill>
+              <a:latin typeface="Gill Sans MT" panose="020B0502020104020203" pitchFamily="34" charset="0"/>
+            </a:endParaRPr>
+          </a:p>
+        </p:txBody>
+      </p:sp>
+      <p:sp>
+        <p:nvSpPr>
+          <p:cNvPr id="100" name="文本框 99">
+            <a:extLst>
+              <a:ext uri="{FF2B5EF4-FFF2-40B4-BE49-F238E27FC236}">
+                <a16:creationId xmlns:a16="http://schemas.microsoft.com/office/drawing/2014/main" id="{CBCED290-942B-4E65-B995-4E87BC2D5512}"/>
+              </a:ext>
+            </a:extLst>
+          </p:cNvPr>
+          <p:cNvSpPr txBox="1"/>
+          <p:nvPr/>
+        </p:nvSpPr>
+        <p:spPr>
+          <a:xfrm>
+            <a:off x="7490455" y="5052858"/>
+            <a:ext cx="1384037" cy="261610"/>
+          </a:xfrm>
+          <a:prstGeom prst="rect">
+            <a:avLst/>
+          </a:prstGeom>
+          <a:noFill/>
+        </p:spPr>
+        <p:txBody>
+          <a:bodyPr wrap="square">
+            <a:spAutoFit/>
+          </a:bodyPr>
+          <a:lstStyle/>
+          <a:p>
+            <a:pPr algn="ctr"/>
+            <a:r>
+              <a:rPr lang="en-US" altLang="zh-CN" sz="1050" dirty="0">
+                <a:solidFill>
+                  <a:srgbClr val="3C3C3B"/>
+                </a:solidFill>
+                <a:latin typeface="Gill Sans MT" panose="020B0502020104020203" pitchFamily="34" charset="0"/>
+              </a:rPr>
+              <a:t>48 47</a:t>
+            </a:r>
+            <a:endParaRPr lang="zh-CN" altLang="en-US" sz="1050" dirty="0">
+              <a:solidFill>
+                <a:srgbClr val="3C3C3B"/>
+              </a:solidFill>
+              <a:latin typeface="Gill Sans MT" panose="020B0502020104020203" pitchFamily="34" charset="0"/>
+            </a:endParaRPr>
+          </a:p>
+        </p:txBody>
+      </p:sp>
+      <p:sp>
+        <p:nvSpPr>
+          <p:cNvPr id="101" name="矩形 100">
+            <a:extLst>
+              <a:ext uri="{FF2B5EF4-FFF2-40B4-BE49-F238E27FC236}">
+                <a16:creationId xmlns:a16="http://schemas.microsoft.com/office/drawing/2014/main" id="{F49E0829-E3CB-4A98-B2F9-94F5E237E2C6}"/>
+              </a:ext>
+            </a:extLst>
+          </p:cNvPr>
+          <p:cNvSpPr/>
+          <p:nvPr/>
+        </p:nvSpPr>
+        <p:spPr>
+          <a:xfrm>
+            <a:off x="10136253" y="3043232"/>
+            <a:ext cx="148370" cy="324401"/>
+          </a:xfrm>
+          <a:prstGeom prst="rect">
+            <a:avLst/>
+          </a:prstGeom>
+          <a:solidFill>
+            <a:srgbClr val="C00000"/>
+          </a:solidFill>
+          <a:ln>
+            <a:noFill/>
+          </a:ln>
+        </p:spPr>
+        <p:style>
+          <a:lnRef idx="2">
+            <a:schemeClr val="accent1">
+              <a:shade val="50000"/>
+            </a:schemeClr>
+          </a:lnRef>
+          <a:fillRef idx="1">
+            <a:schemeClr val="accent1"/>
+          </a:fillRef>
+          <a:effectRef idx="0">
+            <a:schemeClr val="accent1"/>
+          </a:effectRef>
+          <a:fontRef idx="minor">
+            <a:schemeClr val="lt1"/>
+          </a:fontRef>
+        </p:style>
+        <p:txBody>
+          <a:bodyPr rtlCol="0" anchor="ctr"/>
+          <a:lstStyle/>
+          <a:p>
+            <a:pPr algn="ctr"/>
+            <a:endParaRPr lang="zh-CN" altLang="en-US" sz="1600" dirty="0">
+              <a:solidFill>
+                <a:schemeClr val="bg1"/>
+              </a:solidFill>
+              <a:latin typeface="Gill Sans MT" panose="020B0502020104020203" pitchFamily="34" charset="0"/>
+            </a:endParaRPr>
+          </a:p>
+        </p:txBody>
+      </p:sp>
+      <p:sp>
+        <p:nvSpPr>
+          <p:cNvPr id="103" name="文本框 102">
+            <a:extLst>
+              <a:ext uri="{FF2B5EF4-FFF2-40B4-BE49-F238E27FC236}">
+                <a16:creationId xmlns:a16="http://schemas.microsoft.com/office/drawing/2014/main" id="{C0F03359-BF74-451F-AAEB-574419644952}"/>
+              </a:ext>
+            </a:extLst>
+          </p:cNvPr>
+          <p:cNvSpPr txBox="1"/>
+          <p:nvPr/>
+        </p:nvSpPr>
+        <p:spPr>
+          <a:xfrm>
+            <a:off x="9324832" y="2041394"/>
+            <a:ext cx="811421" cy="253916"/>
+          </a:xfrm>
+          <a:prstGeom prst="rect">
+            <a:avLst/>
+          </a:prstGeom>
+          <a:noFill/>
+        </p:spPr>
+        <p:txBody>
+          <a:bodyPr wrap="square">
+            <a:spAutoFit/>
+          </a:bodyPr>
+          <a:lstStyle/>
+          <a:p>
+            <a:pPr algn="ctr"/>
+            <a:r>
+              <a:rPr lang="en-US" altLang="zh-CN" sz="1050" dirty="0">
+                <a:solidFill>
+                  <a:srgbClr val="3C3C3B"/>
+                </a:solidFill>
+                <a:latin typeface="Gill Sans MT" panose="020B0502020104020203" pitchFamily="34" charset="0"/>
+              </a:rPr>
+              <a:t>Coherence</a:t>
+            </a:r>
+            <a:endParaRPr lang="zh-CN" altLang="en-US" sz="1050" dirty="0">
+              <a:solidFill>
+                <a:srgbClr val="3C3C3B"/>
+              </a:solidFill>
+              <a:latin typeface="Gill Sans MT" panose="020B0502020104020203" pitchFamily="34" charset="0"/>
+            </a:endParaRPr>
+          </a:p>
+        </p:txBody>
+      </p:sp>
+      <p:sp>
+        <p:nvSpPr>
+          <p:cNvPr id="106" name="文本框 105">
+            <a:extLst>
+              <a:ext uri="{FF2B5EF4-FFF2-40B4-BE49-F238E27FC236}">
+                <a16:creationId xmlns:a16="http://schemas.microsoft.com/office/drawing/2014/main" id="{FB61D89B-0F24-4F71-AEBC-F5822B3677AB}"/>
+              </a:ext>
+            </a:extLst>
+          </p:cNvPr>
+          <p:cNvSpPr txBox="1"/>
+          <p:nvPr/>
+        </p:nvSpPr>
+        <p:spPr>
+          <a:xfrm>
+            <a:off x="10573190" y="4059999"/>
+            <a:ext cx="811421" cy="276999"/>
+          </a:xfrm>
+          <a:prstGeom prst="rect">
+            <a:avLst/>
+          </a:prstGeom>
+          <a:noFill/>
+        </p:spPr>
+        <p:txBody>
+          <a:bodyPr wrap="square">
+            <a:spAutoFit/>
+          </a:bodyPr>
+          <a:lstStyle/>
+          <a:p>
+            <a:pPr algn="ctr"/>
+            <a:r>
+              <a:rPr lang="en-US" altLang="zh-CN" sz="1200" dirty="0">
+                <a:solidFill>
+                  <a:srgbClr val="3C3C3B"/>
+                </a:solidFill>
+                <a:latin typeface="Gill Sans MT" panose="020B0502020104020203" pitchFamily="34" charset="0"/>
+              </a:rPr>
+              <a:t>Carry</a:t>
+            </a:r>
+            <a:endParaRPr lang="zh-CN" altLang="en-US" sz="1200" dirty="0">
+              <a:solidFill>
+                <a:srgbClr val="3C3C3B"/>
+              </a:solidFill>
+              <a:latin typeface="Gill Sans MT" panose="020B0502020104020203" pitchFamily="34" charset="0"/>
+            </a:endParaRPr>
+          </a:p>
+        </p:txBody>
+      </p:sp>
+      <p:cxnSp>
+        <p:nvCxnSpPr>
+          <p:cNvPr id="108" name="直接箭头连接符 107">
+            <a:extLst>
+              <a:ext uri="{FF2B5EF4-FFF2-40B4-BE49-F238E27FC236}">
+                <a16:creationId xmlns:a16="http://schemas.microsoft.com/office/drawing/2014/main" id="{AF734FCF-48B8-450A-9B6F-88F573571213}"/>
+              </a:ext>
+            </a:extLst>
+          </p:cNvPr>
+          <p:cNvCxnSpPr>
+            <a:cxnSpLocks/>
+            <a:stCxn id="101" idx="0"/>
+          </p:cNvCxnSpPr>
+          <p:nvPr/>
+        </p:nvCxnSpPr>
+        <p:spPr>
+          <a:xfrm flipH="1" flipV="1">
+            <a:off x="9825934" y="2197370"/>
+            <a:ext cx="384504" cy="845862"/>
+          </a:xfrm>
+          <a:prstGeom prst="straightConnector1">
+            <a:avLst/>
+          </a:prstGeom>
+          <a:ln>
+            <a:solidFill>
+              <a:srgbClr val="3C3C3B"/>
+            </a:solidFill>
+            <a:headEnd type="triangle" w="med" len="med"/>
+            <a:tailEnd type="none" w="med" len="med"/>
+          </a:ln>
+        </p:spPr>
+        <p:style>
+          <a:lnRef idx="1">
+            <a:schemeClr val="accent1"/>
+          </a:lnRef>
+          <a:fillRef idx="0">
+            <a:schemeClr val="accent1"/>
+          </a:fillRef>
+          <a:effectRef idx="0">
+            <a:schemeClr val="accent1"/>
+          </a:effectRef>
+          <a:fontRef idx="minor">
+            <a:schemeClr val="tx1"/>
+          </a:fontRef>
+        </p:style>
+      </p:cxnSp>
+      <p:sp>
+        <p:nvSpPr>
+          <p:cNvPr id="53" name="矩形 52">
+            <a:extLst>
+              <a:ext uri="{FF2B5EF4-FFF2-40B4-BE49-F238E27FC236}">
+                <a16:creationId xmlns:a16="http://schemas.microsoft.com/office/drawing/2014/main" id="{780D2A7B-2B12-4ECE-9116-6158107B7A98}"/>
+              </a:ext>
+            </a:extLst>
+          </p:cNvPr>
+          <p:cNvSpPr/>
+          <p:nvPr/>
+        </p:nvSpPr>
+        <p:spPr>
+          <a:xfrm>
+            <a:off x="1616035" y="1105270"/>
+            <a:ext cx="1108115" cy="599705"/>
+          </a:xfrm>
+          <a:prstGeom prst="rect">
+            <a:avLst/>
+          </a:prstGeom>
+          <a:solidFill>
+            <a:srgbClr val="3C3C3B"/>
+          </a:solidFill>
+          <a:ln>
+            <a:noFill/>
+          </a:ln>
+        </p:spPr>
+        <p:style>
+          <a:lnRef idx="2">
+            <a:schemeClr val="accent1">
+              <a:shade val="50000"/>
+            </a:schemeClr>
+          </a:lnRef>
+          <a:fillRef idx="1">
+            <a:schemeClr val="accent1"/>
+          </a:fillRef>
+          <a:effectRef idx="0">
+            <a:schemeClr val="accent1"/>
+          </a:effectRef>
+          <a:fontRef idx="minor">
+            <a:schemeClr val="lt1"/>
+          </a:fontRef>
+        </p:style>
+        <p:txBody>
+          <a:bodyPr rtlCol="0" anchor="ctr"/>
+          <a:lstStyle/>
+          <a:p>
+            <a:pPr algn="ctr"/>
+            <a:r>
+              <a:rPr lang="en-US" altLang="zh-CN" sz="1600" dirty="0">
+                <a:solidFill>
+                  <a:schemeClr val="bg1"/>
+                </a:solidFill>
+                <a:latin typeface="Gill Sans MT" panose="020B0502020104020203" pitchFamily="34" charset="0"/>
+              </a:rPr>
+              <a:t>Kernel Space</a:t>
+            </a:r>
+            <a:endParaRPr lang="zh-CN" altLang="en-US" sz="1600" dirty="0">
+              <a:solidFill>
+                <a:schemeClr val="bg1"/>
+              </a:solidFill>
+              <a:latin typeface="Gill Sans MT" panose="020B0502020104020203" pitchFamily="34" charset="0"/>
+            </a:endParaRPr>
+          </a:p>
+        </p:txBody>
+      </p:sp>
+      <p:sp>
+        <p:nvSpPr>
+          <p:cNvPr id="56" name="矩形 55">
+            <a:extLst>
+              <a:ext uri="{FF2B5EF4-FFF2-40B4-BE49-F238E27FC236}">
+                <a16:creationId xmlns:a16="http://schemas.microsoft.com/office/drawing/2014/main" id="{DFD22A3A-CA3C-4637-8103-DB63B359A926}"/>
+              </a:ext>
+            </a:extLst>
+          </p:cNvPr>
+          <p:cNvSpPr/>
+          <p:nvPr/>
+        </p:nvSpPr>
+        <p:spPr>
+          <a:xfrm>
+            <a:off x="1616035" y="1696174"/>
+            <a:ext cx="1108115" cy="1897168"/>
+          </a:xfrm>
+          <a:prstGeom prst="rect">
+            <a:avLst/>
+          </a:prstGeom>
+          <a:solidFill>
+            <a:srgbClr val="01A370"/>
+          </a:solidFill>
+          <a:ln>
+            <a:noFill/>
+          </a:ln>
+        </p:spPr>
+        <p:style>
+          <a:lnRef idx="2">
+            <a:schemeClr val="accent1">
+              <a:shade val="50000"/>
+            </a:schemeClr>
+          </a:lnRef>
+          <a:fillRef idx="1">
+            <a:schemeClr val="accent1"/>
+          </a:fillRef>
+          <a:effectRef idx="0">
+            <a:schemeClr val="accent1"/>
+          </a:effectRef>
+          <a:fontRef idx="minor">
+            <a:schemeClr val="lt1"/>
+          </a:fontRef>
+        </p:style>
+        <p:txBody>
+          <a:bodyPr rtlCol="0" anchor="ctr"/>
+          <a:lstStyle/>
+          <a:p>
+            <a:pPr algn="ctr"/>
+            <a:r>
+              <a:rPr lang="en-US" altLang="zh-CN" sz="1600" dirty="0">
+                <a:solidFill>
+                  <a:schemeClr val="bg1"/>
+                </a:solidFill>
+                <a:latin typeface="Gill Sans MT" panose="020B0502020104020203" pitchFamily="34" charset="0"/>
+              </a:rPr>
+              <a:t>User Space</a:t>
+            </a:r>
+            <a:endParaRPr lang="zh-CN" altLang="en-US" sz="1600" dirty="0">
+              <a:solidFill>
+                <a:schemeClr val="bg1"/>
+              </a:solidFill>
+              <a:latin typeface="Gill Sans MT" panose="020B0502020104020203" pitchFamily="34" charset="0"/>
+            </a:endParaRPr>
+          </a:p>
+        </p:txBody>
+      </p:sp>
+      <p:sp>
+        <p:nvSpPr>
+          <p:cNvPr id="57" name="文本框 56">
+            <a:extLst>
+              <a:ext uri="{FF2B5EF4-FFF2-40B4-BE49-F238E27FC236}">
+                <a16:creationId xmlns:a16="http://schemas.microsoft.com/office/drawing/2014/main" id="{BBE92B5A-35C4-4CDC-8BAA-C188A00C0BBF}"/>
+              </a:ext>
+            </a:extLst>
+          </p:cNvPr>
+          <p:cNvSpPr txBox="1"/>
+          <p:nvPr/>
+        </p:nvSpPr>
+        <p:spPr>
+          <a:xfrm>
+            <a:off x="1448196" y="655930"/>
+            <a:ext cx="1443792" cy="307777"/>
+          </a:xfrm>
+          <a:prstGeom prst="rect">
+            <a:avLst/>
+          </a:prstGeom>
+          <a:noFill/>
+        </p:spPr>
+        <p:txBody>
+          <a:bodyPr wrap="square">
+            <a:spAutoFit/>
+          </a:bodyPr>
+          <a:lstStyle/>
+          <a:p>
+            <a:pPr algn="ctr"/>
+            <a:r>
+              <a:rPr lang="en-US" altLang="zh-CN" sz="1400" b="1" dirty="0">
+                <a:solidFill>
+                  <a:srgbClr val="3C3C3B"/>
+                </a:solidFill>
+                <a:latin typeface="Gill Sans MT" panose="020B0502020104020203" pitchFamily="34" charset="0"/>
+              </a:rPr>
+              <a:t>Process 1</a:t>
+            </a:r>
+            <a:endParaRPr lang="zh-CN" altLang="en-US" sz="1400" b="1" dirty="0">
+              <a:solidFill>
+                <a:srgbClr val="3C3C3B"/>
+              </a:solidFill>
+              <a:latin typeface="Gill Sans MT" panose="020B0502020104020203" pitchFamily="34" charset="0"/>
+            </a:endParaRPr>
+          </a:p>
+        </p:txBody>
+      </p:sp>
+      <p:sp>
+        <p:nvSpPr>
+          <p:cNvPr id="61" name="矩形 60">
+            <a:extLst>
+              <a:ext uri="{FF2B5EF4-FFF2-40B4-BE49-F238E27FC236}">
+                <a16:creationId xmlns:a16="http://schemas.microsoft.com/office/drawing/2014/main" id="{77F71AF9-1300-40B6-8CCF-6B15ABF07AAB}"/>
+              </a:ext>
+            </a:extLst>
+          </p:cNvPr>
+          <p:cNvSpPr/>
+          <p:nvPr/>
+        </p:nvSpPr>
+        <p:spPr>
+          <a:xfrm>
+            <a:off x="3272517" y="1105270"/>
+            <a:ext cx="1108115" cy="599705"/>
+          </a:xfrm>
+          <a:prstGeom prst="rect">
+            <a:avLst/>
+          </a:prstGeom>
+          <a:solidFill>
+            <a:srgbClr val="3C3C3B"/>
+          </a:solidFill>
+          <a:ln>
+            <a:noFill/>
+          </a:ln>
+        </p:spPr>
+        <p:style>
+          <a:lnRef idx="2">
+            <a:schemeClr val="accent1">
+              <a:shade val="50000"/>
+            </a:schemeClr>
+          </a:lnRef>
+          <a:fillRef idx="1">
+            <a:schemeClr val="accent1"/>
+          </a:fillRef>
+          <a:effectRef idx="0">
+            <a:schemeClr val="accent1"/>
+          </a:effectRef>
+          <a:fontRef idx="minor">
+            <a:schemeClr val="lt1"/>
+          </a:fontRef>
+        </p:style>
+        <p:txBody>
+          <a:bodyPr rtlCol="0" anchor="ctr"/>
+          <a:lstStyle/>
+          <a:p>
+            <a:pPr algn="ctr"/>
+            <a:r>
+              <a:rPr lang="en-US" altLang="zh-CN" sz="1600" dirty="0">
+                <a:solidFill>
+                  <a:schemeClr val="bg1"/>
+                </a:solidFill>
+                <a:latin typeface="Gill Sans MT" panose="020B0502020104020203" pitchFamily="34" charset="0"/>
+              </a:rPr>
+              <a:t>Kernel Space</a:t>
+            </a:r>
+            <a:endParaRPr lang="zh-CN" altLang="en-US" sz="1600" dirty="0">
+              <a:solidFill>
+                <a:schemeClr val="bg1"/>
+              </a:solidFill>
+              <a:latin typeface="Gill Sans MT" panose="020B0502020104020203" pitchFamily="34" charset="0"/>
+            </a:endParaRPr>
+          </a:p>
+        </p:txBody>
+      </p:sp>
+      <p:sp>
+        <p:nvSpPr>
+          <p:cNvPr id="62" name="矩形 61">
+            <a:extLst>
+              <a:ext uri="{FF2B5EF4-FFF2-40B4-BE49-F238E27FC236}">
+                <a16:creationId xmlns:a16="http://schemas.microsoft.com/office/drawing/2014/main" id="{58D17941-56D3-4CE2-92EC-E26E252F7291}"/>
+              </a:ext>
+            </a:extLst>
+          </p:cNvPr>
+          <p:cNvSpPr/>
+          <p:nvPr/>
+        </p:nvSpPr>
+        <p:spPr>
+          <a:xfrm>
+            <a:off x="3272517" y="1696174"/>
+            <a:ext cx="1108115" cy="1897168"/>
+          </a:xfrm>
+          <a:prstGeom prst="rect">
+            <a:avLst/>
+          </a:prstGeom>
+          <a:solidFill>
+            <a:srgbClr val="00698A"/>
+          </a:solidFill>
+          <a:ln>
+            <a:noFill/>
+          </a:ln>
+        </p:spPr>
+        <p:style>
+          <a:lnRef idx="2">
+            <a:schemeClr val="accent1">
+              <a:shade val="50000"/>
+            </a:schemeClr>
+          </a:lnRef>
+          <a:fillRef idx="1">
+            <a:schemeClr val="accent1"/>
+          </a:fillRef>
+          <a:effectRef idx="0">
+            <a:schemeClr val="accent1"/>
+          </a:effectRef>
+          <a:fontRef idx="minor">
+            <a:schemeClr val="lt1"/>
+          </a:fontRef>
+        </p:style>
+        <p:txBody>
+          <a:bodyPr rtlCol="0" anchor="ctr"/>
+          <a:lstStyle/>
+          <a:p>
+            <a:pPr algn="ctr"/>
+            <a:r>
+              <a:rPr lang="en-US" altLang="zh-CN" sz="1600" dirty="0">
+                <a:solidFill>
+                  <a:schemeClr val="bg1"/>
+                </a:solidFill>
+                <a:latin typeface="Gill Sans MT" panose="020B0502020104020203" pitchFamily="34" charset="0"/>
+              </a:rPr>
+              <a:t>User Space</a:t>
+            </a:r>
+            <a:endParaRPr lang="zh-CN" altLang="en-US" sz="1600" dirty="0">
+              <a:solidFill>
+                <a:schemeClr val="bg1"/>
+              </a:solidFill>
+              <a:latin typeface="Gill Sans MT" panose="020B0502020104020203" pitchFamily="34" charset="0"/>
+            </a:endParaRPr>
+          </a:p>
+        </p:txBody>
+      </p:sp>
+      <p:sp>
+        <p:nvSpPr>
+          <p:cNvPr id="63" name="文本框 62">
+            <a:extLst>
+              <a:ext uri="{FF2B5EF4-FFF2-40B4-BE49-F238E27FC236}">
+                <a16:creationId xmlns:a16="http://schemas.microsoft.com/office/drawing/2014/main" id="{52010206-29C9-4CFB-8083-D103AB05E090}"/>
+              </a:ext>
+            </a:extLst>
+          </p:cNvPr>
+          <p:cNvSpPr txBox="1"/>
+          <p:nvPr/>
+        </p:nvSpPr>
+        <p:spPr>
+          <a:xfrm>
+            <a:off x="3104678" y="655930"/>
+            <a:ext cx="1443792" cy="307777"/>
+          </a:xfrm>
+          <a:prstGeom prst="rect">
+            <a:avLst/>
+          </a:prstGeom>
+          <a:noFill/>
+        </p:spPr>
+        <p:txBody>
+          <a:bodyPr wrap="square">
+            <a:spAutoFit/>
+          </a:bodyPr>
+          <a:lstStyle/>
+          <a:p>
+            <a:pPr algn="ctr"/>
+            <a:r>
+              <a:rPr lang="en-US" altLang="zh-CN" sz="1400" b="1" dirty="0">
+                <a:solidFill>
+                  <a:srgbClr val="3C3C3B"/>
+                </a:solidFill>
+                <a:latin typeface="Gill Sans MT" panose="020B0502020104020203" pitchFamily="34" charset="0"/>
+              </a:rPr>
+              <a:t>Process 2</a:t>
+            </a:r>
+            <a:endParaRPr lang="zh-CN" altLang="en-US" sz="1400" b="1" dirty="0">
+              <a:solidFill>
+                <a:srgbClr val="3C3C3B"/>
+              </a:solidFill>
+              <a:latin typeface="Gill Sans MT" panose="020B0502020104020203" pitchFamily="34" charset="0"/>
+            </a:endParaRPr>
+          </a:p>
+        </p:txBody>
+      </p:sp>
+      <p:sp>
+        <p:nvSpPr>
+          <p:cNvPr id="64" name="矩形 63">
+            <a:extLst>
+              <a:ext uri="{FF2B5EF4-FFF2-40B4-BE49-F238E27FC236}">
+                <a16:creationId xmlns:a16="http://schemas.microsoft.com/office/drawing/2014/main" id="{6B153ABB-6217-4892-9F7C-E2646E8D96BF}"/>
+              </a:ext>
+            </a:extLst>
+          </p:cNvPr>
+          <p:cNvSpPr/>
+          <p:nvPr/>
+        </p:nvSpPr>
+        <p:spPr>
+          <a:xfrm>
+            <a:off x="4987885" y="1105270"/>
+            <a:ext cx="1108115" cy="599705"/>
+          </a:xfrm>
+          <a:prstGeom prst="rect">
+            <a:avLst/>
+          </a:prstGeom>
+          <a:solidFill>
+            <a:srgbClr val="3C3C3B"/>
+          </a:solidFill>
+          <a:ln>
+            <a:noFill/>
+          </a:ln>
+        </p:spPr>
+        <p:style>
+          <a:lnRef idx="2">
+            <a:schemeClr val="accent1">
+              <a:shade val="50000"/>
+            </a:schemeClr>
+          </a:lnRef>
+          <a:fillRef idx="1">
+            <a:schemeClr val="accent1"/>
+          </a:fillRef>
+          <a:effectRef idx="0">
+            <a:schemeClr val="accent1"/>
+          </a:effectRef>
+          <a:fontRef idx="minor">
+            <a:schemeClr val="lt1"/>
+          </a:fontRef>
+        </p:style>
+        <p:txBody>
+          <a:bodyPr rtlCol="0" anchor="ctr"/>
+          <a:lstStyle/>
+          <a:p>
+            <a:pPr algn="ctr"/>
+            <a:r>
+              <a:rPr lang="en-US" altLang="zh-CN" sz="1600" dirty="0">
+                <a:solidFill>
+                  <a:schemeClr val="bg1"/>
+                </a:solidFill>
+                <a:latin typeface="Gill Sans MT" panose="020B0502020104020203" pitchFamily="34" charset="0"/>
+              </a:rPr>
+              <a:t>Kernel Space</a:t>
+            </a:r>
+            <a:endParaRPr lang="zh-CN" altLang="en-US" sz="1600" dirty="0">
+              <a:solidFill>
+                <a:schemeClr val="bg1"/>
+              </a:solidFill>
+              <a:latin typeface="Gill Sans MT" panose="020B0502020104020203" pitchFamily="34" charset="0"/>
+            </a:endParaRPr>
+          </a:p>
+        </p:txBody>
+      </p:sp>
+      <p:sp>
+        <p:nvSpPr>
+          <p:cNvPr id="65" name="文本框 64">
+            <a:extLst>
+              <a:ext uri="{FF2B5EF4-FFF2-40B4-BE49-F238E27FC236}">
+                <a16:creationId xmlns:a16="http://schemas.microsoft.com/office/drawing/2014/main" id="{33DFEEC8-A663-446B-A946-ED4CB4746FA0}"/>
+              </a:ext>
+            </a:extLst>
+          </p:cNvPr>
+          <p:cNvSpPr txBox="1"/>
+          <p:nvPr/>
+        </p:nvSpPr>
+        <p:spPr>
+          <a:xfrm>
+            <a:off x="4820046" y="655929"/>
+            <a:ext cx="1443792" cy="307777"/>
+          </a:xfrm>
+          <a:prstGeom prst="rect">
+            <a:avLst/>
+          </a:prstGeom>
+          <a:noFill/>
+        </p:spPr>
+        <p:txBody>
+          <a:bodyPr wrap="square">
+            <a:spAutoFit/>
+          </a:bodyPr>
+          <a:lstStyle/>
+          <a:p>
+            <a:pPr algn="ctr"/>
+            <a:r>
+              <a:rPr lang="en-US" altLang="zh-CN" sz="1400" b="1" dirty="0">
+                <a:solidFill>
+                  <a:srgbClr val="3C3C3B"/>
+                </a:solidFill>
+                <a:latin typeface="Gill Sans MT" panose="020B0502020104020203" pitchFamily="34" charset="0"/>
+              </a:rPr>
+              <a:t>Kernel</a:t>
+            </a:r>
+            <a:endParaRPr lang="zh-CN" altLang="en-US" sz="1400" b="1" dirty="0">
+              <a:solidFill>
+                <a:srgbClr val="3C3C3B"/>
+              </a:solidFill>
+              <a:latin typeface="Gill Sans MT" panose="020B0502020104020203" pitchFamily="34" charset="0"/>
+            </a:endParaRPr>
+          </a:p>
+        </p:txBody>
+      </p:sp>
+      <p:sp>
+        <p:nvSpPr>
+          <p:cNvPr id="66" name="矩形 65">
+            <a:extLst>
+              <a:ext uri="{FF2B5EF4-FFF2-40B4-BE49-F238E27FC236}">
+                <a16:creationId xmlns:a16="http://schemas.microsoft.com/office/drawing/2014/main" id="{D5B31245-58DE-48CC-87BD-758E5D0E0879}"/>
+              </a:ext>
+            </a:extLst>
+          </p:cNvPr>
+          <p:cNvSpPr/>
+          <p:nvPr/>
+        </p:nvSpPr>
+        <p:spPr>
+          <a:xfrm>
+            <a:off x="1441807" y="4134516"/>
+            <a:ext cx="4820570" cy="1717643"/>
+          </a:xfrm>
+          <a:prstGeom prst="rect">
+            <a:avLst/>
+          </a:prstGeom>
+          <a:solidFill>
+            <a:srgbClr val="DADADA"/>
+          </a:solidFill>
+          <a:ln>
+            <a:solidFill>
+              <a:srgbClr val="DADADA"/>
+            </a:solidFill>
+          </a:ln>
+        </p:spPr>
+        <p:style>
+          <a:lnRef idx="2">
+            <a:schemeClr val="accent1">
+              <a:shade val="50000"/>
+            </a:schemeClr>
+          </a:lnRef>
+          <a:fillRef idx="1">
+            <a:schemeClr val="accent1"/>
+          </a:fillRef>
+          <a:effectRef idx="0">
+            <a:schemeClr val="accent1"/>
+          </a:effectRef>
+          <a:fontRef idx="minor">
+            <a:schemeClr val="lt1"/>
+          </a:fontRef>
+        </p:style>
+        <p:txBody>
+          <a:bodyPr rtlCol="0" anchor="b"/>
+          <a:lstStyle/>
+          <a:p>
+            <a:pPr algn="ctr"/>
+            <a:r>
+              <a:rPr lang="en-US" altLang="zh-CN" sz="1400" dirty="0">
+                <a:solidFill>
+                  <a:srgbClr val="3C3C3B"/>
+                </a:solidFill>
+                <a:latin typeface="Gill Sans MT" panose="020B0502020104020203" pitchFamily="34" charset="0"/>
+              </a:rPr>
+              <a:t>CPU Perspective</a:t>
+            </a:r>
+            <a:endParaRPr lang="zh-CN" altLang="en-US" sz="1400" dirty="0">
+              <a:solidFill>
+                <a:srgbClr val="3C3C3B"/>
+              </a:solidFill>
+              <a:latin typeface="Gill Sans MT" panose="020B0502020104020203" pitchFamily="34" charset="0"/>
+            </a:endParaRPr>
+          </a:p>
+        </p:txBody>
+      </p:sp>
+      <p:graphicFrame>
+        <p:nvGraphicFramePr>
+          <p:cNvPr id="67" name="表格 66">
+            <a:extLst>
+              <a:ext uri="{FF2B5EF4-FFF2-40B4-BE49-F238E27FC236}">
+                <a16:creationId xmlns:a16="http://schemas.microsoft.com/office/drawing/2014/main" id="{4A07315C-8751-44A6-802F-3EB3B5A09477}"/>
+              </a:ext>
+            </a:extLst>
+          </p:cNvPr>
+          <p:cNvGraphicFramePr>
+            <a:graphicFrameLocks noGrp="1"/>
+          </p:cNvGraphicFramePr>
+          <p:nvPr>
+            <p:extLst>
+              <p:ext uri="{D42A27DB-BD31-4B8C-83A1-F6EECF244321}">
+                <p14:modId xmlns:p14="http://schemas.microsoft.com/office/powerpoint/2010/main" val="4067595536"/>
+              </p:ext>
+            </p:extLst>
+          </p:nvPr>
+        </p:nvGraphicFramePr>
+        <p:xfrm>
+          <a:off x="1748153" y="4484620"/>
+          <a:ext cx="1880016" cy="365760"/>
+        </p:xfrm>
+        <a:graphic>
+          <a:graphicData uri="http://schemas.openxmlformats.org/drawingml/2006/table">
+            <a:tbl>
+              <a:tblPr firstRow="1" bandRow="1">
+                <a:tableStyleId>{2D5ABB26-0587-4C30-8999-92F81FD0307C}</a:tableStyleId>
+              </a:tblPr>
+              <a:tblGrid>
+                <a:gridCol w="235002">
+                  <a:extLst>
+                    <a:ext uri="{9D8B030D-6E8A-4147-A177-3AD203B41FA5}">
+                      <a16:colId xmlns:a16="http://schemas.microsoft.com/office/drawing/2014/main" val="3139552584"/>
+                    </a:ext>
+                  </a:extLst>
+                </a:gridCol>
+                <a:gridCol w="235002">
+                  <a:extLst>
+                    <a:ext uri="{9D8B030D-6E8A-4147-A177-3AD203B41FA5}">
+                      <a16:colId xmlns:a16="http://schemas.microsoft.com/office/drawing/2014/main" val="4060104721"/>
+                    </a:ext>
+                  </a:extLst>
+                </a:gridCol>
+                <a:gridCol w="235002">
+                  <a:extLst>
+                    <a:ext uri="{9D8B030D-6E8A-4147-A177-3AD203B41FA5}">
+                      <a16:colId xmlns:a16="http://schemas.microsoft.com/office/drawing/2014/main" val="1670698699"/>
+                    </a:ext>
+                  </a:extLst>
+                </a:gridCol>
+                <a:gridCol w="235002">
+                  <a:extLst>
+                    <a:ext uri="{9D8B030D-6E8A-4147-A177-3AD203B41FA5}">
+                      <a16:colId xmlns:a16="http://schemas.microsoft.com/office/drawing/2014/main" val="3466240817"/>
+                    </a:ext>
+                  </a:extLst>
+                </a:gridCol>
+                <a:gridCol w="235002">
+                  <a:extLst>
+                    <a:ext uri="{9D8B030D-6E8A-4147-A177-3AD203B41FA5}">
+                      <a16:colId xmlns:a16="http://schemas.microsoft.com/office/drawing/2014/main" val="2767098286"/>
+                    </a:ext>
+                  </a:extLst>
+                </a:gridCol>
+                <a:gridCol w="235002">
+                  <a:extLst>
+                    <a:ext uri="{9D8B030D-6E8A-4147-A177-3AD203B41FA5}">
+                      <a16:colId xmlns:a16="http://schemas.microsoft.com/office/drawing/2014/main" val="3557517354"/>
+                    </a:ext>
+                  </a:extLst>
+                </a:gridCol>
+                <a:gridCol w="235002">
+                  <a:extLst>
+                    <a:ext uri="{9D8B030D-6E8A-4147-A177-3AD203B41FA5}">
+                      <a16:colId xmlns:a16="http://schemas.microsoft.com/office/drawing/2014/main" val="1189350409"/>
+                    </a:ext>
+                  </a:extLst>
+                </a:gridCol>
+                <a:gridCol w="235002">
+                  <a:extLst>
+                    <a:ext uri="{9D8B030D-6E8A-4147-A177-3AD203B41FA5}">
+                      <a16:colId xmlns:a16="http://schemas.microsoft.com/office/drawing/2014/main" val="1019017228"/>
+                    </a:ext>
+                  </a:extLst>
+                </a:gridCol>
+              </a:tblGrid>
+              <a:tr h="313823">
+                <a:tc>
+                  <a:txBody>
+                    <a:bodyPr/>
+                    <a:lstStyle/>
+                    <a:p>
+                      <a:endParaRPr lang="zh-CN" altLang="en-US" dirty="0"/>
+                    </a:p>
+                  </a:txBody>
+                  <a:tcPr>
+                    <a:lnL w="12700" cap="flat" cmpd="sng" algn="ctr">
+                      <a:solidFill>
+                        <a:schemeClr val="tx1"/>
+                      </a:solidFill>
+                      <a:prstDash val="solid"/>
+                      <a:round/>
+                      <a:headEnd type="none" w="med" len="med"/>
+                      <a:tailEnd type="none" w="med" len="med"/>
+                    </a:lnL>
+                    <a:lnR w="12700" cap="flat" cmpd="sng" algn="ctr">
+                      <a:solidFill>
+                        <a:schemeClr val="tx1"/>
+                      </a:solidFill>
+                      <a:prstDash val="solid"/>
+                      <a:round/>
+                      <a:headEnd type="none" w="med" len="med"/>
+                      <a:tailEnd type="none" w="med" len="med"/>
+                    </a:lnR>
+                    <a:lnT w="12700" cap="flat" cmpd="sng" algn="ctr">
+                      <a:solidFill>
+                        <a:schemeClr val="tx1"/>
+                      </a:solidFill>
+                      <a:prstDash val="solid"/>
+                      <a:round/>
+                      <a:headEnd type="none" w="med" len="med"/>
+                      <a:tailEnd type="none" w="med" len="med"/>
+                    </a:lnT>
+                    <a:lnB w="12700" cap="flat" cmpd="sng" algn="ctr">
+                      <a:solidFill>
+                        <a:schemeClr val="tx1"/>
+                      </a:solidFill>
+                      <a:prstDash val="solid"/>
+                      <a:round/>
+                      <a:headEnd type="none" w="med" len="med"/>
+                      <a:tailEnd type="none" w="med" len="med"/>
+                    </a:lnB>
+                    <a:solidFill>
+                      <a:srgbClr val="00C1DE"/>
+                    </a:solidFill>
+                  </a:tcPr>
+                </a:tc>
+                <a:tc>
+                  <a:txBody>
+                    <a:bodyPr/>
+                    <a:lstStyle/>
+                    <a:p>
+                      <a:endParaRPr lang="zh-CN" altLang="en-US" dirty="0"/>
+                    </a:p>
+                  </a:txBody>
+                  <a:tcPr>
+                    <a:lnL w="12700" cap="flat" cmpd="sng" algn="ctr">
+                      <a:solidFill>
+                        <a:schemeClr val="tx1"/>
+                      </a:solidFill>
+                      <a:prstDash val="solid"/>
+                      <a:round/>
+                      <a:headEnd type="none" w="med" len="med"/>
+                      <a:tailEnd type="none" w="med" len="med"/>
+                    </a:lnL>
+                    <a:lnR w="12700" cap="flat" cmpd="sng" algn="ctr">
+                      <a:solidFill>
+                        <a:schemeClr val="tx1"/>
+                      </a:solidFill>
+                      <a:prstDash val="solid"/>
+                      <a:round/>
+                      <a:headEnd type="none" w="med" len="med"/>
+                      <a:tailEnd type="none" w="med" len="med"/>
+                    </a:lnR>
+                    <a:lnT w="12700" cap="flat" cmpd="sng" algn="ctr">
+                      <a:solidFill>
+                        <a:schemeClr val="tx1"/>
+                      </a:solidFill>
+                      <a:prstDash val="solid"/>
+                      <a:round/>
+                      <a:headEnd type="none" w="med" len="med"/>
+                      <a:tailEnd type="none" w="med" len="med"/>
+                    </a:lnT>
+                    <a:lnB w="12700" cap="flat" cmpd="sng" algn="ctr">
+                      <a:solidFill>
+                        <a:schemeClr val="tx1"/>
+                      </a:solidFill>
+                      <a:prstDash val="solid"/>
+                      <a:round/>
+                      <a:headEnd type="none" w="med" len="med"/>
+                      <a:tailEnd type="none" w="med" len="med"/>
+                    </a:lnB>
+                    <a:solidFill>
+                      <a:srgbClr val="00C1DE"/>
+                    </a:solidFill>
+                  </a:tcPr>
+                </a:tc>
+                <a:tc>
+                  <a:txBody>
+                    <a:bodyPr/>
+                    <a:lstStyle/>
+                    <a:p>
+                      <a:endParaRPr lang="zh-CN" altLang="en-US" dirty="0"/>
+                    </a:p>
+                  </a:txBody>
+                  <a:tcPr>
+                    <a:lnL w="12700" cap="flat" cmpd="sng" algn="ctr">
+                      <a:solidFill>
+                        <a:schemeClr val="tx1"/>
+                      </a:solidFill>
+                      <a:prstDash val="solid"/>
+                      <a:round/>
+                      <a:headEnd type="none" w="med" len="med"/>
+                      <a:tailEnd type="none" w="med" len="med"/>
+                    </a:lnL>
+                    <a:lnR w="12700" cap="flat" cmpd="sng" algn="ctr">
+                      <a:solidFill>
+                        <a:schemeClr val="tx1"/>
+                      </a:solidFill>
+                      <a:prstDash val="solid"/>
+                      <a:round/>
+                      <a:headEnd type="none" w="med" len="med"/>
+                      <a:tailEnd type="none" w="med" len="med"/>
+                    </a:lnR>
+                    <a:lnT w="12700" cap="flat" cmpd="sng" algn="ctr">
+                      <a:solidFill>
+                        <a:schemeClr val="tx1"/>
+                      </a:solidFill>
+                      <a:prstDash val="solid"/>
+                      <a:round/>
+                      <a:headEnd type="none" w="med" len="med"/>
+                      <a:tailEnd type="none" w="med" len="med"/>
+                    </a:lnT>
+                    <a:lnB w="12700" cap="flat" cmpd="sng" algn="ctr">
+                      <a:solidFill>
+                        <a:schemeClr val="tx1"/>
+                      </a:solidFill>
+                      <a:prstDash val="solid"/>
+                      <a:round/>
+                      <a:headEnd type="none" w="med" len="med"/>
+                      <a:tailEnd type="none" w="med" len="med"/>
+                    </a:lnB>
+                    <a:solidFill>
+                      <a:srgbClr val="00C1DE"/>
+                    </a:solidFill>
+                  </a:tcPr>
+                </a:tc>
+                <a:tc>
+                  <a:txBody>
+                    <a:bodyPr/>
+                    <a:lstStyle/>
+                    <a:p>
+                      <a:endParaRPr lang="zh-CN" altLang="en-US" dirty="0"/>
+                    </a:p>
+                  </a:txBody>
+                  <a:tcPr>
+                    <a:lnL w="12700" cap="flat" cmpd="sng" algn="ctr">
+                      <a:solidFill>
+                        <a:schemeClr val="tx1"/>
+                      </a:solidFill>
+                      <a:prstDash val="solid"/>
+                      <a:round/>
+                      <a:headEnd type="none" w="med" len="med"/>
+                      <a:tailEnd type="none" w="med" len="med"/>
+                    </a:lnL>
+                    <a:lnR w="12700" cap="flat" cmpd="sng" algn="ctr">
+                      <a:solidFill>
+                        <a:schemeClr val="tx1"/>
+                      </a:solidFill>
+                      <a:prstDash val="solid"/>
+                      <a:round/>
+                      <a:headEnd type="none" w="med" len="med"/>
+                      <a:tailEnd type="none" w="med" len="med"/>
+                    </a:lnR>
+                    <a:lnT w="12700" cap="flat" cmpd="sng" algn="ctr">
+                      <a:solidFill>
+                        <a:schemeClr val="tx1"/>
+                      </a:solidFill>
+                      <a:prstDash val="solid"/>
+                      <a:round/>
+                      <a:headEnd type="none" w="med" len="med"/>
+                      <a:tailEnd type="none" w="med" len="med"/>
+                    </a:lnT>
+                    <a:lnB w="12700" cap="flat" cmpd="sng" algn="ctr">
+                      <a:solidFill>
+                        <a:schemeClr val="tx1"/>
+                      </a:solidFill>
+                      <a:prstDash val="solid"/>
+                      <a:round/>
+                      <a:headEnd type="none" w="med" len="med"/>
+                      <a:tailEnd type="none" w="med" len="med"/>
+                    </a:lnB>
+                    <a:solidFill>
+                      <a:srgbClr val="00C1DE"/>
+                    </a:solidFill>
+                  </a:tcPr>
+                </a:tc>
+                <a:tc>
+                  <a:txBody>
+                    <a:bodyPr/>
+                    <a:lstStyle/>
+                    <a:p>
+                      <a:endParaRPr lang="zh-CN" altLang="en-US" dirty="0"/>
+                    </a:p>
+                  </a:txBody>
+                  <a:tcPr>
+                    <a:lnL w="12700" cap="flat" cmpd="sng" algn="ctr">
+                      <a:solidFill>
+                        <a:schemeClr val="tx1"/>
+                      </a:solidFill>
+                      <a:prstDash val="solid"/>
+                      <a:round/>
+                      <a:headEnd type="none" w="med" len="med"/>
+                      <a:tailEnd type="none" w="med" len="med"/>
+                    </a:lnL>
+                    <a:lnR w="12700" cap="flat" cmpd="sng" algn="ctr">
+                      <a:solidFill>
+                        <a:schemeClr val="tx1"/>
+                      </a:solidFill>
+                      <a:prstDash val="solid"/>
+                      <a:round/>
+                      <a:headEnd type="none" w="med" len="med"/>
+                      <a:tailEnd type="none" w="med" len="med"/>
+                    </a:lnR>
+                    <a:lnT w="12700" cap="flat" cmpd="sng" algn="ctr">
+                      <a:solidFill>
+                        <a:schemeClr val="tx1"/>
+                      </a:solidFill>
+                      <a:prstDash val="solid"/>
+                      <a:round/>
+                      <a:headEnd type="none" w="med" len="med"/>
+                      <a:tailEnd type="none" w="med" len="med"/>
+                    </a:lnT>
+                    <a:lnB w="12700" cap="flat" cmpd="sng" algn="ctr">
+                      <a:solidFill>
+                        <a:schemeClr val="tx1"/>
+                      </a:solidFill>
+                      <a:prstDash val="solid"/>
+                      <a:round/>
+                      <a:headEnd type="none" w="med" len="med"/>
+                      <a:tailEnd type="none" w="med" len="med"/>
+                    </a:lnB>
+                    <a:solidFill>
+                      <a:srgbClr val="00C1DE"/>
+                    </a:solidFill>
+                  </a:tcPr>
+                </a:tc>
+                <a:tc>
+                  <a:txBody>
+                    <a:bodyPr/>
+                    <a:lstStyle/>
+                    <a:p>
+                      <a:endParaRPr lang="zh-CN" altLang="en-US" dirty="0"/>
+                    </a:p>
+                  </a:txBody>
+                  <a:tcPr>
+                    <a:lnL w="12700" cap="flat" cmpd="sng" algn="ctr">
+                      <a:solidFill>
+                        <a:schemeClr val="tx1"/>
+                      </a:solidFill>
+                      <a:prstDash val="solid"/>
+                      <a:round/>
+                      <a:headEnd type="none" w="med" len="med"/>
+                      <a:tailEnd type="none" w="med" len="med"/>
+                    </a:lnL>
+                    <a:lnR w="12700" cap="flat" cmpd="sng" algn="ctr">
+                      <a:solidFill>
+                        <a:schemeClr val="tx1"/>
+                      </a:solidFill>
+                      <a:prstDash val="solid"/>
+                      <a:round/>
+                      <a:headEnd type="none" w="med" len="med"/>
+                      <a:tailEnd type="none" w="med" len="med"/>
+                    </a:lnR>
+                    <a:lnT w="12700" cap="flat" cmpd="sng" algn="ctr">
+                      <a:solidFill>
+                        <a:schemeClr val="tx1"/>
+                      </a:solidFill>
+                      <a:prstDash val="solid"/>
+                      <a:round/>
+                      <a:headEnd type="none" w="med" len="med"/>
+                      <a:tailEnd type="none" w="med" len="med"/>
+                    </a:lnT>
+                    <a:lnB w="12700" cap="flat" cmpd="sng" algn="ctr">
+                      <a:solidFill>
+                        <a:schemeClr val="tx1"/>
+                      </a:solidFill>
+                      <a:prstDash val="solid"/>
+                      <a:round/>
+                      <a:headEnd type="none" w="med" len="med"/>
+                      <a:tailEnd type="none" w="med" len="med"/>
+                    </a:lnB>
+                    <a:solidFill>
+                      <a:srgbClr val="00C1DE"/>
+                    </a:solidFill>
+                  </a:tcPr>
+                </a:tc>
+                <a:tc>
+                  <a:txBody>
+                    <a:bodyPr/>
+                    <a:lstStyle/>
+                    <a:p>
+                      <a:endParaRPr lang="zh-CN" altLang="en-US" dirty="0"/>
+                    </a:p>
+                  </a:txBody>
+                  <a:tcPr>
+                    <a:lnL w="12700" cap="flat" cmpd="sng" algn="ctr">
+                      <a:solidFill>
+                        <a:schemeClr val="tx1"/>
+                      </a:solidFill>
+                      <a:prstDash val="solid"/>
+                      <a:round/>
+                      <a:headEnd type="none" w="med" len="med"/>
+                      <a:tailEnd type="none" w="med" len="med"/>
+                    </a:lnL>
+                    <a:lnR w="12700" cap="flat" cmpd="sng" algn="ctr">
+                      <a:solidFill>
+                        <a:schemeClr val="tx1"/>
+                      </a:solidFill>
+                      <a:prstDash val="solid"/>
+                      <a:round/>
+                      <a:headEnd type="none" w="med" len="med"/>
+                      <a:tailEnd type="none" w="med" len="med"/>
+                    </a:lnR>
+                    <a:lnT w="12700" cap="flat" cmpd="sng" algn="ctr">
+                      <a:solidFill>
+                        <a:schemeClr val="tx1"/>
+                      </a:solidFill>
+                      <a:prstDash val="solid"/>
+                      <a:round/>
+                      <a:headEnd type="none" w="med" len="med"/>
+                      <a:tailEnd type="none" w="med" len="med"/>
+                    </a:lnT>
+                    <a:lnB w="12700" cap="flat" cmpd="sng" algn="ctr">
+                      <a:solidFill>
+                        <a:schemeClr val="tx1"/>
+                      </a:solidFill>
+                      <a:prstDash val="solid"/>
+                      <a:round/>
+                      <a:headEnd type="none" w="med" len="med"/>
+                      <a:tailEnd type="none" w="med" len="med"/>
+                    </a:lnB>
+                    <a:solidFill>
+                      <a:srgbClr val="00C1DE"/>
+                    </a:solidFill>
+                  </a:tcPr>
+                </a:tc>
+                <a:tc>
+                  <a:txBody>
+                    <a:bodyPr/>
+                    <a:lstStyle/>
+                    <a:p>
+                      <a:endParaRPr lang="zh-CN" altLang="en-US" dirty="0"/>
+                    </a:p>
+                  </a:txBody>
+                  <a:tcPr>
+                    <a:lnL w="12700" cap="flat" cmpd="sng" algn="ctr">
+                      <a:solidFill>
+                        <a:schemeClr val="tx1"/>
+                      </a:solidFill>
+                      <a:prstDash val="solid"/>
+                      <a:round/>
+                      <a:headEnd type="none" w="med" len="med"/>
+                      <a:tailEnd type="none" w="med" len="med"/>
+                    </a:lnL>
+                    <a:lnR w="12700" cap="flat" cmpd="sng" algn="ctr">
+                      <a:solidFill>
+                        <a:schemeClr val="tx1"/>
+                      </a:solidFill>
+                      <a:prstDash val="solid"/>
+                      <a:round/>
+                      <a:headEnd type="none" w="med" len="med"/>
+                      <a:tailEnd type="none" w="med" len="med"/>
+                    </a:lnR>
+                    <a:lnT w="12700" cap="flat" cmpd="sng" algn="ctr">
+                      <a:solidFill>
+                        <a:schemeClr val="tx1"/>
+                      </a:solidFill>
+                      <a:prstDash val="solid"/>
+                      <a:round/>
+                      <a:headEnd type="none" w="med" len="med"/>
+                      <a:tailEnd type="none" w="med" len="med"/>
+                    </a:lnT>
+                    <a:lnB w="12700" cap="flat" cmpd="sng" algn="ctr">
+                      <a:solidFill>
+                        <a:schemeClr val="tx1"/>
+                      </a:solidFill>
+                      <a:prstDash val="solid"/>
+                      <a:round/>
+                      <a:headEnd type="none" w="med" len="med"/>
+                      <a:tailEnd type="none" w="med" len="med"/>
+                    </a:lnB>
+                    <a:solidFill>
+                      <a:srgbClr val="00C1DE"/>
+                    </a:solidFill>
+                  </a:tcPr>
+                </a:tc>
+                <a:extLst>
+                  <a:ext uri="{0D108BD9-81ED-4DB2-BD59-A6C34878D82A}">
+                    <a16:rowId xmlns:a16="http://schemas.microsoft.com/office/drawing/2014/main" val="4105216801"/>
+                  </a:ext>
+                </a:extLst>
+              </a:tr>
+            </a:tbl>
+          </a:graphicData>
+        </a:graphic>
+      </p:graphicFrame>
+      <p:graphicFrame>
+        <p:nvGraphicFramePr>
+          <p:cNvPr id="69" name="表格 68">
+            <a:extLst>
+              <a:ext uri="{FF2B5EF4-FFF2-40B4-BE49-F238E27FC236}">
+                <a16:creationId xmlns:a16="http://schemas.microsoft.com/office/drawing/2014/main" id="{50A9B9A8-E7D3-4477-B30A-B9AF3A241916}"/>
+              </a:ext>
+            </a:extLst>
+          </p:cNvPr>
+          <p:cNvGraphicFramePr>
+            <a:graphicFrameLocks noGrp="1"/>
+          </p:cNvGraphicFramePr>
+          <p:nvPr>
+            <p:extLst>
+              <p:ext uri="{D42A27DB-BD31-4B8C-83A1-F6EECF244321}">
+                <p14:modId xmlns:p14="http://schemas.microsoft.com/office/powerpoint/2010/main" val="1528820735"/>
+              </p:ext>
+            </p:extLst>
+          </p:nvPr>
+        </p:nvGraphicFramePr>
+        <p:xfrm>
+          <a:off x="3901526" y="4489673"/>
+          <a:ext cx="1880016" cy="365760"/>
+        </p:xfrm>
+        <a:graphic>
+          <a:graphicData uri="http://schemas.openxmlformats.org/drawingml/2006/table">
+            <a:tbl>
+              <a:tblPr firstRow="1" bandRow="1">
+                <a:tableStyleId>{2D5ABB26-0587-4C30-8999-92F81FD0307C}</a:tableStyleId>
+              </a:tblPr>
+              <a:tblGrid>
+                <a:gridCol w="235002">
+                  <a:extLst>
+                    <a:ext uri="{9D8B030D-6E8A-4147-A177-3AD203B41FA5}">
+                      <a16:colId xmlns:a16="http://schemas.microsoft.com/office/drawing/2014/main" val="3139552584"/>
+                    </a:ext>
+                  </a:extLst>
+                </a:gridCol>
+                <a:gridCol w="235002">
+                  <a:extLst>
+                    <a:ext uri="{9D8B030D-6E8A-4147-A177-3AD203B41FA5}">
+                      <a16:colId xmlns:a16="http://schemas.microsoft.com/office/drawing/2014/main" val="4060104721"/>
+                    </a:ext>
+                  </a:extLst>
+                </a:gridCol>
+                <a:gridCol w="235002">
+                  <a:extLst>
+                    <a:ext uri="{9D8B030D-6E8A-4147-A177-3AD203B41FA5}">
+                      <a16:colId xmlns:a16="http://schemas.microsoft.com/office/drawing/2014/main" val="1670698699"/>
+                    </a:ext>
+                  </a:extLst>
+                </a:gridCol>
+                <a:gridCol w="235002">
+                  <a:extLst>
+                    <a:ext uri="{9D8B030D-6E8A-4147-A177-3AD203B41FA5}">
+                      <a16:colId xmlns:a16="http://schemas.microsoft.com/office/drawing/2014/main" val="3466240817"/>
+                    </a:ext>
+                  </a:extLst>
+                </a:gridCol>
+                <a:gridCol w="235002">
+                  <a:extLst>
+                    <a:ext uri="{9D8B030D-6E8A-4147-A177-3AD203B41FA5}">
+                      <a16:colId xmlns:a16="http://schemas.microsoft.com/office/drawing/2014/main" val="2767098286"/>
+                    </a:ext>
+                  </a:extLst>
+                </a:gridCol>
+                <a:gridCol w="235002">
+                  <a:extLst>
+                    <a:ext uri="{9D8B030D-6E8A-4147-A177-3AD203B41FA5}">
+                      <a16:colId xmlns:a16="http://schemas.microsoft.com/office/drawing/2014/main" val="3557517354"/>
+                    </a:ext>
+                  </a:extLst>
+                </a:gridCol>
+                <a:gridCol w="235002">
+                  <a:extLst>
+                    <a:ext uri="{9D8B030D-6E8A-4147-A177-3AD203B41FA5}">
+                      <a16:colId xmlns:a16="http://schemas.microsoft.com/office/drawing/2014/main" val="1189350409"/>
+                    </a:ext>
+                  </a:extLst>
+                </a:gridCol>
+                <a:gridCol w="235002">
+                  <a:extLst>
+                    <a:ext uri="{9D8B030D-6E8A-4147-A177-3AD203B41FA5}">
+                      <a16:colId xmlns:a16="http://schemas.microsoft.com/office/drawing/2014/main" val="1019017228"/>
+                    </a:ext>
+                  </a:extLst>
+                </a:gridCol>
+              </a:tblGrid>
+              <a:tr h="313823">
+                <a:tc>
+                  <a:txBody>
+                    <a:bodyPr/>
+                    <a:lstStyle/>
+                    <a:p>
+                      <a:endParaRPr lang="zh-CN" altLang="en-US" dirty="0"/>
+                    </a:p>
+                  </a:txBody>
+                  <a:tcPr>
+                    <a:lnL w="12700" cap="flat" cmpd="sng" algn="ctr">
+                      <a:solidFill>
+                        <a:schemeClr val="tx1"/>
+                      </a:solidFill>
+                      <a:prstDash val="solid"/>
+                      <a:round/>
+                      <a:headEnd type="none" w="med" len="med"/>
+                      <a:tailEnd type="none" w="med" len="med"/>
+                    </a:lnL>
+                    <a:lnR w="12700" cap="flat" cmpd="sng" algn="ctr">
+                      <a:solidFill>
+                        <a:schemeClr val="tx1"/>
+                      </a:solidFill>
+                      <a:prstDash val="solid"/>
+                      <a:round/>
+                      <a:headEnd type="none" w="med" len="med"/>
+                      <a:tailEnd type="none" w="med" len="med"/>
+                    </a:lnR>
+                    <a:lnT w="12700" cap="flat" cmpd="sng" algn="ctr">
+                      <a:solidFill>
+                        <a:schemeClr val="tx1"/>
+                      </a:solidFill>
+                      <a:prstDash val="solid"/>
+                      <a:round/>
+                      <a:headEnd type="none" w="med" len="med"/>
+                      <a:tailEnd type="none" w="med" len="med"/>
+                    </a:lnT>
+                    <a:lnB w="12700" cap="flat" cmpd="sng" algn="ctr">
+                      <a:solidFill>
+                        <a:schemeClr val="tx1"/>
+                      </a:solidFill>
+                      <a:prstDash val="solid"/>
+                      <a:round/>
+                      <a:headEnd type="none" w="med" len="med"/>
+                      <a:tailEnd type="none" w="med" len="med"/>
+                    </a:lnB>
+                    <a:solidFill>
+                      <a:srgbClr val="00C1DE"/>
+                    </a:solidFill>
+                  </a:tcPr>
+                </a:tc>
+                <a:tc>
+                  <a:txBody>
+                    <a:bodyPr/>
+                    <a:lstStyle/>
+                    <a:p>
+                      <a:endParaRPr lang="zh-CN" altLang="en-US" dirty="0"/>
+                    </a:p>
+                  </a:txBody>
+                  <a:tcPr>
+                    <a:lnL w="12700" cap="flat" cmpd="sng" algn="ctr">
+                      <a:solidFill>
+                        <a:schemeClr val="tx1"/>
+                      </a:solidFill>
+                      <a:prstDash val="solid"/>
+                      <a:round/>
+                      <a:headEnd type="none" w="med" len="med"/>
+                      <a:tailEnd type="none" w="med" len="med"/>
+                    </a:lnL>
+                    <a:lnR w="12700" cap="flat" cmpd="sng" algn="ctr">
+                      <a:solidFill>
+                        <a:schemeClr val="tx1"/>
+                      </a:solidFill>
+                      <a:prstDash val="solid"/>
+                      <a:round/>
+                      <a:headEnd type="none" w="med" len="med"/>
+                      <a:tailEnd type="none" w="med" len="med"/>
+                    </a:lnR>
+                    <a:lnT w="12700" cap="flat" cmpd="sng" algn="ctr">
+                      <a:solidFill>
+                        <a:schemeClr val="tx1"/>
+                      </a:solidFill>
+                      <a:prstDash val="solid"/>
+                      <a:round/>
+                      <a:headEnd type="none" w="med" len="med"/>
+                      <a:tailEnd type="none" w="med" len="med"/>
+                    </a:lnT>
+                    <a:lnB w="12700" cap="flat" cmpd="sng" algn="ctr">
+                      <a:solidFill>
+                        <a:schemeClr val="tx1"/>
+                      </a:solidFill>
+                      <a:prstDash val="solid"/>
+                      <a:round/>
+                      <a:headEnd type="none" w="med" len="med"/>
+                      <a:tailEnd type="none" w="med" len="med"/>
+                    </a:lnB>
+                    <a:solidFill>
+                      <a:srgbClr val="00C1DE"/>
+                    </a:solidFill>
+                  </a:tcPr>
+                </a:tc>
+                <a:tc>
+                  <a:txBody>
+                    <a:bodyPr/>
+                    <a:lstStyle/>
+                    <a:p>
+                      <a:endParaRPr lang="zh-CN" altLang="en-US" dirty="0"/>
+                    </a:p>
+                  </a:txBody>
+                  <a:tcPr>
+                    <a:lnL w="12700" cap="flat" cmpd="sng" algn="ctr">
+                      <a:solidFill>
+                        <a:schemeClr val="tx1"/>
+                      </a:solidFill>
+                      <a:prstDash val="solid"/>
+                      <a:round/>
+                      <a:headEnd type="none" w="med" len="med"/>
+                      <a:tailEnd type="none" w="med" len="med"/>
+                    </a:lnL>
+                    <a:lnR w="12700" cap="flat" cmpd="sng" algn="ctr">
+                      <a:solidFill>
+                        <a:schemeClr val="tx1"/>
+                      </a:solidFill>
+                      <a:prstDash val="solid"/>
+                      <a:round/>
+                      <a:headEnd type="none" w="med" len="med"/>
+                      <a:tailEnd type="none" w="med" len="med"/>
+                    </a:lnR>
+                    <a:lnT w="12700" cap="flat" cmpd="sng" algn="ctr">
+                      <a:solidFill>
+                        <a:schemeClr val="tx1"/>
+                      </a:solidFill>
+                      <a:prstDash val="solid"/>
+                      <a:round/>
+                      <a:headEnd type="none" w="med" len="med"/>
+                      <a:tailEnd type="none" w="med" len="med"/>
+                    </a:lnT>
+                    <a:lnB w="12700" cap="flat" cmpd="sng" algn="ctr">
+                      <a:solidFill>
+                        <a:schemeClr val="tx1"/>
+                      </a:solidFill>
+                      <a:prstDash val="solid"/>
+                      <a:round/>
+                      <a:headEnd type="none" w="med" len="med"/>
+                      <a:tailEnd type="none" w="med" len="med"/>
+                    </a:lnB>
+                    <a:solidFill>
+                      <a:srgbClr val="00C1DE"/>
+                    </a:solidFill>
+                  </a:tcPr>
+                </a:tc>
+                <a:tc>
+                  <a:txBody>
+                    <a:bodyPr/>
+                    <a:lstStyle/>
+                    <a:p>
+                      <a:endParaRPr lang="zh-CN" altLang="en-US" dirty="0"/>
+                    </a:p>
+                  </a:txBody>
+                  <a:tcPr>
+                    <a:lnL w="12700" cap="flat" cmpd="sng" algn="ctr">
+                      <a:solidFill>
+                        <a:schemeClr val="tx1"/>
+                      </a:solidFill>
+                      <a:prstDash val="solid"/>
+                      <a:round/>
+                      <a:headEnd type="none" w="med" len="med"/>
+                      <a:tailEnd type="none" w="med" len="med"/>
+                    </a:lnL>
+                    <a:lnR w="12700" cap="flat" cmpd="sng" algn="ctr">
+                      <a:solidFill>
+                        <a:schemeClr val="tx1"/>
+                      </a:solidFill>
+                      <a:prstDash val="solid"/>
+                      <a:round/>
+                      <a:headEnd type="none" w="med" len="med"/>
+                      <a:tailEnd type="none" w="med" len="med"/>
+                    </a:lnR>
+                    <a:lnT w="12700" cap="flat" cmpd="sng" algn="ctr">
+                      <a:solidFill>
+                        <a:schemeClr val="tx1"/>
+                      </a:solidFill>
+                      <a:prstDash val="solid"/>
+                      <a:round/>
+                      <a:headEnd type="none" w="med" len="med"/>
+                      <a:tailEnd type="none" w="med" len="med"/>
+                    </a:lnT>
+                    <a:lnB w="12700" cap="flat" cmpd="sng" algn="ctr">
+                      <a:solidFill>
+                        <a:schemeClr val="tx1"/>
+                      </a:solidFill>
+                      <a:prstDash val="solid"/>
+                      <a:round/>
+                      <a:headEnd type="none" w="med" len="med"/>
+                      <a:tailEnd type="none" w="med" len="med"/>
+                    </a:lnB>
+                    <a:solidFill>
+                      <a:srgbClr val="00C1DE"/>
+                    </a:solidFill>
+                  </a:tcPr>
+                </a:tc>
+                <a:tc>
+                  <a:txBody>
+                    <a:bodyPr/>
+                    <a:lstStyle/>
+                    <a:p>
+                      <a:endParaRPr lang="zh-CN" altLang="en-US" dirty="0"/>
+                    </a:p>
+                  </a:txBody>
+                  <a:tcPr>
+                    <a:lnL w="12700" cap="flat" cmpd="sng" algn="ctr">
+                      <a:solidFill>
+                        <a:schemeClr val="tx1"/>
+                      </a:solidFill>
+                      <a:prstDash val="solid"/>
+                      <a:round/>
+                      <a:headEnd type="none" w="med" len="med"/>
+                      <a:tailEnd type="none" w="med" len="med"/>
+                    </a:lnL>
+                    <a:lnR w="12700" cap="flat" cmpd="sng" algn="ctr">
+                      <a:solidFill>
+                        <a:schemeClr val="tx1"/>
+                      </a:solidFill>
+                      <a:prstDash val="solid"/>
+                      <a:round/>
+                      <a:headEnd type="none" w="med" len="med"/>
+                      <a:tailEnd type="none" w="med" len="med"/>
+                    </a:lnR>
+                    <a:lnT w="12700" cap="flat" cmpd="sng" algn="ctr">
+                      <a:solidFill>
+                        <a:schemeClr val="tx1"/>
+                      </a:solidFill>
+                      <a:prstDash val="solid"/>
+                      <a:round/>
+                      <a:headEnd type="none" w="med" len="med"/>
+                      <a:tailEnd type="none" w="med" len="med"/>
+                    </a:lnT>
+                    <a:lnB w="12700" cap="flat" cmpd="sng" algn="ctr">
+                      <a:solidFill>
+                        <a:schemeClr val="tx1"/>
+                      </a:solidFill>
+                      <a:prstDash val="solid"/>
+                      <a:round/>
+                      <a:headEnd type="none" w="med" len="med"/>
+                      <a:tailEnd type="none" w="med" len="med"/>
+                    </a:lnB>
+                    <a:solidFill>
+                      <a:srgbClr val="00C1DE"/>
+                    </a:solidFill>
+                  </a:tcPr>
+                </a:tc>
+                <a:tc>
+                  <a:txBody>
+                    <a:bodyPr/>
+                    <a:lstStyle/>
+                    <a:p>
+                      <a:endParaRPr lang="zh-CN" altLang="en-US" dirty="0"/>
+                    </a:p>
+                  </a:txBody>
+                  <a:tcPr>
+                    <a:lnL w="12700" cap="flat" cmpd="sng" algn="ctr">
+                      <a:solidFill>
+                        <a:schemeClr val="tx1"/>
+                      </a:solidFill>
+                      <a:prstDash val="solid"/>
+                      <a:round/>
+                      <a:headEnd type="none" w="med" len="med"/>
+                      <a:tailEnd type="none" w="med" len="med"/>
+                    </a:lnL>
+                    <a:lnR w="12700" cap="flat" cmpd="sng" algn="ctr">
+                      <a:solidFill>
+                        <a:schemeClr val="tx1"/>
+                      </a:solidFill>
+                      <a:prstDash val="solid"/>
+                      <a:round/>
+                      <a:headEnd type="none" w="med" len="med"/>
+                      <a:tailEnd type="none" w="med" len="med"/>
+                    </a:lnR>
+                    <a:lnT w="12700" cap="flat" cmpd="sng" algn="ctr">
+                      <a:solidFill>
+                        <a:schemeClr val="tx1"/>
+                      </a:solidFill>
+                      <a:prstDash val="solid"/>
+                      <a:round/>
+                      <a:headEnd type="none" w="med" len="med"/>
+                      <a:tailEnd type="none" w="med" len="med"/>
+                    </a:lnT>
+                    <a:lnB w="12700" cap="flat" cmpd="sng" algn="ctr">
+                      <a:solidFill>
+                        <a:schemeClr val="tx1"/>
+                      </a:solidFill>
+                      <a:prstDash val="solid"/>
+                      <a:round/>
+                      <a:headEnd type="none" w="med" len="med"/>
+                      <a:tailEnd type="none" w="med" len="med"/>
+                    </a:lnB>
+                    <a:solidFill>
+                      <a:srgbClr val="00C1DE"/>
+                    </a:solidFill>
+                  </a:tcPr>
+                </a:tc>
+                <a:tc>
+                  <a:txBody>
+                    <a:bodyPr/>
+                    <a:lstStyle/>
+                    <a:p>
+                      <a:endParaRPr lang="zh-CN" altLang="en-US" dirty="0"/>
+                    </a:p>
+                  </a:txBody>
+                  <a:tcPr>
+                    <a:lnL w="12700" cap="flat" cmpd="sng" algn="ctr">
+                      <a:solidFill>
+                        <a:schemeClr val="tx1"/>
+                      </a:solidFill>
+                      <a:prstDash val="solid"/>
+                      <a:round/>
+                      <a:headEnd type="none" w="med" len="med"/>
+                      <a:tailEnd type="none" w="med" len="med"/>
+                    </a:lnL>
+                    <a:lnR w="12700" cap="flat" cmpd="sng" algn="ctr">
+                      <a:solidFill>
+                        <a:schemeClr val="tx1"/>
+                      </a:solidFill>
+                      <a:prstDash val="solid"/>
+                      <a:round/>
+                      <a:headEnd type="none" w="med" len="med"/>
+                      <a:tailEnd type="none" w="med" len="med"/>
+                    </a:lnR>
+                    <a:lnT w="12700" cap="flat" cmpd="sng" algn="ctr">
+                      <a:solidFill>
+                        <a:schemeClr val="tx1"/>
+                      </a:solidFill>
+                      <a:prstDash val="solid"/>
+                      <a:round/>
+                      <a:headEnd type="none" w="med" len="med"/>
+                      <a:tailEnd type="none" w="med" len="med"/>
+                    </a:lnT>
+                    <a:lnB w="12700" cap="flat" cmpd="sng" algn="ctr">
+                      <a:solidFill>
+                        <a:schemeClr val="tx1"/>
+                      </a:solidFill>
+                      <a:prstDash val="solid"/>
+                      <a:round/>
+                      <a:headEnd type="none" w="med" len="med"/>
+                      <a:tailEnd type="none" w="med" len="med"/>
+                    </a:lnB>
+                    <a:solidFill>
+                      <a:srgbClr val="00C1DE"/>
+                    </a:solidFill>
+                  </a:tcPr>
+                </a:tc>
+                <a:tc>
+                  <a:txBody>
+                    <a:bodyPr/>
+                    <a:lstStyle/>
+                    <a:p>
+                      <a:endParaRPr lang="zh-CN" altLang="en-US" dirty="0"/>
+                    </a:p>
+                  </a:txBody>
+                  <a:tcPr>
+                    <a:lnL w="12700" cap="flat" cmpd="sng" algn="ctr">
+                      <a:solidFill>
+                        <a:schemeClr val="tx1"/>
+                      </a:solidFill>
+                      <a:prstDash val="solid"/>
+                      <a:round/>
+                      <a:headEnd type="none" w="med" len="med"/>
+                      <a:tailEnd type="none" w="med" len="med"/>
+                    </a:lnL>
+                    <a:lnR w="12700" cap="flat" cmpd="sng" algn="ctr">
+                      <a:solidFill>
+                        <a:schemeClr val="tx1"/>
+                      </a:solidFill>
+                      <a:prstDash val="solid"/>
+                      <a:round/>
+                      <a:headEnd type="none" w="med" len="med"/>
+                      <a:tailEnd type="none" w="med" len="med"/>
+                    </a:lnR>
+                    <a:lnT w="12700" cap="flat" cmpd="sng" algn="ctr">
+                      <a:solidFill>
+                        <a:schemeClr val="tx1"/>
+                      </a:solidFill>
+                      <a:prstDash val="solid"/>
+                      <a:round/>
+                      <a:headEnd type="none" w="med" len="med"/>
+                      <a:tailEnd type="none" w="med" len="med"/>
+                    </a:lnT>
+                    <a:lnB w="12700" cap="flat" cmpd="sng" algn="ctr">
+                      <a:solidFill>
+                        <a:schemeClr val="tx1"/>
+                      </a:solidFill>
+                      <a:prstDash val="solid"/>
+                      <a:round/>
+                      <a:headEnd type="none" w="med" len="med"/>
+                      <a:tailEnd type="none" w="med" len="med"/>
+                    </a:lnB>
+                    <a:solidFill>
+                      <a:srgbClr val="00C1DE"/>
+                    </a:solidFill>
+                  </a:tcPr>
+                </a:tc>
+                <a:extLst>
+                  <a:ext uri="{0D108BD9-81ED-4DB2-BD59-A6C34878D82A}">
+                    <a16:rowId xmlns:a16="http://schemas.microsoft.com/office/drawing/2014/main" val="4105216801"/>
+                  </a:ext>
+                </a:extLst>
+              </a:tr>
+            </a:tbl>
+          </a:graphicData>
+        </a:graphic>
+      </p:graphicFrame>
+      <p:sp>
+        <p:nvSpPr>
+          <p:cNvPr id="70" name="矩形 69">
+            <a:extLst>
+              <a:ext uri="{FF2B5EF4-FFF2-40B4-BE49-F238E27FC236}">
+                <a16:creationId xmlns:a16="http://schemas.microsoft.com/office/drawing/2014/main" id="{6959B792-A64A-459F-BEDA-59E14038EBC7}"/>
+              </a:ext>
+            </a:extLst>
+          </p:cNvPr>
+          <p:cNvSpPr/>
+          <p:nvPr/>
+        </p:nvSpPr>
+        <p:spPr>
+          <a:xfrm>
+            <a:off x="1991324" y="4484620"/>
+            <a:ext cx="228368" cy="365760"/>
+          </a:xfrm>
+          <a:prstGeom prst="rect">
+            <a:avLst/>
+          </a:prstGeom>
+          <a:solidFill>
+            <a:srgbClr val="C00000"/>
+          </a:solidFill>
+          <a:ln>
+            <a:noFill/>
+          </a:ln>
+        </p:spPr>
+        <p:style>
+          <a:lnRef idx="2">
+            <a:schemeClr val="accent1">
+              <a:shade val="50000"/>
+            </a:schemeClr>
+          </a:lnRef>
+          <a:fillRef idx="1">
+            <a:schemeClr val="accent1"/>
+          </a:fillRef>
+          <a:effectRef idx="0">
+            <a:schemeClr val="accent1"/>
+          </a:effectRef>
+          <a:fontRef idx="minor">
+            <a:schemeClr val="lt1"/>
+          </a:fontRef>
+        </p:style>
+        <p:txBody>
+          <a:bodyPr rtlCol="0" anchor="ctr"/>
+          <a:lstStyle/>
+          <a:p>
+            <a:pPr algn="ctr"/>
+            <a:endParaRPr lang="zh-CN" altLang="en-US" sz="1600" dirty="0">
+              <a:solidFill>
+                <a:schemeClr val="bg1"/>
+              </a:solidFill>
+              <a:latin typeface="Gill Sans MT" panose="020B0502020104020203" pitchFamily="34" charset="0"/>
+            </a:endParaRPr>
+          </a:p>
+        </p:txBody>
+      </p:sp>
+      <p:sp>
+        <p:nvSpPr>
+          <p:cNvPr id="71" name="文本框 70">
+            <a:extLst>
+              <a:ext uri="{FF2B5EF4-FFF2-40B4-BE49-F238E27FC236}">
+                <a16:creationId xmlns:a16="http://schemas.microsoft.com/office/drawing/2014/main" id="{369C9B44-9778-4BF4-AF29-198BE2FEE42B}"/>
+              </a:ext>
+            </a:extLst>
+          </p:cNvPr>
+          <p:cNvSpPr txBox="1"/>
+          <p:nvPr/>
+        </p:nvSpPr>
+        <p:spPr>
+          <a:xfrm>
+            <a:off x="2249188" y="4149314"/>
+            <a:ext cx="811421" cy="338554"/>
+          </a:xfrm>
+          <a:prstGeom prst="rect">
+            <a:avLst/>
+          </a:prstGeom>
+          <a:noFill/>
+        </p:spPr>
+        <p:txBody>
+          <a:bodyPr wrap="square">
+            <a:spAutoFit/>
+          </a:bodyPr>
+          <a:lstStyle/>
+          <a:p>
+            <a:pPr algn="ctr"/>
+            <a:r>
+              <a:rPr lang="en-US" altLang="zh-CN" sz="1600" dirty="0">
+                <a:solidFill>
+                  <a:srgbClr val="3C3C3B"/>
+                </a:solidFill>
+                <a:latin typeface="Gill Sans MT" panose="020B0502020104020203" pitchFamily="34" charset="0"/>
+              </a:rPr>
+              <a:t>TLB</a:t>
+            </a:r>
+            <a:endParaRPr lang="zh-CN" altLang="en-US" sz="1200" dirty="0">
+              <a:solidFill>
+                <a:srgbClr val="3C3C3B"/>
+              </a:solidFill>
+              <a:latin typeface="Gill Sans MT" panose="020B0502020104020203" pitchFamily="34" charset="0"/>
+            </a:endParaRPr>
+          </a:p>
+        </p:txBody>
+      </p:sp>
+      <p:sp>
+        <p:nvSpPr>
+          <p:cNvPr id="73" name="文本框 72">
+            <a:extLst>
+              <a:ext uri="{FF2B5EF4-FFF2-40B4-BE49-F238E27FC236}">
+                <a16:creationId xmlns:a16="http://schemas.microsoft.com/office/drawing/2014/main" id="{5865D0C5-79E6-4E7C-9C76-99B6F1680209}"/>
+              </a:ext>
+            </a:extLst>
+          </p:cNvPr>
+          <p:cNvSpPr txBox="1"/>
+          <p:nvPr/>
+        </p:nvSpPr>
+        <p:spPr>
+          <a:xfrm>
+            <a:off x="4393067" y="4142818"/>
+            <a:ext cx="811421" cy="338554"/>
+          </a:xfrm>
+          <a:prstGeom prst="rect">
+            <a:avLst/>
+          </a:prstGeom>
+          <a:noFill/>
+        </p:spPr>
+        <p:txBody>
+          <a:bodyPr wrap="square">
+            <a:spAutoFit/>
+          </a:bodyPr>
+          <a:lstStyle/>
+          <a:p>
+            <a:pPr algn="ctr"/>
+            <a:r>
+              <a:rPr lang="en-US" altLang="zh-CN" sz="1600" dirty="0">
+                <a:solidFill>
+                  <a:srgbClr val="3C3C3B"/>
+                </a:solidFill>
+                <a:latin typeface="Gill Sans MT" panose="020B0502020104020203" pitchFamily="34" charset="0"/>
+              </a:rPr>
+              <a:t>Cache</a:t>
+            </a:r>
+            <a:endParaRPr lang="zh-CN" altLang="en-US" sz="1200" dirty="0">
+              <a:solidFill>
+                <a:srgbClr val="3C3C3B"/>
+              </a:solidFill>
+              <a:latin typeface="Gill Sans MT" panose="020B0502020104020203" pitchFamily="34" charset="0"/>
+            </a:endParaRPr>
+          </a:p>
+        </p:txBody>
+      </p:sp>
+      <p:sp>
+        <p:nvSpPr>
+          <p:cNvPr id="75" name="矩形 74">
+            <a:extLst>
+              <a:ext uri="{FF2B5EF4-FFF2-40B4-BE49-F238E27FC236}">
+                <a16:creationId xmlns:a16="http://schemas.microsoft.com/office/drawing/2014/main" id="{DAB7BB30-CF93-407A-8D21-876919CA4C77}"/>
+              </a:ext>
+            </a:extLst>
+          </p:cNvPr>
+          <p:cNvSpPr/>
+          <p:nvPr/>
+        </p:nvSpPr>
+        <p:spPr>
+          <a:xfrm>
+            <a:off x="3158871" y="4484620"/>
+            <a:ext cx="224371" cy="362512"/>
+          </a:xfrm>
+          <a:prstGeom prst="rect">
+            <a:avLst/>
+          </a:prstGeom>
+          <a:solidFill>
+            <a:srgbClr val="3C3C3B"/>
+          </a:solidFill>
+          <a:ln>
+            <a:solidFill>
+              <a:srgbClr val="3C3C3B"/>
+            </a:solidFill>
+          </a:ln>
+        </p:spPr>
+        <p:style>
+          <a:lnRef idx="2">
+            <a:schemeClr val="accent1">
+              <a:shade val="50000"/>
+            </a:schemeClr>
+          </a:lnRef>
+          <a:fillRef idx="1">
+            <a:schemeClr val="accent1"/>
+          </a:fillRef>
+          <a:effectRef idx="0">
+            <a:schemeClr val="accent1"/>
+          </a:effectRef>
+          <a:fontRef idx="minor">
+            <a:schemeClr val="lt1"/>
+          </a:fontRef>
+        </p:style>
+        <p:txBody>
+          <a:bodyPr rtlCol="0" anchor="ctr"/>
+          <a:lstStyle/>
+          <a:p>
+            <a:pPr algn="ctr"/>
+            <a:r>
+              <a:rPr lang="en-US" altLang="zh-CN" sz="1600" dirty="0">
+                <a:solidFill>
+                  <a:schemeClr val="bg1"/>
+                </a:solidFill>
+                <a:latin typeface="Gill Sans MT" panose="020B0502020104020203" pitchFamily="34" charset="0"/>
+              </a:rPr>
+              <a:t>K</a:t>
+            </a:r>
+            <a:endParaRPr lang="zh-CN" altLang="en-US" sz="1600" dirty="0">
+              <a:solidFill>
+                <a:schemeClr val="bg1"/>
+              </a:solidFill>
+              <a:latin typeface="Gill Sans MT" panose="020B0502020104020203" pitchFamily="34" charset="0"/>
+            </a:endParaRPr>
+          </a:p>
+        </p:txBody>
+      </p:sp>
+      <p:graphicFrame>
+        <p:nvGraphicFramePr>
+          <p:cNvPr id="76" name="表格 75">
+            <a:extLst>
+              <a:ext uri="{FF2B5EF4-FFF2-40B4-BE49-F238E27FC236}">
+                <a16:creationId xmlns:a16="http://schemas.microsoft.com/office/drawing/2014/main" id="{52CDF593-4CC6-4311-A7C0-C7CFF9057115}"/>
+              </a:ext>
+            </a:extLst>
+          </p:cNvPr>
+          <p:cNvGraphicFramePr>
+            <a:graphicFrameLocks noGrp="1"/>
+          </p:cNvGraphicFramePr>
+          <p:nvPr>
+            <p:extLst>
+              <p:ext uri="{D42A27DB-BD31-4B8C-83A1-F6EECF244321}">
+                <p14:modId xmlns:p14="http://schemas.microsoft.com/office/powerpoint/2010/main" val="1587128809"/>
+              </p:ext>
+            </p:extLst>
+          </p:nvPr>
+        </p:nvGraphicFramePr>
+        <p:xfrm>
+          <a:off x="3901526" y="4481372"/>
+          <a:ext cx="1880016" cy="365760"/>
+        </p:xfrm>
+        <a:graphic>
+          <a:graphicData uri="http://schemas.openxmlformats.org/drawingml/2006/table">
+            <a:tbl>
+              <a:tblPr firstRow="1" bandRow="1">
+                <a:tableStyleId>{2D5ABB26-0587-4C30-8999-92F81FD0307C}</a:tableStyleId>
+              </a:tblPr>
+              <a:tblGrid>
+                <a:gridCol w="235002">
+                  <a:extLst>
+                    <a:ext uri="{9D8B030D-6E8A-4147-A177-3AD203B41FA5}">
+                      <a16:colId xmlns:a16="http://schemas.microsoft.com/office/drawing/2014/main" val="3139552584"/>
+                    </a:ext>
+                  </a:extLst>
+                </a:gridCol>
+                <a:gridCol w="235002">
+                  <a:extLst>
+                    <a:ext uri="{9D8B030D-6E8A-4147-A177-3AD203B41FA5}">
+                      <a16:colId xmlns:a16="http://schemas.microsoft.com/office/drawing/2014/main" val="4060104721"/>
+                    </a:ext>
+                  </a:extLst>
+                </a:gridCol>
+                <a:gridCol w="235002">
+                  <a:extLst>
+                    <a:ext uri="{9D8B030D-6E8A-4147-A177-3AD203B41FA5}">
+                      <a16:colId xmlns:a16="http://schemas.microsoft.com/office/drawing/2014/main" val="1670698699"/>
+                    </a:ext>
+                  </a:extLst>
+                </a:gridCol>
+                <a:gridCol w="235002">
+                  <a:extLst>
+                    <a:ext uri="{9D8B030D-6E8A-4147-A177-3AD203B41FA5}">
+                      <a16:colId xmlns:a16="http://schemas.microsoft.com/office/drawing/2014/main" val="3466240817"/>
+                    </a:ext>
+                  </a:extLst>
+                </a:gridCol>
+                <a:gridCol w="235002">
+                  <a:extLst>
+                    <a:ext uri="{9D8B030D-6E8A-4147-A177-3AD203B41FA5}">
+                      <a16:colId xmlns:a16="http://schemas.microsoft.com/office/drawing/2014/main" val="2767098286"/>
+                    </a:ext>
+                  </a:extLst>
+                </a:gridCol>
+                <a:gridCol w="235002">
+                  <a:extLst>
+                    <a:ext uri="{9D8B030D-6E8A-4147-A177-3AD203B41FA5}">
+                      <a16:colId xmlns:a16="http://schemas.microsoft.com/office/drawing/2014/main" val="3557517354"/>
+                    </a:ext>
+                  </a:extLst>
+                </a:gridCol>
+                <a:gridCol w="235002">
+                  <a:extLst>
+                    <a:ext uri="{9D8B030D-6E8A-4147-A177-3AD203B41FA5}">
+                      <a16:colId xmlns:a16="http://schemas.microsoft.com/office/drawing/2014/main" val="1189350409"/>
+                    </a:ext>
+                  </a:extLst>
+                </a:gridCol>
+                <a:gridCol w="235002">
+                  <a:extLst>
+                    <a:ext uri="{9D8B030D-6E8A-4147-A177-3AD203B41FA5}">
+                      <a16:colId xmlns:a16="http://schemas.microsoft.com/office/drawing/2014/main" val="1019017228"/>
+                    </a:ext>
+                  </a:extLst>
+                </a:gridCol>
+              </a:tblGrid>
+              <a:tr h="313823">
+                <a:tc>
+                  <a:txBody>
+                    <a:bodyPr/>
+                    <a:lstStyle/>
+                    <a:p>
+                      <a:endParaRPr lang="zh-CN" altLang="en-US" dirty="0"/>
+                    </a:p>
+                  </a:txBody>
+                  <a:tcPr>
+                    <a:lnL w="12700" cap="flat" cmpd="sng" algn="ctr">
+                      <a:solidFill>
+                        <a:schemeClr val="tx1"/>
+                      </a:solidFill>
+                      <a:prstDash val="solid"/>
+                      <a:round/>
+                      <a:headEnd type="none" w="med" len="med"/>
+                      <a:tailEnd type="none" w="med" len="med"/>
+                    </a:lnL>
+                    <a:lnR w="12700" cap="flat" cmpd="sng" algn="ctr">
+                      <a:solidFill>
+                        <a:schemeClr val="tx1"/>
+                      </a:solidFill>
+                      <a:prstDash val="solid"/>
+                      <a:round/>
+                      <a:headEnd type="none" w="med" len="med"/>
+                      <a:tailEnd type="none" w="med" len="med"/>
+                    </a:lnR>
+                    <a:lnT w="12700" cap="flat" cmpd="sng" algn="ctr">
+                      <a:solidFill>
+                        <a:schemeClr val="tx1"/>
+                      </a:solidFill>
+                      <a:prstDash val="solid"/>
+                      <a:round/>
+                      <a:headEnd type="none" w="med" len="med"/>
+                      <a:tailEnd type="none" w="med" len="med"/>
+                    </a:lnT>
+                    <a:lnB w="12700" cap="flat" cmpd="sng" algn="ctr">
+                      <a:solidFill>
+                        <a:schemeClr val="tx1"/>
+                      </a:solidFill>
+                      <a:prstDash val="solid"/>
+                      <a:round/>
+                      <a:headEnd type="none" w="med" len="med"/>
+                      <a:tailEnd type="none" w="med" len="med"/>
+                    </a:lnB>
+                    <a:solidFill>
+                      <a:srgbClr val="00C1DE"/>
+                    </a:solidFill>
+                  </a:tcPr>
+                </a:tc>
+                <a:tc>
+                  <a:txBody>
+                    <a:bodyPr/>
+                    <a:lstStyle/>
+                    <a:p>
+                      <a:endParaRPr lang="zh-CN" altLang="en-US" dirty="0"/>
+                    </a:p>
+                  </a:txBody>
+                  <a:tcPr>
+                    <a:lnL w="12700" cap="flat" cmpd="sng" algn="ctr">
+                      <a:solidFill>
+                        <a:schemeClr val="tx1"/>
+                      </a:solidFill>
+                      <a:prstDash val="solid"/>
+                      <a:round/>
+                      <a:headEnd type="none" w="med" len="med"/>
+                      <a:tailEnd type="none" w="med" len="med"/>
+                    </a:lnL>
+                    <a:lnR w="12700" cap="flat" cmpd="sng" algn="ctr">
+                      <a:solidFill>
+                        <a:schemeClr val="tx1"/>
+                      </a:solidFill>
+                      <a:prstDash val="solid"/>
+                      <a:round/>
+                      <a:headEnd type="none" w="med" len="med"/>
+                      <a:tailEnd type="none" w="med" len="med"/>
+                    </a:lnR>
+                    <a:lnT w="12700" cap="flat" cmpd="sng" algn="ctr">
+                      <a:solidFill>
+                        <a:schemeClr val="tx1"/>
+                      </a:solidFill>
+                      <a:prstDash val="solid"/>
+                      <a:round/>
+                      <a:headEnd type="none" w="med" len="med"/>
+                      <a:tailEnd type="none" w="med" len="med"/>
+                    </a:lnT>
+                    <a:lnB w="12700" cap="flat" cmpd="sng" algn="ctr">
+                      <a:solidFill>
+                        <a:schemeClr val="tx1"/>
+                      </a:solidFill>
+                      <a:prstDash val="solid"/>
+                      <a:round/>
+                      <a:headEnd type="none" w="med" len="med"/>
+                      <a:tailEnd type="none" w="med" len="med"/>
+                    </a:lnB>
+                    <a:solidFill>
+                      <a:srgbClr val="00C1DE"/>
+                    </a:solidFill>
+                  </a:tcPr>
+                </a:tc>
+                <a:tc>
+                  <a:txBody>
+                    <a:bodyPr/>
+                    <a:lstStyle/>
+                    <a:p>
+                      <a:endParaRPr lang="zh-CN" altLang="en-US" dirty="0"/>
+                    </a:p>
+                  </a:txBody>
+                  <a:tcPr>
+                    <a:lnL w="12700" cap="flat" cmpd="sng" algn="ctr">
+                      <a:solidFill>
+                        <a:schemeClr val="tx1"/>
+                      </a:solidFill>
+                      <a:prstDash val="solid"/>
+                      <a:round/>
+                      <a:headEnd type="none" w="med" len="med"/>
+                      <a:tailEnd type="none" w="med" len="med"/>
+                    </a:lnL>
+                    <a:lnR w="12700" cap="flat" cmpd="sng" algn="ctr">
+                      <a:solidFill>
+                        <a:schemeClr val="tx1"/>
+                      </a:solidFill>
+                      <a:prstDash val="solid"/>
+                      <a:round/>
+                      <a:headEnd type="none" w="med" len="med"/>
+                      <a:tailEnd type="none" w="med" len="med"/>
+                    </a:lnR>
+                    <a:lnT w="12700" cap="flat" cmpd="sng" algn="ctr">
+                      <a:solidFill>
+                        <a:schemeClr val="tx1"/>
+                      </a:solidFill>
+                      <a:prstDash val="solid"/>
+                      <a:round/>
+                      <a:headEnd type="none" w="med" len="med"/>
+                      <a:tailEnd type="none" w="med" len="med"/>
+                    </a:lnT>
+                    <a:lnB w="12700" cap="flat" cmpd="sng" algn="ctr">
+                      <a:solidFill>
+                        <a:schemeClr val="tx1"/>
+                      </a:solidFill>
+                      <a:prstDash val="solid"/>
+                      <a:round/>
+                      <a:headEnd type="none" w="med" len="med"/>
+                      <a:tailEnd type="none" w="med" len="med"/>
+                    </a:lnB>
+                    <a:solidFill>
+                      <a:srgbClr val="00C1DE"/>
+                    </a:solidFill>
+                  </a:tcPr>
+                </a:tc>
+                <a:tc>
+                  <a:txBody>
+                    <a:bodyPr/>
+                    <a:lstStyle/>
+                    <a:p>
+                      <a:endParaRPr lang="zh-CN" altLang="en-US" dirty="0"/>
+                    </a:p>
+                  </a:txBody>
+                  <a:tcPr>
+                    <a:lnL w="12700" cap="flat" cmpd="sng" algn="ctr">
+                      <a:solidFill>
+                        <a:schemeClr val="tx1"/>
+                      </a:solidFill>
+                      <a:prstDash val="solid"/>
+                      <a:round/>
+                      <a:headEnd type="none" w="med" len="med"/>
+                      <a:tailEnd type="none" w="med" len="med"/>
+                    </a:lnL>
+                    <a:lnR w="12700" cap="flat" cmpd="sng" algn="ctr">
+                      <a:solidFill>
+                        <a:schemeClr val="tx1"/>
+                      </a:solidFill>
+                      <a:prstDash val="solid"/>
+                      <a:round/>
+                      <a:headEnd type="none" w="med" len="med"/>
+                      <a:tailEnd type="none" w="med" len="med"/>
+                    </a:lnR>
+                    <a:lnT w="12700" cap="flat" cmpd="sng" algn="ctr">
+                      <a:solidFill>
+                        <a:schemeClr val="tx1"/>
+                      </a:solidFill>
+                      <a:prstDash val="solid"/>
+                      <a:round/>
+                      <a:headEnd type="none" w="med" len="med"/>
+                      <a:tailEnd type="none" w="med" len="med"/>
+                    </a:lnT>
+                    <a:lnB w="12700" cap="flat" cmpd="sng" algn="ctr">
+                      <a:solidFill>
+                        <a:schemeClr val="tx1"/>
+                      </a:solidFill>
+                      <a:prstDash val="solid"/>
+                      <a:round/>
+                      <a:headEnd type="none" w="med" len="med"/>
+                      <a:tailEnd type="none" w="med" len="med"/>
+                    </a:lnB>
+                    <a:solidFill>
+                      <a:srgbClr val="00C1DE"/>
+                    </a:solidFill>
+                  </a:tcPr>
+                </a:tc>
+                <a:tc>
+                  <a:txBody>
+                    <a:bodyPr/>
+                    <a:lstStyle/>
+                    <a:p>
+                      <a:endParaRPr lang="zh-CN" altLang="en-US" dirty="0"/>
+                    </a:p>
+                  </a:txBody>
+                  <a:tcPr>
+                    <a:lnL w="12700" cap="flat" cmpd="sng" algn="ctr">
+                      <a:solidFill>
+                        <a:schemeClr val="tx1"/>
+                      </a:solidFill>
+                      <a:prstDash val="solid"/>
+                      <a:round/>
+                      <a:headEnd type="none" w="med" len="med"/>
+                      <a:tailEnd type="none" w="med" len="med"/>
+                    </a:lnL>
+                    <a:lnR w="12700" cap="flat" cmpd="sng" algn="ctr">
+                      <a:solidFill>
+                        <a:schemeClr val="tx1"/>
+                      </a:solidFill>
+                      <a:prstDash val="solid"/>
+                      <a:round/>
+                      <a:headEnd type="none" w="med" len="med"/>
+                      <a:tailEnd type="none" w="med" len="med"/>
+                    </a:lnR>
+                    <a:lnT w="12700" cap="flat" cmpd="sng" algn="ctr">
+                      <a:solidFill>
+                        <a:schemeClr val="tx1"/>
+                      </a:solidFill>
+                      <a:prstDash val="solid"/>
+                      <a:round/>
+                      <a:headEnd type="none" w="med" len="med"/>
+                      <a:tailEnd type="none" w="med" len="med"/>
+                    </a:lnT>
+                    <a:lnB w="12700" cap="flat" cmpd="sng" algn="ctr">
+                      <a:solidFill>
+                        <a:schemeClr val="tx1"/>
+                      </a:solidFill>
+                      <a:prstDash val="solid"/>
+                      <a:round/>
+                      <a:headEnd type="none" w="med" len="med"/>
+                      <a:tailEnd type="none" w="med" len="med"/>
+                    </a:lnB>
+                    <a:solidFill>
+                      <a:srgbClr val="00C1DE"/>
+                    </a:solidFill>
+                  </a:tcPr>
+                </a:tc>
+                <a:tc>
+                  <a:txBody>
+                    <a:bodyPr/>
+                    <a:lstStyle/>
+                    <a:p>
+                      <a:endParaRPr lang="zh-CN" altLang="en-US" dirty="0"/>
+                    </a:p>
+                  </a:txBody>
+                  <a:tcPr>
+                    <a:lnL w="12700" cap="flat" cmpd="sng" algn="ctr">
+                      <a:solidFill>
+                        <a:schemeClr val="tx1"/>
+                      </a:solidFill>
+                      <a:prstDash val="solid"/>
+                      <a:round/>
+                      <a:headEnd type="none" w="med" len="med"/>
+                      <a:tailEnd type="none" w="med" len="med"/>
+                    </a:lnL>
+                    <a:lnR w="12700" cap="flat" cmpd="sng" algn="ctr">
+                      <a:solidFill>
+                        <a:schemeClr val="tx1"/>
+                      </a:solidFill>
+                      <a:prstDash val="solid"/>
+                      <a:round/>
+                      <a:headEnd type="none" w="med" len="med"/>
+                      <a:tailEnd type="none" w="med" len="med"/>
+                    </a:lnR>
+                    <a:lnT w="12700" cap="flat" cmpd="sng" algn="ctr">
+                      <a:solidFill>
+                        <a:schemeClr val="tx1"/>
+                      </a:solidFill>
+                      <a:prstDash val="solid"/>
+                      <a:round/>
+                      <a:headEnd type="none" w="med" len="med"/>
+                      <a:tailEnd type="none" w="med" len="med"/>
+                    </a:lnT>
+                    <a:lnB w="12700" cap="flat" cmpd="sng" algn="ctr">
+                      <a:solidFill>
+                        <a:schemeClr val="tx1"/>
+                      </a:solidFill>
+                      <a:prstDash val="solid"/>
+                      <a:round/>
+                      <a:headEnd type="none" w="med" len="med"/>
+                      <a:tailEnd type="none" w="med" len="med"/>
+                    </a:lnB>
+                    <a:solidFill>
+                      <a:srgbClr val="00C1DE"/>
+                    </a:solidFill>
+                  </a:tcPr>
+                </a:tc>
+                <a:tc>
+                  <a:txBody>
+                    <a:bodyPr/>
+                    <a:lstStyle/>
+                    <a:p>
+                      <a:endParaRPr lang="zh-CN" altLang="en-US" dirty="0"/>
+                    </a:p>
+                  </a:txBody>
+                  <a:tcPr>
+                    <a:lnL w="12700" cap="flat" cmpd="sng" algn="ctr">
+                      <a:solidFill>
+                        <a:schemeClr val="tx1"/>
+                      </a:solidFill>
+                      <a:prstDash val="solid"/>
+                      <a:round/>
+                      <a:headEnd type="none" w="med" len="med"/>
+                      <a:tailEnd type="none" w="med" len="med"/>
+                    </a:lnL>
+                    <a:lnR w="12700" cap="flat" cmpd="sng" algn="ctr">
+                      <a:solidFill>
+                        <a:schemeClr val="tx1"/>
+                      </a:solidFill>
+                      <a:prstDash val="solid"/>
+                      <a:round/>
+                      <a:headEnd type="none" w="med" len="med"/>
+                      <a:tailEnd type="none" w="med" len="med"/>
+                    </a:lnR>
+                    <a:lnT w="12700" cap="flat" cmpd="sng" algn="ctr">
+                      <a:solidFill>
+                        <a:schemeClr val="tx1"/>
+                      </a:solidFill>
+                      <a:prstDash val="solid"/>
+                      <a:round/>
+                      <a:headEnd type="none" w="med" len="med"/>
+                      <a:tailEnd type="none" w="med" len="med"/>
+                    </a:lnT>
+                    <a:lnB w="12700" cap="flat" cmpd="sng" algn="ctr">
+                      <a:solidFill>
+                        <a:schemeClr val="tx1"/>
+                      </a:solidFill>
+                      <a:prstDash val="solid"/>
+                      <a:round/>
+                      <a:headEnd type="none" w="med" len="med"/>
+                      <a:tailEnd type="none" w="med" len="med"/>
+                    </a:lnB>
+                    <a:solidFill>
+                      <a:srgbClr val="00C1DE"/>
+                    </a:solidFill>
+                  </a:tcPr>
+                </a:tc>
+                <a:tc>
+                  <a:txBody>
+                    <a:bodyPr/>
+                    <a:lstStyle/>
+                    <a:p>
+                      <a:endParaRPr lang="zh-CN" altLang="en-US" dirty="0"/>
+                    </a:p>
+                  </a:txBody>
+                  <a:tcPr>
+                    <a:lnL w="12700" cap="flat" cmpd="sng" algn="ctr">
+                      <a:solidFill>
+                        <a:schemeClr val="tx1"/>
+                      </a:solidFill>
+                      <a:prstDash val="solid"/>
+                      <a:round/>
+                      <a:headEnd type="none" w="med" len="med"/>
+                      <a:tailEnd type="none" w="med" len="med"/>
+                    </a:lnL>
+                    <a:lnR w="12700" cap="flat" cmpd="sng" algn="ctr">
+                      <a:solidFill>
+                        <a:schemeClr val="tx1"/>
+                      </a:solidFill>
+                      <a:prstDash val="solid"/>
+                      <a:round/>
+                      <a:headEnd type="none" w="med" len="med"/>
+                      <a:tailEnd type="none" w="med" len="med"/>
+                    </a:lnR>
+                    <a:lnT w="12700" cap="flat" cmpd="sng" algn="ctr">
+                      <a:solidFill>
+                        <a:schemeClr val="tx1"/>
+                      </a:solidFill>
+                      <a:prstDash val="solid"/>
+                      <a:round/>
+                      <a:headEnd type="none" w="med" len="med"/>
+                      <a:tailEnd type="none" w="med" len="med"/>
+                    </a:lnT>
+                    <a:lnB w="12700" cap="flat" cmpd="sng" algn="ctr">
+                      <a:solidFill>
+                        <a:schemeClr val="tx1"/>
+                      </a:solidFill>
+                      <a:prstDash val="solid"/>
+                      <a:round/>
+                      <a:headEnd type="none" w="med" len="med"/>
+                      <a:tailEnd type="none" w="med" len="med"/>
+                    </a:lnB>
+                    <a:solidFill>
+                      <a:srgbClr val="00C1DE"/>
+                    </a:solidFill>
+                  </a:tcPr>
+                </a:tc>
+                <a:extLst>
+                  <a:ext uri="{0D108BD9-81ED-4DB2-BD59-A6C34878D82A}">
+                    <a16:rowId xmlns:a16="http://schemas.microsoft.com/office/drawing/2014/main" val="4105216801"/>
+                  </a:ext>
+                </a:extLst>
+              </a:tr>
+            </a:tbl>
+          </a:graphicData>
+        </a:graphic>
+      </p:graphicFrame>
+      <p:sp>
+        <p:nvSpPr>
+          <p:cNvPr id="77" name="矩形 76">
+            <a:extLst>
+              <a:ext uri="{FF2B5EF4-FFF2-40B4-BE49-F238E27FC236}">
+                <a16:creationId xmlns:a16="http://schemas.microsoft.com/office/drawing/2014/main" id="{AF28EB57-BB3C-4DB3-9E0E-DBFEEA818EDC}"/>
+              </a:ext>
+            </a:extLst>
+          </p:cNvPr>
+          <p:cNvSpPr/>
+          <p:nvPr/>
+        </p:nvSpPr>
+        <p:spPr>
+          <a:xfrm>
+            <a:off x="4144697" y="4481372"/>
+            <a:ext cx="228368" cy="365760"/>
+          </a:xfrm>
+          <a:prstGeom prst="rect">
+            <a:avLst/>
+          </a:prstGeom>
+          <a:solidFill>
+            <a:srgbClr val="01A370"/>
+          </a:solidFill>
+          <a:ln>
+            <a:noFill/>
+          </a:ln>
+        </p:spPr>
+        <p:style>
+          <a:lnRef idx="2">
+            <a:schemeClr val="accent1">
+              <a:shade val="50000"/>
+            </a:schemeClr>
+          </a:lnRef>
+          <a:fillRef idx="1">
+            <a:schemeClr val="accent1"/>
+          </a:fillRef>
+          <a:effectRef idx="0">
+            <a:schemeClr val="accent1"/>
+          </a:effectRef>
+          <a:fontRef idx="minor">
+            <a:schemeClr val="lt1"/>
+          </a:fontRef>
+        </p:style>
+        <p:txBody>
+          <a:bodyPr rtlCol="0" anchor="ctr"/>
+          <a:lstStyle/>
+          <a:p>
+            <a:pPr algn="ctr"/>
+            <a:r>
+              <a:rPr lang="en-US" altLang="zh-CN" sz="1600" dirty="0">
+                <a:solidFill>
+                  <a:schemeClr val="bg1"/>
+                </a:solidFill>
+                <a:latin typeface="Gill Sans MT" panose="020B0502020104020203" pitchFamily="34" charset="0"/>
+              </a:rPr>
+              <a:t>1</a:t>
+            </a:r>
+            <a:endParaRPr lang="zh-CN" altLang="en-US" sz="1600" dirty="0">
+              <a:solidFill>
+                <a:schemeClr val="bg1"/>
+              </a:solidFill>
+              <a:latin typeface="Gill Sans MT" panose="020B0502020104020203" pitchFamily="34" charset="0"/>
+            </a:endParaRPr>
+          </a:p>
+        </p:txBody>
+      </p:sp>
+      <p:sp>
+        <p:nvSpPr>
+          <p:cNvPr id="78" name="矩形 77">
+            <a:extLst>
+              <a:ext uri="{FF2B5EF4-FFF2-40B4-BE49-F238E27FC236}">
+                <a16:creationId xmlns:a16="http://schemas.microsoft.com/office/drawing/2014/main" id="{87175BB8-7E59-47A1-A3FA-2420178AFCF9}"/>
+              </a:ext>
+            </a:extLst>
+          </p:cNvPr>
+          <p:cNvSpPr/>
+          <p:nvPr/>
+        </p:nvSpPr>
+        <p:spPr>
+          <a:xfrm>
+            <a:off x="4616236" y="4484620"/>
+            <a:ext cx="224371" cy="362512"/>
+          </a:xfrm>
+          <a:prstGeom prst="rect">
+            <a:avLst/>
+          </a:prstGeom>
+          <a:solidFill>
+            <a:srgbClr val="00698A"/>
+          </a:solidFill>
+          <a:ln>
+            <a:noFill/>
+          </a:ln>
+        </p:spPr>
+        <p:style>
+          <a:lnRef idx="2">
+            <a:schemeClr val="accent1">
+              <a:shade val="50000"/>
+            </a:schemeClr>
+          </a:lnRef>
+          <a:fillRef idx="1">
+            <a:schemeClr val="accent1"/>
+          </a:fillRef>
+          <a:effectRef idx="0">
+            <a:schemeClr val="accent1"/>
+          </a:effectRef>
+          <a:fontRef idx="minor">
+            <a:schemeClr val="lt1"/>
+          </a:fontRef>
+        </p:style>
+        <p:txBody>
+          <a:bodyPr rtlCol="0" anchor="ctr"/>
+          <a:lstStyle/>
+          <a:p>
+            <a:pPr algn="ctr"/>
+            <a:r>
+              <a:rPr lang="en-US" altLang="zh-CN" sz="1600" dirty="0">
+                <a:solidFill>
+                  <a:schemeClr val="bg1"/>
+                </a:solidFill>
+                <a:latin typeface="Gill Sans MT" panose="020B0502020104020203" pitchFamily="34" charset="0"/>
+              </a:rPr>
+              <a:t>2</a:t>
+            </a:r>
+            <a:endParaRPr lang="zh-CN" altLang="en-US" sz="1600" dirty="0">
+              <a:solidFill>
+                <a:schemeClr val="bg1"/>
+              </a:solidFill>
+              <a:latin typeface="Gill Sans MT" panose="020B0502020104020203" pitchFamily="34" charset="0"/>
+            </a:endParaRPr>
+          </a:p>
+        </p:txBody>
+      </p:sp>
+      <p:sp>
+        <p:nvSpPr>
+          <p:cNvPr id="79" name="矩形 78">
+            <a:extLst>
+              <a:ext uri="{FF2B5EF4-FFF2-40B4-BE49-F238E27FC236}">
+                <a16:creationId xmlns:a16="http://schemas.microsoft.com/office/drawing/2014/main" id="{E426FA91-044E-40DB-8D06-D42D93D9C1D8}"/>
+              </a:ext>
+            </a:extLst>
+          </p:cNvPr>
+          <p:cNvSpPr/>
+          <p:nvPr/>
+        </p:nvSpPr>
+        <p:spPr>
+          <a:xfrm>
+            <a:off x="5312244" y="4481372"/>
+            <a:ext cx="224371" cy="362512"/>
+          </a:xfrm>
+          <a:prstGeom prst="rect">
+            <a:avLst/>
+          </a:prstGeom>
+          <a:solidFill>
+            <a:srgbClr val="3C3C3B"/>
+          </a:solidFill>
+          <a:ln>
+            <a:solidFill>
+              <a:srgbClr val="3C3C3B"/>
+            </a:solidFill>
+          </a:ln>
+        </p:spPr>
+        <p:style>
+          <a:lnRef idx="2">
+            <a:schemeClr val="accent1">
+              <a:shade val="50000"/>
+            </a:schemeClr>
+          </a:lnRef>
+          <a:fillRef idx="1">
+            <a:schemeClr val="accent1"/>
+          </a:fillRef>
+          <a:effectRef idx="0">
+            <a:schemeClr val="accent1"/>
+          </a:effectRef>
+          <a:fontRef idx="minor">
+            <a:schemeClr val="lt1"/>
+          </a:fontRef>
+        </p:style>
+        <p:txBody>
+          <a:bodyPr rtlCol="0" anchor="ctr"/>
+          <a:lstStyle/>
+          <a:p>
+            <a:pPr algn="ctr"/>
+            <a:r>
+              <a:rPr lang="en-US" altLang="zh-CN" sz="1600" dirty="0">
+                <a:solidFill>
+                  <a:schemeClr val="bg1"/>
+                </a:solidFill>
+                <a:latin typeface="Gill Sans MT" panose="020B0502020104020203" pitchFamily="34" charset="0"/>
+              </a:rPr>
+              <a:t>K</a:t>
+            </a:r>
+            <a:endParaRPr lang="zh-CN" altLang="en-US" sz="1600" dirty="0">
+              <a:solidFill>
+                <a:schemeClr val="bg1"/>
+              </a:solidFill>
+              <a:latin typeface="Gill Sans MT" panose="020B0502020104020203" pitchFamily="34" charset="0"/>
+            </a:endParaRPr>
+          </a:p>
+        </p:txBody>
+      </p:sp>
+      <p:sp>
+        <p:nvSpPr>
+          <p:cNvPr id="104" name="矩形 103">
+            <a:extLst>
+              <a:ext uri="{FF2B5EF4-FFF2-40B4-BE49-F238E27FC236}">
+                <a16:creationId xmlns:a16="http://schemas.microsoft.com/office/drawing/2014/main" id="{B740EA0A-65C7-469F-823F-D4D282B2D04A}"/>
+              </a:ext>
+            </a:extLst>
+          </p:cNvPr>
+          <p:cNvSpPr/>
+          <p:nvPr/>
+        </p:nvSpPr>
+        <p:spPr>
+          <a:xfrm>
+            <a:off x="1616035" y="1938055"/>
+            <a:ext cx="1108115" cy="117024"/>
+          </a:xfrm>
+          <a:prstGeom prst="rect">
+            <a:avLst/>
+          </a:prstGeom>
+          <a:solidFill>
+            <a:srgbClr val="C00000"/>
+          </a:solidFill>
+          <a:ln>
+            <a:noFill/>
+          </a:ln>
+        </p:spPr>
+        <p:style>
+          <a:lnRef idx="2">
+            <a:schemeClr val="accent1">
+              <a:shade val="50000"/>
+            </a:schemeClr>
+          </a:lnRef>
+          <a:fillRef idx="1">
+            <a:schemeClr val="accent1"/>
+          </a:fillRef>
+          <a:effectRef idx="0">
+            <a:schemeClr val="accent1"/>
+          </a:effectRef>
+          <a:fontRef idx="minor">
+            <a:schemeClr val="lt1"/>
+          </a:fontRef>
+        </p:style>
+        <p:txBody>
+          <a:bodyPr rtlCol="0" anchor="ctr"/>
+          <a:lstStyle/>
+          <a:p>
+            <a:pPr algn="ctr"/>
+            <a:endParaRPr lang="zh-CN" altLang="en-US" sz="1600" dirty="0">
+              <a:solidFill>
+                <a:schemeClr val="bg1"/>
+              </a:solidFill>
+              <a:latin typeface="Gill Sans MT" panose="020B0502020104020203" pitchFamily="34" charset="0"/>
+            </a:endParaRPr>
+          </a:p>
+        </p:txBody>
+      </p:sp>
+      <p:sp>
+        <p:nvSpPr>
+          <p:cNvPr id="80" name="矩形 79">
+            <a:extLst>
+              <a:ext uri="{FF2B5EF4-FFF2-40B4-BE49-F238E27FC236}">
+                <a16:creationId xmlns:a16="http://schemas.microsoft.com/office/drawing/2014/main" id="{47E4B876-FDAD-49C2-96DE-B9660F9161C8}"/>
+              </a:ext>
+            </a:extLst>
+          </p:cNvPr>
+          <p:cNvSpPr/>
+          <p:nvPr/>
+        </p:nvSpPr>
+        <p:spPr>
+          <a:xfrm>
+            <a:off x="3264950" y="1942013"/>
+            <a:ext cx="1108115" cy="117024"/>
+          </a:xfrm>
+          <a:prstGeom prst="rect">
+            <a:avLst/>
+          </a:prstGeom>
+          <a:solidFill>
+            <a:srgbClr val="C00000"/>
+          </a:solidFill>
+          <a:ln>
+            <a:noFill/>
+          </a:ln>
+        </p:spPr>
+        <p:style>
+          <a:lnRef idx="2">
+            <a:schemeClr val="accent1">
+              <a:shade val="50000"/>
+            </a:schemeClr>
+          </a:lnRef>
+          <a:fillRef idx="1">
+            <a:schemeClr val="accent1"/>
+          </a:fillRef>
+          <a:effectRef idx="0">
+            <a:schemeClr val="accent1"/>
+          </a:effectRef>
+          <a:fontRef idx="minor">
+            <a:schemeClr val="lt1"/>
+          </a:fontRef>
+        </p:style>
+        <p:txBody>
+          <a:bodyPr rtlCol="0" anchor="ctr"/>
+          <a:lstStyle/>
+          <a:p>
+            <a:pPr algn="ctr"/>
+            <a:endParaRPr lang="zh-CN" altLang="en-US" sz="1600" dirty="0">
+              <a:solidFill>
+                <a:schemeClr val="bg1"/>
+              </a:solidFill>
+              <a:latin typeface="Gill Sans MT" panose="020B0502020104020203" pitchFamily="34" charset="0"/>
+            </a:endParaRPr>
+          </a:p>
+        </p:txBody>
+      </p:sp>
+      <p:sp>
+        <p:nvSpPr>
+          <p:cNvPr id="86" name="文本框 85">
+            <a:extLst>
+              <a:ext uri="{FF2B5EF4-FFF2-40B4-BE49-F238E27FC236}">
+                <a16:creationId xmlns:a16="http://schemas.microsoft.com/office/drawing/2014/main" id="{FBA434DE-5C45-4638-83DC-3B13191F9F3D}"/>
+              </a:ext>
+            </a:extLst>
+          </p:cNvPr>
+          <p:cNvSpPr txBox="1"/>
+          <p:nvPr/>
+        </p:nvSpPr>
+        <p:spPr>
+          <a:xfrm>
+            <a:off x="2674079" y="1865222"/>
+            <a:ext cx="633375" cy="261610"/>
+          </a:xfrm>
+          <a:prstGeom prst="rect">
+            <a:avLst/>
+          </a:prstGeom>
+          <a:noFill/>
+        </p:spPr>
+        <p:txBody>
+          <a:bodyPr wrap="square">
+            <a:spAutoFit/>
+          </a:bodyPr>
+          <a:lstStyle/>
+          <a:p>
+            <a:pPr algn="ctr"/>
+            <a:r>
+              <a:rPr lang="en-US" altLang="zh-CN" sz="1100" dirty="0">
+                <a:solidFill>
+                  <a:srgbClr val="3C3C3B"/>
+                </a:solidFill>
+                <a:latin typeface="Gill Sans MT" panose="020B0502020104020203" pitchFamily="34" charset="0"/>
+              </a:rPr>
+              <a:t>0x8000</a:t>
+            </a:r>
+            <a:endParaRPr lang="zh-CN" altLang="en-US" sz="1100" dirty="0">
+              <a:solidFill>
+                <a:srgbClr val="3C3C3B"/>
+              </a:solidFill>
+              <a:latin typeface="Gill Sans MT" panose="020B0502020104020203" pitchFamily="34" charset="0"/>
+            </a:endParaRPr>
+          </a:p>
+        </p:txBody>
+      </p:sp>
+      <p:sp>
+        <p:nvSpPr>
+          <p:cNvPr id="88" name="文本框 87">
+            <a:extLst>
+              <a:ext uri="{FF2B5EF4-FFF2-40B4-BE49-F238E27FC236}">
+                <a16:creationId xmlns:a16="http://schemas.microsoft.com/office/drawing/2014/main" id="{BF19270A-E3C7-4417-A006-856F8402D901}"/>
+              </a:ext>
+            </a:extLst>
+          </p:cNvPr>
+          <p:cNvSpPr txBox="1"/>
+          <p:nvPr/>
+        </p:nvSpPr>
+        <p:spPr>
+          <a:xfrm>
+            <a:off x="1739219" y="4823174"/>
+            <a:ext cx="633375" cy="261610"/>
+          </a:xfrm>
+          <a:prstGeom prst="rect">
+            <a:avLst/>
+          </a:prstGeom>
+          <a:noFill/>
+        </p:spPr>
+        <p:txBody>
+          <a:bodyPr wrap="square">
+            <a:spAutoFit/>
+          </a:bodyPr>
+          <a:lstStyle/>
+          <a:p>
+            <a:pPr algn="ctr"/>
+            <a:endParaRPr lang="zh-CN" altLang="en-US" sz="1100" dirty="0">
+              <a:solidFill>
+                <a:srgbClr val="3C3C3B"/>
+              </a:solidFill>
+              <a:latin typeface="Gill Sans MT" panose="020B0502020104020203" pitchFamily="34" charset="0"/>
+            </a:endParaRPr>
+          </a:p>
+        </p:txBody>
+      </p:sp>
+      <p:cxnSp>
+        <p:nvCxnSpPr>
+          <p:cNvPr id="7" name="连接符: 曲线 6">
+            <a:extLst>
+              <a:ext uri="{FF2B5EF4-FFF2-40B4-BE49-F238E27FC236}">
+                <a16:creationId xmlns:a16="http://schemas.microsoft.com/office/drawing/2014/main" id="{9B44B6FD-7179-4311-BDA8-CBE5E95FD34D}"/>
+              </a:ext>
+            </a:extLst>
+          </p:cNvPr>
+          <p:cNvCxnSpPr>
+            <a:cxnSpLocks/>
+            <a:stCxn id="88" idx="0"/>
+          </p:cNvCxnSpPr>
+          <p:nvPr/>
+        </p:nvCxnSpPr>
+        <p:spPr>
+          <a:xfrm rot="16200000" flipH="1">
+            <a:off x="3147039" y="3732042"/>
+            <a:ext cx="20710" cy="2202974"/>
+          </a:xfrm>
+          <a:prstGeom prst="curvedConnector4">
+            <a:avLst>
+              <a:gd name="adj1" fmla="val 1692516"/>
+              <a:gd name="adj2" fmla="val 99733"/>
+            </a:avLst>
+          </a:prstGeom>
+          <a:ln w="28575">
+            <a:solidFill>
+              <a:srgbClr val="00B68E"/>
+            </a:solidFill>
+            <a:prstDash val="dash"/>
+            <a:tailEnd type="triangle"/>
+          </a:ln>
+        </p:spPr>
+        <p:style>
+          <a:lnRef idx="1">
+            <a:schemeClr val="accent1"/>
+          </a:lnRef>
+          <a:fillRef idx="0">
+            <a:schemeClr val="accent1"/>
+          </a:fillRef>
+          <a:effectRef idx="0">
+            <a:schemeClr val="accent1"/>
+          </a:effectRef>
+          <a:fontRef idx="minor">
+            <a:schemeClr val="tx1"/>
+          </a:fontRef>
+        </p:style>
+      </p:cxnSp>
+      <p:cxnSp>
+        <p:nvCxnSpPr>
+          <p:cNvPr id="107" name="连接符: 曲线 106">
+            <a:extLst>
+              <a:ext uri="{FF2B5EF4-FFF2-40B4-BE49-F238E27FC236}">
+                <a16:creationId xmlns:a16="http://schemas.microsoft.com/office/drawing/2014/main" id="{A69D5FD0-A85F-4637-9362-D575523A51F8}"/>
+              </a:ext>
+            </a:extLst>
+          </p:cNvPr>
+          <p:cNvCxnSpPr>
+            <a:cxnSpLocks/>
+            <a:stCxn id="88" idx="0"/>
+          </p:cNvCxnSpPr>
+          <p:nvPr/>
+        </p:nvCxnSpPr>
+        <p:spPr>
+          <a:xfrm rot="16200000" flipH="1">
+            <a:off x="3360185" y="3518896"/>
+            <a:ext cx="23958" cy="2632515"/>
+          </a:xfrm>
+          <a:prstGeom prst="curvedConnector4">
+            <a:avLst>
+              <a:gd name="adj1" fmla="val 2576267"/>
+              <a:gd name="adj2" fmla="val 100013"/>
+            </a:avLst>
+          </a:prstGeom>
+          <a:ln w="28575">
+            <a:solidFill>
+              <a:srgbClr val="00698A"/>
+            </a:solidFill>
+            <a:prstDash val="dash"/>
+            <a:tailEnd type="triangle"/>
+          </a:ln>
+        </p:spPr>
+        <p:style>
+          <a:lnRef idx="1">
+            <a:schemeClr val="accent1"/>
+          </a:lnRef>
+          <a:fillRef idx="0">
+            <a:schemeClr val="accent1"/>
+          </a:fillRef>
+          <a:effectRef idx="0">
+            <a:schemeClr val="accent1"/>
+          </a:effectRef>
+          <a:fontRef idx="minor">
+            <a:schemeClr val="tx1"/>
+          </a:fontRef>
+        </p:style>
+      </p:cxnSp>
+      <p:sp>
+        <p:nvSpPr>
+          <p:cNvPr id="111" name="文本框 110">
+            <a:extLst>
+              <a:ext uri="{FF2B5EF4-FFF2-40B4-BE49-F238E27FC236}">
+                <a16:creationId xmlns:a16="http://schemas.microsoft.com/office/drawing/2014/main" id="{8EE58461-1103-4E32-BBD0-0056E8725C09}"/>
+              </a:ext>
+            </a:extLst>
+          </p:cNvPr>
+          <p:cNvSpPr txBox="1"/>
+          <p:nvPr/>
+        </p:nvSpPr>
+        <p:spPr>
+          <a:xfrm>
+            <a:off x="1753003" y="4241056"/>
+            <a:ext cx="633375" cy="261610"/>
+          </a:xfrm>
+          <a:prstGeom prst="rect">
+            <a:avLst/>
+          </a:prstGeom>
+          <a:noFill/>
+        </p:spPr>
+        <p:txBody>
+          <a:bodyPr wrap="square">
+            <a:spAutoFit/>
+          </a:bodyPr>
+          <a:lstStyle/>
+          <a:p>
+            <a:pPr algn="ctr"/>
+            <a:r>
+              <a:rPr lang="en-US" altLang="zh-CN" sz="1100" dirty="0">
+                <a:solidFill>
+                  <a:srgbClr val="3C3C3B"/>
+                </a:solidFill>
+                <a:latin typeface="Gill Sans MT" panose="020B0502020104020203" pitchFamily="34" charset="0"/>
+              </a:rPr>
+              <a:t>0x8000</a:t>
+            </a:r>
+            <a:endParaRPr lang="zh-CN" altLang="en-US" sz="1100" dirty="0">
+              <a:solidFill>
+                <a:srgbClr val="3C3C3B"/>
+              </a:solidFill>
+              <a:latin typeface="Gill Sans MT" panose="020B0502020104020203" pitchFamily="34" charset="0"/>
+            </a:endParaRPr>
+          </a:p>
+        </p:txBody>
+      </p:sp>
+      <p:sp>
+        <p:nvSpPr>
+          <p:cNvPr id="112" name="文本框 111">
+            <a:extLst>
+              <a:ext uri="{FF2B5EF4-FFF2-40B4-BE49-F238E27FC236}">
+                <a16:creationId xmlns:a16="http://schemas.microsoft.com/office/drawing/2014/main" id="{CDF12815-E289-46EF-ADB5-0511CA632469}"/>
+              </a:ext>
+            </a:extLst>
+          </p:cNvPr>
+          <p:cNvSpPr txBox="1"/>
+          <p:nvPr/>
+        </p:nvSpPr>
+        <p:spPr>
+          <a:xfrm>
+            <a:off x="2994794" y="4876540"/>
+            <a:ext cx="633375" cy="261610"/>
+          </a:xfrm>
+          <a:prstGeom prst="rect">
+            <a:avLst/>
+          </a:prstGeom>
+          <a:noFill/>
+        </p:spPr>
+        <p:txBody>
+          <a:bodyPr wrap="square">
+            <a:spAutoFit/>
+          </a:bodyPr>
+          <a:lstStyle/>
+          <a:p>
+            <a:pPr algn="ctr"/>
+            <a:r>
+              <a:rPr lang="en-US" altLang="zh-CN" sz="1100" dirty="0">
+                <a:solidFill>
+                  <a:srgbClr val="3C3C3B"/>
+                </a:solidFill>
+                <a:latin typeface="Gill Sans MT" panose="020B0502020104020203" pitchFamily="34" charset="0"/>
+              </a:rPr>
+              <a:t>P1</a:t>
+            </a:r>
+            <a:endParaRPr lang="zh-CN" altLang="en-US" sz="1100" dirty="0">
+              <a:solidFill>
+                <a:srgbClr val="3C3C3B"/>
+              </a:solidFill>
+              <a:latin typeface="Gill Sans MT" panose="020B0502020104020203" pitchFamily="34" charset="0"/>
+            </a:endParaRPr>
+          </a:p>
+        </p:txBody>
+      </p:sp>
+      <p:sp>
+        <p:nvSpPr>
+          <p:cNvPr id="113" name="文本框 112">
+            <a:extLst>
+              <a:ext uri="{FF2B5EF4-FFF2-40B4-BE49-F238E27FC236}">
+                <a16:creationId xmlns:a16="http://schemas.microsoft.com/office/drawing/2014/main" id="{0313998F-634C-4A00-BA6D-8A563A6A3328}"/>
+              </a:ext>
+            </a:extLst>
+          </p:cNvPr>
+          <p:cNvSpPr txBox="1"/>
+          <p:nvPr/>
+        </p:nvSpPr>
+        <p:spPr>
+          <a:xfrm>
+            <a:off x="2994794" y="5197898"/>
+            <a:ext cx="633375" cy="261610"/>
+          </a:xfrm>
+          <a:prstGeom prst="rect">
+            <a:avLst/>
+          </a:prstGeom>
+          <a:noFill/>
+        </p:spPr>
+        <p:txBody>
+          <a:bodyPr wrap="square">
+            <a:spAutoFit/>
+          </a:bodyPr>
+          <a:lstStyle/>
+          <a:p>
+            <a:pPr algn="ctr"/>
+            <a:r>
+              <a:rPr lang="en-US" altLang="zh-CN" sz="1100" dirty="0">
+                <a:solidFill>
+                  <a:srgbClr val="3C3C3B"/>
+                </a:solidFill>
+                <a:latin typeface="Gill Sans MT" panose="020B0502020104020203" pitchFamily="34" charset="0"/>
+              </a:rPr>
+              <a:t>P2</a:t>
+            </a:r>
+            <a:endParaRPr lang="zh-CN" altLang="en-US" sz="1100" dirty="0">
+              <a:solidFill>
+                <a:srgbClr val="3C3C3B"/>
+              </a:solidFill>
+              <a:latin typeface="Gill Sans MT" panose="020B0502020104020203" pitchFamily="34" charset="0"/>
+            </a:endParaRPr>
+          </a:p>
+        </p:txBody>
+      </p:sp>
+      <p:sp>
+        <p:nvSpPr>
+          <p:cNvPr id="114" name="文本框 113">
+            <a:extLst>
+              <a:ext uri="{FF2B5EF4-FFF2-40B4-BE49-F238E27FC236}">
+                <a16:creationId xmlns:a16="http://schemas.microsoft.com/office/drawing/2014/main" id="{254B2586-7163-419A-B35A-62AE4718D3FB}"/>
+              </a:ext>
+            </a:extLst>
+          </p:cNvPr>
+          <p:cNvSpPr txBox="1"/>
+          <p:nvPr/>
+        </p:nvSpPr>
+        <p:spPr>
+          <a:xfrm>
+            <a:off x="6280430" y="5067093"/>
+            <a:ext cx="1384037" cy="261610"/>
+          </a:xfrm>
+          <a:prstGeom prst="rect">
+            <a:avLst/>
+          </a:prstGeom>
+          <a:noFill/>
+        </p:spPr>
+        <p:txBody>
+          <a:bodyPr wrap="square">
+            <a:spAutoFit/>
+          </a:bodyPr>
+          <a:lstStyle/>
+          <a:p>
+            <a:pPr algn="ctr"/>
+            <a:r>
+              <a:rPr lang="en-US" altLang="zh-CN" sz="1050" dirty="0">
+                <a:solidFill>
+                  <a:srgbClr val="3C3C3B"/>
+                </a:solidFill>
+                <a:latin typeface="Gill Sans MT" panose="020B0502020104020203" pitchFamily="34" charset="0"/>
+              </a:rPr>
+              <a:t>63</a:t>
+            </a:r>
+            <a:endParaRPr lang="zh-CN" altLang="en-US" sz="1050" dirty="0">
+              <a:solidFill>
+                <a:srgbClr val="3C3C3B"/>
+              </a:solidFill>
+              <a:latin typeface="Gill Sans MT" panose="020B0502020104020203" pitchFamily="34" charset="0"/>
+            </a:endParaRPr>
+          </a:p>
+        </p:txBody>
+      </p:sp>
+      <p:sp>
+        <p:nvSpPr>
+          <p:cNvPr id="115" name="文本框 114">
+            <a:extLst>
+              <a:ext uri="{FF2B5EF4-FFF2-40B4-BE49-F238E27FC236}">
+                <a16:creationId xmlns:a16="http://schemas.microsoft.com/office/drawing/2014/main" id="{0AEF86D4-7FC7-4FB1-A64B-0D8B7E28313E}"/>
+              </a:ext>
+            </a:extLst>
+          </p:cNvPr>
+          <p:cNvSpPr txBox="1"/>
+          <p:nvPr/>
+        </p:nvSpPr>
+        <p:spPr>
+          <a:xfrm>
+            <a:off x="10509381" y="5052858"/>
+            <a:ext cx="1384037" cy="261610"/>
+          </a:xfrm>
+          <a:prstGeom prst="rect">
+            <a:avLst/>
+          </a:prstGeom>
+          <a:noFill/>
+        </p:spPr>
+        <p:txBody>
+          <a:bodyPr wrap="square">
+            <a:spAutoFit/>
+          </a:bodyPr>
+          <a:lstStyle/>
+          <a:p>
+            <a:pPr algn="ctr"/>
+            <a:r>
+              <a:rPr lang="en-US" altLang="zh-CN" sz="1050" dirty="0">
+                <a:solidFill>
+                  <a:srgbClr val="3C3C3B"/>
+                </a:solidFill>
+                <a:latin typeface="Gill Sans MT" panose="020B0502020104020203" pitchFamily="34" charset="0"/>
+              </a:rPr>
+              <a:t>0</a:t>
+            </a:r>
+            <a:endParaRPr lang="zh-CN" altLang="en-US" sz="1050" dirty="0">
+              <a:solidFill>
+                <a:srgbClr val="3C3C3B"/>
+              </a:solidFill>
+              <a:latin typeface="Gill Sans MT" panose="020B0502020104020203" pitchFamily="34" charset="0"/>
+            </a:endParaRPr>
+          </a:p>
+        </p:txBody>
+      </p:sp>
+    </p:spTree>
+    <p:extLst>
+      <p:ext uri="{BB962C8B-B14F-4D97-AF65-F5344CB8AC3E}">
+        <p14:creationId xmlns:p14="http://schemas.microsoft.com/office/powerpoint/2010/main" val="4034711011"/>
+      </p:ext>
+    </p:extLst>
+  </p:cSld>
+  <p:clrMapOvr>
+    <a:masterClrMapping/>
+  </p:clrMapOvr>
+</p:sld>
+</file>
+
+<file path=ppt/slides/slide11.xml><?xml version="1.0" encoding="utf-8"?>
 <p:sld xmlns:a="http://schemas.openxmlformats.org/drawingml/2006/main" xmlns:r="http://schemas.openxmlformats.org/officeDocument/2006/relationships" xmlns:p="http://schemas.openxmlformats.org/presentationml/2006/main">
   <p:cSld>
     <p:spTree>
@@ -13699,7 +17491,7 @@
 </p:sld>
 </file>
 
-<file path=ppt/slides/slide11.xml><?xml version="1.0" encoding="utf-8"?>
+<file path=ppt/slides/slide12.xml><?xml version="1.0" encoding="utf-8"?>
 <p:sld xmlns:a="http://schemas.openxmlformats.org/drawingml/2006/main" xmlns:r="http://schemas.openxmlformats.org/officeDocument/2006/relationships" xmlns:p="http://schemas.openxmlformats.org/presentationml/2006/main">
   <p:cSld>
     <p:spTree>
@@ -15594,7 +19386,7 @@
 </p:sld>
 </file>
 
-<file path=ppt/slides/slide12.xml><?xml version="1.0" encoding="utf-8"?>
+<file path=ppt/slides/slide13.xml><?xml version="1.0" encoding="utf-8"?>
 <p:sld xmlns:a="http://schemas.openxmlformats.org/drawingml/2006/main" xmlns:r="http://schemas.openxmlformats.org/officeDocument/2006/relationships" xmlns:p="http://schemas.openxmlformats.org/presentationml/2006/main">
   <p:cSld>
     <p:spTree>
@@ -17689,7 +21481,7 @@
 </p:sld>
 </file>
 
-<file path=ppt/slides/slide13.xml><?xml version="1.0" encoding="utf-8"?>
+<file path=ppt/slides/slide14.xml><?xml version="1.0" encoding="utf-8"?>
 <p:sld xmlns:a="http://schemas.openxmlformats.org/drawingml/2006/main" xmlns:r="http://schemas.openxmlformats.org/officeDocument/2006/relationships" xmlns:p="http://schemas.openxmlformats.org/presentationml/2006/main">
   <p:cSld>
     <p:spTree>
@@ -17902,7 +21694,7 @@
 </p:sld>
 </file>
 
-<file path=ppt/slides/slide14.xml><?xml version="1.0" encoding="utf-8"?>
+<file path=ppt/slides/slide15.xml><?xml version="1.0" encoding="utf-8"?>
 <p:sld xmlns:a="http://schemas.openxmlformats.org/drawingml/2006/main" xmlns:r="http://schemas.openxmlformats.org/officeDocument/2006/relationships" xmlns:p="http://schemas.openxmlformats.org/presentationml/2006/main">
   <p:cSld>
     <p:spTree>
@@ -19143,7 +22935,7 @@
 </p:sld>
 </file>
 
-<file path=ppt/slides/slide15.xml><?xml version="1.0" encoding="utf-8"?>
+<file path=ppt/slides/slide16.xml><?xml version="1.0" encoding="utf-8"?>
 <p:sld xmlns:a="http://schemas.openxmlformats.org/drawingml/2006/main" xmlns:r="http://schemas.openxmlformats.org/officeDocument/2006/relationships" xmlns:p="http://schemas.openxmlformats.org/presentationml/2006/main">
   <p:cSld>
     <p:spTree>
@@ -21494,7 +25286,7 @@
 </p:sld>
 </file>
 
-<file path=ppt/slides/slide16.xml><?xml version="1.0" encoding="utf-8"?>
+<file path=ppt/slides/slide17.xml><?xml version="1.0" encoding="utf-8"?>
 <p:sld xmlns:a="http://schemas.openxmlformats.org/drawingml/2006/main" xmlns:r="http://schemas.openxmlformats.org/officeDocument/2006/relationships" xmlns:p="http://schemas.openxmlformats.org/presentationml/2006/main">
   <p:cSld>
     <p:spTree>
@@ -24164,7 +27956,7 @@
 </p:sld>
 </file>
 
-<file path=ppt/slides/slide17.xml><?xml version="1.0" encoding="utf-8"?>
+<file path=ppt/slides/slide18.xml><?xml version="1.0" encoding="utf-8"?>
 <p:sld xmlns:a="http://schemas.openxmlformats.org/drawingml/2006/main" xmlns:r="http://schemas.openxmlformats.org/officeDocument/2006/relationships" xmlns:p="http://schemas.openxmlformats.org/presentationml/2006/main">
   <p:cSld>
     <p:spTree>
@@ -24823,7 +28615,7 @@
 </p:sld>
 </file>
 
-<file path=ppt/slides/slide18.xml><?xml version="1.0" encoding="utf-8"?>
+<file path=ppt/slides/slide19.xml><?xml version="1.0" encoding="utf-8"?>
 <p:sld xmlns:a="http://schemas.openxmlformats.org/drawingml/2006/main" xmlns:r="http://schemas.openxmlformats.org/officeDocument/2006/relationships" xmlns:p="http://schemas.openxmlformats.org/presentationml/2006/main">
   <p:cSld>
     <p:spTree>
@@ -24857,7 +28649,7 @@
           <a:p>
             <a:fld id="{565CE74E-AB26-4998-AD42-012C4C1AD076}" type="slidenum">
               <a:rPr lang="zh-CN" altLang="en-US" smtClean="0"/>
-              <a:t>18</a:t>
+              <a:t>19</a:t>
             </a:fld>
             <a:endParaRPr lang="zh-CN" altLang="en-US"/>
           </a:p>
@@ -25030,116 +28822,6 @@
         </p:spPr>
       </p:pic>
     </p:spTree>
-  </p:cSld>
-  <p:clrMapOvr>
-    <a:masterClrMapping/>
-  </p:clrMapOvr>
-</p:sld>
-</file>
-
-<file path=ppt/slides/slide19.xml><?xml version="1.0" encoding="utf-8"?>
-<p:sld xmlns:a="http://schemas.openxmlformats.org/drawingml/2006/main" xmlns:r="http://schemas.openxmlformats.org/officeDocument/2006/relationships" xmlns:p="http://schemas.openxmlformats.org/presentationml/2006/main">
-  <p:cSld>
-    <p:spTree>
-      <p:nvGrpSpPr>
-        <p:cNvPr id="1" name=""/>
-        <p:cNvGrpSpPr/>
-        <p:nvPr/>
-      </p:nvGrpSpPr>
-      <p:grpSpPr>
-        <a:xfrm>
-          <a:off x="0" y="0"/>
-          <a:ext cx="0" cy="0"/>
-          <a:chOff x="0" y="0"/>
-          <a:chExt cx="0" cy="0"/>
-        </a:xfrm>
-      </p:grpSpPr>
-      <p:sp>
-        <p:nvSpPr>
-          <p:cNvPr id="2" name="Content Placeholder 1">
-            <a:extLst>
-              <a:ext uri="{FF2B5EF4-FFF2-40B4-BE49-F238E27FC236}">
-                <a16:creationId xmlns:a16="http://schemas.microsoft.com/office/drawing/2014/main" id="{8995DA18-A491-4B15-A45C-18C763841340}"/>
-              </a:ext>
-            </a:extLst>
-          </p:cNvPr>
-          <p:cNvSpPr>
-            <a:spLocks noGrp="1"/>
-          </p:cNvSpPr>
-          <p:nvPr>
-            <p:ph idx="1"/>
-          </p:nvPr>
-        </p:nvSpPr>
-        <p:spPr/>
-        <p:txBody>
-          <a:bodyPr/>
-          <a:lstStyle/>
-          <a:p>
-            <a:r>
-              <a:rPr lang="en-US" dirty="0"/>
-              <a:t>An update to a memory location by a CPU that accesses a cache might not be visible to other observers that can access memory.</a:t>
-            </a:r>
-          </a:p>
-          <a:p>
-            <a:endParaRPr lang="en-US" dirty="0"/>
-          </a:p>
-          <a:p>
-            <a:endParaRPr lang="en-US" dirty="0"/>
-          </a:p>
-          <a:p>
-            <a:r>
-              <a:rPr lang="en-US" dirty="0"/>
-              <a:t>Updates to memory locations by other observers that can access memory might not be visible to a CPU that accesses a cache.</a:t>
-            </a:r>
-          </a:p>
-          <a:p>
-            <a:endParaRPr lang="en-US" dirty="0"/>
-          </a:p>
-          <a:p>
-            <a:endParaRPr lang="en-US" dirty="0"/>
-          </a:p>
-          <a:p>
-            <a:r>
-              <a:rPr lang="en-US" dirty="0"/>
-              <a:t>Explicit cache maintenance is required to overcome the cache coherency problems above.</a:t>
-            </a:r>
-          </a:p>
-        </p:txBody>
-      </p:sp>
-      <p:sp>
-        <p:nvSpPr>
-          <p:cNvPr id="3" name="Title 2">
-            <a:extLst>
-              <a:ext uri="{FF2B5EF4-FFF2-40B4-BE49-F238E27FC236}">
-                <a16:creationId xmlns:a16="http://schemas.microsoft.com/office/drawing/2014/main" id="{4AF14C02-21CA-44C5-A9DF-F2627F0DB2C1}"/>
-              </a:ext>
-            </a:extLst>
-          </p:cNvPr>
-          <p:cNvSpPr>
-            <a:spLocks noGrp="1"/>
-          </p:cNvSpPr>
-          <p:nvPr>
-            <p:ph type="title"/>
-          </p:nvPr>
-        </p:nvSpPr>
-        <p:spPr/>
-        <p:txBody>
-          <a:bodyPr/>
-          <a:lstStyle/>
-          <a:p>
-            <a:r>
-              <a:rPr lang="en-US" dirty="0"/>
-              <a:t>Coherency Problems Caused by Cache</a:t>
-            </a:r>
-          </a:p>
-        </p:txBody>
-      </p:sp>
-    </p:spTree>
-    <p:extLst>
-      <p:ext uri="{BB962C8B-B14F-4D97-AF65-F5344CB8AC3E}">
-        <p14:creationId xmlns:p14="http://schemas.microsoft.com/office/powerpoint/2010/main" val="215726979"/>
-      </p:ext>
-    </p:extLst>
   </p:cSld>
   <p:clrMapOvr>
     <a:masterClrMapping/>
@@ -25440,6 +29122,116 @@
 </file>
 
 <file path=ppt/slides/slide20.xml><?xml version="1.0" encoding="utf-8"?>
+<p:sld xmlns:a="http://schemas.openxmlformats.org/drawingml/2006/main" xmlns:r="http://schemas.openxmlformats.org/officeDocument/2006/relationships" xmlns:p="http://schemas.openxmlformats.org/presentationml/2006/main">
+  <p:cSld>
+    <p:spTree>
+      <p:nvGrpSpPr>
+        <p:cNvPr id="1" name=""/>
+        <p:cNvGrpSpPr/>
+        <p:nvPr/>
+      </p:nvGrpSpPr>
+      <p:grpSpPr>
+        <a:xfrm>
+          <a:off x="0" y="0"/>
+          <a:ext cx="0" cy="0"/>
+          <a:chOff x="0" y="0"/>
+          <a:chExt cx="0" cy="0"/>
+        </a:xfrm>
+      </p:grpSpPr>
+      <p:sp>
+        <p:nvSpPr>
+          <p:cNvPr id="2" name="Content Placeholder 1">
+            <a:extLst>
+              <a:ext uri="{FF2B5EF4-FFF2-40B4-BE49-F238E27FC236}">
+                <a16:creationId xmlns:a16="http://schemas.microsoft.com/office/drawing/2014/main" id="{8995DA18-A491-4B15-A45C-18C763841340}"/>
+              </a:ext>
+            </a:extLst>
+          </p:cNvPr>
+          <p:cNvSpPr>
+            <a:spLocks noGrp="1"/>
+          </p:cNvSpPr>
+          <p:nvPr>
+            <p:ph idx="1"/>
+          </p:nvPr>
+        </p:nvSpPr>
+        <p:spPr/>
+        <p:txBody>
+          <a:bodyPr/>
+          <a:lstStyle/>
+          <a:p>
+            <a:r>
+              <a:rPr lang="en-US" dirty="0"/>
+              <a:t>An update to a memory location by a CPU that accesses a cache might not be visible to other observers that can access memory.</a:t>
+            </a:r>
+          </a:p>
+          <a:p>
+            <a:endParaRPr lang="en-US" dirty="0"/>
+          </a:p>
+          <a:p>
+            <a:endParaRPr lang="en-US" dirty="0"/>
+          </a:p>
+          <a:p>
+            <a:r>
+              <a:rPr lang="en-US" dirty="0"/>
+              <a:t>Updates to memory locations by other observers that can access memory might not be visible to a CPU that accesses a cache.</a:t>
+            </a:r>
+          </a:p>
+          <a:p>
+            <a:endParaRPr lang="en-US" dirty="0"/>
+          </a:p>
+          <a:p>
+            <a:endParaRPr lang="en-US" dirty="0"/>
+          </a:p>
+          <a:p>
+            <a:r>
+              <a:rPr lang="en-US" dirty="0"/>
+              <a:t>Explicit cache maintenance is required to overcome the cache coherency problems above.</a:t>
+            </a:r>
+          </a:p>
+        </p:txBody>
+      </p:sp>
+      <p:sp>
+        <p:nvSpPr>
+          <p:cNvPr id="3" name="Title 2">
+            <a:extLst>
+              <a:ext uri="{FF2B5EF4-FFF2-40B4-BE49-F238E27FC236}">
+                <a16:creationId xmlns:a16="http://schemas.microsoft.com/office/drawing/2014/main" id="{4AF14C02-21CA-44C5-A9DF-F2627F0DB2C1}"/>
+              </a:ext>
+            </a:extLst>
+          </p:cNvPr>
+          <p:cNvSpPr>
+            <a:spLocks noGrp="1"/>
+          </p:cNvSpPr>
+          <p:nvPr>
+            <p:ph type="title"/>
+          </p:nvPr>
+        </p:nvSpPr>
+        <p:spPr/>
+        <p:txBody>
+          <a:bodyPr/>
+          <a:lstStyle/>
+          <a:p>
+            <a:r>
+              <a:rPr lang="en-US" dirty="0"/>
+              <a:t>Coherency Problems Caused by Cache</a:t>
+            </a:r>
+          </a:p>
+        </p:txBody>
+      </p:sp>
+    </p:spTree>
+    <p:extLst>
+      <p:ext uri="{BB962C8B-B14F-4D97-AF65-F5344CB8AC3E}">
+        <p14:creationId xmlns:p14="http://schemas.microsoft.com/office/powerpoint/2010/main" val="215726979"/>
+      </p:ext>
+    </p:extLst>
+  </p:cSld>
+  <p:clrMapOvr>
+    <a:masterClrMapping/>
+  </p:clrMapOvr>
+</p:sld>
+</file>
+
+<file path=ppt/slides/slide21.xml><?xml version="1.0" encoding="utf-8"?>
 <p:sld xmlns:a="http://schemas.openxmlformats.org/drawingml/2006/main" xmlns:r="http://schemas.openxmlformats.org/officeDocument/2006/relationships" xmlns:p="http://schemas.openxmlformats.org/presentationml/2006/main">
   <p:cSld>
     <p:spTree>
@@ -26312,7 +30104,7 @@
 </p:sld>
 </file>
 
-<file path=ppt/slides/slide21.xml><?xml version="1.0" encoding="utf-8"?>
+<file path=ppt/slides/slide22.xml><?xml version="1.0" encoding="utf-8"?>
 <p:sld xmlns:a="http://schemas.openxmlformats.org/drawingml/2006/main" xmlns:r="http://schemas.openxmlformats.org/officeDocument/2006/relationships" xmlns:p="http://schemas.openxmlformats.org/presentationml/2006/main">
   <p:cSld>
     <p:spTree>
@@ -26346,7 +30138,7 @@
           <a:p>
             <a:fld id="{565CE74E-AB26-4998-AD42-012C4C1AD076}" type="slidenum">
               <a:rPr lang="zh-CN" altLang="en-US" smtClean="0"/>
-              <a:t>21</a:t>
+              <a:t>22</a:t>
             </a:fld>
             <a:endParaRPr lang="zh-CN" altLang="en-US"/>
           </a:p>
@@ -26521,7 +30313,7 @@
 </p:sld>
 </file>
 
-<file path=ppt/slides/slide22.xml><?xml version="1.0" encoding="utf-8"?>
+<file path=ppt/slides/slide23.xml><?xml version="1.0" encoding="utf-8"?>
 <p:sld xmlns:a="http://schemas.openxmlformats.org/drawingml/2006/main" xmlns:r="http://schemas.openxmlformats.org/officeDocument/2006/relationships" xmlns:p="http://schemas.openxmlformats.org/presentationml/2006/main">
   <p:cSld>
     <p:spTree>
@@ -26987,7 +30779,7 @@
 </p:sld>
 </file>
 
-<file path=ppt/slides/slide23.xml><?xml version="1.0" encoding="utf-8"?>
+<file path=ppt/slides/slide24.xml><?xml version="1.0" encoding="utf-8"?>
 <p:sld xmlns:a="http://schemas.openxmlformats.org/drawingml/2006/main" xmlns:r="http://schemas.openxmlformats.org/officeDocument/2006/relationships" xmlns:p="http://schemas.openxmlformats.org/presentationml/2006/main">
   <p:cSld>
     <p:spTree>
@@ -28238,7 +32030,7 @@
 </p:sld>
 </file>
 
-<file path=ppt/slides/slide24.xml><?xml version="1.0" encoding="utf-8"?>
+<file path=ppt/slides/slide25.xml><?xml version="1.0" encoding="utf-8"?>
 <p:sld xmlns:a="http://schemas.openxmlformats.org/drawingml/2006/main" xmlns:r="http://schemas.openxmlformats.org/officeDocument/2006/relationships" xmlns:p="http://schemas.openxmlformats.org/presentationml/2006/main">
   <p:cSld>
     <p:spTree>
@@ -29258,7 +33050,7 @@
 </p:sld>
 </file>
 
-<file path=ppt/slides/slide25.xml><?xml version="1.0" encoding="utf-8"?>
+<file path=ppt/slides/slide26.xml><?xml version="1.0" encoding="utf-8"?>
 <p:sld xmlns:a="http://schemas.openxmlformats.org/drawingml/2006/main" xmlns:r="http://schemas.openxmlformats.org/officeDocument/2006/relationships" xmlns:p="http://schemas.openxmlformats.org/presentationml/2006/main">
   <p:cSld>
     <p:spTree>
@@ -30545,7 +34337,7 @@
 </p:sld>
 </file>
 
-<file path=ppt/slides/slide26.xml><?xml version="1.0" encoding="utf-8"?>
+<file path=ppt/slides/slide27.xml><?xml version="1.0" encoding="utf-8"?>
 <p:sld xmlns:a="http://schemas.openxmlformats.org/drawingml/2006/main" xmlns:r="http://schemas.openxmlformats.org/officeDocument/2006/relationships" xmlns:p="http://schemas.openxmlformats.org/presentationml/2006/main">
   <p:cSld>
     <p:spTree>
@@ -32623,7 +36415,7 @@
 </p:sld>
 </file>
 
-<file path=ppt/slides/slide27.xml><?xml version="1.0" encoding="utf-8"?>
+<file path=ppt/slides/slide28.xml><?xml version="1.0" encoding="utf-8"?>
 <p:sld xmlns:a="http://schemas.openxmlformats.org/drawingml/2006/main" xmlns:r="http://schemas.openxmlformats.org/officeDocument/2006/relationships" xmlns:p="http://schemas.openxmlformats.org/presentationml/2006/main">
   <p:cSld>
     <p:spTree>
@@ -32899,7 +36691,7 @@
 </p:sld>
 </file>
 
-<file path=ppt/slides/slide28.xml><?xml version="1.0" encoding="utf-8"?>
+<file path=ppt/slides/slide29.xml><?xml version="1.0" encoding="utf-8"?>
 <p:sld xmlns:a="http://schemas.openxmlformats.org/drawingml/2006/main" xmlns:r="http://schemas.openxmlformats.org/officeDocument/2006/relationships" xmlns:p="http://schemas.openxmlformats.org/presentationml/2006/main">
   <p:cSld>
     <p:spTree>
@@ -34280,54 +38072,6 @@
 </p:sld>
 </file>
 
-<file path=ppt/slides/slide29.xml><?xml version="1.0" encoding="utf-8"?>
-<p:sld xmlns:a="http://schemas.openxmlformats.org/drawingml/2006/main" xmlns:r="http://schemas.openxmlformats.org/officeDocument/2006/relationships" xmlns:p="http://schemas.openxmlformats.org/presentationml/2006/main">
-  <p:cSld>
-    <p:spTree>
-      <p:nvGrpSpPr>
-        <p:cNvPr id="1" name=""/>
-        <p:cNvGrpSpPr/>
-        <p:nvPr/>
-      </p:nvGrpSpPr>
-      <p:grpSpPr>
-        <a:xfrm>
-          <a:off x="0" y="0"/>
-          <a:ext cx="0" cy="0"/>
-          <a:chOff x="0" y="0"/>
-          <a:chExt cx="0" cy="0"/>
-        </a:xfrm>
-      </p:grpSpPr>
-      <p:sp>
-        <p:nvSpPr>
-          <p:cNvPr id="2" name="灯片编号占位符 1"/>
-          <p:cNvSpPr>
-            <a:spLocks noGrp="1"/>
-          </p:cNvSpPr>
-          <p:nvPr>
-            <p:ph type="sldNum" sz="quarter" idx="10"/>
-          </p:nvPr>
-        </p:nvSpPr>
-        <p:spPr/>
-        <p:txBody>
-          <a:bodyPr/>
-          <a:lstStyle/>
-          <a:p>
-            <a:fld id="{565CE74E-AB26-4998-AD42-012C4C1AD076}" type="slidenum">
-              <a:rPr lang="zh-CN" altLang="en-US" smtClean="0"/>
-              <a:t>29</a:t>
-            </a:fld>
-            <a:endParaRPr lang="zh-CN" altLang="en-US" dirty="0"/>
-          </a:p>
-        </p:txBody>
-      </p:sp>
-    </p:spTree>
-  </p:cSld>
-  <p:clrMapOvr>
-    <a:masterClrMapping/>
-  </p:clrMapOvr>
-</p:sld>
-</file>
-
 <file path=ppt/slides/slide3.xml><?xml version="1.0" encoding="utf-8"?>
 <p:sld xmlns:a="http://schemas.openxmlformats.org/drawingml/2006/main" xmlns:r="http://schemas.openxmlformats.org/officeDocument/2006/relationships" xmlns:p="http://schemas.openxmlformats.org/presentationml/2006/main">
   <p:cSld>
@@ -34526,6 +38270,54 @@
               </a:rPr>
               <a:t>01</a:t>
             </a:r>
+          </a:p>
+        </p:txBody>
+      </p:sp>
+    </p:spTree>
+  </p:cSld>
+  <p:clrMapOvr>
+    <a:masterClrMapping/>
+  </p:clrMapOvr>
+</p:sld>
+</file>
+
+<file path=ppt/slides/slide30.xml><?xml version="1.0" encoding="utf-8"?>
+<p:sld xmlns:a="http://schemas.openxmlformats.org/drawingml/2006/main" xmlns:r="http://schemas.openxmlformats.org/officeDocument/2006/relationships" xmlns:p="http://schemas.openxmlformats.org/presentationml/2006/main">
+  <p:cSld>
+    <p:spTree>
+      <p:nvGrpSpPr>
+        <p:cNvPr id="1" name=""/>
+        <p:cNvGrpSpPr/>
+        <p:nvPr/>
+      </p:nvGrpSpPr>
+      <p:grpSpPr>
+        <a:xfrm>
+          <a:off x="0" y="0"/>
+          <a:ext cx="0" cy="0"/>
+          <a:chOff x="0" y="0"/>
+          <a:chExt cx="0" cy="0"/>
+        </a:xfrm>
+      </p:grpSpPr>
+      <p:sp>
+        <p:nvSpPr>
+          <p:cNvPr id="2" name="灯片编号占位符 1"/>
+          <p:cNvSpPr>
+            <a:spLocks noGrp="1"/>
+          </p:cNvSpPr>
+          <p:nvPr>
+            <p:ph type="sldNum" sz="quarter" idx="10"/>
+          </p:nvPr>
+        </p:nvSpPr>
+        <p:spPr/>
+        <p:txBody>
+          <a:bodyPr/>
+          <a:lstStyle/>
+          <a:p>
+            <a:fld id="{565CE74E-AB26-4998-AD42-012C4C1AD076}" type="slidenum">
+              <a:rPr lang="zh-CN" altLang="en-US" smtClean="0"/>
+              <a:t>30</a:t>
+            </a:fld>
+            <a:endParaRPr lang="zh-CN" altLang="en-US" dirty="0"/>
           </a:p>
         </p:txBody>
       </p:sp>
@@ -39174,6 +42966,1009 @@
       </p:grpSpPr>
       <p:sp>
         <p:nvSpPr>
+          <p:cNvPr id="67" name="矩形 66">
+            <a:extLst>
+              <a:ext uri="{FF2B5EF4-FFF2-40B4-BE49-F238E27FC236}">
+                <a16:creationId xmlns:a16="http://schemas.microsoft.com/office/drawing/2014/main" id="{8FED9AC5-6556-0D6D-5571-E2DC89C3EDEE}"/>
+              </a:ext>
+            </a:extLst>
+          </p:cNvPr>
+          <p:cNvSpPr/>
+          <p:nvPr/>
+        </p:nvSpPr>
+        <p:spPr>
+          <a:xfrm>
+            <a:off x="6236231" y="2922957"/>
+            <a:ext cx="3910287" cy="1149238"/>
+          </a:xfrm>
+          <a:prstGeom prst="rect">
+            <a:avLst/>
+          </a:prstGeom>
+          <a:solidFill>
+            <a:schemeClr val="accent4"/>
+          </a:solidFill>
+          <a:ln>
+            <a:noFill/>
+          </a:ln>
+        </p:spPr>
+        <p:style>
+          <a:lnRef idx="2">
+            <a:schemeClr val="accent1">
+              <a:shade val="50000"/>
+            </a:schemeClr>
+          </a:lnRef>
+          <a:fillRef idx="1">
+            <a:schemeClr val="accent1"/>
+          </a:fillRef>
+          <a:effectRef idx="0">
+            <a:schemeClr val="accent1"/>
+          </a:effectRef>
+          <a:fontRef idx="minor">
+            <a:schemeClr val="lt1"/>
+          </a:fontRef>
+        </p:style>
+        <p:txBody>
+          <a:bodyPr rtlCol="0" anchor="ctr"/>
+          <a:lstStyle/>
+          <a:p>
+            <a:endParaRPr lang="zh-CN" altLang="en-US" sz="1600" dirty="0">
+              <a:solidFill>
+                <a:schemeClr val="bg1"/>
+              </a:solidFill>
+              <a:latin typeface="Gill Sans MT" panose="020B0502020104020203" pitchFamily="34" charset="0"/>
+            </a:endParaRPr>
+          </a:p>
+        </p:txBody>
+      </p:sp>
+      <p:sp>
+        <p:nvSpPr>
+          <p:cNvPr id="66" name="矩形 65">
+            <a:extLst>
+              <a:ext uri="{FF2B5EF4-FFF2-40B4-BE49-F238E27FC236}">
+                <a16:creationId xmlns:a16="http://schemas.microsoft.com/office/drawing/2014/main" id="{83FC084D-0103-7422-B52B-F594F0A48B36}"/>
+              </a:ext>
+            </a:extLst>
+          </p:cNvPr>
+          <p:cNvSpPr/>
+          <p:nvPr/>
+        </p:nvSpPr>
+        <p:spPr>
+          <a:xfrm>
+            <a:off x="677818" y="2922957"/>
+            <a:ext cx="5412122" cy="1149238"/>
+          </a:xfrm>
+          <a:prstGeom prst="rect">
+            <a:avLst/>
+          </a:prstGeom>
+          <a:solidFill>
+            <a:schemeClr val="accent4"/>
+          </a:solidFill>
+          <a:ln>
+            <a:noFill/>
+          </a:ln>
+        </p:spPr>
+        <p:style>
+          <a:lnRef idx="2">
+            <a:schemeClr val="accent1">
+              <a:shade val="50000"/>
+            </a:schemeClr>
+          </a:lnRef>
+          <a:fillRef idx="1">
+            <a:schemeClr val="accent1"/>
+          </a:fillRef>
+          <a:effectRef idx="0">
+            <a:schemeClr val="accent1"/>
+          </a:effectRef>
+          <a:fontRef idx="minor">
+            <a:schemeClr val="lt1"/>
+          </a:fontRef>
+        </p:style>
+        <p:txBody>
+          <a:bodyPr rtlCol="0" anchor="ctr"/>
+          <a:lstStyle/>
+          <a:p>
+            <a:endParaRPr lang="zh-CN" altLang="en-US" sz="1600" dirty="0">
+              <a:solidFill>
+                <a:schemeClr val="bg1"/>
+              </a:solidFill>
+              <a:latin typeface="Gill Sans MT" panose="020B0502020104020203" pitchFamily="34" charset="0"/>
+            </a:endParaRPr>
+          </a:p>
+        </p:txBody>
+      </p:sp>
+      <p:sp>
+        <p:nvSpPr>
+          <p:cNvPr id="64" name="矩形 63">
+            <a:extLst>
+              <a:ext uri="{FF2B5EF4-FFF2-40B4-BE49-F238E27FC236}">
+                <a16:creationId xmlns:a16="http://schemas.microsoft.com/office/drawing/2014/main" id="{13DE0838-E09F-4FD4-BC89-BF295EBBED0E}"/>
+              </a:ext>
+            </a:extLst>
+          </p:cNvPr>
+          <p:cNvSpPr/>
+          <p:nvPr/>
+        </p:nvSpPr>
+        <p:spPr>
+          <a:xfrm>
+            <a:off x="638982" y="4499331"/>
+            <a:ext cx="9507539" cy="346981"/>
+          </a:xfrm>
+          <a:prstGeom prst="rect">
+            <a:avLst/>
+          </a:prstGeom>
+          <a:solidFill>
+            <a:srgbClr val="7030A0"/>
+          </a:solidFill>
+          <a:ln>
+            <a:noFill/>
+          </a:ln>
+        </p:spPr>
+        <p:style>
+          <a:lnRef idx="2">
+            <a:schemeClr val="accent1">
+              <a:shade val="50000"/>
+            </a:schemeClr>
+          </a:lnRef>
+          <a:fillRef idx="1">
+            <a:schemeClr val="accent1"/>
+          </a:fillRef>
+          <a:effectRef idx="0">
+            <a:schemeClr val="accent1"/>
+          </a:effectRef>
+          <a:fontRef idx="minor">
+            <a:schemeClr val="lt1"/>
+          </a:fontRef>
+        </p:style>
+        <p:txBody>
+          <a:bodyPr rtlCol="0" anchor="ctr"/>
+          <a:lstStyle/>
+          <a:p>
+            <a:pPr algn="ctr"/>
+            <a:r>
+              <a:rPr lang="en-US" altLang="zh-CN" sz="1600" dirty="0">
+                <a:solidFill>
+                  <a:schemeClr val="bg1"/>
+                </a:solidFill>
+                <a:latin typeface="Gill Sans MT" panose="020B0502020104020203" pitchFamily="34" charset="0"/>
+              </a:rPr>
+              <a:t>BUS</a:t>
+            </a:r>
+            <a:endParaRPr lang="zh-CN" altLang="en-US" sz="1600" dirty="0">
+              <a:solidFill>
+                <a:schemeClr val="bg1"/>
+              </a:solidFill>
+              <a:latin typeface="Gill Sans MT" panose="020B0502020104020203" pitchFamily="34" charset="0"/>
+            </a:endParaRPr>
+          </a:p>
+        </p:txBody>
+      </p:sp>
+      <p:sp>
+        <p:nvSpPr>
+          <p:cNvPr id="83" name="矩形 82">
+            <a:extLst>
+              <a:ext uri="{FF2B5EF4-FFF2-40B4-BE49-F238E27FC236}">
+                <a16:creationId xmlns:a16="http://schemas.microsoft.com/office/drawing/2014/main" id="{6BB3B4C4-AC7F-4B63-B215-47F00827F595}"/>
+              </a:ext>
+            </a:extLst>
+          </p:cNvPr>
+          <p:cNvSpPr/>
+          <p:nvPr/>
+        </p:nvSpPr>
+        <p:spPr>
+          <a:xfrm>
+            <a:off x="6370815" y="3243698"/>
+            <a:ext cx="1621447" cy="526188"/>
+          </a:xfrm>
+          <a:prstGeom prst="rect">
+            <a:avLst/>
+          </a:prstGeom>
+          <a:solidFill>
+            <a:srgbClr val="3C3C3B"/>
+          </a:solidFill>
+          <a:ln>
+            <a:noFill/>
+          </a:ln>
+        </p:spPr>
+        <p:style>
+          <a:lnRef idx="2">
+            <a:schemeClr val="accent1">
+              <a:shade val="50000"/>
+            </a:schemeClr>
+          </a:lnRef>
+          <a:fillRef idx="1">
+            <a:schemeClr val="accent1"/>
+          </a:fillRef>
+          <a:effectRef idx="0">
+            <a:schemeClr val="accent1"/>
+          </a:effectRef>
+          <a:fontRef idx="minor">
+            <a:schemeClr val="lt1"/>
+          </a:fontRef>
+        </p:style>
+        <p:txBody>
+          <a:bodyPr rtlCol="0" anchor="ctr"/>
+          <a:lstStyle/>
+          <a:p>
+            <a:pPr algn="ctr"/>
+            <a:r>
+              <a:rPr lang="en-US" altLang="zh-CN" sz="1600" dirty="0">
+                <a:solidFill>
+                  <a:schemeClr val="bg1"/>
+                </a:solidFill>
+                <a:latin typeface="Gill Sans MT" panose="020B0502020104020203" pitchFamily="34" charset="0"/>
+              </a:rPr>
+              <a:t>Cortex-M</a:t>
+            </a:r>
+            <a:endParaRPr lang="zh-CN" altLang="en-US" sz="1600" dirty="0">
+              <a:solidFill>
+                <a:schemeClr val="bg1"/>
+              </a:solidFill>
+              <a:latin typeface="Gill Sans MT" panose="020B0502020104020203" pitchFamily="34" charset="0"/>
+            </a:endParaRPr>
+          </a:p>
+        </p:txBody>
+      </p:sp>
+      <p:sp>
+        <p:nvSpPr>
+          <p:cNvPr id="84" name="矩形 83">
+            <a:extLst>
+              <a:ext uri="{FF2B5EF4-FFF2-40B4-BE49-F238E27FC236}">
+                <a16:creationId xmlns:a16="http://schemas.microsoft.com/office/drawing/2014/main" id="{7041306B-47E0-4604-B8C5-A53CB8175545}"/>
+              </a:ext>
+            </a:extLst>
+          </p:cNvPr>
+          <p:cNvSpPr/>
+          <p:nvPr/>
+        </p:nvSpPr>
+        <p:spPr>
+          <a:xfrm>
+            <a:off x="791635" y="3226988"/>
+            <a:ext cx="1621447" cy="541175"/>
+          </a:xfrm>
+          <a:prstGeom prst="rect">
+            <a:avLst/>
+          </a:prstGeom>
+          <a:solidFill>
+            <a:srgbClr val="00698A"/>
+          </a:solidFill>
+          <a:ln>
+            <a:noFill/>
+          </a:ln>
+        </p:spPr>
+        <p:style>
+          <a:lnRef idx="2">
+            <a:schemeClr val="accent1">
+              <a:shade val="50000"/>
+            </a:schemeClr>
+          </a:lnRef>
+          <a:fillRef idx="1">
+            <a:schemeClr val="accent1"/>
+          </a:fillRef>
+          <a:effectRef idx="0">
+            <a:schemeClr val="accent1"/>
+          </a:effectRef>
+          <a:fontRef idx="minor">
+            <a:schemeClr val="lt1"/>
+          </a:fontRef>
+        </p:style>
+        <p:txBody>
+          <a:bodyPr rtlCol="0" anchor="ctr"/>
+          <a:lstStyle/>
+          <a:p>
+            <a:pPr algn="ctr"/>
+            <a:r>
+              <a:rPr lang="en-US" altLang="zh-CN" sz="1600" dirty="0">
+                <a:solidFill>
+                  <a:schemeClr val="bg1"/>
+                </a:solidFill>
+                <a:latin typeface="Gill Sans MT" panose="020B0502020104020203" pitchFamily="34" charset="0"/>
+              </a:rPr>
+              <a:t>Cortex-A</a:t>
+            </a:r>
+            <a:endParaRPr lang="zh-CN" altLang="en-US" sz="1600" dirty="0">
+              <a:solidFill>
+                <a:schemeClr val="bg1"/>
+              </a:solidFill>
+              <a:latin typeface="Gill Sans MT" panose="020B0502020104020203" pitchFamily="34" charset="0"/>
+            </a:endParaRPr>
+          </a:p>
+        </p:txBody>
+      </p:sp>
+      <p:sp>
+        <p:nvSpPr>
+          <p:cNvPr id="51" name="矩形 50">
+            <a:extLst>
+              <a:ext uri="{FF2B5EF4-FFF2-40B4-BE49-F238E27FC236}">
+                <a16:creationId xmlns:a16="http://schemas.microsoft.com/office/drawing/2014/main" id="{4FD2B175-3930-44A5-AABC-2A83AD2324C0}"/>
+              </a:ext>
+            </a:extLst>
+          </p:cNvPr>
+          <p:cNvSpPr/>
+          <p:nvPr/>
+        </p:nvSpPr>
+        <p:spPr>
+          <a:xfrm>
+            <a:off x="2559373" y="3236204"/>
+            <a:ext cx="1621447" cy="541175"/>
+          </a:xfrm>
+          <a:prstGeom prst="rect">
+            <a:avLst/>
+          </a:prstGeom>
+          <a:solidFill>
+            <a:srgbClr val="00698A"/>
+          </a:solidFill>
+          <a:ln>
+            <a:noFill/>
+          </a:ln>
+        </p:spPr>
+        <p:style>
+          <a:lnRef idx="2">
+            <a:schemeClr val="accent1">
+              <a:shade val="50000"/>
+            </a:schemeClr>
+          </a:lnRef>
+          <a:fillRef idx="1">
+            <a:schemeClr val="accent1"/>
+          </a:fillRef>
+          <a:effectRef idx="0">
+            <a:schemeClr val="accent1"/>
+          </a:effectRef>
+          <a:fontRef idx="minor">
+            <a:schemeClr val="lt1"/>
+          </a:fontRef>
+        </p:style>
+        <p:txBody>
+          <a:bodyPr rtlCol="0" anchor="ctr"/>
+          <a:lstStyle/>
+          <a:p>
+            <a:pPr algn="ctr"/>
+            <a:r>
+              <a:rPr lang="en-US" altLang="zh-CN" sz="1600" dirty="0">
+                <a:solidFill>
+                  <a:schemeClr val="bg1"/>
+                </a:solidFill>
+                <a:latin typeface="Gill Sans MT" panose="020B0502020104020203" pitchFamily="34" charset="0"/>
+              </a:rPr>
+              <a:t>Cortex-A</a:t>
+            </a:r>
+            <a:endParaRPr lang="zh-CN" altLang="en-US" sz="1600" dirty="0">
+              <a:solidFill>
+                <a:schemeClr val="bg1"/>
+              </a:solidFill>
+              <a:latin typeface="Gill Sans MT" panose="020B0502020104020203" pitchFamily="34" charset="0"/>
+            </a:endParaRPr>
+          </a:p>
+        </p:txBody>
+      </p:sp>
+      <p:sp>
+        <p:nvSpPr>
+          <p:cNvPr id="52" name="矩形 51">
+            <a:extLst>
+              <a:ext uri="{FF2B5EF4-FFF2-40B4-BE49-F238E27FC236}">
+                <a16:creationId xmlns:a16="http://schemas.microsoft.com/office/drawing/2014/main" id="{BD4FE791-1640-0568-FEF8-7025DF831959}"/>
+              </a:ext>
+            </a:extLst>
+          </p:cNvPr>
+          <p:cNvSpPr/>
+          <p:nvPr/>
+        </p:nvSpPr>
+        <p:spPr>
+          <a:xfrm>
+            <a:off x="4327111" y="3235642"/>
+            <a:ext cx="1621447" cy="541175"/>
+          </a:xfrm>
+          <a:prstGeom prst="rect">
+            <a:avLst/>
+          </a:prstGeom>
+          <a:solidFill>
+            <a:srgbClr val="00698A"/>
+          </a:solidFill>
+          <a:ln>
+            <a:noFill/>
+          </a:ln>
+        </p:spPr>
+        <p:style>
+          <a:lnRef idx="2">
+            <a:schemeClr val="accent1">
+              <a:shade val="50000"/>
+            </a:schemeClr>
+          </a:lnRef>
+          <a:fillRef idx="1">
+            <a:schemeClr val="accent1"/>
+          </a:fillRef>
+          <a:effectRef idx="0">
+            <a:schemeClr val="accent1"/>
+          </a:effectRef>
+          <a:fontRef idx="minor">
+            <a:schemeClr val="lt1"/>
+          </a:fontRef>
+        </p:style>
+        <p:txBody>
+          <a:bodyPr rtlCol="0" anchor="ctr"/>
+          <a:lstStyle/>
+          <a:p>
+            <a:pPr algn="ctr"/>
+            <a:r>
+              <a:rPr lang="en-US" altLang="zh-CN" sz="1600" dirty="0">
+                <a:solidFill>
+                  <a:schemeClr val="bg1"/>
+                </a:solidFill>
+                <a:latin typeface="Gill Sans MT" panose="020B0502020104020203" pitchFamily="34" charset="0"/>
+              </a:rPr>
+              <a:t>Cortex-A</a:t>
+            </a:r>
+            <a:endParaRPr lang="zh-CN" altLang="en-US" sz="1600" dirty="0">
+              <a:solidFill>
+                <a:schemeClr val="bg1"/>
+              </a:solidFill>
+              <a:latin typeface="Gill Sans MT" panose="020B0502020104020203" pitchFamily="34" charset="0"/>
+            </a:endParaRPr>
+          </a:p>
+        </p:txBody>
+      </p:sp>
+      <p:sp>
+        <p:nvSpPr>
+          <p:cNvPr id="54" name="矩形 53">
+            <a:extLst>
+              <a:ext uri="{FF2B5EF4-FFF2-40B4-BE49-F238E27FC236}">
+                <a16:creationId xmlns:a16="http://schemas.microsoft.com/office/drawing/2014/main" id="{B5BB6AFB-F872-E0B1-725A-8B60D17082F6}"/>
+              </a:ext>
+            </a:extLst>
+          </p:cNvPr>
+          <p:cNvSpPr/>
+          <p:nvPr/>
+        </p:nvSpPr>
+        <p:spPr>
+          <a:xfrm>
+            <a:off x="8273131" y="3258685"/>
+            <a:ext cx="1621447" cy="526188"/>
+          </a:xfrm>
+          <a:prstGeom prst="rect">
+            <a:avLst/>
+          </a:prstGeom>
+          <a:solidFill>
+            <a:srgbClr val="3C3C3B"/>
+          </a:solidFill>
+          <a:ln>
+            <a:noFill/>
+          </a:ln>
+        </p:spPr>
+        <p:style>
+          <a:lnRef idx="2">
+            <a:schemeClr val="accent1">
+              <a:shade val="50000"/>
+            </a:schemeClr>
+          </a:lnRef>
+          <a:fillRef idx="1">
+            <a:schemeClr val="accent1"/>
+          </a:fillRef>
+          <a:effectRef idx="0">
+            <a:schemeClr val="accent1"/>
+          </a:effectRef>
+          <a:fontRef idx="minor">
+            <a:schemeClr val="lt1"/>
+          </a:fontRef>
+        </p:style>
+        <p:txBody>
+          <a:bodyPr rtlCol="0" anchor="ctr"/>
+          <a:lstStyle/>
+          <a:p>
+            <a:pPr algn="ctr"/>
+            <a:r>
+              <a:rPr lang="en-US" altLang="zh-CN" sz="1600" dirty="0">
+                <a:solidFill>
+                  <a:schemeClr val="bg1"/>
+                </a:solidFill>
+                <a:latin typeface="Gill Sans MT" panose="020B0502020104020203" pitchFamily="34" charset="0"/>
+              </a:rPr>
+              <a:t>Cortex-M</a:t>
+            </a:r>
+            <a:endParaRPr lang="zh-CN" altLang="en-US" sz="1600" dirty="0">
+              <a:solidFill>
+                <a:schemeClr val="bg1"/>
+              </a:solidFill>
+              <a:latin typeface="Gill Sans MT" panose="020B0502020104020203" pitchFamily="34" charset="0"/>
+            </a:endParaRPr>
+          </a:p>
+        </p:txBody>
+      </p:sp>
+      <p:cxnSp>
+        <p:nvCxnSpPr>
+          <p:cNvPr id="55" name="直接箭头连接符 125">
+            <a:extLst>
+              <a:ext uri="{FF2B5EF4-FFF2-40B4-BE49-F238E27FC236}">
+                <a16:creationId xmlns:a16="http://schemas.microsoft.com/office/drawing/2014/main" id="{3B03D59A-41C4-66FC-1785-E3B1E3C329A9}"/>
+              </a:ext>
+            </a:extLst>
+          </p:cNvPr>
+          <p:cNvCxnSpPr>
+            <a:cxnSpLocks/>
+          </p:cNvCxnSpPr>
+          <p:nvPr/>
+        </p:nvCxnSpPr>
+        <p:spPr>
+          <a:xfrm flipV="1">
+            <a:off x="1573862" y="3834565"/>
+            <a:ext cx="0" cy="604243"/>
+          </a:xfrm>
+          <a:prstGeom prst="straightConnector1">
+            <a:avLst/>
+          </a:prstGeom>
+          <a:ln>
+            <a:solidFill>
+              <a:schemeClr val="accent1"/>
+            </a:solidFill>
+            <a:headEnd type="triangle" w="med" len="med"/>
+            <a:tailEnd type="triangle" w="med" len="med"/>
+          </a:ln>
+        </p:spPr>
+        <p:style>
+          <a:lnRef idx="1">
+            <a:schemeClr val="accent1"/>
+          </a:lnRef>
+          <a:fillRef idx="0">
+            <a:schemeClr val="accent1"/>
+          </a:fillRef>
+          <a:effectRef idx="0">
+            <a:schemeClr val="accent1"/>
+          </a:effectRef>
+          <a:fontRef idx="minor">
+            <a:schemeClr val="tx1"/>
+          </a:fontRef>
+        </p:style>
+      </p:cxnSp>
+      <p:cxnSp>
+        <p:nvCxnSpPr>
+          <p:cNvPr id="57" name="直接箭头连接符 125">
+            <a:extLst>
+              <a:ext uri="{FF2B5EF4-FFF2-40B4-BE49-F238E27FC236}">
+                <a16:creationId xmlns:a16="http://schemas.microsoft.com/office/drawing/2014/main" id="{E5BDB365-2C81-4660-1728-75B8DD9772FB}"/>
+              </a:ext>
+            </a:extLst>
+          </p:cNvPr>
+          <p:cNvCxnSpPr>
+            <a:cxnSpLocks/>
+          </p:cNvCxnSpPr>
+          <p:nvPr/>
+        </p:nvCxnSpPr>
+        <p:spPr>
+          <a:xfrm flipV="1">
+            <a:off x="3341761" y="3834565"/>
+            <a:ext cx="0" cy="604243"/>
+          </a:xfrm>
+          <a:prstGeom prst="straightConnector1">
+            <a:avLst/>
+          </a:prstGeom>
+          <a:ln>
+            <a:solidFill>
+              <a:schemeClr val="accent1"/>
+            </a:solidFill>
+            <a:headEnd type="triangle" w="med" len="med"/>
+            <a:tailEnd type="triangle" w="med" len="med"/>
+          </a:ln>
+        </p:spPr>
+        <p:style>
+          <a:lnRef idx="1">
+            <a:schemeClr val="accent1"/>
+          </a:lnRef>
+          <a:fillRef idx="0">
+            <a:schemeClr val="accent1"/>
+          </a:fillRef>
+          <a:effectRef idx="0">
+            <a:schemeClr val="accent1"/>
+          </a:effectRef>
+          <a:fontRef idx="minor">
+            <a:schemeClr val="tx1"/>
+          </a:fontRef>
+        </p:style>
+      </p:cxnSp>
+      <p:cxnSp>
+        <p:nvCxnSpPr>
+          <p:cNvPr id="58" name="直接箭头连接符 125">
+            <a:extLst>
+              <a:ext uri="{FF2B5EF4-FFF2-40B4-BE49-F238E27FC236}">
+                <a16:creationId xmlns:a16="http://schemas.microsoft.com/office/drawing/2014/main" id="{0FA2584B-B9E9-8CAE-F7AA-4FC82906E155}"/>
+              </a:ext>
+            </a:extLst>
+          </p:cNvPr>
+          <p:cNvCxnSpPr>
+            <a:cxnSpLocks/>
+          </p:cNvCxnSpPr>
+          <p:nvPr/>
+        </p:nvCxnSpPr>
+        <p:spPr>
+          <a:xfrm flipV="1">
+            <a:off x="5137834" y="3834565"/>
+            <a:ext cx="0" cy="604243"/>
+          </a:xfrm>
+          <a:prstGeom prst="straightConnector1">
+            <a:avLst/>
+          </a:prstGeom>
+          <a:ln>
+            <a:solidFill>
+              <a:schemeClr val="accent1"/>
+            </a:solidFill>
+            <a:headEnd type="triangle" w="med" len="med"/>
+            <a:tailEnd type="triangle" w="med" len="med"/>
+          </a:ln>
+        </p:spPr>
+        <p:style>
+          <a:lnRef idx="1">
+            <a:schemeClr val="accent1"/>
+          </a:lnRef>
+          <a:fillRef idx="0">
+            <a:schemeClr val="accent1"/>
+          </a:fillRef>
+          <a:effectRef idx="0">
+            <a:schemeClr val="accent1"/>
+          </a:effectRef>
+          <a:fontRef idx="minor">
+            <a:schemeClr val="tx1"/>
+          </a:fontRef>
+        </p:style>
+      </p:cxnSp>
+      <p:cxnSp>
+        <p:nvCxnSpPr>
+          <p:cNvPr id="59" name="直接箭头连接符 125">
+            <a:extLst>
+              <a:ext uri="{FF2B5EF4-FFF2-40B4-BE49-F238E27FC236}">
+                <a16:creationId xmlns:a16="http://schemas.microsoft.com/office/drawing/2014/main" id="{0B5B556C-D6AC-53C2-BAAC-318C818A0C99}"/>
+              </a:ext>
+            </a:extLst>
+          </p:cNvPr>
+          <p:cNvCxnSpPr>
+            <a:cxnSpLocks/>
+          </p:cNvCxnSpPr>
+          <p:nvPr/>
+        </p:nvCxnSpPr>
+        <p:spPr>
+          <a:xfrm flipV="1">
+            <a:off x="7181538" y="3834566"/>
+            <a:ext cx="0" cy="604243"/>
+          </a:xfrm>
+          <a:prstGeom prst="straightConnector1">
+            <a:avLst/>
+          </a:prstGeom>
+          <a:ln>
+            <a:solidFill>
+              <a:schemeClr val="accent1"/>
+            </a:solidFill>
+            <a:headEnd type="triangle" w="med" len="med"/>
+            <a:tailEnd type="triangle" w="med" len="med"/>
+          </a:ln>
+        </p:spPr>
+        <p:style>
+          <a:lnRef idx="1">
+            <a:schemeClr val="accent1"/>
+          </a:lnRef>
+          <a:fillRef idx="0">
+            <a:schemeClr val="accent1"/>
+          </a:fillRef>
+          <a:effectRef idx="0">
+            <a:schemeClr val="accent1"/>
+          </a:effectRef>
+          <a:fontRef idx="minor">
+            <a:schemeClr val="tx1"/>
+          </a:fontRef>
+        </p:style>
+      </p:cxnSp>
+      <p:cxnSp>
+        <p:nvCxnSpPr>
+          <p:cNvPr id="65" name="直接箭头连接符 125">
+            <a:extLst>
+              <a:ext uri="{FF2B5EF4-FFF2-40B4-BE49-F238E27FC236}">
+                <a16:creationId xmlns:a16="http://schemas.microsoft.com/office/drawing/2014/main" id="{390CF00B-5117-4A95-D6A3-6ACA3FB5D071}"/>
+              </a:ext>
+            </a:extLst>
+          </p:cNvPr>
+          <p:cNvCxnSpPr>
+            <a:cxnSpLocks/>
+          </p:cNvCxnSpPr>
+          <p:nvPr/>
+        </p:nvCxnSpPr>
+        <p:spPr>
+          <a:xfrm flipV="1">
+            <a:off x="9083854" y="3834565"/>
+            <a:ext cx="0" cy="604243"/>
+          </a:xfrm>
+          <a:prstGeom prst="straightConnector1">
+            <a:avLst/>
+          </a:prstGeom>
+          <a:ln>
+            <a:solidFill>
+              <a:schemeClr val="accent1"/>
+            </a:solidFill>
+            <a:headEnd type="triangle" w="med" len="med"/>
+            <a:tailEnd type="triangle" w="med" len="med"/>
+          </a:ln>
+        </p:spPr>
+        <p:style>
+          <a:lnRef idx="1">
+            <a:schemeClr val="accent1"/>
+          </a:lnRef>
+          <a:fillRef idx="0">
+            <a:schemeClr val="accent1"/>
+          </a:fillRef>
+          <a:effectRef idx="0">
+            <a:schemeClr val="accent1"/>
+          </a:effectRef>
+          <a:fontRef idx="minor">
+            <a:schemeClr val="tx1"/>
+          </a:fontRef>
+        </p:style>
+      </p:cxnSp>
+      <p:sp>
+        <p:nvSpPr>
+          <p:cNvPr id="5" name="文本框 4">
+            <a:extLst>
+              <a:ext uri="{FF2B5EF4-FFF2-40B4-BE49-F238E27FC236}">
+                <a16:creationId xmlns:a16="http://schemas.microsoft.com/office/drawing/2014/main" id="{86345F7E-7631-1EDB-7881-4A6D5F120149}"/>
+              </a:ext>
+            </a:extLst>
+          </p:cNvPr>
+          <p:cNvSpPr txBox="1"/>
+          <p:nvPr/>
+        </p:nvSpPr>
+        <p:spPr>
+          <a:xfrm>
+            <a:off x="6291700" y="2572057"/>
+            <a:ext cx="3401124" cy="369332"/>
+          </a:xfrm>
+          <a:prstGeom prst="rect">
+            <a:avLst/>
+          </a:prstGeom>
+          <a:noFill/>
+        </p:spPr>
+        <p:txBody>
+          <a:bodyPr wrap="none" rtlCol="0">
+            <a:spAutoFit/>
+          </a:bodyPr>
+          <a:lstStyle/>
+          <a:p>
+            <a:r>
+              <a:rPr kumimoji="1" lang="en-US" altLang="zh-CN" dirty="0">
+                <a:latin typeface="Gill Sans MT" panose="020B0502020104020203" pitchFamily="34" charset="0"/>
+              </a:rPr>
+              <a:t>The observer with non-coherence</a:t>
+            </a:r>
+            <a:endParaRPr kumimoji="1" lang="zh-CN" altLang="en-US" dirty="0">
+              <a:latin typeface="Gill Sans MT" panose="020B0502020104020203" pitchFamily="34" charset="0"/>
+            </a:endParaRPr>
+          </a:p>
+        </p:txBody>
+      </p:sp>
+      <p:sp>
+        <p:nvSpPr>
+          <p:cNvPr id="68" name="文本框 67">
+            <a:extLst>
+              <a:ext uri="{FF2B5EF4-FFF2-40B4-BE49-F238E27FC236}">
+                <a16:creationId xmlns:a16="http://schemas.microsoft.com/office/drawing/2014/main" id="{871D0DAE-A091-67F6-7822-3A6996B3A226}"/>
+              </a:ext>
+            </a:extLst>
+          </p:cNvPr>
+          <p:cNvSpPr txBox="1"/>
+          <p:nvPr/>
+        </p:nvSpPr>
+        <p:spPr>
+          <a:xfrm>
+            <a:off x="4903425" y="2896301"/>
+            <a:ext cx="417102" cy="369332"/>
+          </a:xfrm>
+          <a:prstGeom prst="rect">
+            <a:avLst/>
+          </a:prstGeom>
+          <a:noFill/>
+        </p:spPr>
+        <p:txBody>
+          <a:bodyPr wrap="none" rtlCol="0">
+            <a:spAutoFit/>
+          </a:bodyPr>
+          <a:lstStyle/>
+          <a:p>
+            <a:r>
+              <a:rPr kumimoji="1" lang="en-US" altLang="zh-CN" dirty="0">
+                <a:latin typeface="Gill Sans MT" panose="020B0502020104020203" pitchFamily="34" charset="0"/>
+              </a:rPr>
+              <a:t>Pn</a:t>
+            </a:r>
+            <a:endParaRPr kumimoji="1" lang="zh-CN" altLang="en-US" dirty="0">
+              <a:latin typeface="Gill Sans MT" panose="020B0502020104020203" pitchFamily="34" charset="0"/>
+            </a:endParaRPr>
+          </a:p>
+        </p:txBody>
+      </p:sp>
+      <p:sp>
+        <p:nvSpPr>
+          <p:cNvPr id="69" name="文本框 68">
+            <a:extLst>
+              <a:ext uri="{FF2B5EF4-FFF2-40B4-BE49-F238E27FC236}">
+                <a16:creationId xmlns:a16="http://schemas.microsoft.com/office/drawing/2014/main" id="{C6FC812B-EC71-9B38-DDF7-2753CB6CD517}"/>
+              </a:ext>
+            </a:extLst>
+          </p:cNvPr>
+          <p:cNvSpPr txBox="1"/>
+          <p:nvPr/>
+        </p:nvSpPr>
+        <p:spPr>
+          <a:xfrm>
+            <a:off x="6971384" y="2897968"/>
+            <a:ext cx="420308" cy="369332"/>
+          </a:xfrm>
+          <a:prstGeom prst="rect">
+            <a:avLst/>
+          </a:prstGeom>
+          <a:noFill/>
+        </p:spPr>
+        <p:txBody>
+          <a:bodyPr wrap="none" rtlCol="0">
+            <a:spAutoFit/>
+          </a:bodyPr>
+          <a:lstStyle/>
+          <a:p>
+            <a:r>
+              <a:rPr kumimoji="1" lang="en-US" altLang="zh-CN" dirty="0">
+                <a:latin typeface="Gill Sans MT" panose="020B0502020104020203" pitchFamily="34" charset="0"/>
+              </a:rPr>
+              <a:t>E0</a:t>
+            </a:r>
+            <a:endParaRPr kumimoji="1" lang="zh-CN" altLang="en-US" dirty="0">
+              <a:latin typeface="Gill Sans MT" panose="020B0502020104020203" pitchFamily="34" charset="0"/>
+            </a:endParaRPr>
+          </a:p>
+        </p:txBody>
+      </p:sp>
+      <p:sp>
+        <p:nvSpPr>
+          <p:cNvPr id="70" name="文本框 69">
+            <a:extLst>
+              <a:ext uri="{FF2B5EF4-FFF2-40B4-BE49-F238E27FC236}">
+                <a16:creationId xmlns:a16="http://schemas.microsoft.com/office/drawing/2014/main" id="{3262B536-0028-D8E8-F423-6D9E3936DA8B}"/>
+              </a:ext>
+            </a:extLst>
+          </p:cNvPr>
+          <p:cNvSpPr txBox="1"/>
+          <p:nvPr/>
+        </p:nvSpPr>
+        <p:spPr>
+          <a:xfrm>
+            <a:off x="8859940" y="2889353"/>
+            <a:ext cx="415498" cy="369332"/>
+          </a:xfrm>
+          <a:prstGeom prst="rect">
+            <a:avLst/>
+          </a:prstGeom>
+          <a:noFill/>
+        </p:spPr>
+        <p:txBody>
+          <a:bodyPr wrap="none" rtlCol="0">
+            <a:spAutoFit/>
+          </a:bodyPr>
+          <a:lstStyle/>
+          <a:p>
+            <a:r>
+              <a:rPr kumimoji="1" lang="en-US" altLang="zh-CN" dirty="0">
+                <a:latin typeface="Gill Sans MT" panose="020B0502020104020203" pitchFamily="34" charset="0"/>
+              </a:rPr>
+              <a:t>En</a:t>
+            </a:r>
+            <a:endParaRPr kumimoji="1" lang="zh-CN" altLang="en-US" dirty="0">
+              <a:latin typeface="Gill Sans MT" panose="020B0502020104020203" pitchFamily="34" charset="0"/>
+            </a:endParaRPr>
+          </a:p>
+        </p:txBody>
+      </p:sp>
+      <p:sp>
+        <p:nvSpPr>
+          <p:cNvPr id="71" name="文本框 70">
+            <a:extLst>
+              <a:ext uri="{FF2B5EF4-FFF2-40B4-BE49-F238E27FC236}">
+                <a16:creationId xmlns:a16="http://schemas.microsoft.com/office/drawing/2014/main" id="{605B142C-6CF0-7830-EA07-2FA791C13735}"/>
+              </a:ext>
+            </a:extLst>
+          </p:cNvPr>
+          <p:cNvSpPr txBox="1"/>
+          <p:nvPr/>
+        </p:nvSpPr>
+        <p:spPr>
+          <a:xfrm>
+            <a:off x="1478139" y="2896301"/>
+            <a:ext cx="420308" cy="369332"/>
+          </a:xfrm>
+          <a:prstGeom prst="rect">
+            <a:avLst/>
+          </a:prstGeom>
+          <a:noFill/>
+        </p:spPr>
+        <p:txBody>
+          <a:bodyPr wrap="none" rtlCol="0">
+            <a:spAutoFit/>
+          </a:bodyPr>
+          <a:lstStyle/>
+          <a:p>
+            <a:r>
+              <a:rPr kumimoji="1" lang="en-US" altLang="zh-CN" dirty="0">
+                <a:latin typeface="Gill Sans MT" panose="020B0502020104020203" pitchFamily="34" charset="0"/>
+              </a:rPr>
+              <a:t>P0</a:t>
+            </a:r>
+            <a:endParaRPr kumimoji="1" lang="zh-CN" altLang="en-US" dirty="0">
+              <a:latin typeface="Gill Sans MT" panose="020B0502020104020203" pitchFamily="34" charset="0"/>
+            </a:endParaRPr>
+          </a:p>
+        </p:txBody>
+      </p:sp>
+      <p:sp>
+        <p:nvSpPr>
+          <p:cNvPr id="72" name="文本框 71">
+            <a:extLst>
+              <a:ext uri="{FF2B5EF4-FFF2-40B4-BE49-F238E27FC236}">
+                <a16:creationId xmlns:a16="http://schemas.microsoft.com/office/drawing/2014/main" id="{53CFCEB3-1E24-ED05-3926-9BEB90616EC0}"/>
+              </a:ext>
+            </a:extLst>
+          </p:cNvPr>
+          <p:cNvSpPr txBox="1"/>
+          <p:nvPr/>
+        </p:nvSpPr>
+        <p:spPr>
+          <a:xfrm>
+            <a:off x="973751" y="2570955"/>
+            <a:ext cx="4736618" cy="369332"/>
+          </a:xfrm>
+          <a:prstGeom prst="rect">
+            <a:avLst/>
+          </a:prstGeom>
+          <a:noFill/>
+        </p:spPr>
+        <p:txBody>
+          <a:bodyPr wrap="none" rtlCol="0">
+            <a:spAutoFit/>
+          </a:bodyPr>
+          <a:lstStyle/>
+          <a:p>
+            <a:r>
+              <a:rPr kumimoji="1" lang="en-US" altLang="zh-CN" dirty="0">
+                <a:latin typeface="Gill Sans MT" panose="020B0502020104020203" pitchFamily="34" charset="0"/>
+              </a:rPr>
+              <a:t>The observer and sharing region with coherence</a:t>
+            </a:r>
+            <a:endParaRPr kumimoji="1" lang="zh-CN" altLang="en-US" dirty="0">
+              <a:latin typeface="Gill Sans MT" panose="020B0502020104020203" pitchFamily="34" charset="0"/>
+            </a:endParaRPr>
+          </a:p>
+        </p:txBody>
+      </p:sp>
+    </p:spTree>
+    <p:extLst>
+      <p:ext uri="{BB962C8B-B14F-4D97-AF65-F5344CB8AC3E}">
+        <p14:creationId xmlns:p14="http://schemas.microsoft.com/office/powerpoint/2010/main" val="1819984262"/>
+      </p:ext>
+    </p:extLst>
+  </p:cSld>
+  <p:clrMapOvr>
+    <a:masterClrMapping/>
+  </p:clrMapOvr>
+</p:sld>
+</file>
+
+<file path=ppt/slides/slide8.xml><?xml version="1.0" encoding="utf-8"?>
+<p:sld xmlns:a="http://schemas.openxmlformats.org/drawingml/2006/main" xmlns:r="http://schemas.openxmlformats.org/officeDocument/2006/relationships" xmlns:p="http://schemas.openxmlformats.org/presentationml/2006/main">
+  <p:cSld>
+    <p:spTree>
+      <p:nvGrpSpPr>
+        <p:cNvPr id="1" name=""/>
+        <p:cNvGrpSpPr/>
+        <p:nvPr/>
+      </p:nvGrpSpPr>
+      <p:grpSpPr>
+        <a:xfrm>
+          <a:off x="0" y="0"/>
+          <a:ext cx="0" cy="0"/>
+          <a:chOff x="0" y="0"/>
+          <a:chExt cx="0" cy="0"/>
+        </a:xfrm>
+      </p:grpSpPr>
+      <p:sp>
+        <p:nvSpPr>
           <p:cNvPr id="129" name="矩形 128">
             <a:extLst>
               <a:ext uri="{FF2B5EF4-FFF2-40B4-BE49-F238E27FC236}">
@@ -41107,7 +45902,7 @@
                     <a:bodyPr/>
                     <a:lstStyle/>
                     <a:p>
-                      <a:endParaRPr lang="zh-CN" altLang="en-US"/>
+                      <a:endParaRPr lang="zh-CN" altLang="en-US" dirty="0"/>
                     </a:p>
                   </a:txBody>
                   <a:tcPr>
@@ -43123,7 +47918,7 @@
 </p:sld>
 </file>
 
-<file path=ppt/slides/slide8.xml><?xml version="1.0" encoding="utf-8"?>
+<file path=ppt/slides/slide9.xml><?xml version="1.0" encoding="utf-8"?>
 <p:sld xmlns:a="http://schemas.openxmlformats.org/drawingml/2006/main" xmlns:r="http://schemas.openxmlformats.org/officeDocument/2006/relationships" xmlns:p="http://schemas.openxmlformats.org/presentationml/2006/main">
   <p:cSld>
     <p:spTree>
@@ -47853,3797 +52648,6 @@
 </p:sld>
 </file>
 
-<file path=ppt/slides/slide9.xml><?xml version="1.0" encoding="utf-8"?>
-<p:sld xmlns:a="http://schemas.openxmlformats.org/drawingml/2006/main" xmlns:r="http://schemas.openxmlformats.org/officeDocument/2006/relationships" xmlns:p="http://schemas.openxmlformats.org/presentationml/2006/main">
-  <p:cSld>
-    <p:spTree>
-      <p:nvGrpSpPr>
-        <p:cNvPr id="1" name=""/>
-        <p:cNvGrpSpPr/>
-        <p:nvPr/>
-      </p:nvGrpSpPr>
-      <p:grpSpPr>
-        <a:xfrm>
-          <a:off x="0" y="0"/>
-          <a:ext cx="0" cy="0"/>
-          <a:chOff x="0" y="0"/>
-          <a:chExt cx="0" cy="0"/>
-        </a:xfrm>
-      </p:grpSpPr>
-      <p:sp>
-        <p:nvSpPr>
-          <p:cNvPr id="116" name="矩形 115">
-            <a:extLst>
-              <a:ext uri="{FF2B5EF4-FFF2-40B4-BE49-F238E27FC236}">
-                <a16:creationId xmlns:a16="http://schemas.microsoft.com/office/drawing/2014/main" id="{D44290CA-AB40-4DAC-94DD-21CFB039868C}"/>
-              </a:ext>
-            </a:extLst>
-          </p:cNvPr>
-          <p:cNvSpPr/>
-          <p:nvPr/>
-        </p:nvSpPr>
-        <p:spPr>
-          <a:xfrm>
-            <a:off x="6564041" y="5018653"/>
-            <a:ext cx="4820570" cy="1139215"/>
-          </a:xfrm>
-          <a:prstGeom prst="rect">
-            <a:avLst/>
-          </a:prstGeom>
-          <a:solidFill>
-            <a:srgbClr val="DADADA"/>
-          </a:solidFill>
-          <a:ln>
-            <a:solidFill>
-              <a:srgbClr val="DADADA"/>
-            </a:solidFill>
-          </a:ln>
-        </p:spPr>
-        <p:style>
-          <a:lnRef idx="2">
-            <a:schemeClr val="accent1">
-              <a:shade val="50000"/>
-            </a:schemeClr>
-          </a:lnRef>
-          <a:fillRef idx="1">
-            <a:schemeClr val="accent1"/>
-          </a:fillRef>
-          <a:effectRef idx="0">
-            <a:schemeClr val="accent1"/>
-          </a:effectRef>
-          <a:fontRef idx="minor">
-            <a:schemeClr val="lt1"/>
-          </a:fontRef>
-        </p:style>
-        <p:txBody>
-          <a:bodyPr rtlCol="0" anchor="b"/>
-          <a:lstStyle/>
-          <a:p>
-            <a:pPr algn="ctr"/>
-            <a:r>
-              <a:rPr lang="en-US" altLang="zh-CN" sz="1400" dirty="0">
-                <a:solidFill>
-                  <a:srgbClr val="3C3C3B"/>
-                </a:solidFill>
-                <a:latin typeface="Gill Sans MT" panose="020B0502020104020203" pitchFamily="34" charset="0"/>
-              </a:rPr>
-              <a:t>TTBRx_EL1</a:t>
-            </a:r>
-            <a:endParaRPr lang="zh-CN" altLang="en-US" sz="1400" dirty="0">
-              <a:solidFill>
-                <a:srgbClr val="3C3C3B"/>
-              </a:solidFill>
-              <a:latin typeface="Gill Sans MT" panose="020B0502020104020203" pitchFamily="34" charset="0"/>
-            </a:endParaRPr>
-          </a:p>
-        </p:txBody>
-      </p:sp>
-      <p:sp>
-        <p:nvSpPr>
-          <p:cNvPr id="74" name="矩形 73">
-            <a:extLst>
-              <a:ext uri="{FF2B5EF4-FFF2-40B4-BE49-F238E27FC236}">
-                <a16:creationId xmlns:a16="http://schemas.microsoft.com/office/drawing/2014/main" id="{705A7BDA-F10C-4A4F-8983-F4EB70785923}"/>
-              </a:ext>
-            </a:extLst>
-          </p:cNvPr>
-          <p:cNvSpPr/>
-          <p:nvPr/>
-        </p:nvSpPr>
-        <p:spPr>
-          <a:xfrm>
-            <a:off x="1443267" y="634122"/>
-            <a:ext cx="4820572" cy="3413989"/>
-          </a:xfrm>
-          <a:prstGeom prst="rect">
-            <a:avLst/>
-          </a:prstGeom>
-          <a:solidFill>
-            <a:srgbClr val="DADADA"/>
-          </a:solidFill>
-          <a:ln>
-            <a:solidFill>
-              <a:srgbClr val="DADADA"/>
-            </a:solidFill>
-          </a:ln>
-        </p:spPr>
-        <p:style>
-          <a:lnRef idx="2">
-            <a:schemeClr val="accent1">
-              <a:shade val="50000"/>
-            </a:schemeClr>
-          </a:lnRef>
-          <a:fillRef idx="1">
-            <a:schemeClr val="accent1"/>
-          </a:fillRef>
-          <a:effectRef idx="0">
-            <a:schemeClr val="accent1"/>
-          </a:effectRef>
-          <a:fontRef idx="minor">
-            <a:schemeClr val="lt1"/>
-          </a:fontRef>
-        </p:style>
-        <p:txBody>
-          <a:bodyPr rtlCol="0" anchor="b"/>
-          <a:lstStyle/>
-          <a:p>
-            <a:pPr algn="ctr"/>
-            <a:r>
-              <a:rPr lang="en-US" altLang="zh-CN" sz="1400" dirty="0">
-                <a:solidFill>
-                  <a:srgbClr val="3C3C3B"/>
-                </a:solidFill>
-                <a:latin typeface="Gill Sans MT" panose="020B0502020104020203" pitchFamily="34" charset="0"/>
-              </a:rPr>
-              <a:t>Process Perspective</a:t>
-            </a:r>
-            <a:endParaRPr lang="zh-CN" altLang="en-US" sz="1400" dirty="0">
-              <a:solidFill>
-                <a:srgbClr val="3C3C3B"/>
-              </a:solidFill>
-              <a:latin typeface="Gill Sans MT" panose="020B0502020104020203" pitchFamily="34" charset="0"/>
-            </a:endParaRPr>
-          </a:p>
-        </p:txBody>
-      </p:sp>
-      <p:sp>
-        <p:nvSpPr>
-          <p:cNvPr id="84" name="矩形 83">
-            <a:extLst>
-              <a:ext uri="{FF2B5EF4-FFF2-40B4-BE49-F238E27FC236}">
-                <a16:creationId xmlns:a16="http://schemas.microsoft.com/office/drawing/2014/main" id="{45EBF538-E6BD-4B08-AB10-84AB39460CE3}"/>
-              </a:ext>
-            </a:extLst>
-          </p:cNvPr>
-          <p:cNvSpPr/>
-          <p:nvPr/>
-        </p:nvSpPr>
-        <p:spPr>
-          <a:xfrm>
-            <a:off x="6963422" y="5282748"/>
-            <a:ext cx="1228078" cy="482329"/>
-          </a:xfrm>
-          <a:prstGeom prst="rect">
-            <a:avLst/>
-          </a:prstGeom>
-          <a:solidFill>
-            <a:srgbClr val="7030A0"/>
-          </a:solidFill>
-          <a:ln>
-            <a:noFill/>
-          </a:ln>
-        </p:spPr>
-        <p:style>
-          <a:lnRef idx="2">
-            <a:schemeClr val="accent1">
-              <a:shade val="50000"/>
-            </a:schemeClr>
-          </a:lnRef>
-          <a:fillRef idx="1">
-            <a:schemeClr val="accent1"/>
-          </a:fillRef>
-          <a:effectRef idx="0">
-            <a:schemeClr val="accent1"/>
-          </a:effectRef>
-          <a:fontRef idx="minor">
-            <a:schemeClr val="lt1"/>
-          </a:fontRef>
-        </p:style>
-        <p:txBody>
-          <a:bodyPr rtlCol="0" anchor="ctr"/>
-          <a:lstStyle/>
-          <a:p>
-            <a:pPr algn="ctr"/>
-            <a:r>
-              <a:rPr lang="en-US" altLang="zh-CN" sz="1600" dirty="0">
-                <a:solidFill>
-                  <a:schemeClr val="bg1"/>
-                </a:solidFill>
-                <a:latin typeface="Gill Sans MT" panose="020B0502020104020203" pitchFamily="34" charset="0"/>
-              </a:rPr>
-              <a:t>ASID</a:t>
-            </a:r>
-            <a:endParaRPr lang="zh-CN" altLang="en-US" sz="1600" dirty="0">
-              <a:solidFill>
-                <a:schemeClr val="bg1"/>
-              </a:solidFill>
-              <a:latin typeface="Gill Sans MT" panose="020B0502020104020203" pitchFamily="34" charset="0"/>
-            </a:endParaRPr>
-          </a:p>
-        </p:txBody>
-      </p:sp>
-      <p:sp>
-        <p:nvSpPr>
-          <p:cNvPr id="91" name="矩形 90">
-            <a:extLst>
-              <a:ext uri="{FF2B5EF4-FFF2-40B4-BE49-F238E27FC236}">
-                <a16:creationId xmlns:a16="http://schemas.microsoft.com/office/drawing/2014/main" id="{73A63802-B3F7-43CC-AA2E-2269E41D8107}"/>
-              </a:ext>
-            </a:extLst>
-          </p:cNvPr>
-          <p:cNvSpPr/>
-          <p:nvPr/>
-        </p:nvSpPr>
-        <p:spPr>
-          <a:xfrm>
-            <a:off x="11129643" y="2754994"/>
-            <a:ext cx="1621447" cy="526188"/>
-          </a:xfrm>
-          <a:prstGeom prst="rect">
-            <a:avLst/>
-          </a:prstGeom>
-          <a:solidFill>
-            <a:srgbClr val="3C3C3B"/>
-          </a:solidFill>
-          <a:ln>
-            <a:noFill/>
-          </a:ln>
-        </p:spPr>
-        <p:style>
-          <a:lnRef idx="2">
-            <a:schemeClr val="accent1">
-              <a:shade val="50000"/>
-            </a:schemeClr>
-          </a:lnRef>
-          <a:fillRef idx="1">
-            <a:schemeClr val="accent1"/>
-          </a:fillRef>
-          <a:effectRef idx="0">
-            <a:schemeClr val="accent1"/>
-          </a:effectRef>
-          <a:fontRef idx="minor">
-            <a:schemeClr val="lt1"/>
-          </a:fontRef>
-        </p:style>
-        <p:txBody>
-          <a:bodyPr rtlCol="0" anchor="ctr"/>
-          <a:lstStyle/>
-          <a:p>
-            <a:pPr algn="ctr"/>
-            <a:r>
-              <a:rPr lang="en-US" altLang="zh-CN" sz="1600" dirty="0">
-                <a:solidFill>
-                  <a:schemeClr val="bg1"/>
-                </a:solidFill>
-                <a:latin typeface="Gill Sans MT" panose="020B0502020104020203" pitchFamily="34" charset="0"/>
-              </a:rPr>
-              <a:t>Peripheral</a:t>
-            </a:r>
-            <a:endParaRPr lang="zh-CN" altLang="en-US" sz="1600" dirty="0">
-              <a:solidFill>
-                <a:schemeClr val="bg1"/>
-              </a:solidFill>
-              <a:latin typeface="Gill Sans MT" panose="020B0502020104020203" pitchFamily="34" charset="0"/>
-            </a:endParaRPr>
-          </a:p>
-        </p:txBody>
-      </p:sp>
-      <p:sp>
-        <p:nvSpPr>
-          <p:cNvPr id="92" name="矩形 91">
-            <a:extLst>
-              <a:ext uri="{FF2B5EF4-FFF2-40B4-BE49-F238E27FC236}">
-                <a16:creationId xmlns:a16="http://schemas.microsoft.com/office/drawing/2014/main" id="{6AA4DF23-E6DC-46C4-A05A-77E8F4868FB6}"/>
-              </a:ext>
-            </a:extLst>
-          </p:cNvPr>
-          <p:cNvSpPr/>
-          <p:nvPr/>
-        </p:nvSpPr>
-        <p:spPr>
-          <a:xfrm>
-            <a:off x="8191500" y="5282748"/>
-            <a:ext cx="3009900" cy="482329"/>
-          </a:xfrm>
-          <a:prstGeom prst="rect">
-            <a:avLst/>
-          </a:prstGeom>
-          <a:solidFill>
-            <a:srgbClr val="00698A"/>
-          </a:solidFill>
-          <a:ln>
-            <a:noFill/>
-          </a:ln>
-        </p:spPr>
-        <p:style>
-          <a:lnRef idx="2">
-            <a:schemeClr val="accent1">
-              <a:shade val="50000"/>
-            </a:schemeClr>
-          </a:lnRef>
-          <a:fillRef idx="1">
-            <a:schemeClr val="accent1"/>
-          </a:fillRef>
-          <a:effectRef idx="0">
-            <a:schemeClr val="accent1"/>
-          </a:effectRef>
-          <a:fontRef idx="minor">
-            <a:schemeClr val="lt1"/>
-          </a:fontRef>
-        </p:style>
-        <p:txBody>
-          <a:bodyPr rtlCol="0" anchor="ctr"/>
-          <a:lstStyle/>
-          <a:p>
-            <a:pPr algn="ctr"/>
-            <a:r>
-              <a:rPr lang="en-US" altLang="zh-CN" sz="1600" dirty="0">
-                <a:solidFill>
-                  <a:schemeClr val="bg1"/>
-                </a:solidFill>
-                <a:latin typeface="Gill Sans MT" panose="020B0502020104020203" pitchFamily="34" charset="0"/>
-              </a:rPr>
-              <a:t>Page table base address</a:t>
-            </a:r>
-            <a:endParaRPr lang="zh-CN" altLang="en-US" sz="1600" dirty="0">
-              <a:solidFill>
-                <a:schemeClr val="bg1"/>
-              </a:solidFill>
-              <a:latin typeface="Gill Sans MT" panose="020B0502020104020203" pitchFamily="34" charset="0"/>
-            </a:endParaRPr>
-          </a:p>
-        </p:txBody>
-      </p:sp>
-      <p:cxnSp>
-        <p:nvCxnSpPr>
-          <p:cNvPr id="93" name="直接箭头连接符 92">
-            <a:extLst>
-              <a:ext uri="{FF2B5EF4-FFF2-40B4-BE49-F238E27FC236}">
-                <a16:creationId xmlns:a16="http://schemas.microsoft.com/office/drawing/2014/main" id="{75CEFFC1-3C39-4634-8B75-C1C0970CD2B6}"/>
-              </a:ext>
-            </a:extLst>
-          </p:cNvPr>
-          <p:cNvCxnSpPr>
-            <a:cxnSpLocks/>
-          </p:cNvCxnSpPr>
-          <p:nvPr/>
-        </p:nvCxnSpPr>
-        <p:spPr>
-          <a:xfrm>
-            <a:off x="8884062" y="3435074"/>
-            <a:ext cx="0" cy="966599"/>
-          </a:xfrm>
-          <a:prstGeom prst="straightConnector1">
-            <a:avLst/>
-          </a:prstGeom>
-          <a:ln>
-            <a:solidFill>
-              <a:srgbClr val="3C3C3B"/>
-            </a:solidFill>
-            <a:headEnd type="triangle"/>
-            <a:tailEnd type="triangle"/>
-          </a:ln>
-        </p:spPr>
-        <p:style>
-          <a:lnRef idx="1">
-            <a:schemeClr val="accent1"/>
-          </a:lnRef>
-          <a:fillRef idx="0">
-            <a:schemeClr val="accent1"/>
-          </a:fillRef>
-          <a:effectRef idx="0">
-            <a:schemeClr val="accent1"/>
-          </a:effectRef>
-          <a:fontRef idx="minor">
-            <a:schemeClr val="tx1"/>
-          </a:fontRef>
-        </p:style>
-      </p:cxnSp>
-      <p:sp>
-        <p:nvSpPr>
-          <p:cNvPr id="97" name="文本框 96">
-            <a:extLst>
-              <a:ext uri="{FF2B5EF4-FFF2-40B4-BE49-F238E27FC236}">
-                <a16:creationId xmlns:a16="http://schemas.microsoft.com/office/drawing/2014/main" id="{5F1DEA95-69BB-40A9-A1A7-8276675BC290}"/>
-              </a:ext>
-            </a:extLst>
-          </p:cNvPr>
-          <p:cNvSpPr txBox="1"/>
-          <p:nvPr/>
-        </p:nvSpPr>
-        <p:spPr>
-          <a:xfrm>
-            <a:off x="9787638" y="3771112"/>
-            <a:ext cx="811421" cy="276999"/>
-          </a:xfrm>
-          <a:prstGeom prst="rect">
-            <a:avLst/>
-          </a:prstGeom>
-          <a:noFill/>
-        </p:spPr>
-        <p:txBody>
-          <a:bodyPr wrap="square">
-            <a:spAutoFit/>
-          </a:bodyPr>
-          <a:lstStyle/>
-          <a:p>
-            <a:pPr algn="ctr"/>
-            <a:r>
-              <a:rPr lang="en-US" altLang="zh-CN" sz="1200" dirty="0">
-                <a:solidFill>
-                  <a:srgbClr val="3C3C3B"/>
-                </a:solidFill>
-                <a:latin typeface="Gill Sans MT" panose="020B0502020104020203" pitchFamily="34" charset="0"/>
-              </a:rPr>
-              <a:t>Clean</a:t>
-            </a:r>
-            <a:endParaRPr lang="zh-CN" altLang="en-US" sz="1200" dirty="0">
-              <a:solidFill>
-                <a:srgbClr val="3C3C3B"/>
-              </a:solidFill>
-              <a:latin typeface="Gill Sans MT" panose="020B0502020104020203" pitchFamily="34" charset="0"/>
-            </a:endParaRPr>
-          </a:p>
-        </p:txBody>
-      </p:sp>
-      <p:sp>
-        <p:nvSpPr>
-          <p:cNvPr id="98" name="文本框 97">
-            <a:extLst>
-              <a:ext uri="{FF2B5EF4-FFF2-40B4-BE49-F238E27FC236}">
-                <a16:creationId xmlns:a16="http://schemas.microsoft.com/office/drawing/2014/main" id="{0EAC4DE1-4F32-4C2D-93E3-FA39ED416298}"/>
-              </a:ext>
-            </a:extLst>
-          </p:cNvPr>
-          <p:cNvSpPr txBox="1"/>
-          <p:nvPr/>
-        </p:nvSpPr>
-        <p:spPr>
-          <a:xfrm>
-            <a:off x="10694541" y="1996027"/>
-            <a:ext cx="1742224" cy="307777"/>
-          </a:xfrm>
-          <a:prstGeom prst="rect">
-            <a:avLst/>
-          </a:prstGeom>
-          <a:noFill/>
-        </p:spPr>
-        <p:txBody>
-          <a:bodyPr wrap="square">
-            <a:spAutoFit/>
-          </a:bodyPr>
-          <a:lstStyle/>
-          <a:p>
-            <a:pPr algn="ctr"/>
-            <a:r>
-              <a:rPr lang="en-US" altLang="zh-CN" sz="1400" dirty="0">
-                <a:solidFill>
-                  <a:srgbClr val="3C3C3B"/>
-                </a:solidFill>
-                <a:latin typeface="Gill Sans MT" panose="020B0502020104020203" pitchFamily="34" charset="0"/>
-              </a:rPr>
-              <a:t>Got new data</a:t>
-            </a:r>
-            <a:endParaRPr lang="zh-CN" altLang="en-US" sz="1400" dirty="0">
-              <a:solidFill>
-                <a:srgbClr val="3C3C3B"/>
-              </a:solidFill>
-              <a:latin typeface="Gill Sans MT" panose="020B0502020104020203" pitchFamily="34" charset="0"/>
-            </a:endParaRPr>
-          </a:p>
-        </p:txBody>
-      </p:sp>
-      <p:sp>
-        <p:nvSpPr>
-          <p:cNvPr id="99" name="矩形 98">
-            <a:extLst>
-              <a:ext uri="{FF2B5EF4-FFF2-40B4-BE49-F238E27FC236}">
-                <a16:creationId xmlns:a16="http://schemas.microsoft.com/office/drawing/2014/main" id="{A0AF6C08-5538-45E8-9ACE-F78C528B9F43}"/>
-              </a:ext>
-            </a:extLst>
-          </p:cNvPr>
-          <p:cNvSpPr/>
-          <p:nvPr/>
-        </p:nvSpPr>
-        <p:spPr>
-          <a:xfrm>
-            <a:off x="10514027" y="4394810"/>
-            <a:ext cx="221801" cy="475466"/>
-          </a:xfrm>
-          <a:prstGeom prst="rect">
-            <a:avLst/>
-          </a:prstGeom>
-          <a:solidFill>
-            <a:srgbClr val="C00000"/>
-          </a:solidFill>
-          <a:ln>
-            <a:noFill/>
-          </a:ln>
-        </p:spPr>
-        <p:style>
-          <a:lnRef idx="2">
-            <a:schemeClr val="accent1">
-              <a:shade val="50000"/>
-            </a:schemeClr>
-          </a:lnRef>
-          <a:fillRef idx="1">
-            <a:schemeClr val="accent1"/>
-          </a:fillRef>
-          <a:effectRef idx="0">
-            <a:schemeClr val="accent1"/>
-          </a:effectRef>
-          <a:fontRef idx="minor">
-            <a:schemeClr val="lt1"/>
-          </a:fontRef>
-        </p:style>
-        <p:txBody>
-          <a:bodyPr rtlCol="0" anchor="ctr"/>
-          <a:lstStyle/>
-          <a:p>
-            <a:pPr algn="ctr"/>
-            <a:endParaRPr lang="zh-CN" altLang="en-US" sz="1600" dirty="0">
-              <a:solidFill>
-                <a:schemeClr val="bg1"/>
-              </a:solidFill>
-              <a:latin typeface="Gill Sans MT" panose="020B0502020104020203" pitchFamily="34" charset="0"/>
-            </a:endParaRPr>
-          </a:p>
-        </p:txBody>
-      </p:sp>
-      <p:sp>
-        <p:nvSpPr>
-          <p:cNvPr id="100" name="文本框 99">
-            <a:extLst>
-              <a:ext uri="{FF2B5EF4-FFF2-40B4-BE49-F238E27FC236}">
-                <a16:creationId xmlns:a16="http://schemas.microsoft.com/office/drawing/2014/main" id="{CBCED290-942B-4E65-B995-4E87BC2D5512}"/>
-              </a:ext>
-            </a:extLst>
-          </p:cNvPr>
-          <p:cNvSpPr txBox="1"/>
-          <p:nvPr/>
-        </p:nvSpPr>
-        <p:spPr>
-          <a:xfrm>
-            <a:off x="7490455" y="5052858"/>
-            <a:ext cx="1384037" cy="261610"/>
-          </a:xfrm>
-          <a:prstGeom prst="rect">
-            <a:avLst/>
-          </a:prstGeom>
-          <a:noFill/>
-        </p:spPr>
-        <p:txBody>
-          <a:bodyPr wrap="square">
-            <a:spAutoFit/>
-          </a:bodyPr>
-          <a:lstStyle/>
-          <a:p>
-            <a:pPr algn="ctr"/>
-            <a:r>
-              <a:rPr lang="en-US" altLang="zh-CN" sz="1050" dirty="0">
-                <a:solidFill>
-                  <a:srgbClr val="3C3C3B"/>
-                </a:solidFill>
-                <a:latin typeface="Gill Sans MT" panose="020B0502020104020203" pitchFamily="34" charset="0"/>
-              </a:rPr>
-              <a:t>48 47</a:t>
-            </a:r>
-            <a:endParaRPr lang="zh-CN" altLang="en-US" sz="1050" dirty="0">
-              <a:solidFill>
-                <a:srgbClr val="3C3C3B"/>
-              </a:solidFill>
-              <a:latin typeface="Gill Sans MT" panose="020B0502020104020203" pitchFamily="34" charset="0"/>
-            </a:endParaRPr>
-          </a:p>
-        </p:txBody>
-      </p:sp>
-      <p:sp>
-        <p:nvSpPr>
-          <p:cNvPr id="101" name="矩形 100">
-            <a:extLst>
-              <a:ext uri="{FF2B5EF4-FFF2-40B4-BE49-F238E27FC236}">
-                <a16:creationId xmlns:a16="http://schemas.microsoft.com/office/drawing/2014/main" id="{F49E0829-E3CB-4A98-B2F9-94F5E237E2C6}"/>
-              </a:ext>
-            </a:extLst>
-          </p:cNvPr>
-          <p:cNvSpPr/>
-          <p:nvPr/>
-        </p:nvSpPr>
-        <p:spPr>
-          <a:xfrm>
-            <a:off x="10136253" y="3043232"/>
-            <a:ext cx="148370" cy="324401"/>
-          </a:xfrm>
-          <a:prstGeom prst="rect">
-            <a:avLst/>
-          </a:prstGeom>
-          <a:solidFill>
-            <a:srgbClr val="C00000"/>
-          </a:solidFill>
-          <a:ln>
-            <a:noFill/>
-          </a:ln>
-        </p:spPr>
-        <p:style>
-          <a:lnRef idx="2">
-            <a:schemeClr val="accent1">
-              <a:shade val="50000"/>
-            </a:schemeClr>
-          </a:lnRef>
-          <a:fillRef idx="1">
-            <a:schemeClr val="accent1"/>
-          </a:fillRef>
-          <a:effectRef idx="0">
-            <a:schemeClr val="accent1"/>
-          </a:effectRef>
-          <a:fontRef idx="minor">
-            <a:schemeClr val="lt1"/>
-          </a:fontRef>
-        </p:style>
-        <p:txBody>
-          <a:bodyPr rtlCol="0" anchor="ctr"/>
-          <a:lstStyle/>
-          <a:p>
-            <a:pPr algn="ctr"/>
-            <a:endParaRPr lang="zh-CN" altLang="en-US" sz="1600" dirty="0">
-              <a:solidFill>
-                <a:schemeClr val="bg1"/>
-              </a:solidFill>
-              <a:latin typeface="Gill Sans MT" panose="020B0502020104020203" pitchFamily="34" charset="0"/>
-            </a:endParaRPr>
-          </a:p>
-        </p:txBody>
-      </p:sp>
-      <p:sp>
-        <p:nvSpPr>
-          <p:cNvPr id="103" name="文本框 102">
-            <a:extLst>
-              <a:ext uri="{FF2B5EF4-FFF2-40B4-BE49-F238E27FC236}">
-                <a16:creationId xmlns:a16="http://schemas.microsoft.com/office/drawing/2014/main" id="{C0F03359-BF74-451F-AAEB-574419644952}"/>
-              </a:ext>
-            </a:extLst>
-          </p:cNvPr>
-          <p:cNvSpPr txBox="1"/>
-          <p:nvPr/>
-        </p:nvSpPr>
-        <p:spPr>
-          <a:xfrm>
-            <a:off x="9324832" y="2041394"/>
-            <a:ext cx="811421" cy="253916"/>
-          </a:xfrm>
-          <a:prstGeom prst="rect">
-            <a:avLst/>
-          </a:prstGeom>
-          <a:noFill/>
-        </p:spPr>
-        <p:txBody>
-          <a:bodyPr wrap="square">
-            <a:spAutoFit/>
-          </a:bodyPr>
-          <a:lstStyle/>
-          <a:p>
-            <a:pPr algn="ctr"/>
-            <a:r>
-              <a:rPr lang="en-US" altLang="zh-CN" sz="1050" dirty="0">
-                <a:solidFill>
-                  <a:srgbClr val="3C3C3B"/>
-                </a:solidFill>
-                <a:latin typeface="Gill Sans MT" panose="020B0502020104020203" pitchFamily="34" charset="0"/>
-              </a:rPr>
-              <a:t>Coherence</a:t>
-            </a:r>
-            <a:endParaRPr lang="zh-CN" altLang="en-US" sz="1050" dirty="0">
-              <a:solidFill>
-                <a:srgbClr val="3C3C3B"/>
-              </a:solidFill>
-              <a:latin typeface="Gill Sans MT" panose="020B0502020104020203" pitchFamily="34" charset="0"/>
-            </a:endParaRPr>
-          </a:p>
-        </p:txBody>
-      </p:sp>
-      <p:sp>
-        <p:nvSpPr>
-          <p:cNvPr id="106" name="文本框 105">
-            <a:extLst>
-              <a:ext uri="{FF2B5EF4-FFF2-40B4-BE49-F238E27FC236}">
-                <a16:creationId xmlns:a16="http://schemas.microsoft.com/office/drawing/2014/main" id="{FB61D89B-0F24-4F71-AEBC-F5822B3677AB}"/>
-              </a:ext>
-            </a:extLst>
-          </p:cNvPr>
-          <p:cNvSpPr txBox="1"/>
-          <p:nvPr/>
-        </p:nvSpPr>
-        <p:spPr>
-          <a:xfrm>
-            <a:off x="10573190" y="4059999"/>
-            <a:ext cx="811421" cy="276999"/>
-          </a:xfrm>
-          <a:prstGeom prst="rect">
-            <a:avLst/>
-          </a:prstGeom>
-          <a:noFill/>
-        </p:spPr>
-        <p:txBody>
-          <a:bodyPr wrap="square">
-            <a:spAutoFit/>
-          </a:bodyPr>
-          <a:lstStyle/>
-          <a:p>
-            <a:pPr algn="ctr"/>
-            <a:r>
-              <a:rPr lang="en-US" altLang="zh-CN" sz="1200" dirty="0">
-                <a:solidFill>
-                  <a:srgbClr val="3C3C3B"/>
-                </a:solidFill>
-                <a:latin typeface="Gill Sans MT" panose="020B0502020104020203" pitchFamily="34" charset="0"/>
-              </a:rPr>
-              <a:t>Carry</a:t>
-            </a:r>
-            <a:endParaRPr lang="zh-CN" altLang="en-US" sz="1200" dirty="0">
-              <a:solidFill>
-                <a:srgbClr val="3C3C3B"/>
-              </a:solidFill>
-              <a:latin typeface="Gill Sans MT" panose="020B0502020104020203" pitchFamily="34" charset="0"/>
-            </a:endParaRPr>
-          </a:p>
-        </p:txBody>
-      </p:sp>
-      <p:cxnSp>
-        <p:nvCxnSpPr>
-          <p:cNvPr id="108" name="直接箭头连接符 107">
-            <a:extLst>
-              <a:ext uri="{FF2B5EF4-FFF2-40B4-BE49-F238E27FC236}">
-                <a16:creationId xmlns:a16="http://schemas.microsoft.com/office/drawing/2014/main" id="{AF734FCF-48B8-450A-9B6F-88F573571213}"/>
-              </a:ext>
-            </a:extLst>
-          </p:cNvPr>
-          <p:cNvCxnSpPr>
-            <a:cxnSpLocks/>
-            <a:stCxn id="101" idx="0"/>
-          </p:cNvCxnSpPr>
-          <p:nvPr/>
-        </p:nvCxnSpPr>
-        <p:spPr>
-          <a:xfrm flipH="1" flipV="1">
-            <a:off x="9825934" y="2197370"/>
-            <a:ext cx="384504" cy="845862"/>
-          </a:xfrm>
-          <a:prstGeom prst="straightConnector1">
-            <a:avLst/>
-          </a:prstGeom>
-          <a:ln>
-            <a:solidFill>
-              <a:srgbClr val="3C3C3B"/>
-            </a:solidFill>
-            <a:headEnd type="triangle" w="med" len="med"/>
-            <a:tailEnd type="none" w="med" len="med"/>
-          </a:ln>
-        </p:spPr>
-        <p:style>
-          <a:lnRef idx="1">
-            <a:schemeClr val="accent1"/>
-          </a:lnRef>
-          <a:fillRef idx="0">
-            <a:schemeClr val="accent1"/>
-          </a:fillRef>
-          <a:effectRef idx="0">
-            <a:schemeClr val="accent1"/>
-          </a:effectRef>
-          <a:fontRef idx="minor">
-            <a:schemeClr val="tx1"/>
-          </a:fontRef>
-        </p:style>
-      </p:cxnSp>
-      <p:sp>
-        <p:nvSpPr>
-          <p:cNvPr id="53" name="矩形 52">
-            <a:extLst>
-              <a:ext uri="{FF2B5EF4-FFF2-40B4-BE49-F238E27FC236}">
-                <a16:creationId xmlns:a16="http://schemas.microsoft.com/office/drawing/2014/main" id="{780D2A7B-2B12-4ECE-9116-6158107B7A98}"/>
-              </a:ext>
-            </a:extLst>
-          </p:cNvPr>
-          <p:cNvSpPr/>
-          <p:nvPr/>
-        </p:nvSpPr>
-        <p:spPr>
-          <a:xfrm>
-            <a:off x="1616035" y="1105270"/>
-            <a:ext cx="1108115" cy="599705"/>
-          </a:xfrm>
-          <a:prstGeom prst="rect">
-            <a:avLst/>
-          </a:prstGeom>
-          <a:solidFill>
-            <a:srgbClr val="3C3C3B"/>
-          </a:solidFill>
-          <a:ln>
-            <a:noFill/>
-          </a:ln>
-        </p:spPr>
-        <p:style>
-          <a:lnRef idx="2">
-            <a:schemeClr val="accent1">
-              <a:shade val="50000"/>
-            </a:schemeClr>
-          </a:lnRef>
-          <a:fillRef idx="1">
-            <a:schemeClr val="accent1"/>
-          </a:fillRef>
-          <a:effectRef idx="0">
-            <a:schemeClr val="accent1"/>
-          </a:effectRef>
-          <a:fontRef idx="minor">
-            <a:schemeClr val="lt1"/>
-          </a:fontRef>
-        </p:style>
-        <p:txBody>
-          <a:bodyPr rtlCol="0" anchor="ctr"/>
-          <a:lstStyle/>
-          <a:p>
-            <a:pPr algn="ctr"/>
-            <a:r>
-              <a:rPr lang="en-US" altLang="zh-CN" sz="1600" dirty="0">
-                <a:solidFill>
-                  <a:schemeClr val="bg1"/>
-                </a:solidFill>
-                <a:latin typeface="Gill Sans MT" panose="020B0502020104020203" pitchFamily="34" charset="0"/>
-              </a:rPr>
-              <a:t>Kernel Space</a:t>
-            </a:r>
-            <a:endParaRPr lang="zh-CN" altLang="en-US" sz="1600" dirty="0">
-              <a:solidFill>
-                <a:schemeClr val="bg1"/>
-              </a:solidFill>
-              <a:latin typeface="Gill Sans MT" panose="020B0502020104020203" pitchFamily="34" charset="0"/>
-            </a:endParaRPr>
-          </a:p>
-        </p:txBody>
-      </p:sp>
-      <p:sp>
-        <p:nvSpPr>
-          <p:cNvPr id="56" name="矩形 55">
-            <a:extLst>
-              <a:ext uri="{FF2B5EF4-FFF2-40B4-BE49-F238E27FC236}">
-                <a16:creationId xmlns:a16="http://schemas.microsoft.com/office/drawing/2014/main" id="{DFD22A3A-CA3C-4637-8103-DB63B359A926}"/>
-              </a:ext>
-            </a:extLst>
-          </p:cNvPr>
-          <p:cNvSpPr/>
-          <p:nvPr/>
-        </p:nvSpPr>
-        <p:spPr>
-          <a:xfrm>
-            <a:off x="1616035" y="1696174"/>
-            <a:ext cx="1108115" cy="1897168"/>
-          </a:xfrm>
-          <a:prstGeom prst="rect">
-            <a:avLst/>
-          </a:prstGeom>
-          <a:solidFill>
-            <a:srgbClr val="01A370"/>
-          </a:solidFill>
-          <a:ln>
-            <a:noFill/>
-          </a:ln>
-        </p:spPr>
-        <p:style>
-          <a:lnRef idx="2">
-            <a:schemeClr val="accent1">
-              <a:shade val="50000"/>
-            </a:schemeClr>
-          </a:lnRef>
-          <a:fillRef idx="1">
-            <a:schemeClr val="accent1"/>
-          </a:fillRef>
-          <a:effectRef idx="0">
-            <a:schemeClr val="accent1"/>
-          </a:effectRef>
-          <a:fontRef idx="minor">
-            <a:schemeClr val="lt1"/>
-          </a:fontRef>
-        </p:style>
-        <p:txBody>
-          <a:bodyPr rtlCol="0" anchor="ctr"/>
-          <a:lstStyle/>
-          <a:p>
-            <a:pPr algn="ctr"/>
-            <a:r>
-              <a:rPr lang="en-US" altLang="zh-CN" sz="1600" dirty="0">
-                <a:solidFill>
-                  <a:schemeClr val="bg1"/>
-                </a:solidFill>
-                <a:latin typeface="Gill Sans MT" panose="020B0502020104020203" pitchFamily="34" charset="0"/>
-              </a:rPr>
-              <a:t>User Space</a:t>
-            </a:r>
-            <a:endParaRPr lang="zh-CN" altLang="en-US" sz="1600" dirty="0">
-              <a:solidFill>
-                <a:schemeClr val="bg1"/>
-              </a:solidFill>
-              <a:latin typeface="Gill Sans MT" panose="020B0502020104020203" pitchFamily="34" charset="0"/>
-            </a:endParaRPr>
-          </a:p>
-        </p:txBody>
-      </p:sp>
-      <p:sp>
-        <p:nvSpPr>
-          <p:cNvPr id="57" name="文本框 56">
-            <a:extLst>
-              <a:ext uri="{FF2B5EF4-FFF2-40B4-BE49-F238E27FC236}">
-                <a16:creationId xmlns:a16="http://schemas.microsoft.com/office/drawing/2014/main" id="{BBE92B5A-35C4-4CDC-8BAA-C188A00C0BBF}"/>
-              </a:ext>
-            </a:extLst>
-          </p:cNvPr>
-          <p:cNvSpPr txBox="1"/>
-          <p:nvPr/>
-        </p:nvSpPr>
-        <p:spPr>
-          <a:xfrm>
-            <a:off x="1448196" y="655930"/>
-            <a:ext cx="1443792" cy="307777"/>
-          </a:xfrm>
-          <a:prstGeom prst="rect">
-            <a:avLst/>
-          </a:prstGeom>
-          <a:noFill/>
-        </p:spPr>
-        <p:txBody>
-          <a:bodyPr wrap="square">
-            <a:spAutoFit/>
-          </a:bodyPr>
-          <a:lstStyle/>
-          <a:p>
-            <a:pPr algn="ctr"/>
-            <a:r>
-              <a:rPr lang="en-US" altLang="zh-CN" sz="1400" b="1" dirty="0">
-                <a:solidFill>
-                  <a:srgbClr val="3C3C3B"/>
-                </a:solidFill>
-                <a:latin typeface="Gill Sans MT" panose="020B0502020104020203" pitchFamily="34" charset="0"/>
-              </a:rPr>
-              <a:t>Process 1</a:t>
-            </a:r>
-            <a:endParaRPr lang="zh-CN" altLang="en-US" sz="1400" b="1" dirty="0">
-              <a:solidFill>
-                <a:srgbClr val="3C3C3B"/>
-              </a:solidFill>
-              <a:latin typeface="Gill Sans MT" panose="020B0502020104020203" pitchFamily="34" charset="0"/>
-            </a:endParaRPr>
-          </a:p>
-        </p:txBody>
-      </p:sp>
-      <p:sp>
-        <p:nvSpPr>
-          <p:cNvPr id="61" name="矩形 60">
-            <a:extLst>
-              <a:ext uri="{FF2B5EF4-FFF2-40B4-BE49-F238E27FC236}">
-                <a16:creationId xmlns:a16="http://schemas.microsoft.com/office/drawing/2014/main" id="{77F71AF9-1300-40B6-8CCF-6B15ABF07AAB}"/>
-              </a:ext>
-            </a:extLst>
-          </p:cNvPr>
-          <p:cNvSpPr/>
-          <p:nvPr/>
-        </p:nvSpPr>
-        <p:spPr>
-          <a:xfrm>
-            <a:off x="3272517" y="1105270"/>
-            <a:ext cx="1108115" cy="599705"/>
-          </a:xfrm>
-          <a:prstGeom prst="rect">
-            <a:avLst/>
-          </a:prstGeom>
-          <a:solidFill>
-            <a:srgbClr val="3C3C3B"/>
-          </a:solidFill>
-          <a:ln>
-            <a:noFill/>
-          </a:ln>
-        </p:spPr>
-        <p:style>
-          <a:lnRef idx="2">
-            <a:schemeClr val="accent1">
-              <a:shade val="50000"/>
-            </a:schemeClr>
-          </a:lnRef>
-          <a:fillRef idx="1">
-            <a:schemeClr val="accent1"/>
-          </a:fillRef>
-          <a:effectRef idx="0">
-            <a:schemeClr val="accent1"/>
-          </a:effectRef>
-          <a:fontRef idx="minor">
-            <a:schemeClr val="lt1"/>
-          </a:fontRef>
-        </p:style>
-        <p:txBody>
-          <a:bodyPr rtlCol="0" anchor="ctr"/>
-          <a:lstStyle/>
-          <a:p>
-            <a:pPr algn="ctr"/>
-            <a:r>
-              <a:rPr lang="en-US" altLang="zh-CN" sz="1600" dirty="0">
-                <a:solidFill>
-                  <a:schemeClr val="bg1"/>
-                </a:solidFill>
-                <a:latin typeface="Gill Sans MT" panose="020B0502020104020203" pitchFamily="34" charset="0"/>
-              </a:rPr>
-              <a:t>Kernel Space</a:t>
-            </a:r>
-            <a:endParaRPr lang="zh-CN" altLang="en-US" sz="1600" dirty="0">
-              <a:solidFill>
-                <a:schemeClr val="bg1"/>
-              </a:solidFill>
-              <a:latin typeface="Gill Sans MT" panose="020B0502020104020203" pitchFamily="34" charset="0"/>
-            </a:endParaRPr>
-          </a:p>
-        </p:txBody>
-      </p:sp>
-      <p:sp>
-        <p:nvSpPr>
-          <p:cNvPr id="62" name="矩形 61">
-            <a:extLst>
-              <a:ext uri="{FF2B5EF4-FFF2-40B4-BE49-F238E27FC236}">
-                <a16:creationId xmlns:a16="http://schemas.microsoft.com/office/drawing/2014/main" id="{58D17941-56D3-4CE2-92EC-E26E252F7291}"/>
-              </a:ext>
-            </a:extLst>
-          </p:cNvPr>
-          <p:cNvSpPr/>
-          <p:nvPr/>
-        </p:nvSpPr>
-        <p:spPr>
-          <a:xfrm>
-            <a:off x="3272517" y="1696174"/>
-            <a:ext cx="1108115" cy="1897168"/>
-          </a:xfrm>
-          <a:prstGeom prst="rect">
-            <a:avLst/>
-          </a:prstGeom>
-          <a:solidFill>
-            <a:srgbClr val="00698A"/>
-          </a:solidFill>
-          <a:ln>
-            <a:noFill/>
-          </a:ln>
-        </p:spPr>
-        <p:style>
-          <a:lnRef idx="2">
-            <a:schemeClr val="accent1">
-              <a:shade val="50000"/>
-            </a:schemeClr>
-          </a:lnRef>
-          <a:fillRef idx="1">
-            <a:schemeClr val="accent1"/>
-          </a:fillRef>
-          <a:effectRef idx="0">
-            <a:schemeClr val="accent1"/>
-          </a:effectRef>
-          <a:fontRef idx="minor">
-            <a:schemeClr val="lt1"/>
-          </a:fontRef>
-        </p:style>
-        <p:txBody>
-          <a:bodyPr rtlCol="0" anchor="ctr"/>
-          <a:lstStyle/>
-          <a:p>
-            <a:pPr algn="ctr"/>
-            <a:r>
-              <a:rPr lang="en-US" altLang="zh-CN" sz="1600" dirty="0">
-                <a:solidFill>
-                  <a:schemeClr val="bg1"/>
-                </a:solidFill>
-                <a:latin typeface="Gill Sans MT" panose="020B0502020104020203" pitchFamily="34" charset="0"/>
-              </a:rPr>
-              <a:t>User Space</a:t>
-            </a:r>
-            <a:endParaRPr lang="zh-CN" altLang="en-US" sz="1600" dirty="0">
-              <a:solidFill>
-                <a:schemeClr val="bg1"/>
-              </a:solidFill>
-              <a:latin typeface="Gill Sans MT" panose="020B0502020104020203" pitchFamily="34" charset="0"/>
-            </a:endParaRPr>
-          </a:p>
-        </p:txBody>
-      </p:sp>
-      <p:sp>
-        <p:nvSpPr>
-          <p:cNvPr id="63" name="文本框 62">
-            <a:extLst>
-              <a:ext uri="{FF2B5EF4-FFF2-40B4-BE49-F238E27FC236}">
-                <a16:creationId xmlns:a16="http://schemas.microsoft.com/office/drawing/2014/main" id="{52010206-29C9-4CFB-8083-D103AB05E090}"/>
-              </a:ext>
-            </a:extLst>
-          </p:cNvPr>
-          <p:cNvSpPr txBox="1"/>
-          <p:nvPr/>
-        </p:nvSpPr>
-        <p:spPr>
-          <a:xfrm>
-            <a:off x="3104678" y="655930"/>
-            <a:ext cx="1443792" cy="307777"/>
-          </a:xfrm>
-          <a:prstGeom prst="rect">
-            <a:avLst/>
-          </a:prstGeom>
-          <a:noFill/>
-        </p:spPr>
-        <p:txBody>
-          <a:bodyPr wrap="square">
-            <a:spAutoFit/>
-          </a:bodyPr>
-          <a:lstStyle/>
-          <a:p>
-            <a:pPr algn="ctr"/>
-            <a:r>
-              <a:rPr lang="en-US" altLang="zh-CN" sz="1400" b="1" dirty="0">
-                <a:solidFill>
-                  <a:srgbClr val="3C3C3B"/>
-                </a:solidFill>
-                <a:latin typeface="Gill Sans MT" panose="020B0502020104020203" pitchFamily="34" charset="0"/>
-              </a:rPr>
-              <a:t>Process 2</a:t>
-            </a:r>
-            <a:endParaRPr lang="zh-CN" altLang="en-US" sz="1400" b="1" dirty="0">
-              <a:solidFill>
-                <a:srgbClr val="3C3C3B"/>
-              </a:solidFill>
-              <a:latin typeface="Gill Sans MT" panose="020B0502020104020203" pitchFamily="34" charset="0"/>
-            </a:endParaRPr>
-          </a:p>
-        </p:txBody>
-      </p:sp>
-      <p:sp>
-        <p:nvSpPr>
-          <p:cNvPr id="64" name="矩形 63">
-            <a:extLst>
-              <a:ext uri="{FF2B5EF4-FFF2-40B4-BE49-F238E27FC236}">
-                <a16:creationId xmlns:a16="http://schemas.microsoft.com/office/drawing/2014/main" id="{6B153ABB-6217-4892-9F7C-E2646E8D96BF}"/>
-              </a:ext>
-            </a:extLst>
-          </p:cNvPr>
-          <p:cNvSpPr/>
-          <p:nvPr/>
-        </p:nvSpPr>
-        <p:spPr>
-          <a:xfrm>
-            <a:off x="4987885" y="1105270"/>
-            <a:ext cx="1108115" cy="599705"/>
-          </a:xfrm>
-          <a:prstGeom prst="rect">
-            <a:avLst/>
-          </a:prstGeom>
-          <a:solidFill>
-            <a:srgbClr val="3C3C3B"/>
-          </a:solidFill>
-          <a:ln>
-            <a:noFill/>
-          </a:ln>
-        </p:spPr>
-        <p:style>
-          <a:lnRef idx="2">
-            <a:schemeClr val="accent1">
-              <a:shade val="50000"/>
-            </a:schemeClr>
-          </a:lnRef>
-          <a:fillRef idx="1">
-            <a:schemeClr val="accent1"/>
-          </a:fillRef>
-          <a:effectRef idx="0">
-            <a:schemeClr val="accent1"/>
-          </a:effectRef>
-          <a:fontRef idx="minor">
-            <a:schemeClr val="lt1"/>
-          </a:fontRef>
-        </p:style>
-        <p:txBody>
-          <a:bodyPr rtlCol="0" anchor="ctr"/>
-          <a:lstStyle/>
-          <a:p>
-            <a:pPr algn="ctr"/>
-            <a:r>
-              <a:rPr lang="en-US" altLang="zh-CN" sz="1600" dirty="0">
-                <a:solidFill>
-                  <a:schemeClr val="bg1"/>
-                </a:solidFill>
-                <a:latin typeface="Gill Sans MT" panose="020B0502020104020203" pitchFamily="34" charset="0"/>
-              </a:rPr>
-              <a:t>Kernel Space</a:t>
-            </a:r>
-            <a:endParaRPr lang="zh-CN" altLang="en-US" sz="1600" dirty="0">
-              <a:solidFill>
-                <a:schemeClr val="bg1"/>
-              </a:solidFill>
-              <a:latin typeface="Gill Sans MT" panose="020B0502020104020203" pitchFamily="34" charset="0"/>
-            </a:endParaRPr>
-          </a:p>
-        </p:txBody>
-      </p:sp>
-      <p:sp>
-        <p:nvSpPr>
-          <p:cNvPr id="65" name="文本框 64">
-            <a:extLst>
-              <a:ext uri="{FF2B5EF4-FFF2-40B4-BE49-F238E27FC236}">
-                <a16:creationId xmlns:a16="http://schemas.microsoft.com/office/drawing/2014/main" id="{33DFEEC8-A663-446B-A946-ED4CB4746FA0}"/>
-              </a:ext>
-            </a:extLst>
-          </p:cNvPr>
-          <p:cNvSpPr txBox="1"/>
-          <p:nvPr/>
-        </p:nvSpPr>
-        <p:spPr>
-          <a:xfrm>
-            <a:off x="4820046" y="655929"/>
-            <a:ext cx="1443792" cy="307777"/>
-          </a:xfrm>
-          <a:prstGeom prst="rect">
-            <a:avLst/>
-          </a:prstGeom>
-          <a:noFill/>
-        </p:spPr>
-        <p:txBody>
-          <a:bodyPr wrap="square">
-            <a:spAutoFit/>
-          </a:bodyPr>
-          <a:lstStyle/>
-          <a:p>
-            <a:pPr algn="ctr"/>
-            <a:r>
-              <a:rPr lang="en-US" altLang="zh-CN" sz="1400" b="1" dirty="0">
-                <a:solidFill>
-                  <a:srgbClr val="3C3C3B"/>
-                </a:solidFill>
-                <a:latin typeface="Gill Sans MT" panose="020B0502020104020203" pitchFamily="34" charset="0"/>
-              </a:rPr>
-              <a:t>Kernel</a:t>
-            </a:r>
-            <a:endParaRPr lang="zh-CN" altLang="en-US" sz="1400" b="1" dirty="0">
-              <a:solidFill>
-                <a:srgbClr val="3C3C3B"/>
-              </a:solidFill>
-              <a:latin typeface="Gill Sans MT" panose="020B0502020104020203" pitchFamily="34" charset="0"/>
-            </a:endParaRPr>
-          </a:p>
-        </p:txBody>
-      </p:sp>
-      <p:sp>
-        <p:nvSpPr>
-          <p:cNvPr id="66" name="矩形 65">
-            <a:extLst>
-              <a:ext uri="{FF2B5EF4-FFF2-40B4-BE49-F238E27FC236}">
-                <a16:creationId xmlns:a16="http://schemas.microsoft.com/office/drawing/2014/main" id="{D5B31245-58DE-48CC-87BD-758E5D0E0879}"/>
-              </a:ext>
-            </a:extLst>
-          </p:cNvPr>
-          <p:cNvSpPr/>
-          <p:nvPr/>
-        </p:nvSpPr>
-        <p:spPr>
-          <a:xfrm>
-            <a:off x="1441807" y="4134516"/>
-            <a:ext cx="4820570" cy="1717643"/>
-          </a:xfrm>
-          <a:prstGeom prst="rect">
-            <a:avLst/>
-          </a:prstGeom>
-          <a:solidFill>
-            <a:srgbClr val="DADADA"/>
-          </a:solidFill>
-          <a:ln>
-            <a:solidFill>
-              <a:srgbClr val="DADADA"/>
-            </a:solidFill>
-          </a:ln>
-        </p:spPr>
-        <p:style>
-          <a:lnRef idx="2">
-            <a:schemeClr val="accent1">
-              <a:shade val="50000"/>
-            </a:schemeClr>
-          </a:lnRef>
-          <a:fillRef idx="1">
-            <a:schemeClr val="accent1"/>
-          </a:fillRef>
-          <a:effectRef idx="0">
-            <a:schemeClr val="accent1"/>
-          </a:effectRef>
-          <a:fontRef idx="minor">
-            <a:schemeClr val="lt1"/>
-          </a:fontRef>
-        </p:style>
-        <p:txBody>
-          <a:bodyPr rtlCol="0" anchor="b"/>
-          <a:lstStyle/>
-          <a:p>
-            <a:pPr algn="ctr"/>
-            <a:r>
-              <a:rPr lang="en-US" altLang="zh-CN" sz="1400" dirty="0">
-                <a:solidFill>
-                  <a:srgbClr val="3C3C3B"/>
-                </a:solidFill>
-                <a:latin typeface="Gill Sans MT" panose="020B0502020104020203" pitchFamily="34" charset="0"/>
-              </a:rPr>
-              <a:t>CPU Perspective</a:t>
-            </a:r>
-            <a:endParaRPr lang="zh-CN" altLang="en-US" sz="1400" dirty="0">
-              <a:solidFill>
-                <a:srgbClr val="3C3C3B"/>
-              </a:solidFill>
-              <a:latin typeface="Gill Sans MT" panose="020B0502020104020203" pitchFamily="34" charset="0"/>
-            </a:endParaRPr>
-          </a:p>
-        </p:txBody>
-      </p:sp>
-      <p:graphicFrame>
-        <p:nvGraphicFramePr>
-          <p:cNvPr id="67" name="表格 66">
-            <a:extLst>
-              <a:ext uri="{FF2B5EF4-FFF2-40B4-BE49-F238E27FC236}">
-                <a16:creationId xmlns:a16="http://schemas.microsoft.com/office/drawing/2014/main" id="{4A07315C-8751-44A6-802F-3EB3B5A09477}"/>
-              </a:ext>
-            </a:extLst>
-          </p:cNvPr>
-          <p:cNvGraphicFramePr>
-            <a:graphicFrameLocks noGrp="1"/>
-          </p:cNvGraphicFramePr>
-          <p:nvPr>
-            <p:extLst>
-              <p:ext uri="{D42A27DB-BD31-4B8C-83A1-F6EECF244321}">
-                <p14:modId xmlns:p14="http://schemas.microsoft.com/office/powerpoint/2010/main" val="4067595536"/>
-              </p:ext>
-            </p:extLst>
-          </p:nvPr>
-        </p:nvGraphicFramePr>
-        <p:xfrm>
-          <a:off x="1748153" y="4484620"/>
-          <a:ext cx="1880016" cy="365760"/>
-        </p:xfrm>
-        <a:graphic>
-          <a:graphicData uri="http://schemas.openxmlformats.org/drawingml/2006/table">
-            <a:tbl>
-              <a:tblPr firstRow="1" bandRow="1">
-                <a:tableStyleId>{2D5ABB26-0587-4C30-8999-92F81FD0307C}</a:tableStyleId>
-              </a:tblPr>
-              <a:tblGrid>
-                <a:gridCol w="235002">
-                  <a:extLst>
-                    <a:ext uri="{9D8B030D-6E8A-4147-A177-3AD203B41FA5}">
-                      <a16:colId xmlns:a16="http://schemas.microsoft.com/office/drawing/2014/main" val="3139552584"/>
-                    </a:ext>
-                  </a:extLst>
-                </a:gridCol>
-                <a:gridCol w="235002">
-                  <a:extLst>
-                    <a:ext uri="{9D8B030D-6E8A-4147-A177-3AD203B41FA5}">
-                      <a16:colId xmlns:a16="http://schemas.microsoft.com/office/drawing/2014/main" val="4060104721"/>
-                    </a:ext>
-                  </a:extLst>
-                </a:gridCol>
-                <a:gridCol w="235002">
-                  <a:extLst>
-                    <a:ext uri="{9D8B030D-6E8A-4147-A177-3AD203B41FA5}">
-                      <a16:colId xmlns:a16="http://schemas.microsoft.com/office/drawing/2014/main" val="1670698699"/>
-                    </a:ext>
-                  </a:extLst>
-                </a:gridCol>
-                <a:gridCol w="235002">
-                  <a:extLst>
-                    <a:ext uri="{9D8B030D-6E8A-4147-A177-3AD203B41FA5}">
-                      <a16:colId xmlns:a16="http://schemas.microsoft.com/office/drawing/2014/main" val="3466240817"/>
-                    </a:ext>
-                  </a:extLst>
-                </a:gridCol>
-                <a:gridCol w="235002">
-                  <a:extLst>
-                    <a:ext uri="{9D8B030D-6E8A-4147-A177-3AD203B41FA5}">
-                      <a16:colId xmlns:a16="http://schemas.microsoft.com/office/drawing/2014/main" val="2767098286"/>
-                    </a:ext>
-                  </a:extLst>
-                </a:gridCol>
-                <a:gridCol w="235002">
-                  <a:extLst>
-                    <a:ext uri="{9D8B030D-6E8A-4147-A177-3AD203B41FA5}">
-                      <a16:colId xmlns:a16="http://schemas.microsoft.com/office/drawing/2014/main" val="3557517354"/>
-                    </a:ext>
-                  </a:extLst>
-                </a:gridCol>
-                <a:gridCol w="235002">
-                  <a:extLst>
-                    <a:ext uri="{9D8B030D-6E8A-4147-A177-3AD203B41FA5}">
-                      <a16:colId xmlns:a16="http://schemas.microsoft.com/office/drawing/2014/main" val="1189350409"/>
-                    </a:ext>
-                  </a:extLst>
-                </a:gridCol>
-                <a:gridCol w="235002">
-                  <a:extLst>
-                    <a:ext uri="{9D8B030D-6E8A-4147-A177-3AD203B41FA5}">
-                      <a16:colId xmlns:a16="http://schemas.microsoft.com/office/drawing/2014/main" val="1019017228"/>
-                    </a:ext>
-                  </a:extLst>
-                </a:gridCol>
-              </a:tblGrid>
-              <a:tr h="313823">
-                <a:tc>
-                  <a:txBody>
-                    <a:bodyPr/>
-                    <a:lstStyle/>
-                    <a:p>
-                      <a:endParaRPr lang="zh-CN" altLang="en-US" dirty="0"/>
-                    </a:p>
-                  </a:txBody>
-                  <a:tcPr>
-                    <a:lnL w="12700" cap="flat" cmpd="sng" algn="ctr">
-                      <a:solidFill>
-                        <a:schemeClr val="tx1"/>
-                      </a:solidFill>
-                      <a:prstDash val="solid"/>
-                      <a:round/>
-                      <a:headEnd type="none" w="med" len="med"/>
-                      <a:tailEnd type="none" w="med" len="med"/>
-                    </a:lnL>
-                    <a:lnR w="12700" cap="flat" cmpd="sng" algn="ctr">
-                      <a:solidFill>
-                        <a:schemeClr val="tx1"/>
-                      </a:solidFill>
-                      <a:prstDash val="solid"/>
-                      <a:round/>
-                      <a:headEnd type="none" w="med" len="med"/>
-                      <a:tailEnd type="none" w="med" len="med"/>
-                    </a:lnR>
-                    <a:lnT w="12700" cap="flat" cmpd="sng" algn="ctr">
-                      <a:solidFill>
-                        <a:schemeClr val="tx1"/>
-                      </a:solidFill>
-                      <a:prstDash val="solid"/>
-                      <a:round/>
-                      <a:headEnd type="none" w="med" len="med"/>
-                      <a:tailEnd type="none" w="med" len="med"/>
-                    </a:lnT>
-                    <a:lnB w="12700" cap="flat" cmpd="sng" algn="ctr">
-                      <a:solidFill>
-                        <a:schemeClr val="tx1"/>
-                      </a:solidFill>
-                      <a:prstDash val="solid"/>
-                      <a:round/>
-                      <a:headEnd type="none" w="med" len="med"/>
-                      <a:tailEnd type="none" w="med" len="med"/>
-                    </a:lnB>
-                    <a:solidFill>
-                      <a:srgbClr val="00C1DE"/>
-                    </a:solidFill>
-                  </a:tcPr>
-                </a:tc>
-                <a:tc>
-                  <a:txBody>
-                    <a:bodyPr/>
-                    <a:lstStyle/>
-                    <a:p>
-                      <a:endParaRPr lang="zh-CN" altLang="en-US" dirty="0"/>
-                    </a:p>
-                  </a:txBody>
-                  <a:tcPr>
-                    <a:lnL w="12700" cap="flat" cmpd="sng" algn="ctr">
-                      <a:solidFill>
-                        <a:schemeClr val="tx1"/>
-                      </a:solidFill>
-                      <a:prstDash val="solid"/>
-                      <a:round/>
-                      <a:headEnd type="none" w="med" len="med"/>
-                      <a:tailEnd type="none" w="med" len="med"/>
-                    </a:lnL>
-                    <a:lnR w="12700" cap="flat" cmpd="sng" algn="ctr">
-                      <a:solidFill>
-                        <a:schemeClr val="tx1"/>
-                      </a:solidFill>
-                      <a:prstDash val="solid"/>
-                      <a:round/>
-                      <a:headEnd type="none" w="med" len="med"/>
-                      <a:tailEnd type="none" w="med" len="med"/>
-                    </a:lnR>
-                    <a:lnT w="12700" cap="flat" cmpd="sng" algn="ctr">
-                      <a:solidFill>
-                        <a:schemeClr val="tx1"/>
-                      </a:solidFill>
-                      <a:prstDash val="solid"/>
-                      <a:round/>
-                      <a:headEnd type="none" w="med" len="med"/>
-                      <a:tailEnd type="none" w="med" len="med"/>
-                    </a:lnT>
-                    <a:lnB w="12700" cap="flat" cmpd="sng" algn="ctr">
-                      <a:solidFill>
-                        <a:schemeClr val="tx1"/>
-                      </a:solidFill>
-                      <a:prstDash val="solid"/>
-                      <a:round/>
-                      <a:headEnd type="none" w="med" len="med"/>
-                      <a:tailEnd type="none" w="med" len="med"/>
-                    </a:lnB>
-                    <a:solidFill>
-                      <a:srgbClr val="00C1DE"/>
-                    </a:solidFill>
-                  </a:tcPr>
-                </a:tc>
-                <a:tc>
-                  <a:txBody>
-                    <a:bodyPr/>
-                    <a:lstStyle/>
-                    <a:p>
-                      <a:endParaRPr lang="zh-CN" altLang="en-US" dirty="0"/>
-                    </a:p>
-                  </a:txBody>
-                  <a:tcPr>
-                    <a:lnL w="12700" cap="flat" cmpd="sng" algn="ctr">
-                      <a:solidFill>
-                        <a:schemeClr val="tx1"/>
-                      </a:solidFill>
-                      <a:prstDash val="solid"/>
-                      <a:round/>
-                      <a:headEnd type="none" w="med" len="med"/>
-                      <a:tailEnd type="none" w="med" len="med"/>
-                    </a:lnL>
-                    <a:lnR w="12700" cap="flat" cmpd="sng" algn="ctr">
-                      <a:solidFill>
-                        <a:schemeClr val="tx1"/>
-                      </a:solidFill>
-                      <a:prstDash val="solid"/>
-                      <a:round/>
-                      <a:headEnd type="none" w="med" len="med"/>
-                      <a:tailEnd type="none" w="med" len="med"/>
-                    </a:lnR>
-                    <a:lnT w="12700" cap="flat" cmpd="sng" algn="ctr">
-                      <a:solidFill>
-                        <a:schemeClr val="tx1"/>
-                      </a:solidFill>
-                      <a:prstDash val="solid"/>
-                      <a:round/>
-                      <a:headEnd type="none" w="med" len="med"/>
-                      <a:tailEnd type="none" w="med" len="med"/>
-                    </a:lnT>
-                    <a:lnB w="12700" cap="flat" cmpd="sng" algn="ctr">
-                      <a:solidFill>
-                        <a:schemeClr val="tx1"/>
-                      </a:solidFill>
-                      <a:prstDash val="solid"/>
-                      <a:round/>
-                      <a:headEnd type="none" w="med" len="med"/>
-                      <a:tailEnd type="none" w="med" len="med"/>
-                    </a:lnB>
-                    <a:solidFill>
-                      <a:srgbClr val="00C1DE"/>
-                    </a:solidFill>
-                  </a:tcPr>
-                </a:tc>
-                <a:tc>
-                  <a:txBody>
-                    <a:bodyPr/>
-                    <a:lstStyle/>
-                    <a:p>
-                      <a:endParaRPr lang="zh-CN" altLang="en-US" dirty="0"/>
-                    </a:p>
-                  </a:txBody>
-                  <a:tcPr>
-                    <a:lnL w="12700" cap="flat" cmpd="sng" algn="ctr">
-                      <a:solidFill>
-                        <a:schemeClr val="tx1"/>
-                      </a:solidFill>
-                      <a:prstDash val="solid"/>
-                      <a:round/>
-                      <a:headEnd type="none" w="med" len="med"/>
-                      <a:tailEnd type="none" w="med" len="med"/>
-                    </a:lnL>
-                    <a:lnR w="12700" cap="flat" cmpd="sng" algn="ctr">
-                      <a:solidFill>
-                        <a:schemeClr val="tx1"/>
-                      </a:solidFill>
-                      <a:prstDash val="solid"/>
-                      <a:round/>
-                      <a:headEnd type="none" w="med" len="med"/>
-                      <a:tailEnd type="none" w="med" len="med"/>
-                    </a:lnR>
-                    <a:lnT w="12700" cap="flat" cmpd="sng" algn="ctr">
-                      <a:solidFill>
-                        <a:schemeClr val="tx1"/>
-                      </a:solidFill>
-                      <a:prstDash val="solid"/>
-                      <a:round/>
-                      <a:headEnd type="none" w="med" len="med"/>
-                      <a:tailEnd type="none" w="med" len="med"/>
-                    </a:lnT>
-                    <a:lnB w="12700" cap="flat" cmpd="sng" algn="ctr">
-                      <a:solidFill>
-                        <a:schemeClr val="tx1"/>
-                      </a:solidFill>
-                      <a:prstDash val="solid"/>
-                      <a:round/>
-                      <a:headEnd type="none" w="med" len="med"/>
-                      <a:tailEnd type="none" w="med" len="med"/>
-                    </a:lnB>
-                    <a:solidFill>
-                      <a:srgbClr val="00C1DE"/>
-                    </a:solidFill>
-                  </a:tcPr>
-                </a:tc>
-                <a:tc>
-                  <a:txBody>
-                    <a:bodyPr/>
-                    <a:lstStyle/>
-                    <a:p>
-                      <a:endParaRPr lang="zh-CN" altLang="en-US" dirty="0"/>
-                    </a:p>
-                  </a:txBody>
-                  <a:tcPr>
-                    <a:lnL w="12700" cap="flat" cmpd="sng" algn="ctr">
-                      <a:solidFill>
-                        <a:schemeClr val="tx1"/>
-                      </a:solidFill>
-                      <a:prstDash val="solid"/>
-                      <a:round/>
-                      <a:headEnd type="none" w="med" len="med"/>
-                      <a:tailEnd type="none" w="med" len="med"/>
-                    </a:lnL>
-                    <a:lnR w="12700" cap="flat" cmpd="sng" algn="ctr">
-                      <a:solidFill>
-                        <a:schemeClr val="tx1"/>
-                      </a:solidFill>
-                      <a:prstDash val="solid"/>
-                      <a:round/>
-                      <a:headEnd type="none" w="med" len="med"/>
-                      <a:tailEnd type="none" w="med" len="med"/>
-                    </a:lnR>
-                    <a:lnT w="12700" cap="flat" cmpd="sng" algn="ctr">
-                      <a:solidFill>
-                        <a:schemeClr val="tx1"/>
-                      </a:solidFill>
-                      <a:prstDash val="solid"/>
-                      <a:round/>
-                      <a:headEnd type="none" w="med" len="med"/>
-                      <a:tailEnd type="none" w="med" len="med"/>
-                    </a:lnT>
-                    <a:lnB w="12700" cap="flat" cmpd="sng" algn="ctr">
-                      <a:solidFill>
-                        <a:schemeClr val="tx1"/>
-                      </a:solidFill>
-                      <a:prstDash val="solid"/>
-                      <a:round/>
-                      <a:headEnd type="none" w="med" len="med"/>
-                      <a:tailEnd type="none" w="med" len="med"/>
-                    </a:lnB>
-                    <a:solidFill>
-                      <a:srgbClr val="00C1DE"/>
-                    </a:solidFill>
-                  </a:tcPr>
-                </a:tc>
-                <a:tc>
-                  <a:txBody>
-                    <a:bodyPr/>
-                    <a:lstStyle/>
-                    <a:p>
-                      <a:endParaRPr lang="zh-CN" altLang="en-US" dirty="0"/>
-                    </a:p>
-                  </a:txBody>
-                  <a:tcPr>
-                    <a:lnL w="12700" cap="flat" cmpd="sng" algn="ctr">
-                      <a:solidFill>
-                        <a:schemeClr val="tx1"/>
-                      </a:solidFill>
-                      <a:prstDash val="solid"/>
-                      <a:round/>
-                      <a:headEnd type="none" w="med" len="med"/>
-                      <a:tailEnd type="none" w="med" len="med"/>
-                    </a:lnL>
-                    <a:lnR w="12700" cap="flat" cmpd="sng" algn="ctr">
-                      <a:solidFill>
-                        <a:schemeClr val="tx1"/>
-                      </a:solidFill>
-                      <a:prstDash val="solid"/>
-                      <a:round/>
-                      <a:headEnd type="none" w="med" len="med"/>
-                      <a:tailEnd type="none" w="med" len="med"/>
-                    </a:lnR>
-                    <a:lnT w="12700" cap="flat" cmpd="sng" algn="ctr">
-                      <a:solidFill>
-                        <a:schemeClr val="tx1"/>
-                      </a:solidFill>
-                      <a:prstDash val="solid"/>
-                      <a:round/>
-                      <a:headEnd type="none" w="med" len="med"/>
-                      <a:tailEnd type="none" w="med" len="med"/>
-                    </a:lnT>
-                    <a:lnB w="12700" cap="flat" cmpd="sng" algn="ctr">
-                      <a:solidFill>
-                        <a:schemeClr val="tx1"/>
-                      </a:solidFill>
-                      <a:prstDash val="solid"/>
-                      <a:round/>
-                      <a:headEnd type="none" w="med" len="med"/>
-                      <a:tailEnd type="none" w="med" len="med"/>
-                    </a:lnB>
-                    <a:solidFill>
-                      <a:srgbClr val="00C1DE"/>
-                    </a:solidFill>
-                  </a:tcPr>
-                </a:tc>
-                <a:tc>
-                  <a:txBody>
-                    <a:bodyPr/>
-                    <a:lstStyle/>
-                    <a:p>
-                      <a:endParaRPr lang="zh-CN" altLang="en-US" dirty="0"/>
-                    </a:p>
-                  </a:txBody>
-                  <a:tcPr>
-                    <a:lnL w="12700" cap="flat" cmpd="sng" algn="ctr">
-                      <a:solidFill>
-                        <a:schemeClr val="tx1"/>
-                      </a:solidFill>
-                      <a:prstDash val="solid"/>
-                      <a:round/>
-                      <a:headEnd type="none" w="med" len="med"/>
-                      <a:tailEnd type="none" w="med" len="med"/>
-                    </a:lnL>
-                    <a:lnR w="12700" cap="flat" cmpd="sng" algn="ctr">
-                      <a:solidFill>
-                        <a:schemeClr val="tx1"/>
-                      </a:solidFill>
-                      <a:prstDash val="solid"/>
-                      <a:round/>
-                      <a:headEnd type="none" w="med" len="med"/>
-                      <a:tailEnd type="none" w="med" len="med"/>
-                    </a:lnR>
-                    <a:lnT w="12700" cap="flat" cmpd="sng" algn="ctr">
-                      <a:solidFill>
-                        <a:schemeClr val="tx1"/>
-                      </a:solidFill>
-                      <a:prstDash val="solid"/>
-                      <a:round/>
-                      <a:headEnd type="none" w="med" len="med"/>
-                      <a:tailEnd type="none" w="med" len="med"/>
-                    </a:lnT>
-                    <a:lnB w="12700" cap="flat" cmpd="sng" algn="ctr">
-                      <a:solidFill>
-                        <a:schemeClr val="tx1"/>
-                      </a:solidFill>
-                      <a:prstDash val="solid"/>
-                      <a:round/>
-                      <a:headEnd type="none" w="med" len="med"/>
-                      <a:tailEnd type="none" w="med" len="med"/>
-                    </a:lnB>
-                    <a:solidFill>
-                      <a:srgbClr val="00C1DE"/>
-                    </a:solidFill>
-                  </a:tcPr>
-                </a:tc>
-                <a:tc>
-                  <a:txBody>
-                    <a:bodyPr/>
-                    <a:lstStyle/>
-                    <a:p>
-                      <a:endParaRPr lang="zh-CN" altLang="en-US" dirty="0"/>
-                    </a:p>
-                  </a:txBody>
-                  <a:tcPr>
-                    <a:lnL w="12700" cap="flat" cmpd="sng" algn="ctr">
-                      <a:solidFill>
-                        <a:schemeClr val="tx1"/>
-                      </a:solidFill>
-                      <a:prstDash val="solid"/>
-                      <a:round/>
-                      <a:headEnd type="none" w="med" len="med"/>
-                      <a:tailEnd type="none" w="med" len="med"/>
-                    </a:lnL>
-                    <a:lnR w="12700" cap="flat" cmpd="sng" algn="ctr">
-                      <a:solidFill>
-                        <a:schemeClr val="tx1"/>
-                      </a:solidFill>
-                      <a:prstDash val="solid"/>
-                      <a:round/>
-                      <a:headEnd type="none" w="med" len="med"/>
-                      <a:tailEnd type="none" w="med" len="med"/>
-                    </a:lnR>
-                    <a:lnT w="12700" cap="flat" cmpd="sng" algn="ctr">
-                      <a:solidFill>
-                        <a:schemeClr val="tx1"/>
-                      </a:solidFill>
-                      <a:prstDash val="solid"/>
-                      <a:round/>
-                      <a:headEnd type="none" w="med" len="med"/>
-                      <a:tailEnd type="none" w="med" len="med"/>
-                    </a:lnT>
-                    <a:lnB w="12700" cap="flat" cmpd="sng" algn="ctr">
-                      <a:solidFill>
-                        <a:schemeClr val="tx1"/>
-                      </a:solidFill>
-                      <a:prstDash val="solid"/>
-                      <a:round/>
-                      <a:headEnd type="none" w="med" len="med"/>
-                      <a:tailEnd type="none" w="med" len="med"/>
-                    </a:lnB>
-                    <a:solidFill>
-                      <a:srgbClr val="00C1DE"/>
-                    </a:solidFill>
-                  </a:tcPr>
-                </a:tc>
-                <a:extLst>
-                  <a:ext uri="{0D108BD9-81ED-4DB2-BD59-A6C34878D82A}">
-                    <a16:rowId xmlns:a16="http://schemas.microsoft.com/office/drawing/2014/main" val="4105216801"/>
-                  </a:ext>
-                </a:extLst>
-              </a:tr>
-            </a:tbl>
-          </a:graphicData>
-        </a:graphic>
-      </p:graphicFrame>
-      <p:graphicFrame>
-        <p:nvGraphicFramePr>
-          <p:cNvPr id="69" name="表格 68">
-            <a:extLst>
-              <a:ext uri="{FF2B5EF4-FFF2-40B4-BE49-F238E27FC236}">
-                <a16:creationId xmlns:a16="http://schemas.microsoft.com/office/drawing/2014/main" id="{50A9B9A8-E7D3-4477-B30A-B9AF3A241916}"/>
-              </a:ext>
-            </a:extLst>
-          </p:cNvPr>
-          <p:cNvGraphicFramePr>
-            <a:graphicFrameLocks noGrp="1"/>
-          </p:cNvGraphicFramePr>
-          <p:nvPr>
-            <p:extLst>
-              <p:ext uri="{D42A27DB-BD31-4B8C-83A1-F6EECF244321}">
-                <p14:modId xmlns:p14="http://schemas.microsoft.com/office/powerpoint/2010/main" val="1528820735"/>
-              </p:ext>
-            </p:extLst>
-          </p:nvPr>
-        </p:nvGraphicFramePr>
-        <p:xfrm>
-          <a:off x="3901526" y="4489673"/>
-          <a:ext cx="1880016" cy="365760"/>
-        </p:xfrm>
-        <a:graphic>
-          <a:graphicData uri="http://schemas.openxmlformats.org/drawingml/2006/table">
-            <a:tbl>
-              <a:tblPr firstRow="1" bandRow="1">
-                <a:tableStyleId>{2D5ABB26-0587-4C30-8999-92F81FD0307C}</a:tableStyleId>
-              </a:tblPr>
-              <a:tblGrid>
-                <a:gridCol w="235002">
-                  <a:extLst>
-                    <a:ext uri="{9D8B030D-6E8A-4147-A177-3AD203B41FA5}">
-                      <a16:colId xmlns:a16="http://schemas.microsoft.com/office/drawing/2014/main" val="3139552584"/>
-                    </a:ext>
-                  </a:extLst>
-                </a:gridCol>
-                <a:gridCol w="235002">
-                  <a:extLst>
-                    <a:ext uri="{9D8B030D-6E8A-4147-A177-3AD203B41FA5}">
-                      <a16:colId xmlns:a16="http://schemas.microsoft.com/office/drawing/2014/main" val="4060104721"/>
-                    </a:ext>
-                  </a:extLst>
-                </a:gridCol>
-                <a:gridCol w="235002">
-                  <a:extLst>
-                    <a:ext uri="{9D8B030D-6E8A-4147-A177-3AD203B41FA5}">
-                      <a16:colId xmlns:a16="http://schemas.microsoft.com/office/drawing/2014/main" val="1670698699"/>
-                    </a:ext>
-                  </a:extLst>
-                </a:gridCol>
-                <a:gridCol w="235002">
-                  <a:extLst>
-                    <a:ext uri="{9D8B030D-6E8A-4147-A177-3AD203B41FA5}">
-                      <a16:colId xmlns:a16="http://schemas.microsoft.com/office/drawing/2014/main" val="3466240817"/>
-                    </a:ext>
-                  </a:extLst>
-                </a:gridCol>
-                <a:gridCol w="235002">
-                  <a:extLst>
-                    <a:ext uri="{9D8B030D-6E8A-4147-A177-3AD203B41FA5}">
-                      <a16:colId xmlns:a16="http://schemas.microsoft.com/office/drawing/2014/main" val="2767098286"/>
-                    </a:ext>
-                  </a:extLst>
-                </a:gridCol>
-                <a:gridCol w="235002">
-                  <a:extLst>
-                    <a:ext uri="{9D8B030D-6E8A-4147-A177-3AD203B41FA5}">
-                      <a16:colId xmlns:a16="http://schemas.microsoft.com/office/drawing/2014/main" val="3557517354"/>
-                    </a:ext>
-                  </a:extLst>
-                </a:gridCol>
-                <a:gridCol w="235002">
-                  <a:extLst>
-                    <a:ext uri="{9D8B030D-6E8A-4147-A177-3AD203B41FA5}">
-                      <a16:colId xmlns:a16="http://schemas.microsoft.com/office/drawing/2014/main" val="1189350409"/>
-                    </a:ext>
-                  </a:extLst>
-                </a:gridCol>
-                <a:gridCol w="235002">
-                  <a:extLst>
-                    <a:ext uri="{9D8B030D-6E8A-4147-A177-3AD203B41FA5}">
-                      <a16:colId xmlns:a16="http://schemas.microsoft.com/office/drawing/2014/main" val="1019017228"/>
-                    </a:ext>
-                  </a:extLst>
-                </a:gridCol>
-              </a:tblGrid>
-              <a:tr h="313823">
-                <a:tc>
-                  <a:txBody>
-                    <a:bodyPr/>
-                    <a:lstStyle/>
-                    <a:p>
-                      <a:endParaRPr lang="zh-CN" altLang="en-US" dirty="0"/>
-                    </a:p>
-                  </a:txBody>
-                  <a:tcPr>
-                    <a:lnL w="12700" cap="flat" cmpd="sng" algn="ctr">
-                      <a:solidFill>
-                        <a:schemeClr val="tx1"/>
-                      </a:solidFill>
-                      <a:prstDash val="solid"/>
-                      <a:round/>
-                      <a:headEnd type="none" w="med" len="med"/>
-                      <a:tailEnd type="none" w="med" len="med"/>
-                    </a:lnL>
-                    <a:lnR w="12700" cap="flat" cmpd="sng" algn="ctr">
-                      <a:solidFill>
-                        <a:schemeClr val="tx1"/>
-                      </a:solidFill>
-                      <a:prstDash val="solid"/>
-                      <a:round/>
-                      <a:headEnd type="none" w="med" len="med"/>
-                      <a:tailEnd type="none" w="med" len="med"/>
-                    </a:lnR>
-                    <a:lnT w="12700" cap="flat" cmpd="sng" algn="ctr">
-                      <a:solidFill>
-                        <a:schemeClr val="tx1"/>
-                      </a:solidFill>
-                      <a:prstDash val="solid"/>
-                      <a:round/>
-                      <a:headEnd type="none" w="med" len="med"/>
-                      <a:tailEnd type="none" w="med" len="med"/>
-                    </a:lnT>
-                    <a:lnB w="12700" cap="flat" cmpd="sng" algn="ctr">
-                      <a:solidFill>
-                        <a:schemeClr val="tx1"/>
-                      </a:solidFill>
-                      <a:prstDash val="solid"/>
-                      <a:round/>
-                      <a:headEnd type="none" w="med" len="med"/>
-                      <a:tailEnd type="none" w="med" len="med"/>
-                    </a:lnB>
-                    <a:solidFill>
-                      <a:srgbClr val="00C1DE"/>
-                    </a:solidFill>
-                  </a:tcPr>
-                </a:tc>
-                <a:tc>
-                  <a:txBody>
-                    <a:bodyPr/>
-                    <a:lstStyle/>
-                    <a:p>
-                      <a:endParaRPr lang="zh-CN" altLang="en-US" dirty="0"/>
-                    </a:p>
-                  </a:txBody>
-                  <a:tcPr>
-                    <a:lnL w="12700" cap="flat" cmpd="sng" algn="ctr">
-                      <a:solidFill>
-                        <a:schemeClr val="tx1"/>
-                      </a:solidFill>
-                      <a:prstDash val="solid"/>
-                      <a:round/>
-                      <a:headEnd type="none" w="med" len="med"/>
-                      <a:tailEnd type="none" w="med" len="med"/>
-                    </a:lnL>
-                    <a:lnR w="12700" cap="flat" cmpd="sng" algn="ctr">
-                      <a:solidFill>
-                        <a:schemeClr val="tx1"/>
-                      </a:solidFill>
-                      <a:prstDash val="solid"/>
-                      <a:round/>
-                      <a:headEnd type="none" w="med" len="med"/>
-                      <a:tailEnd type="none" w="med" len="med"/>
-                    </a:lnR>
-                    <a:lnT w="12700" cap="flat" cmpd="sng" algn="ctr">
-                      <a:solidFill>
-                        <a:schemeClr val="tx1"/>
-                      </a:solidFill>
-                      <a:prstDash val="solid"/>
-                      <a:round/>
-                      <a:headEnd type="none" w="med" len="med"/>
-                      <a:tailEnd type="none" w="med" len="med"/>
-                    </a:lnT>
-                    <a:lnB w="12700" cap="flat" cmpd="sng" algn="ctr">
-                      <a:solidFill>
-                        <a:schemeClr val="tx1"/>
-                      </a:solidFill>
-                      <a:prstDash val="solid"/>
-                      <a:round/>
-                      <a:headEnd type="none" w="med" len="med"/>
-                      <a:tailEnd type="none" w="med" len="med"/>
-                    </a:lnB>
-                    <a:solidFill>
-                      <a:srgbClr val="00C1DE"/>
-                    </a:solidFill>
-                  </a:tcPr>
-                </a:tc>
-                <a:tc>
-                  <a:txBody>
-                    <a:bodyPr/>
-                    <a:lstStyle/>
-                    <a:p>
-                      <a:endParaRPr lang="zh-CN" altLang="en-US" dirty="0"/>
-                    </a:p>
-                  </a:txBody>
-                  <a:tcPr>
-                    <a:lnL w="12700" cap="flat" cmpd="sng" algn="ctr">
-                      <a:solidFill>
-                        <a:schemeClr val="tx1"/>
-                      </a:solidFill>
-                      <a:prstDash val="solid"/>
-                      <a:round/>
-                      <a:headEnd type="none" w="med" len="med"/>
-                      <a:tailEnd type="none" w="med" len="med"/>
-                    </a:lnL>
-                    <a:lnR w="12700" cap="flat" cmpd="sng" algn="ctr">
-                      <a:solidFill>
-                        <a:schemeClr val="tx1"/>
-                      </a:solidFill>
-                      <a:prstDash val="solid"/>
-                      <a:round/>
-                      <a:headEnd type="none" w="med" len="med"/>
-                      <a:tailEnd type="none" w="med" len="med"/>
-                    </a:lnR>
-                    <a:lnT w="12700" cap="flat" cmpd="sng" algn="ctr">
-                      <a:solidFill>
-                        <a:schemeClr val="tx1"/>
-                      </a:solidFill>
-                      <a:prstDash val="solid"/>
-                      <a:round/>
-                      <a:headEnd type="none" w="med" len="med"/>
-                      <a:tailEnd type="none" w="med" len="med"/>
-                    </a:lnT>
-                    <a:lnB w="12700" cap="flat" cmpd="sng" algn="ctr">
-                      <a:solidFill>
-                        <a:schemeClr val="tx1"/>
-                      </a:solidFill>
-                      <a:prstDash val="solid"/>
-                      <a:round/>
-                      <a:headEnd type="none" w="med" len="med"/>
-                      <a:tailEnd type="none" w="med" len="med"/>
-                    </a:lnB>
-                    <a:solidFill>
-                      <a:srgbClr val="00C1DE"/>
-                    </a:solidFill>
-                  </a:tcPr>
-                </a:tc>
-                <a:tc>
-                  <a:txBody>
-                    <a:bodyPr/>
-                    <a:lstStyle/>
-                    <a:p>
-                      <a:endParaRPr lang="zh-CN" altLang="en-US" dirty="0"/>
-                    </a:p>
-                  </a:txBody>
-                  <a:tcPr>
-                    <a:lnL w="12700" cap="flat" cmpd="sng" algn="ctr">
-                      <a:solidFill>
-                        <a:schemeClr val="tx1"/>
-                      </a:solidFill>
-                      <a:prstDash val="solid"/>
-                      <a:round/>
-                      <a:headEnd type="none" w="med" len="med"/>
-                      <a:tailEnd type="none" w="med" len="med"/>
-                    </a:lnL>
-                    <a:lnR w="12700" cap="flat" cmpd="sng" algn="ctr">
-                      <a:solidFill>
-                        <a:schemeClr val="tx1"/>
-                      </a:solidFill>
-                      <a:prstDash val="solid"/>
-                      <a:round/>
-                      <a:headEnd type="none" w="med" len="med"/>
-                      <a:tailEnd type="none" w="med" len="med"/>
-                    </a:lnR>
-                    <a:lnT w="12700" cap="flat" cmpd="sng" algn="ctr">
-                      <a:solidFill>
-                        <a:schemeClr val="tx1"/>
-                      </a:solidFill>
-                      <a:prstDash val="solid"/>
-                      <a:round/>
-                      <a:headEnd type="none" w="med" len="med"/>
-                      <a:tailEnd type="none" w="med" len="med"/>
-                    </a:lnT>
-                    <a:lnB w="12700" cap="flat" cmpd="sng" algn="ctr">
-                      <a:solidFill>
-                        <a:schemeClr val="tx1"/>
-                      </a:solidFill>
-                      <a:prstDash val="solid"/>
-                      <a:round/>
-                      <a:headEnd type="none" w="med" len="med"/>
-                      <a:tailEnd type="none" w="med" len="med"/>
-                    </a:lnB>
-                    <a:solidFill>
-                      <a:srgbClr val="00C1DE"/>
-                    </a:solidFill>
-                  </a:tcPr>
-                </a:tc>
-                <a:tc>
-                  <a:txBody>
-                    <a:bodyPr/>
-                    <a:lstStyle/>
-                    <a:p>
-                      <a:endParaRPr lang="zh-CN" altLang="en-US" dirty="0"/>
-                    </a:p>
-                  </a:txBody>
-                  <a:tcPr>
-                    <a:lnL w="12700" cap="flat" cmpd="sng" algn="ctr">
-                      <a:solidFill>
-                        <a:schemeClr val="tx1"/>
-                      </a:solidFill>
-                      <a:prstDash val="solid"/>
-                      <a:round/>
-                      <a:headEnd type="none" w="med" len="med"/>
-                      <a:tailEnd type="none" w="med" len="med"/>
-                    </a:lnL>
-                    <a:lnR w="12700" cap="flat" cmpd="sng" algn="ctr">
-                      <a:solidFill>
-                        <a:schemeClr val="tx1"/>
-                      </a:solidFill>
-                      <a:prstDash val="solid"/>
-                      <a:round/>
-                      <a:headEnd type="none" w="med" len="med"/>
-                      <a:tailEnd type="none" w="med" len="med"/>
-                    </a:lnR>
-                    <a:lnT w="12700" cap="flat" cmpd="sng" algn="ctr">
-                      <a:solidFill>
-                        <a:schemeClr val="tx1"/>
-                      </a:solidFill>
-                      <a:prstDash val="solid"/>
-                      <a:round/>
-                      <a:headEnd type="none" w="med" len="med"/>
-                      <a:tailEnd type="none" w="med" len="med"/>
-                    </a:lnT>
-                    <a:lnB w="12700" cap="flat" cmpd="sng" algn="ctr">
-                      <a:solidFill>
-                        <a:schemeClr val="tx1"/>
-                      </a:solidFill>
-                      <a:prstDash val="solid"/>
-                      <a:round/>
-                      <a:headEnd type="none" w="med" len="med"/>
-                      <a:tailEnd type="none" w="med" len="med"/>
-                    </a:lnB>
-                    <a:solidFill>
-                      <a:srgbClr val="00C1DE"/>
-                    </a:solidFill>
-                  </a:tcPr>
-                </a:tc>
-                <a:tc>
-                  <a:txBody>
-                    <a:bodyPr/>
-                    <a:lstStyle/>
-                    <a:p>
-                      <a:endParaRPr lang="zh-CN" altLang="en-US" dirty="0"/>
-                    </a:p>
-                  </a:txBody>
-                  <a:tcPr>
-                    <a:lnL w="12700" cap="flat" cmpd="sng" algn="ctr">
-                      <a:solidFill>
-                        <a:schemeClr val="tx1"/>
-                      </a:solidFill>
-                      <a:prstDash val="solid"/>
-                      <a:round/>
-                      <a:headEnd type="none" w="med" len="med"/>
-                      <a:tailEnd type="none" w="med" len="med"/>
-                    </a:lnL>
-                    <a:lnR w="12700" cap="flat" cmpd="sng" algn="ctr">
-                      <a:solidFill>
-                        <a:schemeClr val="tx1"/>
-                      </a:solidFill>
-                      <a:prstDash val="solid"/>
-                      <a:round/>
-                      <a:headEnd type="none" w="med" len="med"/>
-                      <a:tailEnd type="none" w="med" len="med"/>
-                    </a:lnR>
-                    <a:lnT w="12700" cap="flat" cmpd="sng" algn="ctr">
-                      <a:solidFill>
-                        <a:schemeClr val="tx1"/>
-                      </a:solidFill>
-                      <a:prstDash val="solid"/>
-                      <a:round/>
-                      <a:headEnd type="none" w="med" len="med"/>
-                      <a:tailEnd type="none" w="med" len="med"/>
-                    </a:lnT>
-                    <a:lnB w="12700" cap="flat" cmpd="sng" algn="ctr">
-                      <a:solidFill>
-                        <a:schemeClr val="tx1"/>
-                      </a:solidFill>
-                      <a:prstDash val="solid"/>
-                      <a:round/>
-                      <a:headEnd type="none" w="med" len="med"/>
-                      <a:tailEnd type="none" w="med" len="med"/>
-                    </a:lnB>
-                    <a:solidFill>
-                      <a:srgbClr val="00C1DE"/>
-                    </a:solidFill>
-                  </a:tcPr>
-                </a:tc>
-                <a:tc>
-                  <a:txBody>
-                    <a:bodyPr/>
-                    <a:lstStyle/>
-                    <a:p>
-                      <a:endParaRPr lang="zh-CN" altLang="en-US" dirty="0"/>
-                    </a:p>
-                  </a:txBody>
-                  <a:tcPr>
-                    <a:lnL w="12700" cap="flat" cmpd="sng" algn="ctr">
-                      <a:solidFill>
-                        <a:schemeClr val="tx1"/>
-                      </a:solidFill>
-                      <a:prstDash val="solid"/>
-                      <a:round/>
-                      <a:headEnd type="none" w="med" len="med"/>
-                      <a:tailEnd type="none" w="med" len="med"/>
-                    </a:lnL>
-                    <a:lnR w="12700" cap="flat" cmpd="sng" algn="ctr">
-                      <a:solidFill>
-                        <a:schemeClr val="tx1"/>
-                      </a:solidFill>
-                      <a:prstDash val="solid"/>
-                      <a:round/>
-                      <a:headEnd type="none" w="med" len="med"/>
-                      <a:tailEnd type="none" w="med" len="med"/>
-                    </a:lnR>
-                    <a:lnT w="12700" cap="flat" cmpd="sng" algn="ctr">
-                      <a:solidFill>
-                        <a:schemeClr val="tx1"/>
-                      </a:solidFill>
-                      <a:prstDash val="solid"/>
-                      <a:round/>
-                      <a:headEnd type="none" w="med" len="med"/>
-                      <a:tailEnd type="none" w="med" len="med"/>
-                    </a:lnT>
-                    <a:lnB w="12700" cap="flat" cmpd="sng" algn="ctr">
-                      <a:solidFill>
-                        <a:schemeClr val="tx1"/>
-                      </a:solidFill>
-                      <a:prstDash val="solid"/>
-                      <a:round/>
-                      <a:headEnd type="none" w="med" len="med"/>
-                      <a:tailEnd type="none" w="med" len="med"/>
-                    </a:lnB>
-                    <a:solidFill>
-                      <a:srgbClr val="00C1DE"/>
-                    </a:solidFill>
-                  </a:tcPr>
-                </a:tc>
-                <a:tc>
-                  <a:txBody>
-                    <a:bodyPr/>
-                    <a:lstStyle/>
-                    <a:p>
-                      <a:endParaRPr lang="zh-CN" altLang="en-US" dirty="0"/>
-                    </a:p>
-                  </a:txBody>
-                  <a:tcPr>
-                    <a:lnL w="12700" cap="flat" cmpd="sng" algn="ctr">
-                      <a:solidFill>
-                        <a:schemeClr val="tx1"/>
-                      </a:solidFill>
-                      <a:prstDash val="solid"/>
-                      <a:round/>
-                      <a:headEnd type="none" w="med" len="med"/>
-                      <a:tailEnd type="none" w="med" len="med"/>
-                    </a:lnL>
-                    <a:lnR w="12700" cap="flat" cmpd="sng" algn="ctr">
-                      <a:solidFill>
-                        <a:schemeClr val="tx1"/>
-                      </a:solidFill>
-                      <a:prstDash val="solid"/>
-                      <a:round/>
-                      <a:headEnd type="none" w="med" len="med"/>
-                      <a:tailEnd type="none" w="med" len="med"/>
-                    </a:lnR>
-                    <a:lnT w="12700" cap="flat" cmpd="sng" algn="ctr">
-                      <a:solidFill>
-                        <a:schemeClr val="tx1"/>
-                      </a:solidFill>
-                      <a:prstDash val="solid"/>
-                      <a:round/>
-                      <a:headEnd type="none" w="med" len="med"/>
-                      <a:tailEnd type="none" w="med" len="med"/>
-                    </a:lnT>
-                    <a:lnB w="12700" cap="flat" cmpd="sng" algn="ctr">
-                      <a:solidFill>
-                        <a:schemeClr val="tx1"/>
-                      </a:solidFill>
-                      <a:prstDash val="solid"/>
-                      <a:round/>
-                      <a:headEnd type="none" w="med" len="med"/>
-                      <a:tailEnd type="none" w="med" len="med"/>
-                    </a:lnB>
-                    <a:solidFill>
-                      <a:srgbClr val="00C1DE"/>
-                    </a:solidFill>
-                  </a:tcPr>
-                </a:tc>
-                <a:extLst>
-                  <a:ext uri="{0D108BD9-81ED-4DB2-BD59-A6C34878D82A}">
-                    <a16:rowId xmlns:a16="http://schemas.microsoft.com/office/drawing/2014/main" val="4105216801"/>
-                  </a:ext>
-                </a:extLst>
-              </a:tr>
-            </a:tbl>
-          </a:graphicData>
-        </a:graphic>
-      </p:graphicFrame>
-      <p:sp>
-        <p:nvSpPr>
-          <p:cNvPr id="70" name="矩形 69">
-            <a:extLst>
-              <a:ext uri="{FF2B5EF4-FFF2-40B4-BE49-F238E27FC236}">
-                <a16:creationId xmlns:a16="http://schemas.microsoft.com/office/drawing/2014/main" id="{6959B792-A64A-459F-BEDA-59E14038EBC7}"/>
-              </a:ext>
-            </a:extLst>
-          </p:cNvPr>
-          <p:cNvSpPr/>
-          <p:nvPr/>
-        </p:nvSpPr>
-        <p:spPr>
-          <a:xfrm>
-            <a:off x="1991324" y="4484620"/>
-            <a:ext cx="228368" cy="365760"/>
-          </a:xfrm>
-          <a:prstGeom prst="rect">
-            <a:avLst/>
-          </a:prstGeom>
-          <a:solidFill>
-            <a:srgbClr val="C00000"/>
-          </a:solidFill>
-          <a:ln>
-            <a:noFill/>
-          </a:ln>
-        </p:spPr>
-        <p:style>
-          <a:lnRef idx="2">
-            <a:schemeClr val="accent1">
-              <a:shade val="50000"/>
-            </a:schemeClr>
-          </a:lnRef>
-          <a:fillRef idx="1">
-            <a:schemeClr val="accent1"/>
-          </a:fillRef>
-          <a:effectRef idx="0">
-            <a:schemeClr val="accent1"/>
-          </a:effectRef>
-          <a:fontRef idx="minor">
-            <a:schemeClr val="lt1"/>
-          </a:fontRef>
-        </p:style>
-        <p:txBody>
-          <a:bodyPr rtlCol="0" anchor="ctr"/>
-          <a:lstStyle/>
-          <a:p>
-            <a:pPr algn="ctr"/>
-            <a:endParaRPr lang="zh-CN" altLang="en-US" sz="1600" dirty="0">
-              <a:solidFill>
-                <a:schemeClr val="bg1"/>
-              </a:solidFill>
-              <a:latin typeface="Gill Sans MT" panose="020B0502020104020203" pitchFamily="34" charset="0"/>
-            </a:endParaRPr>
-          </a:p>
-        </p:txBody>
-      </p:sp>
-      <p:sp>
-        <p:nvSpPr>
-          <p:cNvPr id="71" name="文本框 70">
-            <a:extLst>
-              <a:ext uri="{FF2B5EF4-FFF2-40B4-BE49-F238E27FC236}">
-                <a16:creationId xmlns:a16="http://schemas.microsoft.com/office/drawing/2014/main" id="{369C9B44-9778-4BF4-AF29-198BE2FEE42B}"/>
-              </a:ext>
-            </a:extLst>
-          </p:cNvPr>
-          <p:cNvSpPr txBox="1"/>
-          <p:nvPr/>
-        </p:nvSpPr>
-        <p:spPr>
-          <a:xfrm>
-            <a:off x="2249188" y="4149314"/>
-            <a:ext cx="811421" cy="338554"/>
-          </a:xfrm>
-          <a:prstGeom prst="rect">
-            <a:avLst/>
-          </a:prstGeom>
-          <a:noFill/>
-        </p:spPr>
-        <p:txBody>
-          <a:bodyPr wrap="square">
-            <a:spAutoFit/>
-          </a:bodyPr>
-          <a:lstStyle/>
-          <a:p>
-            <a:pPr algn="ctr"/>
-            <a:r>
-              <a:rPr lang="en-US" altLang="zh-CN" sz="1600" dirty="0">
-                <a:solidFill>
-                  <a:srgbClr val="3C3C3B"/>
-                </a:solidFill>
-                <a:latin typeface="Gill Sans MT" panose="020B0502020104020203" pitchFamily="34" charset="0"/>
-              </a:rPr>
-              <a:t>TLB</a:t>
-            </a:r>
-            <a:endParaRPr lang="zh-CN" altLang="en-US" sz="1200" dirty="0">
-              <a:solidFill>
-                <a:srgbClr val="3C3C3B"/>
-              </a:solidFill>
-              <a:latin typeface="Gill Sans MT" panose="020B0502020104020203" pitchFamily="34" charset="0"/>
-            </a:endParaRPr>
-          </a:p>
-        </p:txBody>
-      </p:sp>
-      <p:sp>
-        <p:nvSpPr>
-          <p:cNvPr id="73" name="文本框 72">
-            <a:extLst>
-              <a:ext uri="{FF2B5EF4-FFF2-40B4-BE49-F238E27FC236}">
-                <a16:creationId xmlns:a16="http://schemas.microsoft.com/office/drawing/2014/main" id="{5865D0C5-79E6-4E7C-9C76-99B6F1680209}"/>
-              </a:ext>
-            </a:extLst>
-          </p:cNvPr>
-          <p:cNvSpPr txBox="1"/>
-          <p:nvPr/>
-        </p:nvSpPr>
-        <p:spPr>
-          <a:xfrm>
-            <a:off x="4393067" y="4142818"/>
-            <a:ext cx="811421" cy="338554"/>
-          </a:xfrm>
-          <a:prstGeom prst="rect">
-            <a:avLst/>
-          </a:prstGeom>
-          <a:noFill/>
-        </p:spPr>
-        <p:txBody>
-          <a:bodyPr wrap="square">
-            <a:spAutoFit/>
-          </a:bodyPr>
-          <a:lstStyle/>
-          <a:p>
-            <a:pPr algn="ctr"/>
-            <a:r>
-              <a:rPr lang="en-US" altLang="zh-CN" sz="1600" dirty="0">
-                <a:solidFill>
-                  <a:srgbClr val="3C3C3B"/>
-                </a:solidFill>
-                <a:latin typeface="Gill Sans MT" panose="020B0502020104020203" pitchFamily="34" charset="0"/>
-              </a:rPr>
-              <a:t>Cache</a:t>
-            </a:r>
-            <a:endParaRPr lang="zh-CN" altLang="en-US" sz="1200" dirty="0">
-              <a:solidFill>
-                <a:srgbClr val="3C3C3B"/>
-              </a:solidFill>
-              <a:latin typeface="Gill Sans MT" panose="020B0502020104020203" pitchFamily="34" charset="0"/>
-            </a:endParaRPr>
-          </a:p>
-        </p:txBody>
-      </p:sp>
-      <p:sp>
-        <p:nvSpPr>
-          <p:cNvPr id="75" name="矩形 74">
-            <a:extLst>
-              <a:ext uri="{FF2B5EF4-FFF2-40B4-BE49-F238E27FC236}">
-                <a16:creationId xmlns:a16="http://schemas.microsoft.com/office/drawing/2014/main" id="{DAB7BB30-CF93-407A-8D21-876919CA4C77}"/>
-              </a:ext>
-            </a:extLst>
-          </p:cNvPr>
-          <p:cNvSpPr/>
-          <p:nvPr/>
-        </p:nvSpPr>
-        <p:spPr>
-          <a:xfrm>
-            <a:off x="3158871" y="4484620"/>
-            <a:ext cx="224371" cy="362512"/>
-          </a:xfrm>
-          <a:prstGeom prst="rect">
-            <a:avLst/>
-          </a:prstGeom>
-          <a:solidFill>
-            <a:srgbClr val="3C3C3B"/>
-          </a:solidFill>
-          <a:ln>
-            <a:solidFill>
-              <a:srgbClr val="3C3C3B"/>
-            </a:solidFill>
-          </a:ln>
-        </p:spPr>
-        <p:style>
-          <a:lnRef idx="2">
-            <a:schemeClr val="accent1">
-              <a:shade val="50000"/>
-            </a:schemeClr>
-          </a:lnRef>
-          <a:fillRef idx="1">
-            <a:schemeClr val="accent1"/>
-          </a:fillRef>
-          <a:effectRef idx="0">
-            <a:schemeClr val="accent1"/>
-          </a:effectRef>
-          <a:fontRef idx="minor">
-            <a:schemeClr val="lt1"/>
-          </a:fontRef>
-        </p:style>
-        <p:txBody>
-          <a:bodyPr rtlCol="0" anchor="ctr"/>
-          <a:lstStyle/>
-          <a:p>
-            <a:pPr algn="ctr"/>
-            <a:r>
-              <a:rPr lang="en-US" altLang="zh-CN" sz="1600" dirty="0">
-                <a:solidFill>
-                  <a:schemeClr val="bg1"/>
-                </a:solidFill>
-                <a:latin typeface="Gill Sans MT" panose="020B0502020104020203" pitchFamily="34" charset="0"/>
-              </a:rPr>
-              <a:t>K</a:t>
-            </a:r>
-            <a:endParaRPr lang="zh-CN" altLang="en-US" sz="1600" dirty="0">
-              <a:solidFill>
-                <a:schemeClr val="bg1"/>
-              </a:solidFill>
-              <a:latin typeface="Gill Sans MT" panose="020B0502020104020203" pitchFamily="34" charset="0"/>
-            </a:endParaRPr>
-          </a:p>
-        </p:txBody>
-      </p:sp>
-      <p:graphicFrame>
-        <p:nvGraphicFramePr>
-          <p:cNvPr id="76" name="表格 75">
-            <a:extLst>
-              <a:ext uri="{FF2B5EF4-FFF2-40B4-BE49-F238E27FC236}">
-                <a16:creationId xmlns:a16="http://schemas.microsoft.com/office/drawing/2014/main" id="{52CDF593-4CC6-4311-A7C0-C7CFF9057115}"/>
-              </a:ext>
-            </a:extLst>
-          </p:cNvPr>
-          <p:cNvGraphicFramePr>
-            <a:graphicFrameLocks noGrp="1"/>
-          </p:cNvGraphicFramePr>
-          <p:nvPr>
-            <p:extLst>
-              <p:ext uri="{D42A27DB-BD31-4B8C-83A1-F6EECF244321}">
-                <p14:modId xmlns:p14="http://schemas.microsoft.com/office/powerpoint/2010/main" val="1587128809"/>
-              </p:ext>
-            </p:extLst>
-          </p:nvPr>
-        </p:nvGraphicFramePr>
-        <p:xfrm>
-          <a:off x="3901526" y="4481372"/>
-          <a:ext cx="1880016" cy="365760"/>
-        </p:xfrm>
-        <a:graphic>
-          <a:graphicData uri="http://schemas.openxmlformats.org/drawingml/2006/table">
-            <a:tbl>
-              <a:tblPr firstRow="1" bandRow="1">
-                <a:tableStyleId>{2D5ABB26-0587-4C30-8999-92F81FD0307C}</a:tableStyleId>
-              </a:tblPr>
-              <a:tblGrid>
-                <a:gridCol w="235002">
-                  <a:extLst>
-                    <a:ext uri="{9D8B030D-6E8A-4147-A177-3AD203B41FA5}">
-                      <a16:colId xmlns:a16="http://schemas.microsoft.com/office/drawing/2014/main" val="3139552584"/>
-                    </a:ext>
-                  </a:extLst>
-                </a:gridCol>
-                <a:gridCol w="235002">
-                  <a:extLst>
-                    <a:ext uri="{9D8B030D-6E8A-4147-A177-3AD203B41FA5}">
-                      <a16:colId xmlns:a16="http://schemas.microsoft.com/office/drawing/2014/main" val="4060104721"/>
-                    </a:ext>
-                  </a:extLst>
-                </a:gridCol>
-                <a:gridCol w="235002">
-                  <a:extLst>
-                    <a:ext uri="{9D8B030D-6E8A-4147-A177-3AD203B41FA5}">
-                      <a16:colId xmlns:a16="http://schemas.microsoft.com/office/drawing/2014/main" val="1670698699"/>
-                    </a:ext>
-                  </a:extLst>
-                </a:gridCol>
-                <a:gridCol w="235002">
-                  <a:extLst>
-                    <a:ext uri="{9D8B030D-6E8A-4147-A177-3AD203B41FA5}">
-                      <a16:colId xmlns:a16="http://schemas.microsoft.com/office/drawing/2014/main" val="3466240817"/>
-                    </a:ext>
-                  </a:extLst>
-                </a:gridCol>
-                <a:gridCol w="235002">
-                  <a:extLst>
-                    <a:ext uri="{9D8B030D-6E8A-4147-A177-3AD203B41FA5}">
-                      <a16:colId xmlns:a16="http://schemas.microsoft.com/office/drawing/2014/main" val="2767098286"/>
-                    </a:ext>
-                  </a:extLst>
-                </a:gridCol>
-                <a:gridCol w="235002">
-                  <a:extLst>
-                    <a:ext uri="{9D8B030D-6E8A-4147-A177-3AD203B41FA5}">
-                      <a16:colId xmlns:a16="http://schemas.microsoft.com/office/drawing/2014/main" val="3557517354"/>
-                    </a:ext>
-                  </a:extLst>
-                </a:gridCol>
-                <a:gridCol w="235002">
-                  <a:extLst>
-                    <a:ext uri="{9D8B030D-6E8A-4147-A177-3AD203B41FA5}">
-                      <a16:colId xmlns:a16="http://schemas.microsoft.com/office/drawing/2014/main" val="1189350409"/>
-                    </a:ext>
-                  </a:extLst>
-                </a:gridCol>
-                <a:gridCol w="235002">
-                  <a:extLst>
-                    <a:ext uri="{9D8B030D-6E8A-4147-A177-3AD203B41FA5}">
-                      <a16:colId xmlns:a16="http://schemas.microsoft.com/office/drawing/2014/main" val="1019017228"/>
-                    </a:ext>
-                  </a:extLst>
-                </a:gridCol>
-              </a:tblGrid>
-              <a:tr h="313823">
-                <a:tc>
-                  <a:txBody>
-                    <a:bodyPr/>
-                    <a:lstStyle/>
-                    <a:p>
-                      <a:endParaRPr lang="zh-CN" altLang="en-US" dirty="0"/>
-                    </a:p>
-                  </a:txBody>
-                  <a:tcPr>
-                    <a:lnL w="12700" cap="flat" cmpd="sng" algn="ctr">
-                      <a:solidFill>
-                        <a:schemeClr val="tx1"/>
-                      </a:solidFill>
-                      <a:prstDash val="solid"/>
-                      <a:round/>
-                      <a:headEnd type="none" w="med" len="med"/>
-                      <a:tailEnd type="none" w="med" len="med"/>
-                    </a:lnL>
-                    <a:lnR w="12700" cap="flat" cmpd="sng" algn="ctr">
-                      <a:solidFill>
-                        <a:schemeClr val="tx1"/>
-                      </a:solidFill>
-                      <a:prstDash val="solid"/>
-                      <a:round/>
-                      <a:headEnd type="none" w="med" len="med"/>
-                      <a:tailEnd type="none" w="med" len="med"/>
-                    </a:lnR>
-                    <a:lnT w="12700" cap="flat" cmpd="sng" algn="ctr">
-                      <a:solidFill>
-                        <a:schemeClr val="tx1"/>
-                      </a:solidFill>
-                      <a:prstDash val="solid"/>
-                      <a:round/>
-                      <a:headEnd type="none" w="med" len="med"/>
-                      <a:tailEnd type="none" w="med" len="med"/>
-                    </a:lnT>
-                    <a:lnB w="12700" cap="flat" cmpd="sng" algn="ctr">
-                      <a:solidFill>
-                        <a:schemeClr val="tx1"/>
-                      </a:solidFill>
-                      <a:prstDash val="solid"/>
-                      <a:round/>
-                      <a:headEnd type="none" w="med" len="med"/>
-                      <a:tailEnd type="none" w="med" len="med"/>
-                    </a:lnB>
-                    <a:solidFill>
-                      <a:srgbClr val="00C1DE"/>
-                    </a:solidFill>
-                  </a:tcPr>
-                </a:tc>
-                <a:tc>
-                  <a:txBody>
-                    <a:bodyPr/>
-                    <a:lstStyle/>
-                    <a:p>
-                      <a:endParaRPr lang="zh-CN" altLang="en-US" dirty="0"/>
-                    </a:p>
-                  </a:txBody>
-                  <a:tcPr>
-                    <a:lnL w="12700" cap="flat" cmpd="sng" algn="ctr">
-                      <a:solidFill>
-                        <a:schemeClr val="tx1"/>
-                      </a:solidFill>
-                      <a:prstDash val="solid"/>
-                      <a:round/>
-                      <a:headEnd type="none" w="med" len="med"/>
-                      <a:tailEnd type="none" w="med" len="med"/>
-                    </a:lnL>
-                    <a:lnR w="12700" cap="flat" cmpd="sng" algn="ctr">
-                      <a:solidFill>
-                        <a:schemeClr val="tx1"/>
-                      </a:solidFill>
-                      <a:prstDash val="solid"/>
-                      <a:round/>
-                      <a:headEnd type="none" w="med" len="med"/>
-                      <a:tailEnd type="none" w="med" len="med"/>
-                    </a:lnR>
-                    <a:lnT w="12700" cap="flat" cmpd="sng" algn="ctr">
-                      <a:solidFill>
-                        <a:schemeClr val="tx1"/>
-                      </a:solidFill>
-                      <a:prstDash val="solid"/>
-                      <a:round/>
-                      <a:headEnd type="none" w="med" len="med"/>
-                      <a:tailEnd type="none" w="med" len="med"/>
-                    </a:lnT>
-                    <a:lnB w="12700" cap="flat" cmpd="sng" algn="ctr">
-                      <a:solidFill>
-                        <a:schemeClr val="tx1"/>
-                      </a:solidFill>
-                      <a:prstDash val="solid"/>
-                      <a:round/>
-                      <a:headEnd type="none" w="med" len="med"/>
-                      <a:tailEnd type="none" w="med" len="med"/>
-                    </a:lnB>
-                    <a:solidFill>
-                      <a:srgbClr val="00C1DE"/>
-                    </a:solidFill>
-                  </a:tcPr>
-                </a:tc>
-                <a:tc>
-                  <a:txBody>
-                    <a:bodyPr/>
-                    <a:lstStyle/>
-                    <a:p>
-                      <a:endParaRPr lang="zh-CN" altLang="en-US" dirty="0"/>
-                    </a:p>
-                  </a:txBody>
-                  <a:tcPr>
-                    <a:lnL w="12700" cap="flat" cmpd="sng" algn="ctr">
-                      <a:solidFill>
-                        <a:schemeClr val="tx1"/>
-                      </a:solidFill>
-                      <a:prstDash val="solid"/>
-                      <a:round/>
-                      <a:headEnd type="none" w="med" len="med"/>
-                      <a:tailEnd type="none" w="med" len="med"/>
-                    </a:lnL>
-                    <a:lnR w="12700" cap="flat" cmpd="sng" algn="ctr">
-                      <a:solidFill>
-                        <a:schemeClr val="tx1"/>
-                      </a:solidFill>
-                      <a:prstDash val="solid"/>
-                      <a:round/>
-                      <a:headEnd type="none" w="med" len="med"/>
-                      <a:tailEnd type="none" w="med" len="med"/>
-                    </a:lnR>
-                    <a:lnT w="12700" cap="flat" cmpd="sng" algn="ctr">
-                      <a:solidFill>
-                        <a:schemeClr val="tx1"/>
-                      </a:solidFill>
-                      <a:prstDash val="solid"/>
-                      <a:round/>
-                      <a:headEnd type="none" w="med" len="med"/>
-                      <a:tailEnd type="none" w="med" len="med"/>
-                    </a:lnT>
-                    <a:lnB w="12700" cap="flat" cmpd="sng" algn="ctr">
-                      <a:solidFill>
-                        <a:schemeClr val="tx1"/>
-                      </a:solidFill>
-                      <a:prstDash val="solid"/>
-                      <a:round/>
-                      <a:headEnd type="none" w="med" len="med"/>
-                      <a:tailEnd type="none" w="med" len="med"/>
-                    </a:lnB>
-                    <a:solidFill>
-                      <a:srgbClr val="00C1DE"/>
-                    </a:solidFill>
-                  </a:tcPr>
-                </a:tc>
-                <a:tc>
-                  <a:txBody>
-                    <a:bodyPr/>
-                    <a:lstStyle/>
-                    <a:p>
-                      <a:endParaRPr lang="zh-CN" altLang="en-US" dirty="0"/>
-                    </a:p>
-                  </a:txBody>
-                  <a:tcPr>
-                    <a:lnL w="12700" cap="flat" cmpd="sng" algn="ctr">
-                      <a:solidFill>
-                        <a:schemeClr val="tx1"/>
-                      </a:solidFill>
-                      <a:prstDash val="solid"/>
-                      <a:round/>
-                      <a:headEnd type="none" w="med" len="med"/>
-                      <a:tailEnd type="none" w="med" len="med"/>
-                    </a:lnL>
-                    <a:lnR w="12700" cap="flat" cmpd="sng" algn="ctr">
-                      <a:solidFill>
-                        <a:schemeClr val="tx1"/>
-                      </a:solidFill>
-                      <a:prstDash val="solid"/>
-                      <a:round/>
-                      <a:headEnd type="none" w="med" len="med"/>
-                      <a:tailEnd type="none" w="med" len="med"/>
-                    </a:lnR>
-                    <a:lnT w="12700" cap="flat" cmpd="sng" algn="ctr">
-                      <a:solidFill>
-                        <a:schemeClr val="tx1"/>
-                      </a:solidFill>
-                      <a:prstDash val="solid"/>
-                      <a:round/>
-                      <a:headEnd type="none" w="med" len="med"/>
-                      <a:tailEnd type="none" w="med" len="med"/>
-                    </a:lnT>
-                    <a:lnB w="12700" cap="flat" cmpd="sng" algn="ctr">
-                      <a:solidFill>
-                        <a:schemeClr val="tx1"/>
-                      </a:solidFill>
-                      <a:prstDash val="solid"/>
-                      <a:round/>
-                      <a:headEnd type="none" w="med" len="med"/>
-                      <a:tailEnd type="none" w="med" len="med"/>
-                    </a:lnB>
-                    <a:solidFill>
-                      <a:srgbClr val="00C1DE"/>
-                    </a:solidFill>
-                  </a:tcPr>
-                </a:tc>
-                <a:tc>
-                  <a:txBody>
-                    <a:bodyPr/>
-                    <a:lstStyle/>
-                    <a:p>
-                      <a:endParaRPr lang="zh-CN" altLang="en-US" dirty="0"/>
-                    </a:p>
-                  </a:txBody>
-                  <a:tcPr>
-                    <a:lnL w="12700" cap="flat" cmpd="sng" algn="ctr">
-                      <a:solidFill>
-                        <a:schemeClr val="tx1"/>
-                      </a:solidFill>
-                      <a:prstDash val="solid"/>
-                      <a:round/>
-                      <a:headEnd type="none" w="med" len="med"/>
-                      <a:tailEnd type="none" w="med" len="med"/>
-                    </a:lnL>
-                    <a:lnR w="12700" cap="flat" cmpd="sng" algn="ctr">
-                      <a:solidFill>
-                        <a:schemeClr val="tx1"/>
-                      </a:solidFill>
-                      <a:prstDash val="solid"/>
-                      <a:round/>
-                      <a:headEnd type="none" w="med" len="med"/>
-                      <a:tailEnd type="none" w="med" len="med"/>
-                    </a:lnR>
-                    <a:lnT w="12700" cap="flat" cmpd="sng" algn="ctr">
-                      <a:solidFill>
-                        <a:schemeClr val="tx1"/>
-                      </a:solidFill>
-                      <a:prstDash val="solid"/>
-                      <a:round/>
-                      <a:headEnd type="none" w="med" len="med"/>
-                      <a:tailEnd type="none" w="med" len="med"/>
-                    </a:lnT>
-                    <a:lnB w="12700" cap="flat" cmpd="sng" algn="ctr">
-                      <a:solidFill>
-                        <a:schemeClr val="tx1"/>
-                      </a:solidFill>
-                      <a:prstDash val="solid"/>
-                      <a:round/>
-                      <a:headEnd type="none" w="med" len="med"/>
-                      <a:tailEnd type="none" w="med" len="med"/>
-                    </a:lnB>
-                    <a:solidFill>
-                      <a:srgbClr val="00C1DE"/>
-                    </a:solidFill>
-                  </a:tcPr>
-                </a:tc>
-                <a:tc>
-                  <a:txBody>
-                    <a:bodyPr/>
-                    <a:lstStyle/>
-                    <a:p>
-                      <a:endParaRPr lang="zh-CN" altLang="en-US" dirty="0"/>
-                    </a:p>
-                  </a:txBody>
-                  <a:tcPr>
-                    <a:lnL w="12700" cap="flat" cmpd="sng" algn="ctr">
-                      <a:solidFill>
-                        <a:schemeClr val="tx1"/>
-                      </a:solidFill>
-                      <a:prstDash val="solid"/>
-                      <a:round/>
-                      <a:headEnd type="none" w="med" len="med"/>
-                      <a:tailEnd type="none" w="med" len="med"/>
-                    </a:lnL>
-                    <a:lnR w="12700" cap="flat" cmpd="sng" algn="ctr">
-                      <a:solidFill>
-                        <a:schemeClr val="tx1"/>
-                      </a:solidFill>
-                      <a:prstDash val="solid"/>
-                      <a:round/>
-                      <a:headEnd type="none" w="med" len="med"/>
-                      <a:tailEnd type="none" w="med" len="med"/>
-                    </a:lnR>
-                    <a:lnT w="12700" cap="flat" cmpd="sng" algn="ctr">
-                      <a:solidFill>
-                        <a:schemeClr val="tx1"/>
-                      </a:solidFill>
-                      <a:prstDash val="solid"/>
-                      <a:round/>
-                      <a:headEnd type="none" w="med" len="med"/>
-                      <a:tailEnd type="none" w="med" len="med"/>
-                    </a:lnT>
-                    <a:lnB w="12700" cap="flat" cmpd="sng" algn="ctr">
-                      <a:solidFill>
-                        <a:schemeClr val="tx1"/>
-                      </a:solidFill>
-                      <a:prstDash val="solid"/>
-                      <a:round/>
-                      <a:headEnd type="none" w="med" len="med"/>
-                      <a:tailEnd type="none" w="med" len="med"/>
-                    </a:lnB>
-                    <a:solidFill>
-                      <a:srgbClr val="00C1DE"/>
-                    </a:solidFill>
-                  </a:tcPr>
-                </a:tc>
-                <a:tc>
-                  <a:txBody>
-                    <a:bodyPr/>
-                    <a:lstStyle/>
-                    <a:p>
-                      <a:endParaRPr lang="zh-CN" altLang="en-US" dirty="0"/>
-                    </a:p>
-                  </a:txBody>
-                  <a:tcPr>
-                    <a:lnL w="12700" cap="flat" cmpd="sng" algn="ctr">
-                      <a:solidFill>
-                        <a:schemeClr val="tx1"/>
-                      </a:solidFill>
-                      <a:prstDash val="solid"/>
-                      <a:round/>
-                      <a:headEnd type="none" w="med" len="med"/>
-                      <a:tailEnd type="none" w="med" len="med"/>
-                    </a:lnL>
-                    <a:lnR w="12700" cap="flat" cmpd="sng" algn="ctr">
-                      <a:solidFill>
-                        <a:schemeClr val="tx1"/>
-                      </a:solidFill>
-                      <a:prstDash val="solid"/>
-                      <a:round/>
-                      <a:headEnd type="none" w="med" len="med"/>
-                      <a:tailEnd type="none" w="med" len="med"/>
-                    </a:lnR>
-                    <a:lnT w="12700" cap="flat" cmpd="sng" algn="ctr">
-                      <a:solidFill>
-                        <a:schemeClr val="tx1"/>
-                      </a:solidFill>
-                      <a:prstDash val="solid"/>
-                      <a:round/>
-                      <a:headEnd type="none" w="med" len="med"/>
-                      <a:tailEnd type="none" w="med" len="med"/>
-                    </a:lnT>
-                    <a:lnB w="12700" cap="flat" cmpd="sng" algn="ctr">
-                      <a:solidFill>
-                        <a:schemeClr val="tx1"/>
-                      </a:solidFill>
-                      <a:prstDash val="solid"/>
-                      <a:round/>
-                      <a:headEnd type="none" w="med" len="med"/>
-                      <a:tailEnd type="none" w="med" len="med"/>
-                    </a:lnB>
-                    <a:solidFill>
-                      <a:srgbClr val="00C1DE"/>
-                    </a:solidFill>
-                  </a:tcPr>
-                </a:tc>
-                <a:tc>
-                  <a:txBody>
-                    <a:bodyPr/>
-                    <a:lstStyle/>
-                    <a:p>
-                      <a:endParaRPr lang="zh-CN" altLang="en-US" dirty="0"/>
-                    </a:p>
-                  </a:txBody>
-                  <a:tcPr>
-                    <a:lnL w="12700" cap="flat" cmpd="sng" algn="ctr">
-                      <a:solidFill>
-                        <a:schemeClr val="tx1"/>
-                      </a:solidFill>
-                      <a:prstDash val="solid"/>
-                      <a:round/>
-                      <a:headEnd type="none" w="med" len="med"/>
-                      <a:tailEnd type="none" w="med" len="med"/>
-                    </a:lnL>
-                    <a:lnR w="12700" cap="flat" cmpd="sng" algn="ctr">
-                      <a:solidFill>
-                        <a:schemeClr val="tx1"/>
-                      </a:solidFill>
-                      <a:prstDash val="solid"/>
-                      <a:round/>
-                      <a:headEnd type="none" w="med" len="med"/>
-                      <a:tailEnd type="none" w="med" len="med"/>
-                    </a:lnR>
-                    <a:lnT w="12700" cap="flat" cmpd="sng" algn="ctr">
-                      <a:solidFill>
-                        <a:schemeClr val="tx1"/>
-                      </a:solidFill>
-                      <a:prstDash val="solid"/>
-                      <a:round/>
-                      <a:headEnd type="none" w="med" len="med"/>
-                      <a:tailEnd type="none" w="med" len="med"/>
-                    </a:lnT>
-                    <a:lnB w="12700" cap="flat" cmpd="sng" algn="ctr">
-                      <a:solidFill>
-                        <a:schemeClr val="tx1"/>
-                      </a:solidFill>
-                      <a:prstDash val="solid"/>
-                      <a:round/>
-                      <a:headEnd type="none" w="med" len="med"/>
-                      <a:tailEnd type="none" w="med" len="med"/>
-                    </a:lnB>
-                    <a:solidFill>
-                      <a:srgbClr val="00C1DE"/>
-                    </a:solidFill>
-                  </a:tcPr>
-                </a:tc>
-                <a:extLst>
-                  <a:ext uri="{0D108BD9-81ED-4DB2-BD59-A6C34878D82A}">
-                    <a16:rowId xmlns:a16="http://schemas.microsoft.com/office/drawing/2014/main" val="4105216801"/>
-                  </a:ext>
-                </a:extLst>
-              </a:tr>
-            </a:tbl>
-          </a:graphicData>
-        </a:graphic>
-      </p:graphicFrame>
-      <p:sp>
-        <p:nvSpPr>
-          <p:cNvPr id="77" name="矩形 76">
-            <a:extLst>
-              <a:ext uri="{FF2B5EF4-FFF2-40B4-BE49-F238E27FC236}">
-                <a16:creationId xmlns:a16="http://schemas.microsoft.com/office/drawing/2014/main" id="{AF28EB57-BB3C-4DB3-9E0E-DBFEEA818EDC}"/>
-              </a:ext>
-            </a:extLst>
-          </p:cNvPr>
-          <p:cNvSpPr/>
-          <p:nvPr/>
-        </p:nvSpPr>
-        <p:spPr>
-          <a:xfrm>
-            <a:off x="4144697" y="4481372"/>
-            <a:ext cx="228368" cy="365760"/>
-          </a:xfrm>
-          <a:prstGeom prst="rect">
-            <a:avLst/>
-          </a:prstGeom>
-          <a:solidFill>
-            <a:srgbClr val="01A370"/>
-          </a:solidFill>
-          <a:ln>
-            <a:noFill/>
-          </a:ln>
-        </p:spPr>
-        <p:style>
-          <a:lnRef idx="2">
-            <a:schemeClr val="accent1">
-              <a:shade val="50000"/>
-            </a:schemeClr>
-          </a:lnRef>
-          <a:fillRef idx="1">
-            <a:schemeClr val="accent1"/>
-          </a:fillRef>
-          <a:effectRef idx="0">
-            <a:schemeClr val="accent1"/>
-          </a:effectRef>
-          <a:fontRef idx="minor">
-            <a:schemeClr val="lt1"/>
-          </a:fontRef>
-        </p:style>
-        <p:txBody>
-          <a:bodyPr rtlCol="0" anchor="ctr"/>
-          <a:lstStyle/>
-          <a:p>
-            <a:pPr algn="ctr"/>
-            <a:r>
-              <a:rPr lang="en-US" altLang="zh-CN" sz="1600" dirty="0">
-                <a:solidFill>
-                  <a:schemeClr val="bg1"/>
-                </a:solidFill>
-                <a:latin typeface="Gill Sans MT" panose="020B0502020104020203" pitchFamily="34" charset="0"/>
-              </a:rPr>
-              <a:t>1</a:t>
-            </a:r>
-            <a:endParaRPr lang="zh-CN" altLang="en-US" sz="1600" dirty="0">
-              <a:solidFill>
-                <a:schemeClr val="bg1"/>
-              </a:solidFill>
-              <a:latin typeface="Gill Sans MT" panose="020B0502020104020203" pitchFamily="34" charset="0"/>
-            </a:endParaRPr>
-          </a:p>
-        </p:txBody>
-      </p:sp>
-      <p:sp>
-        <p:nvSpPr>
-          <p:cNvPr id="78" name="矩形 77">
-            <a:extLst>
-              <a:ext uri="{FF2B5EF4-FFF2-40B4-BE49-F238E27FC236}">
-                <a16:creationId xmlns:a16="http://schemas.microsoft.com/office/drawing/2014/main" id="{87175BB8-7E59-47A1-A3FA-2420178AFCF9}"/>
-              </a:ext>
-            </a:extLst>
-          </p:cNvPr>
-          <p:cNvSpPr/>
-          <p:nvPr/>
-        </p:nvSpPr>
-        <p:spPr>
-          <a:xfrm>
-            <a:off x="4616236" y="4484620"/>
-            <a:ext cx="224371" cy="362512"/>
-          </a:xfrm>
-          <a:prstGeom prst="rect">
-            <a:avLst/>
-          </a:prstGeom>
-          <a:solidFill>
-            <a:srgbClr val="00698A"/>
-          </a:solidFill>
-          <a:ln>
-            <a:noFill/>
-          </a:ln>
-        </p:spPr>
-        <p:style>
-          <a:lnRef idx="2">
-            <a:schemeClr val="accent1">
-              <a:shade val="50000"/>
-            </a:schemeClr>
-          </a:lnRef>
-          <a:fillRef idx="1">
-            <a:schemeClr val="accent1"/>
-          </a:fillRef>
-          <a:effectRef idx="0">
-            <a:schemeClr val="accent1"/>
-          </a:effectRef>
-          <a:fontRef idx="minor">
-            <a:schemeClr val="lt1"/>
-          </a:fontRef>
-        </p:style>
-        <p:txBody>
-          <a:bodyPr rtlCol="0" anchor="ctr"/>
-          <a:lstStyle/>
-          <a:p>
-            <a:pPr algn="ctr"/>
-            <a:r>
-              <a:rPr lang="en-US" altLang="zh-CN" sz="1600" dirty="0">
-                <a:solidFill>
-                  <a:schemeClr val="bg1"/>
-                </a:solidFill>
-                <a:latin typeface="Gill Sans MT" panose="020B0502020104020203" pitchFamily="34" charset="0"/>
-              </a:rPr>
-              <a:t>2</a:t>
-            </a:r>
-            <a:endParaRPr lang="zh-CN" altLang="en-US" sz="1600" dirty="0">
-              <a:solidFill>
-                <a:schemeClr val="bg1"/>
-              </a:solidFill>
-              <a:latin typeface="Gill Sans MT" panose="020B0502020104020203" pitchFamily="34" charset="0"/>
-            </a:endParaRPr>
-          </a:p>
-        </p:txBody>
-      </p:sp>
-      <p:sp>
-        <p:nvSpPr>
-          <p:cNvPr id="79" name="矩形 78">
-            <a:extLst>
-              <a:ext uri="{FF2B5EF4-FFF2-40B4-BE49-F238E27FC236}">
-                <a16:creationId xmlns:a16="http://schemas.microsoft.com/office/drawing/2014/main" id="{E426FA91-044E-40DB-8D06-D42D93D9C1D8}"/>
-              </a:ext>
-            </a:extLst>
-          </p:cNvPr>
-          <p:cNvSpPr/>
-          <p:nvPr/>
-        </p:nvSpPr>
-        <p:spPr>
-          <a:xfrm>
-            <a:off x="5312244" y="4481372"/>
-            <a:ext cx="224371" cy="362512"/>
-          </a:xfrm>
-          <a:prstGeom prst="rect">
-            <a:avLst/>
-          </a:prstGeom>
-          <a:solidFill>
-            <a:srgbClr val="3C3C3B"/>
-          </a:solidFill>
-          <a:ln>
-            <a:solidFill>
-              <a:srgbClr val="3C3C3B"/>
-            </a:solidFill>
-          </a:ln>
-        </p:spPr>
-        <p:style>
-          <a:lnRef idx="2">
-            <a:schemeClr val="accent1">
-              <a:shade val="50000"/>
-            </a:schemeClr>
-          </a:lnRef>
-          <a:fillRef idx="1">
-            <a:schemeClr val="accent1"/>
-          </a:fillRef>
-          <a:effectRef idx="0">
-            <a:schemeClr val="accent1"/>
-          </a:effectRef>
-          <a:fontRef idx="minor">
-            <a:schemeClr val="lt1"/>
-          </a:fontRef>
-        </p:style>
-        <p:txBody>
-          <a:bodyPr rtlCol="0" anchor="ctr"/>
-          <a:lstStyle/>
-          <a:p>
-            <a:pPr algn="ctr"/>
-            <a:r>
-              <a:rPr lang="en-US" altLang="zh-CN" sz="1600" dirty="0">
-                <a:solidFill>
-                  <a:schemeClr val="bg1"/>
-                </a:solidFill>
-                <a:latin typeface="Gill Sans MT" panose="020B0502020104020203" pitchFamily="34" charset="0"/>
-              </a:rPr>
-              <a:t>K</a:t>
-            </a:r>
-            <a:endParaRPr lang="zh-CN" altLang="en-US" sz="1600" dirty="0">
-              <a:solidFill>
-                <a:schemeClr val="bg1"/>
-              </a:solidFill>
-              <a:latin typeface="Gill Sans MT" panose="020B0502020104020203" pitchFamily="34" charset="0"/>
-            </a:endParaRPr>
-          </a:p>
-        </p:txBody>
-      </p:sp>
-      <p:sp>
-        <p:nvSpPr>
-          <p:cNvPr id="104" name="矩形 103">
-            <a:extLst>
-              <a:ext uri="{FF2B5EF4-FFF2-40B4-BE49-F238E27FC236}">
-                <a16:creationId xmlns:a16="http://schemas.microsoft.com/office/drawing/2014/main" id="{B740EA0A-65C7-469F-823F-D4D282B2D04A}"/>
-              </a:ext>
-            </a:extLst>
-          </p:cNvPr>
-          <p:cNvSpPr/>
-          <p:nvPr/>
-        </p:nvSpPr>
-        <p:spPr>
-          <a:xfrm>
-            <a:off x="1616035" y="1938055"/>
-            <a:ext cx="1108115" cy="117024"/>
-          </a:xfrm>
-          <a:prstGeom prst="rect">
-            <a:avLst/>
-          </a:prstGeom>
-          <a:solidFill>
-            <a:srgbClr val="C00000"/>
-          </a:solidFill>
-          <a:ln>
-            <a:noFill/>
-          </a:ln>
-        </p:spPr>
-        <p:style>
-          <a:lnRef idx="2">
-            <a:schemeClr val="accent1">
-              <a:shade val="50000"/>
-            </a:schemeClr>
-          </a:lnRef>
-          <a:fillRef idx="1">
-            <a:schemeClr val="accent1"/>
-          </a:fillRef>
-          <a:effectRef idx="0">
-            <a:schemeClr val="accent1"/>
-          </a:effectRef>
-          <a:fontRef idx="minor">
-            <a:schemeClr val="lt1"/>
-          </a:fontRef>
-        </p:style>
-        <p:txBody>
-          <a:bodyPr rtlCol="0" anchor="ctr"/>
-          <a:lstStyle/>
-          <a:p>
-            <a:pPr algn="ctr"/>
-            <a:endParaRPr lang="zh-CN" altLang="en-US" sz="1600" dirty="0">
-              <a:solidFill>
-                <a:schemeClr val="bg1"/>
-              </a:solidFill>
-              <a:latin typeface="Gill Sans MT" panose="020B0502020104020203" pitchFamily="34" charset="0"/>
-            </a:endParaRPr>
-          </a:p>
-        </p:txBody>
-      </p:sp>
-      <p:sp>
-        <p:nvSpPr>
-          <p:cNvPr id="80" name="矩形 79">
-            <a:extLst>
-              <a:ext uri="{FF2B5EF4-FFF2-40B4-BE49-F238E27FC236}">
-                <a16:creationId xmlns:a16="http://schemas.microsoft.com/office/drawing/2014/main" id="{47E4B876-FDAD-49C2-96DE-B9660F9161C8}"/>
-              </a:ext>
-            </a:extLst>
-          </p:cNvPr>
-          <p:cNvSpPr/>
-          <p:nvPr/>
-        </p:nvSpPr>
-        <p:spPr>
-          <a:xfrm>
-            <a:off x="3264950" y="1942013"/>
-            <a:ext cx="1108115" cy="117024"/>
-          </a:xfrm>
-          <a:prstGeom prst="rect">
-            <a:avLst/>
-          </a:prstGeom>
-          <a:solidFill>
-            <a:srgbClr val="C00000"/>
-          </a:solidFill>
-          <a:ln>
-            <a:noFill/>
-          </a:ln>
-        </p:spPr>
-        <p:style>
-          <a:lnRef idx="2">
-            <a:schemeClr val="accent1">
-              <a:shade val="50000"/>
-            </a:schemeClr>
-          </a:lnRef>
-          <a:fillRef idx="1">
-            <a:schemeClr val="accent1"/>
-          </a:fillRef>
-          <a:effectRef idx="0">
-            <a:schemeClr val="accent1"/>
-          </a:effectRef>
-          <a:fontRef idx="minor">
-            <a:schemeClr val="lt1"/>
-          </a:fontRef>
-        </p:style>
-        <p:txBody>
-          <a:bodyPr rtlCol="0" anchor="ctr"/>
-          <a:lstStyle/>
-          <a:p>
-            <a:pPr algn="ctr"/>
-            <a:endParaRPr lang="zh-CN" altLang="en-US" sz="1600" dirty="0">
-              <a:solidFill>
-                <a:schemeClr val="bg1"/>
-              </a:solidFill>
-              <a:latin typeface="Gill Sans MT" panose="020B0502020104020203" pitchFamily="34" charset="0"/>
-            </a:endParaRPr>
-          </a:p>
-        </p:txBody>
-      </p:sp>
-      <p:sp>
-        <p:nvSpPr>
-          <p:cNvPr id="86" name="文本框 85">
-            <a:extLst>
-              <a:ext uri="{FF2B5EF4-FFF2-40B4-BE49-F238E27FC236}">
-                <a16:creationId xmlns:a16="http://schemas.microsoft.com/office/drawing/2014/main" id="{FBA434DE-5C45-4638-83DC-3B13191F9F3D}"/>
-              </a:ext>
-            </a:extLst>
-          </p:cNvPr>
-          <p:cNvSpPr txBox="1"/>
-          <p:nvPr/>
-        </p:nvSpPr>
-        <p:spPr>
-          <a:xfrm>
-            <a:off x="2674079" y="1865222"/>
-            <a:ext cx="633375" cy="261610"/>
-          </a:xfrm>
-          <a:prstGeom prst="rect">
-            <a:avLst/>
-          </a:prstGeom>
-          <a:noFill/>
-        </p:spPr>
-        <p:txBody>
-          <a:bodyPr wrap="square">
-            <a:spAutoFit/>
-          </a:bodyPr>
-          <a:lstStyle/>
-          <a:p>
-            <a:pPr algn="ctr"/>
-            <a:r>
-              <a:rPr lang="en-US" altLang="zh-CN" sz="1100" dirty="0">
-                <a:solidFill>
-                  <a:srgbClr val="3C3C3B"/>
-                </a:solidFill>
-                <a:latin typeface="Gill Sans MT" panose="020B0502020104020203" pitchFamily="34" charset="0"/>
-              </a:rPr>
-              <a:t>0x8000</a:t>
-            </a:r>
-            <a:endParaRPr lang="zh-CN" altLang="en-US" sz="1100" dirty="0">
-              <a:solidFill>
-                <a:srgbClr val="3C3C3B"/>
-              </a:solidFill>
-              <a:latin typeface="Gill Sans MT" panose="020B0502020104020203" pitchFamily="34" charset="0"/>
-            </a:endParaRPr>
-          </a:p>
-        </p:txBody>
-      </p:sp>
-      <p:sp>
-        <p:nvSpPr>
-          <p:cNvPr id="88" name="文本框 87">
-            <a:extLst>
-              <a:ext uri="{FF2B5EF4-FFF2-40B4-BE49-F238E27FC236}">
-                <a16:creationId xmlns:a16="http://schemas.microsoft.com/office/drawing/2014/main" id="{BF19270A-E3C7-4417-A006-856F8402D901}"/>
-              </a:ext>
-            </a:extLst>
-          </p:cNvPr>
-          <p:cNvSpPr txBox="1"/>
-          <p:nvPr/>
-        </p:nvSpPr>
-        <p:spPr>
-          <a:xfrm>
-            <a:off x="1739219" y="4823174"/>
-            <a:ext cx="633375" cy="261610"/>
-          </a:xfrm>
-          <a:prstGeom prst="rect">
-            <a:avLst/>
-          </a:prstGeom>
-          <a:noFill/>
-        </p:spPr>
-        <p:txBody>
-          <a:bodyPr wrap="square">
-            <a:spAutoFit/>
-          </a:bodyPr>
-          <a:lstStyle/>
-          <a:p>
-            <a:pPr algn="ctr"/>
-            <a:endParaRPr lang="zh-CN" altLang="en-US" sz="1100" dirty="0">
-              <a:solidFill>
-                <a:srgbClr val="3C3C3B"/>
-              </a:solidFill>
-              <a:latin typeface="Gill Sans MT" panose="020B0502020104020203" pitchFamily="34" charset="0"/>
-            </a:endParaRPr>
-          </a:p>
-        </p:txBody>
-      </p:sp>
-      <p:cxnSp>
-        <p:nvCxnSpPr>
-          <p:cNvPr id="7" name="连接符: 曲线 6">
-            <a:extLst>
-              <a:ext uri="{FF2B5EF4-FFF2-40B4-BE49-F238E27FC236}">
-                <a16:creationId xmlns:a16="http://schemas.microsoft.com/office/drawing/2014/main" id="{9B44B6FD-7179-4311-BDA8-CBE5E95FD34D}"/>
-              </a:ext>
-            </a:extLst>
-          </p:cNvPr>
-          <p:cNvCxnSpPr>
-            <a:cxnSpLocks/>
-            <a:stCxn id="88" idx="0"/>
-          </p:cNvCxnSpPr>
-          <p:nvPr/>
-        </p:nvCxnSpPr>
-        <p:spPr>
-          <a:xfrm rot="16200000" flipH="1">
-            <a:off x="3147039" y="3732042"/>
-            <a:ext cx="20710" cy="2202974"/>
-          </a:xfrm>
-          <a:prstGeom prst="curvedConnector4">
-            <a:avLst>
-              <a:gd name="adj1" fmla="val 1692516"/>
-              <a:gd name="adj2" fmla="val 99733"/>
-            </a:avLst>
-          </a:prstGeom>
-          <a:ln w="28575">
-            <a:solidFill>
-              <a:srgbClr val="00B68E"/>
-            </a:solidFill>
-            <a:prstDash val="dash"/>
-            <a:tailEnd type="triangle"/>
-          </a:ln>
-        </p:spPr>
-        <p:style>
-          <a:lnRef idx="1">
-            <a:schemeClr val="accent1"/>
-          </a:lnRef>
-          <a:fillRef idx="0">
-            <a:schemeClr val="accent1"/>
-          </a:fillRef>
-          <a:effectRef idx="0">
-            <a:schemeClr val="accent1"/>
-          </a:effectRef>
-          <a:fontRef idx="minor">
-            <a:schemeClr val="tx1"/>
-          </a:fontRef>
-        </p:style>
-      </p:cxnSp>
-      <p:cxnSp>
-        <p:nvCxnSpPr>
-          <p:cNvPr id="107" name="连接符: 曲线 106">
-            <a:extLst>
-              <a:ext uri="{FF2B5EF4-FFF2-40B4-BE49-F238E27FC236}">
-                <a16:creationId xmlns:a16="http://schemas.microsoft.com/office/drawing/2014/main" id="{A69D5FD0-A85F-4637-9362-D575523A51F8}"/>
-              </a:ext>
-            </a:extLst>
-          </p:cNvPr>
-          <p:cNvCxnSpPr>
-            <a:cxnSpLocks/>
-            <a:stCxn id="88" idx="0"/>
-          </p:cNvCxnSpPr>
-          <p:nvPr/>
-        </p:nvCxnSpPr>
-        <p:spPr>
-          <a:xfrm rot="16200000" flipH="1">
-            <a:off x="3360185" y="3518896"/>
-            <a:ext cx="23958" cy="2632515"/>
-          </a:xfrm>
-          <a:prstGeom prst="curvedConnector4">
-            <a:avLst>
-              <a:gd name="adj1" fmla="val 2576267"/>
-              <a:gd name="adj2" fmla="val 100013"/>
-            </a:avLst>
-          </a:prstGeom>
-          <a:ln w="28575">
-            <a:solidFill>
-              <a:srgbClr val="00698A"/>
-            </a:solidFill>
-            <a:prstDash val="dash"/>
-            <a:tailEnd type="triangle"/>
-          </a:ln>
-        </p:spPr>
-        <p:style>
-          <a:lnRef idx="1">
-            <a:schemeClr val="accent1"/>
-          </a:lnRef>
-          <a:fillRef idx="0">
-            <a:schemeClr val="accent1"/>
-          </a:fillRef>
-          <a:effectRef idx="0">
-            <a:schemeClr val="accent1"/>
-          </a:effectRef>
-          <a:fontRef idx="minor">
-            <a:schemeClr val="tx1"/>
-          </a:fontRef>
-        </p:style>
-      </p:cxnSp>
-      <p:sp>
-        <p:nvSpPr>
-          <p:cNvPr id="111" name="文本框 110">
-            <a:extLst>
-              <a:ext uri="{FF2B5EF4-FFF2-40B4-BE49-F238E27FC236}">
-                <a16:creationId xmlns:a16="http://schemas.microsoft.com/office/drawing/2014/main" id="{8EE58461-1103-4E32-BBD0-0056E8725C09}"/>
-              </a:ext>
-            </a:extLst>
-          </p:cNvPr>
-          <p:cNvSpPr txBox="1"/>
-          <p:nvPr/>
-        </p:nvSpPr>
-        <p:spPr>
-          <a:xfrm>
-            <a:off x="1753003" y="4241056"/>
-            <a:ext cx="633375" cy="261610"/>
-          </a:xfrm>
-          <a:prstGeom prst="rect">
-            <a:avLst/>
-          </a:prstGeom>
-          <a:noFill/>
-        </p:spPr>
-        <p:txBody>
-          <a:bodyPr wrap="square">
-            <a:spAutoFit/>
-          </a:bodyPr>
-          <a:lstStyle/>
-          <a:p>
-            <a:pPr algn="ctr"/>
-            <a:r>
-              <a:rPr lang="en-US" altLang="zh-CN" sz="1100" dirty="0">
-                <a:solidFill>
-                  <a:srgbClr val="3C3C3B"/>
-                </a:solidFill>
-                <a:latin typeface="Gill Sans MT" panose="020B0502020104020203" pitchFamily="34" charset="0"/>
-              </a:rPr>
-              <a:t>0x8000</a:t>
-            </a:r>
-            <a:endParaRPr lang="zh-CN" altLang="en-US" sz="1100" dirty="0">
-              <a:solidFill>
-                <a:srgbClr val="3C3C3B"/>
-              </a:solidFill>
-              <a:latin typeface="Gill Sans MT" panose="020B0502020104020203" pitchFamily="34" charset="0"/>
-            </a:endParaRPr>
-          </a:p>
-        </p:txBody>
-      </p:sp>
-      <p:sp>
-        <p:nvSpPr>
-          <p:cNvPr id="112" name="文本框 111">
-            <a:extLst>
-              <a:ext uri="{FF2B5EF4-FFF2-40B4-BE49-F238E27FC236}">
-                <a16:creationId xmlns:a16="http://schemas.microsoft.com/office/drawing/2014/main" id="{CDF12815-E289-46EF-ADB5-0511CA632469}"/>
-              </a:ext>
-            </a:extLst>
-          </p:cNvPr>
-          <p:cNvSpPr txBox="1"/>
-          <p:nvPr/>
-        </p:nvSpPr>
-        <p:spPr>
-          <a:xfrm>
-            <a:off x="2994794" y="4876540"/>
-            <a:ext cx="633375" cy="261610"/>
-          </a:xfrm>
-          <a:prstGeom prst="rect">
-            <a:avLst/>
-          </a:prstGeom>
-          <a:noFill/>
-        </p:spPr>
-        <p:txBody>
-          <a:bodyPr wrap="square">
-            <a:spAutoFit/>
-          </a:bodyPr>
-          <a:lstStyle/>
-          <a:p>
-            <a:pPr algn="ctr"/>
-            <a:r>
-              <a:rPr lang="en-US" altLang="zh-CN" sz="1100" dirty="0">
-                <a:solidFill>
-                  <a:srgbClr val="3C3C3B"/>
-                </a:solidFill>
-                <a:latin typeface="Gill Sans MT" panose="020B0502020104020203" pitchFamily="34" charset="0"/>
-              </a:rPr>
-              <a:t>P1</a:t>
-            </a:r>
-            <a:endParaRPr lang="zh-CN" altLang="en-US" sz="1100" dirty="0">
-              <a:solidFill>
-                <a:srgbClr val="3C3C3B"/>
-              </a:solidFill>
-              <a:latin typeface="Gill Sans MT" panose="020B0502020104020203" pitchFamily="34" charset="0"/>
-            </a:endParaRPr>
-          </a:p>
-        </p:txBody>
-      </p:sp>
-      <p:sp>
-        <p:nvSpPr>
-          <p:cNvPr id="113" name="文本框 112">
-            <a:extLst>
-              <a:ext uri="{FF2B5EF4-FFF2-40B4-BE49-F238E27FC236}">
-                <a16:creationId xmlns:a16="http://schemas.microsoft.com/office/drawing/2014/main" id="{0313998F-634C-4A00-BA6D-8A563A6A3328}"/>
-              </a:ext>
-            </a:extLst>
-          </p:cNvPr>
-          <p:cNvSpPr txBox="1"/>
-          <p:nvPr/>
-        </p:nvSpPr>
-        <p:spPr>
-          <a:xfrm>
-            <a:off x="2994794" y="5197898"/>
-            <a:ext cx="633375" cy="261610"/>
-          </a:xfrm>
-          <a:prstGeom prst="rect">
-            <a:avLst/>
-          </a:prstGeom>
-          <a:noFill/>
-        </p:spPr>
-        <p:txBody>
-          <a:bodyPr wrap="square">
-            <a:spAutoFit/>
-          </a:bodyPr>
-          <a:lstStyle/>
-          <a:p>
-            <a:pPr algn="ctr"/>
-            <a:r>
-              <a:rPr lang="en-US" altLang="zh-CN" sz="1100" dirty="0">
-                <a:solidFill>
-                  <a:srgbClr val="3C3C3B"/>
-                </a:solidFill>
-                <a:latin typeface="Gill Sans MT" panose="020B0502020104020203" pitchFamily="34" charset="0"/>
-              </a:rPr>
-              <a:t>P2</a:t>
-            </a:r>
-            <a:endParaRPr lang="zh-CN" altLang="en-US" sz="1100" dirty="0">
-              <a:solidFill>
-                <a:srgbClr val="3C3C3B"/>
-              </a:solidFill>
-              <a:latin typeface="Gill Sans MT" panose="020B0502020104020203" pitchFamily="34" charset="0"/>
-            </a:endParaRPr>
-          </a:p>
-        </p:txBody>
-      </p:sp>
-      <p:sp>
-        <p:nvSpPr>
-          <p:cNvPr id="114" name="文本框 113">
-            <a:extLst>
-              <a:ext uri="{FF2B5EF4-FFF2-40B4-BE49-F238E27FC236}">
-                <a16:creationId xmlns:a16="http://schemas.microsoft.com/office/drawing/2014/main" id="{254B2586-7163-419A-B35A-62AE4718D3FB}"/>
-              </a:ext>
-            </a:extLst>
-          </p:cNvPr>
-          <p:cNvSpPr txBox="1"/>
-          <p:nvPr/>
-        </p:nvSpPr>
-        <p:spPr>
-          <a:xfrm>
-            <a:off x="6280430" y="5067093"/>
-            <a:ext cx="1384037" cy="261610"/>
-          </a:xfrm>
-          <a:prstGeom prst="rect">
-            <a:avLst/>
-          </a:prstGeom>
-          <a:noFill/>
-        </p:spPr>
-        <p:txBody>
-          <a:bodyPr wrap="square">
-            <a:spAutoFit/>
-          </a:bodyPr>
-          <a:lstStyle/>
-          <a:p>
-            <a:pPr algn="ctr"/>
-            <a:r>
-              <a:rPr lang="en-US" altLang="zh-CN" sz="1050" dirty="0">
-                <a:solidFill>
-                  <a:srgbClr val="3C3C3B"/>
-                </a:solidFill>
-                <a:latin typeface="Gill Sans MT" panose="020B0502020104020203" pitchFamily="34" charset="0"/>
-              </a:rPr>
-              <a:t>63</a:t>
-            </a:r>
-            <a:endParaRPr lang="zh-CN" altLang="en-US" sz="1050" dirty="0">
-              <a:solidFill>
-                <a:srgbClr val="3C3C3B"/>
-              </a:solidFill>
-              <a:latin typeface="Gill Sans MT" panose="020B0502020104020203" pitchFamily="34" charset="0"/>
-            </a:endParaRPr>
-          </a:p>
-        </p:txBody>
-      </p:sp>
-      <p:sp>
-        <p:nvSpPr>
-          <p:cNvPr id="115" name="文本框 114">
-            <a:extLst>
-              <a:ext uri="{FF2B5EF4-FFF2-40B4-BE49-F238E27FC236}">
-                <a16:creationId xmlns:a16="http://schemas.microsoft.com/office/drawing/2014/main" id="{0AEF86D4-7FC7-4FB1-A64B-0D8B7E28313E}"/>
-              </a:ext>
-            </a:extLst>
-          </p:cNvPr>
-          <p:cNvSpPr txBox="1"/>
-          <p:nvPr/>
-        </p:nvSpPr>
-        <p:spPr>
-          <a:xfrm>
-            <a:off x="10509381" y="5052858"/>
-            <a:ext cx="1384037" cy="261610"/>
-          </a:xfrm>
-          <a:prstGeom prst="rect">
-            <a:avLst/>
-          </a:prstGeom>
-          <a:noFill/>
-        </p:spPr>
-        <p:txBody>
-          <a:bodyPr wrap="square">
-            <a:spAutoFit/>
-          </a:bodyPr>
-          <a:lstStyle/>
-          <a:p>
-            <a:pPr algn="ctr"/>
-            <a:r>
-              <a:rPr lang="en-US" altLang="zh-CN" sz="1050" dirty="0">
-                <a:solidFill>
-                  <a:srgbClr val="3C3C3B"/>
-                </a:solidFill>
-                <a:latin typeface="Gill Sans MT" panose="020B0502020104020203" pitchFamily="34" charset="0"/>
-              </a:rPr>
-              <a:t>0</a:t>
-            </a:r>
-            <a:endParaRPr lang="zh-CN" altLang="en-US" sz="1050" dirty="0">
-              <a:solidFill>
-                <a:srgbClr val="3C3C3B"/>
-              </a:solidFill>
-              <a:latin typeface="Gill Sans MT" panose="020B0502020104020203" pitchFamily="34" charset="0"/>
-            </a:endParaRPr>
-          </a:p>
-        </p:txBody>
-      </p:sp>
-    </p:spTree>
-    <p:extLst>
-      <p:ext uri="{BB962C8B-B14F-4D97-AF65-F5344CB8AC3E}">
-        <p14:creationId xmlns:p14="http://schemas.microsoft.com/office/powerpoint/2010/main" val="4034711011"/>
-      </p:ext>
-    </p:extLst>
-  </p:cSld>
-  <p:clrMapOvr>
-    <a:masterClrMapping/>
-  </p:clrMapOvr>
-</p:sld>
-</file>
-
 <file path=ppt/theme/theme1.xml><?xml version="1.0" encoding="utf-8"?>
 <a:theme xmlns:a="http://schemas.openxmlformats.org/drawingml/2006/main" name="arm CHINA 2021">
   <a:themeElements>
